--- a/pages/usage_examples/uses_pitch.pptx
+++ b/pages/usage_examples/uses_pitch.pptx
@@ -5,7 +5,7 @@
     <p:sldMasterId id="2147483648" r:id="rId1"/>
   </p:sldMasterIdLst>
   <p:notesMasterIdLst>
-    <p:notesMasterId r:id="rId16"/>
+    <p:notesMasterId r:id="rId17"/>
   </p:notesMasterIdLst>
   <p:sldIdLst>
     <p:sldId id="257" r:id="rId2"/>
@@ -22,6 +22,7 @@
     <p:sldId id="268" r:id="rId13"/>
     <p:sldId id="266" r:id="rId14"/>
     <p:sldId id="267" r:id="rId15"/>
+    <p:sldId id="271" r:id="rId16"/>
   </p:sldIdLst>
   <p:sldSz cx="12192000" cy="6858000"/>
   <p:notesSz cx="6858000" cy="9144000"/>
@@ -210,7 +211,7 @@
           <a:p>
             <a:fld id="{2CD01EFD-C897-2F4F-A8C4-BBFE9586ADD6}" type="datetimeFigureOut">
               <a:rPr lang="en-GB" smtClean="0"/>
-              <a:t>17/08/2022</a:t>
+              <a:t>19/08/2022</a:t>
             </a:fld>
             <a:endParaRPr lang="en-GB"/>
           </a:p>
@@ -1172,6 +1173,94 @@
 </p:notes>
 </file>
 
+<file path=ppt/notesSlides/notesSlide15.xml><?xml version="1.0" encoding="utf-8"?>
+<p:notes xmlns:a="http://schemas.openxmlformats.org/drawingml/2006/main" xmlns:r="http://schemas.openxmlformats.org/officeDocument/2006/relationships" xmlns:p="http://schemas.openxmlformats.org/presentationml/2006/main">
+  <p:cSld>
+    <p:spTree>
+      <p:nvGrpSpPr>
+        <p:cNvPr id="1" name=""/>
+        <p:cNvGrpSpPr/>
+        <p:nvPr/>
+      </p:nvGrpSpPr>
+      <p:grpSpPr>
+        <a:xfrm>
+          <a:off x="0" y="0"/>
+          <a:ext cx="0" cy="0"/>
+          <a:chOff x="0" y="0"/>
+          <a:chExt cx="0" cy="0"/>
+        </a:xfrm>
+      </p:grpSpPr>
+      <p:sp>
+        <p:nvSpPr>
+          <p:cNvPr id="2" name="Slide Image Placeholder 1"/>
+          <p:cNvSpPr>
+            <a:spLocks noGrp="1" noRot="1" noChangeAspect="1"/>
+          </p:cNvSpPr>
+          <p:nvPr>
+            <p:ph type="sldImg"/>
+          </p:nvPr>
+        </p:nvSpPr>
+        <p:spPr/>
+      </p:sp>
+      <p:sp>
+        <p:nvSpPr>
+          <p:cNvPr id="3" name="Notes Placeholder 2"/>
+          <p:cNvSpPr>
+            <a:spLocks noGrp="1"/>
+          </p:cNvSpPr>
+          <p:nvPr>
+            <p:ph type="body" idx="1"/>
+          </p:nvPr>
+        </p:nvSpPr>
+        <p:spPr/>
+        <p:txBody>
+          <a:bodyPr/>
+          <a:lstStyle/>
+          <a:p>
+            <a:pPr marL="342900" indent="-342900">
+              <a:buFont typeface="Arial" panose="020B0604020202020204" pitchFamily="34" charset="0"/>
+              <a:buChar char="•"/>
+            </a:pPr>
+            <a:endParaRPr lang="en-GB" sz="2000" dirty="0"/>
+          </a:p>
+        </p:txBody>
+      </p:sp>
+      <p:sp>
+        <p:nvSpPr>
+          <p:cNvPr id="4" name="Slide Number Placeholder 3"/>
+          <p:cNvSpPr>
+            <a:spLocks noGrp="1"/>
+          </p:cNvSpPr>
+          <p:nvPr>
+            <p:ph type="sldNum" sz="quarter" idx="5"/>
+          </p:nvPr>
+        </p:nvSpPr>
+        <p:spPr/>
+        <p:txBody>
+          <a:bodyPr/>
+          <a:lstStyle/>
+          <a:p>
+            <a:fld id="{D03B494D-EF55-ED4D-8344-BA5F1AFFB3B7}" type="slidenum">
+              <a:rPr lang="en-GB" smtClean="0"/>
+              <a:t>15</a:t>
+            </a:fld>
+            <a:endParaRPr lang="en-GB"/>
+          </a:p>
+        </p:txBody>
+      </p:sp>
+    </p:spTree>
+    <p:extLst>
+      <p:ext uri="{BB962C8B-B14F-4D97-AF65-F5344CB8AC3E}">
+        <p14:creationId xmlns:p14="http://schemas.microsoft.com/office/powerpoint/2010/main" val="4214673098"/>
+      </p:ext>
+    </p:extLst>
+  </p:cSld>
+  <p:clrMapOvr>
+    <a:masterClrMapping/>
+  </p:clrMapOvr>
+</p:notes>
+</file>
+
 <file path=ppt/notesSlides/notesSlide2.xml><?xml version="1.0" encoding="utf-8"?>
 <p:notes xmlns:a="http://schemas.openxmlformats.org/drawingml/2006/main" xmlns:r="http://schemas.openxmlformats.org/officeDocument/2006/relationships" xmlns:p="http://schemas.openxmlformats.org/presentationml/2006/main">
   <p:cSld>
@@ -2446,7 +2535,7 @@
           <a:p>
             <a:fld id="{44F1775B-48C8-5541-8AC4-CC7C20C09602}" type="datetimeFigureOut">
               <a:rPr lang="en-GB" smtClean="0"/>
-              <a:t>17/08/2022</a:t>
+              <a:t>19/08/2022</a:t>
             </a:fld>
             <a:endParaRPr lang="en-GB"/>
           </a:p>
@@ -2646,7 +2735,7 @@
           <a:p>
             <a:fld id="{44F1775B-48C8-5541-8AC4-CC7C20C09602}" type="datetimeFigureOut">
               <a:rPr lang="en-GB" smtClean="0"/>
-              <a:t>17/08/2022</a:t>
+              <a:t>19/08/2022</a:t>
             </a:fld>
             <a:endParaRPr lang="en-GB"/>
           </a:p>
@@ -2856,7 +2945,7 @@
           <a:p>
             <a:fld id="{44F1775B-48C8-5541-8AC4-CC7C20C09602}" type="datetimeFigureOut">
               <a:rPr lang="en-GB" smtClean="0"/>
-              <a:t>17/08/2022</a:t>
+              <a:t>19/08/2022</a:t>
             </a:fld>
             <a:endParaRPr lang="en-GB"/>
           </a:p>
@@ -3056,7 +3145,7 @@
           <a:p>
             <a:fld id="{44F1775B-48C8-5541-8AC4-CC7C20C09602}" type="datetimeFigureOut">
               <a:rPr lang="en-GB" smtClean="0"/>
-              <a:t>17/08/2022</a:t>
+              <a:t>19/08/2022</a:t>
             </a:fld>
             <a:endParaRPr lang="en-GB"/>
           </a:p>
@@ -3332,7 +3421,7 @@
           <a:p>
             <a:fld id="{44F1775B-48C8-5541-8AC4-CC7C20C09602}" type="datetimeFigureOut">
               <a:rPr lang="en-GB" smtClean="0"/>
-              <a:t>17/08/2022</a:t>
+              <a:t>19/08/2022</a:t>
             </a:fld>
             <a:endParaRPr lang="en-GB"/>
           </a:p>
@@ -3600,7 +3689,7 @@
           <a:p>
             <a:fld id="{44F1775B-48C8-5541-8AC4-CC7C20C09602}" type="datetimeFigureOut">
               <a:rPr lang="en-GB" smtClean="0"/>
-              <a:t>17/08/2022</a:t>
+              <a:t>19/08/2022</a:t>
             </a:fld>
             <a:endParaRPr lang="en-GB"/>
           </a:p>
@@ -4015,7 +4104,7 @@
           <a:p>
             <a:fld id="{44F1775B-48C8-5541-8AC4-CC7C20C09602}" type="datetimeFigureOut">
               <a:rPr lang="en-GB" smtClean="0"/>
-              <a:t>17/08/2022</a:t>
+              <a:t>19/08/2022</a:t>
             </a:fld>
             <a:endParaRPr lang="en-GB"/>
           </a:p>
@@ -4157,7 +4246,7 @@
           <a:p>
             <a:fld id="{44F1775B-48C8-5541-8AC4-CC7C20C09602}" type="datetimeFigureOut">
               <a:rPr lang="en-GB" smtClean="0"/>
-              <a:t>17/08/2022</a:t>
+              <a:t>19/08/2022</a:t>
             </a:fld>
             <a:endParaRPr lang="en-GB"/>
           </a:p>
@@ -4270,7 +4359,7 @@
           <a:p>
             <a:fld id="{44F1775B-48C8-5541-8AC4-CC7C20C09602}" type="datetimeFigureOut">
               <a:rPr lang="en-GB" smtClean="0"/>
-              <a:t>17/08/2022</a:t>
+              <a:t>19/08/2022</a:t>
             </a:fld>
             <a:endParaRPr lang="en-GB"/>
           </a:p>
@@ -4583,7 +4672,7 @@
           <a:p>
             <a:fld id="{44F1775B-48C8-5541-8AC4-CC7C20C09602}" type="datetimeFigureOut">
               <a:rPr lang="en-GB" smtClean="0"/>
-              <a:t>17/08/2022</a:t>
+              <a:t>19/08/2022</a:t>
             </a:fld>
             <a:endParaRPr lang="en-GB"/>
           </a:p>
@@ -4872,7 +4961,7 @@
           <a:p>
             <a:fld id="{44F1775B-48C8-5541-8AC4-CC7C20C09602}" type="datetimeFigureOut">
               <a:rPr lang="en-GB" smtClean="0"/>
-              <a:t>17/08/2022</a:t>
+              <a:t>19/08/2022</a:t>
             </a:fld>
             <a:endParaRPr lang="en-GB"/>
           </a:p>
@@ -5115,7 +5204,7 @@
           <a:p>
             <a:fld id="{44F1775B-48C8-5541-8AC4-CC7C20C09602}" type="datetimeFigureOut">
               <a:rPr lang="en-GB" smtClean="0"/>
-              <a:t>17/08/2022</a:t>
+              <a:t>19/08/2022</a:t>
             </a:fld>
             <a:endParaRPr lang="en-GB"/>
           </a:p>
@@ -5518,6 +5607,14 @@
 <file path=ppt/slides/slide1.xml><?xml version="1.0" encoding="utf-8"?>
 <p:sld xmlns:a="http://schemas.openxmlformats.org/drawingml/2006/main" xmlns:r="http://schemas.openxmlformats.org/officeDocument/2006/relationships" xmlns:p="http://schemas.openxmlformats.org/presentationml/2006/main">
   <p:cSld>
+    <p:bg>
+      <p:bgPr>
+        <a:solidFill>
+          <a:schemeClr val="bg1"/>
+        </a:solidFill>
+        <a:effectLst/>
+      </p:bgPr>
+    </p:bg>
     <p:spTree>
       <p:nvGrpSpPr>
         <p:cNvPr id="1" name=""/>
@@ -5532,12 +5629,158 @@
           <a:chExt cx="0" cy="0"/>
         </a:xfrm>
       </p:grpSpPr>
-      <p:sp>
-        <p:nvSpPr>
-          <p:cNvPr id="3" name="TextBox 2">
+      <p:sp useBgFill="1">
+        <p:nvSpPr>
+          <p:cNvPr id="9" name="Rectangle 8">
             <a:extLst>
               <a:ext uri="{FF2B5EF4-FFF2-40B4-BE49-F238E27FC236}">
-                <a16:creationId xmlns:a16="http://schemas.microsoft.com/office/drawing/2014/main" id="{B6D9F9F8-50E6-6946-AFF4-72123E928680}"/>
+                <a16:creationId xmlns:a16="http://schemas.microsoft.com/office/drawing/2014/main" id="{04812C46-200A-4DEB-A05E-3ED6C68C2387}"/>
+              </a:ext>
+              <a:ext uri="{C183D7F6-B498-43B3-948B-1728B52AA6E4}">
+                <adec:decorative xmlns:adec="http://schemas.microsoft.com/office/drawing/2017/decorative" val="1"/>
+              </a:ext>
+            </a:extLst>
+          </p:cNvPr>
+          <p:cNvSpPr>
+            <a:spLocks noGrp="1" noRot="1" noChangeAspect="1" noMove="1" noResize="1" noEditPoints="1" noAdjustHandles="1" noChangeArrowheads="1" noChangeShapeType="1" noTextEdit="1"/>
+          </p:cNvSpPr>
+          <p:nvPr>
+            <p:extLst>
+              <p:ext uri="{386F3935-93C4-4BCD-93E2-E3B085C9AB24}">
+                <p16:designElem xmlns:p16="http://schemas.microsoft.com/office/powerpoint/2015/main" val="1"/>
+              </p:ext>
+            </p:extLst>
+          </p:nvPr>
+        </p:nvSpPr>
+        <p:spPr>
+          <a:xfrm>
+            <a:off x="-1" y="0"/>
+            <a:ext cx="12188952" cy="6858000"/>
+          </a:xfrm>
+          <a:prstGeom prst="rect">
+            <a:avLst/>
+          </a:prstGeom>
+          <a:ln>
+            <a:noFill/>
+          </a:ln>
+        </p:spPr>
+        <p:style>
+          <a:lnRef idx="2">
+            <a:schemeClr val="accent1">
+              <a:shade val="50000"/>
+            </a:schemeClr>
+          </a:lnRef>
+          <a:fillRef idx="1">
+            <a:schemeClr val="accent1"/>
+          </a:fillRef>
+          <a:effectRef idx="0">
+            <a:schemeClr val="accent1"/>
+          </a:effectRef>
+          <a:fontRef idx="minor">
+            <a:schemeClr val="lt1"/>
+          </a:fontRef>
+        </p:style>
+        <p:txBody>
+          <a:bodyPr rtlCol="0" anchor="ctr"/>
+          <a:lstStyle/>
+          <a:p>
+            <a:pPr algn="ctr"/>
+            <a:endParaRPr lang="en-US"/>
+          </a:p>
+        </p:txBody>
+      </p:sp>
+      <p:sp>
+        <p:nvSpPr>
+          <p:cNvPr id="11" name="Rectangle 10">
+            <a:extLst>
+              <a:ext uri="{FF2B5EF4-FFF2-40B4-BE49-F238E27FC236}">
+                <a16:creationId xmlns:a16="http://schemas.microsoft.com/office/drawing/2014/main" id="{D1EA859B-E555-4109-94F3-6700E046E008}"/>
+              </a:ext>
+              <a:ext uri="{C183D7F6-B498-43B3-948B-1728B52AA6E4}">
+                <adec:decorative xmlns:adec="http://schemas.microsoft.com/office/drawing/2017/decorative" val="1"/>
+              </a:ext>
+            </a:extLst>
+          </p:cNvPr>
+          <p:cNvSpPr>
+            <a:spLocks noGrp="1" noRot="1" noChangeAspect="1" noMove="1" noResize="1" noEditPoints="1" noAdjustHandles="1" noChangeArrowheads="1" noChangeShapeType="1" noTextEdit="1"/>
+          </p:cNvSpPr>
+          <p:nvPr>
+            <p:extLst>
+              <p:ext uri="{386F3935-93C4-4BCD-93E2-E3B085C9AB24}">
+                <p16:designElem xmlns:p16="http://schemas.microsoft.com/office/powerpoint/2015/main" val="1"/>
+              </p:ext>
+            </p:extLst>
+          </p:nvPr>
+        </p:nvSpPr>
+        <p:spPr>
+          <a:xfrm flipH="1">
+            <a:off x="5125019" y="0"/>
+            <a:ext cx="7066978" cy="6858000"/>
+          </a:xfrm>
+          <a:prstGeom prst="rect">
+            <a:avLst/>
+          </a:prstGeom>
+          <a:gradFill>
+            <a:gsLst>
+              <a:gs pos="48000">
+                <a:schemeClr val="bg1"/>
+              </a:gs>
+              <a:gs pos="35000">
+                <a:schemeClr val="bg1">
+                  <a:alpha val="77000"/>
+                </a:schemeClr>
+              </a:gs>
+              <a:gs pos="19000">
+                <a:schemeClr val="bg1">
+                  <a:alpha val="38000"/>
+                </a:schemeClr>
+              </a:gs>
+              <a:gs pos="0">
+                <a:schemeClr val="bg1">
+                  <a:alpha val="0"/>
+                </a:schemeClr>
+              </a:gs>
+              <a:gs pos="100000">
+                <a:schemeClr val="bg1"/>
+              </a:gs>
+            </a:gsLst>
+            <a:lin ang="10800000" scaled="0"/>
+          </a:gradFill>
+          <a:ln>
+            <a:noFill/>
+          </a:ln>
+        </p:spPr>
+        <p:style>
+          <a:lnRef idx="2">
+            <a:schemeClr val="accent1">
+              <a:shade val="50000"/>
+            </a:schemeClr>
+          </a:lnRef>
+          <a:fillRef idx="1">
+            <a:schemeClr val="accent1"/>
+          </a:fillRef>
+          <a:effectRef idx="0">
+            <a:schemeClr val="accent1"/>
+          </a:effectRef>
+          <a:fontRef idx="minor">
+            <a:schemeClr val="lt1"/>
+          </a:fontRef>
+        </p:style>
+        <p:txBody>
+          <a:bodyPr rtlCol="0" anchor="ctr"/>
+          <a:lstStyle/>
+          <a:p>
+            <a:pPr algn="ctr"/>
+            <a:endParaRPr lang="en-US" dirty="0"/>
+          </a:p>
+        </p:txBody>
+      </p:sp>
+      <p:sp>
+        <p:nvSpPr>
+          <p:cNvPr id="7" name="TextBox 6">
+            <a:extLst>
+              <a:ext uri="{FF2B5EF4-FFF2-40B4-BE49-F238E27FC236}">
+                <a16:creationId xmlns:a16="http://schemas.microsoft.com/office/drawing/2014/main" id="{46DCF492-D273-AB44-8F37-99DD0E4FDD5A}"/>
               </a:ext>
             </a:extLst>
           </p:cNvPr>
@@ -5546,7 +5789,7 @@
         </p:nvSpPr>
         <p:spPr>
           <a:xfrm>
-            <a:off x="3084096" y="3167390"/>
+            <a:off x="3082571" y="3167390"/>
             <a:ext cx="6023807" cy="523220"/>
           </a:xfrm>
           <a:prstGeom prst="rect">
@@ -5570,6 +5813,36 @@
           </a:p>
         </p:txBody>
       </p:sp>
+      <p:pic>
+        <p:nvPicPr>
+          <p:cNvPr id="8" name="Picture 7" descr="Shape&#10;&#10;Description automatically generated with low confidence">
+            <a:extLst>
+              <a:ext uri="{FF2B5EF4-FFF2-40B4-BE49-F238E27FC236}">
+                <a16:creationId xmlns:a16="http://schemas.microsoft.com/office/drawing/2014/main" id="{5CC95095-3C9B-AE41-A176-F7EAA1D14358}"/>
+              </a:ext>
+            </a:extLst>
+          </p:cNvPr>
+          <p:cNvPicPr>
+            <a:picLocks noChangeAspect="1"/>
+          </p:cNvPicPr>
+          <p:nvPr/>
+        </p:nvPicPr>
+        <p:blipFill>
+          <a:blip r:embed="rId3"/>
+          <a:stretch>
+            <a:fillRect/>
+          </a:stretch>
+        </p:blipFill>
+        <p:spPr>
+          <a:xfrm>
+            <a:off x="3794511" y="2952427"/>
+            <a:ext cx="618568" cy="953146"/>
+          </a:xfrm>
+          <a:prstGeom prst="rect">
+            <a:avLst/>
+          </a:prstGeom>
+        </p:spPr>
+      </p:pic>
     </p:spTree>
     <p:extLst>
       <p:ext uri="{BB962C8B-B14F-4D97-AF65-F5344CB8AC3E}">
@@ -5809,10 +6082,10 @@
         </p:nvGrpSpPr>
         <p:grpSpPr>
           <a:xfrm>
-            <a:off x="1228806" y="442228"/>
-            <a:ext cx="9727846" cy="1333196"/>
-            <a:chOff x="1228806" y="5193514"/>
-            <a:chExt cx="9727846" cy="1333196"/>
+            <a:off x="1170085" y="984669"/>
+            <a:ext cx="9851830" cy="1333196"/>
+            <a:chOff x="1166814" y="5193514"/>
+            <a:chExt cx="9851830" cy="1333196"/>
           </a:xfrm>
         </p:grpSpPr>
         <p:sp>
@@ -5829,7 +6102,7 @@
           </p:nvSpPr>
           <p:spPr>
             <a:xfrm rot="5400000" flipV="1">
-              <a:off x="1246806" y="5176710"/>
+              <a:off x="1184814" y="5176710"/>
               <a:ext cx="1332000" cy="1368000"/>
             </a:xfrm>
             <a:prstGeom prst="bentArrow">
@@ -5885,7 +6158,7 @@
           </p:nvSpPr>
           <p:spPr>
             <a:xfrm rot="16200000" flipH="1" flipV="1">
-              <a:off x="9606652" y="5176710"/>
+              <a:off x="9668644" y="5176710"/>
               <a:ext cx="1332000" cy="1368000"/>
             </a:xfrm>
             <a:prstGeom prst="bentArrow">
@@ -6026,7 +6299,7 @@
         </p:nvGrpSpPr>
         <p:grpSpPr>
           <a:xfrm>
-            <a:off x="2596806" y="836945"/>
+            <a:off x="2600077" y="1379386"/>
             <a:ext cx="6985050" cy="4655474"/>
             <a:chOff x="2596806" y="-5918471"/>
             <a:chExt cx="6985050" cy="4655474"/>
@@ -6060,9 +6333,7 @@
               <a:avLst/>
             </a:prstGeom>
             <a:ln w="12700">
-              <a:solidFill>
-                <a:schemeClr val="tx1"/>
-              </a:solidFill>
+              <a:noFill/>
             </a:ln>
           </p:spPr>
         </p:pic>
@@ -8079,6 +8350,66 @@
 </p:sld>
 </file>
 
+<file path=ppt/slides/slide15.xml><?xml version="1.0" encoding="utf-8"?>
+<p:sld xmlns:a="http://schemas.openxmlformats.org/drawingml/2006/main" xmlns:r="http://schemas.openxmlformats.org/officeDocument/2006/relationships" xmlns:p="http://schemas.openxmlformats.org/presentationml/2006/main">
+  <p:cSld>
+    <p:spTree>
+      <p:nvGrpSpPr>
+        <p:cNvPr id="1" name=""/>
+        <p:cNvGrpSpPr/>
+        <p:nvPr/>
+      </p:nvGrpSpPr>
+      <p:grpSpPr>
+        <a:xfrm>
+          <a:off x="0" y="0"/>
+          <a:ext cx="0" cy="0"/>
+          <a:chOff x="0" y="0"/>
+          <a:chExt cx="0" cy="0"/>
+        </a:xfrm>
+      </p:grpSpPr>
+      <p:pic>
+        <p:nvPicPr>
+          <p:cNvPr id="8" name="Picture 7" descr="Shape&#10;&#10;Description automatically generated with low confidence">
+            <a:extLst>
+              <a:ext uri="{FF2B5EF4-FFF2-40B4-BE49-F238E27FC236}">
+                <a16:creationId xmlns:a16="http://schemas.microsoft.com/office/drawing/2014/main" id="{5CC95095-3C9B-AE41-A176-F7EAA1D14358}"/>
+              </a:ext>
+            </a:extLst>
+          </p:cNvPr>
+          <p:cNvPicPr>
+            <a:picLocks noChangeAspect="1"/>
+          </p:cNvPicPr>
+          <p:nvPr/>
+        </p:nvPicPr>
+        <p:blipFill>
+          <a:blip r:embed="rId3"/>
+          <a:stretch>
+            <a:fillRect/>
+          </a:stretch>
+        </p:blipFill>
+        <p:spPr>
+          <a:xfrm>
+            <a:off x="5786716" y="2952427"/>
+            <a:ext cx="618568" cy="953146"/>
+          </a:xfrm>
+          <a:prstGeom prst="rect">
+            <a:avLst/>
+          </a:prstGeom>
+        </p:spPr>
+      </p:pic>
+    </p:spTree>
+    <p:extLst>
+      <p:ext uri="{BB962C8B-B14F-4D97-AF65-F5344CB8AC3E}">
+        <p14:creationId xmlns:p14="http://schemas.microsoft.com/office/powerpoint/2010/main" val="3113165657"/>
+      </p:ext>
+    </p:extLst>
+  </p:cSld>
+  <p:clrMapOvr>
+    <a:masterClrMapping/>
+  </p:clrMapOvr>
+</p:sld>
+</file>
+
 <file path=ppt/slides/slide2.xml><?xml version="1.0" encoding="utf-8"?>
 <p:sld xmlns:a="http://schemas.openxmlformats.org/drawingml/2006/main" xmlns:r="http://schemas.openxmlformats.org/officeDocument/2006/relationships" xmlns:p="http://schemas.openxmlformats.org/presentationml/2006/main">
   <p:cSld>
@@ -8149,6 +8480,47 @@
           </a:p>
         </p:txBody>
       </p:sp>
+      <p:cxnSp>
+        <p:nvCxnSpPr>
+          <p:cNvPr id="3" name="Straight Connector 2">
+            <a:extLst>
+              <a:ext uri="{FF2B5EF4-FFF2-40B4-BE49-F238E27FC236}">
+                <a16:creationId xmlns:a16="http://schemas.microsoft.com/office/drawing/2014/main" id="{DB1DA058-99D0-044B-AE8A-AC2EB8664529}"/>
+              </a:ext>
+            </a:extLst>
+          </p:cNvPr>
+          <p:cNvCxnSpPr/>
+          <p:nvPr/>
+        </p:nvCxnSpPr>
+        <p:spPr>
+          <a:xfrm flipH="1">
+            <a:off x="4572001" y="3890074"/>
+            <a:ext cx="3037668" cy="0"/>
+          </a:xfrm>
+          <a:prstGeom prst="line">
+            <a:avLst/>
+          </a:prstGeom>
+          <a:ln>
+            <a:solidFill>
+              <a:srgbClr val="C00000"/>
+            </a:solidFill>
+          </a:ln>
+        </p:spPr>
+        <p:style>
+          <a:lnRef idx="1">
+            <a:schemeClr val="accent1"/>
+          </a:lnRef>
+          <a:fillRef idx="0">
+            <a:schemeClr val="accent1"/>
+          </a:fillRef>
+          <a:effectRef idx="0">
+            <a:schemeClr val="accent1"/>
+          </a:effectRef>
+          <a:fontRef idx="minor">
+            <a:schemeClr val="tx1"/>
+          </a:fontRef>
+        </p:style>
+      </p:cxnSp>
     </p:spTree>
     <p:extLst>
       <p:ext uri="{BB962C8B-B14F-4D97-AF65-F5344CB8AC3E}">
@@ -8304,7 +8676,7 @@
               <a:rPr lang="en-GB" sz="2800" dirty="0">
                 <a:latin typeface="Satoshi" pitchFamily="2" charset="77"/>
               </a:rPr>
-              <a:t>How can I trust medicine from an AI algorithm?</a:t>
+              <a:t>How can I trust medicine from an algorithm?</a:t>
             </a:r>
           </a:p>
         </p:txBody>
@@ -8411,8 +8783,8 @@
         </p:blipFill>
         <p:spPr>
           <a:xfrm>
-            <a:off x="2813050" y="127358"/>
-            <a:ext cx="6565900" cy="4584700"/>
+            <a:off x="3387724" y="521603"/>
+            <a:ext cx="5416551" cy="3782157"/>
           </a:xfrm>
           <a:prstGeom prst="rect">
             <a:avLst/>
@@ -8433,7 +8805,7 @@
         </p:nvSpPr>
         <p:spPr>
           <a:xfrm>
-            <a:off x="2813050" y="4527392"/>
+            <a:off x="3434218" y="4088098"/>
             <a:ext cx="6096000" cy="369332"/>
           </a:xfrm>
           <a:prstGeom prst="rect">
@@ -8482,7 +8854,7 @@
         </p:nvSpPr>
         <p:spPr>
           <a:xfrm>
-            <a:off x="2813049" y="5380672"/>
+            <a:off x="3434218" y="5136068"/>
             <a:ext cx="6096001" cy="1200329"/>
           </a:xfrm>
           <a:prstGeom prst="rect">
@@ -8656,6 +9028,43 @@
                 <a:latin typeface="Satoshi" pitchFamily="2" charset="77"/>
               </a:rPr>
               <a:t>existing scientific evidence.</a:t>
+            </a:r>
+          </a:p>
+        </p:txBody>
+      </p:sp>
+      <p:sp>
+        <p:nvSpPr>
+          <p:cNvPr id="4" name="TextBox 3">
+            <a:extLst>
+              <a:ext uri="{FF2B5EF4-FFF2-40B4-BE49-F238E27FC236}">
+                <a16:creationId xmlns:a16="http://schemas.microsoft.com/office/drawing/2014/main" id="{58C2B578-F09E-8243-AB6E-CB5901805F1D}"/>
+              </a:ext>
+            </a:extLst>
+          </p:cNvPr>
+          <p:cNvSpPr txBox="1"/>
+          <p:nvPr/>
+        </p:nvSpPr>
+        <p:spPr>
+          <a:xfrm>
+            <a:off x="10272885" y="0"/>
+            <a:ext cx="1919115" cy="523220"/>
+          </a:xfrm>
+          <a:prstGeom prst="rect">
+            <a:avLst/>
+          </a:prstGeom>
+          <a:noFill/>
+        </p:spPr>
+        <p:txBody>
+          <a:bodyPr wrap="none" rtlCol="0">
+            <a:spAutoFit/>
+          </a:bodyPr>
+          <a:lstStyle/>
+          <a:p>
+            <a:r>
+              <a:rPr lang="en-GB" sz="2800" dirty="0">
+                <a:latin typeface="Satoshi" pitchFamily="2" charset="77"/>
+              </a:rPr>
+              <a:t>Case study</a:t>
             </a:r>
           </a:p>
         </p:txBody>

--- a/pages/usage_examples/uses_pitch.pptx
+++ b/pages/usage_examples/uses_pitch.pptx
@@ -5,24 +5,25 @@
     <p:sldMasterId id="2147483648" r:id="rId1"/>
   </p:sldMasterIdLst>
   <p:notesMasterIdLst>
-    <p:notesMasterId r:id="rId17"/>
+    <p:notesMasterId r:id="rId18"/>
   </p:notesMasterIdLst>
   <p:sldIdLst>
     <p:sldId id="257" r:id="rId2"/>
     <p:sldId id="269" r:id="rId3"/>
-    <p:sldId id="259" r:id="rId4"/>
-    <p:sldId id="258" r:id="rId5"/>
-    <p:sldId id="256" r:id="rId6"/>
-    <p:sldId id="260" r:id="rId7"/>
-    <p:sldId id="261" r:id="rId8"/>
-    <p:sldId id="262" r:id="rId9"/>
-    <p:sldId id="263" r:id="rId10"/>
-    <p:sldId id="264" r:id="rId11"/>
-    <p:sldId id="265" r:id="rId12"/>
-    <p:sldId id="268" r:id="rId13"/>
-    <p:sldId id="266" r:id="rId14"/>
-    <p:sldId id="267" r:id="rId15"/>
-    <p:sldId id="271" r:id="rId16"/>
+    <p:sldId id="272" r:id="rId4"/>
+    <p:sldId id="259" r:id="rId5"/>
+    <p:sldId id="258" r:id="rId6"/>
+    <p:sldId id="256" r:id="rId7"/>
+    <p:sldId id="260" r:id="rId8"/>
+    <p:sldId id="261" r:id="rId9"/>
+    <p:sldId id="262" r:id="rId10"/>
+    <p:sldId id="263" r:id="rId11"/>
+    <p:sldId id="264" r:id="rId12"/>
+    <p:sldId id="265" r:id="rId13"/>
+    <p:sldId id="268" r:id="rId14"/>
+    <p:sldId id="266" r:id="rId15"/>
+    <p:sldId id="267" r:id="rId16"/>
+    <p:sldId id="271" r:id="rId17"/>
   </p:sldIdLst>
   <p:sldSz cx="12192000" cy="6858000"/>
   <p:notesSz cx="6858000" cy="9144000"/>
@@ -211,7 +212,7 @@
           <a:p>
             <a:fld id="{2CD01EFD-C897-2F4F-A8C4-BBFE9586ADD6}" type="datetimeFigureOut">
               <a:rPr lang="en-GB" smtClean="0"/>
-              <a:t>19/08/2022</a:t>
+              <a:t>24/08/2022</a:t>
             </a:fld>
             <a:endParaRPr lang="en-GB"/>
           </a:p>
@@ -641,10 +642,6 @@
             </a:r>
           </a:p>
           <a:p>
-            <a:pPr marL="171450" indent="-171450">
-              <a:buFont typeface="Arial" panose="020B0604020202020204" pitchFamily="34" charset="0"/>
-              <a:buChar char="•"/>
-            </a:pPr>
             <a:endParaRPr lang="en-GB" dirty="0"/>
           </a:p>
         </p:txBody>
@@ -675,7 +672,7 @@
     </p:spTree>
     <p:extLst>
       <p:ext uri="{BB962C8B-B14F-4D97-AF65-F5344CB8AC3E}">
-        <p14:creationId xmlns:p14="http://schemas.microsoft.com/office/powerpoint/2010/main" val="3653432752"/>
+        <p14:creationId xmlns:p14="http://schemas.microsoft.com/office/powerpoint/2010/main" val="480975979"/>
       </p:ext>
     </p:extLst>
   </p:cSld>
@@ -735,7 +732,7 @@
             </a:pPr>
             <a:r>
               <a:rPr lang="en-GB" dirty="0"/>
-              <a:t>Here is how we solve the problem.</a:t>
+              <a:t>This is what we want. </a:t>
             </a:r>
           </a:p>
           <a:p>
@@ -745,39 +742,7 @@
             </a:pPr>
             <a:r>
               <a:rPr lang="en-GB" dirty="0"/>
-              <a:t>An intricate analysis protocol and diagnosis, that folds down into </a:t>
-            </a:r>
-            <a:r>
-              <a:rPr lang="en-GB" b="1" dirty="0"/>
-              <a:t>a </a:t>
-            </a:r>
-            <a:r>
-              <a:rPr lang="en-GB" b="1" i="1" dirty="0"/>
-              <a:t>simple</a:t>
-            </a:r>
-            <a:r>
-              <a:rPr lang="en-GB" b="1" dirty="0"/>
-              <a:t>, </a:t>
-            </a:r>
-            <a:r>
-              <a:rPr lang="en-GB" b="1" i="1" dirty="0"/>
-              <a:t>single</a:t>
-            </a:r>
-            <a:r>
-              <a:rPr lang="en-GB" b="1" dirty="0"/>
-              <a:t>, </a:t>
-            </a:r>
-            <a:r>
-              <a:rPr lang="en-GB" b="1" i="1" dirty="0"/>
-              <a:t>concise</a:t>
-            </a:r>
-            <a:r>
-              <a:rPr lang="en-GB" b="1" dirty="0"/>
-              <a:t> report</a:t>
-            </a:r>
-            <a:r>
-              <a:rPr lang="en-GB" dirty="0"/>
-              <a:t>. </a:t>
+              <a:t>Trust but verify.</a:t>
             </a:r>
           </a:p>
           <a:p>
@@ -787,17 +752,7 @@
             </a:pPr>
             <a:r>
               <a:rPr lang="en-GB" dirty="0"/>
-              <a:t>For any possible question, we can simply click what one we want to see.</a:t>
-            </a:r>
-          </a:p>
-          <a:p>
-            <a:pPr marL="171450" indent="-171450">
-              <a:buFont typeface="Arial" panose="020B0604020202020204" pitchFamily="34" charset="0"/>
-              <a:buChar char="•"/>
-            </a:pPr>
-            <a:r>
-              <a:rPr lang="en-GB" dirty="0"/>
-              <a:t>We are provided with all of the source material and methods to explain why it is the most reliable data.</a:t>
+              <a:t>For every discovery the sum of evidence and methods are only a touch away. </a:t>
             </a:r>
           </a:p>
           <a:p>
@@ -835,7 +790,7 @@
     </p:spTree>
     <p:extLst>
       <p:ext uri="{BB962C8B-B14F-4D97-AF65-F5344CB8AC3E}">
-        <p14:creationId xmlns:p14="http://schemas.microsoft.com/office/powerpoint/2010/main" val="2657681991"/>
+        <p14:creationId xmlns:p14="http://schemas.microsoft.com/office/powerpoint/2010/main" val="3653432752"/>
       </p:ext>
     </p:extLst>
   </p:cSld>
@@ -995,7 +950,7 @@
     </p:spTree>
     <p:extLst>
       <p:ext uri="{BB962C8B-B14F-4D97-AF65-F5344CB8AC3E}">
-        <p14:creationId xmlns:p14="http://schemas.microsoft.com/office/powerpoint/2010/main" val="33986001"/>
+        <p14:creationId xmlns:p14="http://schemas.microsoft.com/office/powerpoint/2010/main" val="2657681991"/>
       </p:ext>
     </p:extLst>
   </p:cSld>
@@ -1049,6 +1004,82 @@
           <a:bodyPr/>
           <a:lstStyle/>
           <a:p>
+            <a:pPr marL="171450" indent="-171450">
+              <a:buFont typeface="Arial" panose="020B0604020202020204" pitchFamily="34" charset="0"/>
+              <a:buChar char="•"/>
+            </a:pPr>
+            <a:r>
+              <a:rPr lang="en-GB" dirty="0"/>
+              <a:t>Here is how we solve the problem.</a:t>
+            </a:r>
+          </a:p>
+          <a:p>
+            <a:pPr marL="171450" indent="-171450">
+              <a:buFont typeface="Arial" panose="020B0604020202020204" pitchFamily="34" charset="0"/>
+              <a:buChar char="•"/>
+            </a:pPr>
+            <a:r>
+              <a:rPr lang="en-GB" dirty="0"/>
+              <a:t>An intricate analysis protocol and diagnosis, that folds down into </a:t>
+            </a:r>
+            <a:r>
+              <a:rPr lang="en-GB" b="1" dirty="0"/>
+              <a:t>a </a:t>
+            </a:r>
+            <a:r>
+              <a:rPr lang="en-GB" b="1" i="1" dirty="0"/>
+              <a:t>simple</a:t>
+            </a:r>
+            <a:r>
+              <a:rPr lang="en-GB" b="1" dirty="0"/>
+              <a:t>, </a:t>
+            </a:r>
+            <a:r>
+              <a:rPr lang="en-GB" b="1" i="1" dirty="0"/>
+              <a:t>single</a:t>
+            </a:r>
+            <a:r>
+              <a:rPr lang="en-GB" b="1" dirty="0"/>
+              <a:t>, </a:t>
+            </a:r>
+            <a:r>
+              <a:rPr lang="en-GB" b="1" i="1" dirty="0"/>
+              <a:t>concise</a:t>
+            </a:r>
+            <a:r>
+              <a:rPr lang="en-GB" b="1" dirty="0"/>
+              <a:t> report</a:t>
+            </a:r>
+            <a:r>
+              <a:rPr lang="en-GB" dirty="0"/>
+              <a:t>. </a:t>
+            </a:r>
+          </a:p>
+          <a:p>
+            <a:pPr marL="171450" indent="-171450">
+              <a:buFont typeface="Arial" panose="020B0604020202020204" pitchFamily="34" charset="0"/>
+              <a:buChar char="•"/>
+            </a:pPr>
+            <a:r>
+              <a:rPr lang="en-GB" dirty="0"/>
+              <a:t>For any possible question, we can simply click what one we want to see.</a:t>
+            </a:r>
+          </a:p>
+          <a:p>
+            <a:pPr marL="171450" indent="-171450">
+              <a:buFont typeface="Arial" panose="020B0604020202020204" pitchFamily="34" charset="0"/>
+              <a:buChar char="•"/>
+            </a:pPr>
+            <a:r>
+              <a:rPr lang="en-GB" dirty="0"/>
+              <a:t>We are provided with all of the source material and methods to explain why it is the most reliable data.</a:t>
+            </a:r>
+          </a:p>
+          <a:p>
+            <a:pPr marL="171450" indent="-171450">
+              <a:buFont typeface="Arial" panose="020B0604020202020204" pitchFamily="34" charset="0"/>
+              <a:buChar char="•"/>
+            </a:pPr>
             <a:endParaRPr lang="en-GB" dirty="0"/>
           </a:p>
         </p:txBody>
@@ -1079,7 +1110,7 @@
     </p:spTree>
     <p:extLst>
       <p:ext uri="{BB962C8B-B14F-4D97-AF65-F5344CB8AC3E}">
-        <p14:creationId xmlns:p14="http://schemas.microsoft.com/office/powerpoint/2010/main" val="1572823843"/>
+        <p14:creationId xmlns:p14="http://schemas.microsoft.com/office/powerpoint/2010/main" val="33986001"/>
       </p:ext>
     </p:extLst>
   </p:cSld>
@@ -1163,7 +1194,7 @@
     </p:spTree>
     <p:extLst>
       <p:ext uri="{BB962C8B-B14F-4D97-AF65-F5344CB8AC3E}">
-        <p14:creationId xmlns:p14="http://schemas.microsoft.com/office/powerpoint/2010/main" val="2774947678"/>
+        <p14:creationId xmlns:p14="http://schemas.microsoft.com/office/powerpoint/2010/main" val="1572823843"/>
       </p:ext>
     </p:extLst>
   </p:cSld>
@@ -1217,6 +1248,90 @@
           <a:bodyPr/>
           <a:lstStyle/>
           <a:p>
+            <a:endParaRPr lang="en-GB" dirty="0"/>
+          </a:p>
+        </p:txBody>
+      </p:sp>
+      <p:sp>
+        <p:nvSpPr>
+          <p:cNvPr id="4" name="Slide Number Placeholder 3"/>
+          <p:cNvSpPr>
+            <a:spLocks noGrp="1"/>
+          </p:cNvSpPr>
+          <p:nvPr>
+            <p:ph type="sldNum" sz="quarter" idx="5"/>
+          </p:nvPr>
+        </p:nvSpPr>
+        <p:spPr/>
+        <p:txBody>
+          <a:bodyPr/>
+          <a:lstStyle/>
+          <a:p>
+            <a:fld id="{D03B494D-EF55-ED4D-8344-BA5F1AFFB3B7}" type="slidenum">
+              <a:rPr lang="en-GB" smtClean="0"/>
+              <a:t>15</a:t>
+            </a:fld>
+            <a:endParaRPr lang="en-GB"/>
+          </a:p>
+        </p:txBody>
+      </p:sp>
+    </p:spTree>
+    <p:extLst>
+      <p:ext uri="{BB962C8B-B14F-4D97-AF65-F5344CB8AC3E}">
+        <p14:creationId xmlns:p14="http://schemas.microsoft.com/office/powerpoint/2010/main" val="2774947678"/>
+      </p:ext>
+    </p:extLst>
+  </p:cSld>
+  <p:clrMapOvr>
+    <a:masterClrMapping/>
+  </p:clrMapOvr>
+</p:notes>
+</file>
+
+<file path=ppt/notesSlides/notesSlide16.xml><?xml version="1.0" encoding="utf-8"?>
+<p:notes xmlns:a="http://schemas.openxmlformats.org/drawingml/2006/main" xmlns:r="http://schemas.openxmlformats.org/officeDocument/2006/relationships" xmlns:p="http://schemas.openxmlformats.org/presentationml/2006/main">
+  <p:cSld>
+    <p:spTree>
+      <p:nvGrpSpPr>
+        <p:cNvPr id="1" name=""/>
+        <p:cNvGrpSpPr/>
+        <p:nvPr/>
+      </p:nvGrpSpPr>
+      <p:grpSpPr>
+        <a:xfrm>
+          <a:off x="0" y="0"/>
+          <a:ext cx="0" cy="0"/>
+          <a:chOff x="0" y="0"/>
+          <a:chExt cx="0" cy="0"/>
+        </a:xfrm>
+      </p:grpSpPr>
+      <p:sp>
+        <p:nvSpPr>
+          <p:cNvPr id="2" name="Slide Image Placeholder 1"/>
+          <p:cNvSpPr>
+            <a:spLocks noGrp="1" noRot="1" noChangeAspect="1"/>
+          </p:cNvSpPr>
+          <p:nvPr>
+            <p:ph type="sldImg"/>
+          </p:nvPr>
+        </p:nvSpPr>
+        <p:spPr/>
+      </p:sp>
+      <p:sp>
+        <p:nvSpPr>
+          <p:cNvPr id="3" name="Notes Placeholder 2"/>
+          <p:cNvSpPr>
+            <a:spLocks noGrp="1"/>
+          </p:cNvSpPr>
+          <p:nvPr>
+            <p:ph type="body" idx="1"/>
+          </p:nvPr>
+        </p:nvSpPr>
+        <p:spPr/>
+        <p:txBody>
+          <a:bodyPr/>
+          <a:lstStyle/>
+          <a:p>
             <a:pPr marL="342900" indent="-342900">
               <a:buFont typeface="Arial" panose="020B0604020202020204" pitchFamily="34" charset="0"/>
               <a:buChar char="•"/>
@@ -1242,7 +1357,7 @@
           <a:p>
             <a:fld id="{D03B494D-EF55-ED4D-8344-BA5F1AFFB3B7}" type="slidenum">
               <a:rPr lang="en-GB" smtClean="0"/>
-              <a:t>15</a:t>
+              <a:t>16</a:t>
             </a:fld>
             <a:endParaRPr lang="en-GB"/>
           </a:p>
@@ -1409,51 +1524,27 @@
           <a:bodyPr/>
           <a:lstStyle/>
           <a:p>
-            <a:pPr marL="171450" indent="-171450">
+            <a:pPr marL="342900" indent="-342900">
               <a:buFont typeface="Arial" panose="020B0604020202020204" pitchFamily="34" charset="0"/>
               <a:buChar char="•"/>
             </a:pPr>
             <a:r>
-              <a:rPr lang="en-GB" dirty="0"/>
-              <a:t>Historically, doctors would test and learn. Their knowledge and experience is used to diagnose and treat based on deductive reasoning.</a:t>
-            </a:r>
-          </a:p>
-          <a:p>
-            <a:pPr marL="171450" indent="-171450">
+              <a:rPr lang="en-GB" sz="2000" dirty="0"/>
+              <a:t>Appeals to authority hinders reliability.</a:t>
+            </a:r>
+          </a:p>
+          <a:p>
+            <a:pPr marL="342900" indent="-342900">
               <a:buFont typeface="Arial" panose="020B0604020202020204" pitchFamily="34" charset="0"/>
               <a:buChar char="•"/>
             </a:pPr>
             <a:r>
-              <a:rPr lang="en-GB" dirty="0"/>
-              <a:t>Next, as libraries grew, as the internet to hold, doctors had to rely less on memory and intuition and more on recorded facts. </a:t>
-            </a:r>
-          </a:p>
-          <a:p>
-            <a:pPr marL="171450" indent="-171450">
-              <a:buFont typeface="Arial" panose="020B0604020202020204" pitchFamily="34" charset="0"/>
-              <a:buChar char="•"/>
-            </a:pPr>
-            <a:r>
-              <a:rPr lang="en-GB" dirty="0"/>
-              <a:t>Tomorrow, no individual or team of doctors will outcompete their statistically-robust computational counterparts. </a:t>
-            </a:r>
-          </a:p>
-          <a:p>
-            <a:pPr marL="171450" indent="-171450">
-              <a:buFont typeface="Arial" panose="020B0604020202020204" pitchFamily="34" charset="0"/>
-              <a:buChar char="•"/>
-            </a:pPr>
-            <a:r>
-              <a:rPr lang="en-GB" dirty="0"/>
-              <a:t>However, that does not mean the doctor will disappear. It just means their role evolves (as it has always done through the ages). </a:t>
-            </a:r>
-          </a:p>
-          <a:p>
-            <a:pPr marL="171450" indent="-171450">
-              <a:buFont typeface="Arial" panose="020B0604020202020204" pitchFamily="34" charset="0"/>
-              <a:buChar char="•"/>
-            </a:pPr>
-            <a:endParaRPr lang="en-GB" dirty="0"/>
+              <a:rPr lang="en-GB" sz="2000" dirty="0"/>
+              <a:t>How many civilisations have failed because when the people shout: “Why is it this way ?” the leaders respond: “Because we say so”.</a:t>
+            </a:r>
+          </a:p>
+          <a:p>
+            <a:endParaRPr lang="en-GB" sz="2000" dirty="0"/>
           </a:p>
         </p:txBody>
       </p:sp>
@@ -1483,7 +1574,7 @@
     </p:spTree>
     <p:extLst>
       <p:ext uri="{BB962C8B-B14F-4D97-AF65-F5344CB8AC3E}">
-        <p14:creationId xmlns:p14="http://schemas.microsoft.com/office/powerpoint/2010/main" val="4179180019"/>
+        <p14:creationId xmlns:p14="http://schemas.microsoft.com/office/powerpoint/2010/main" val="1554178737"/>
       </p:ext>
     </p:extLst>
   </p:cSld>
@@ -1543,7 +1634,7 @@
             </a:pPr>
             <a:r>
               <a:rPr lang="en-GB" dirty="0"/>
-              <a:t>When we are unfamiliar with something new, we can underestimate how, significant, positive, and inevitable a change it can be.</a:t>
+              <a:t>Historically, doctors would test and learn. Their knowledge and experience is used to diagnose and treat based on deductive reasoning.</a:t>
             </a:r>
           </a:p>
           <a:p>
@@ -1553,7 +1644,7 @@
             </a:pPr>
             <a:r>
               <a:rPr lang="en-GB" dirty="0"/>
-              <a:t>When we go to the bank, we don’t expect the bank teller to give their opinion of what they think our bank balance is. </a:t>
+              <a:t>Next, as libraries grew, as the internet to hold, doctors had to rely less on memory and intuition and more on recorded facts. </a:t>
             </a:r>
           </a:p>
           <a:p>
@@ -1563,7 +1654,17 @@
             </a:pPr>
             <a:r>
               <a:rPr lang="en-GB" dirty="0"/>
-              <a:t>We want the standardised calculating program to do it. </a:t>
+              <a:t>Tomorrow, no individual or team of doctors will outcompete their statistically-robust computational counterparts. </a:t>
+            </a:r>
+          </a:p>
+          <a:p>
+            <a:pPr marL="171450" indent="-171450">
+              <a:buFont typeface="Arial" panose="020B0604020202020204" pitchFamily="34" charset="0"/>
+              <a:buChar char="•"/>
+            </a:pPr>
+            <a:r>
+              <a:rPr lang="en-GB" dirty="0"/>
+              <a:t>However, that does not mean the doctor will disappear. It just means their role evolves (as it has always done through the ages). </a:t>
             </a:r>
           </a:p>
           <a:p>
@@ -1573,50 +1674,6 @@
             </a:pPr>
             <a:endParaRPr lang="en-GB" dirty="0"/>
           </a:p>
-          <a:p>
-            <a:pPr marL="171450" indent="-171450">
-              <a:buFont typeface="Arial" panose="020B0604020202020204" pitchFamily="34" charset="0"/>
-              <a:buChar char="•"/>
-            </a:pPr>
-            <a:r>
-              <a:rPr lang="en-GB" dirty="0"/>
-              <a:t>When we have a disease, wouldn’t the best solution be to tally every piece of existing information and rank the probabilities accurately; to provide the most likely diagnosis and treatment, and supply multiple alternatives and backups?</a:t>
-            </a:r>
-          </a:p>
-          <a:p>
-            <a:pPr marL="171450" indent="-171450">
-              <a:buFont typeface="Arial" panose="020B0604020202020204" pitchFamily="34" charset="0"/>
-              <a:buChar char="•"/>
-            </a:pPr>
-            <a:endParaRPr lang="en-GB" dirty="0"/>
-          </a:p>
-          <a:p>
-            <a:pPr marL="171450" indent="-171450">
-              <a:buFont typeface="Arial" panose="020B0604020202020204" pitchFamily="34" charset="0"/>
-              <a:buChar char="•"/>
-            </a:pPr>
-            <a:r>
-              <a:rPr lang="en-GB" dirty="0"/>
-              <a:t>Instead, we hope that the doctor will do this very same job but manually.</a:t>
-            </a:r>
-          </a:p>
-          <a:p>
-            <a:pPr marL="171450" indent="-171450">
-              <a:buFont typeface="Arial" panose="020B0604020202020204" pitchFamily="34" charset="0"/>
-              <a:buChar char="•"/>
-            </a:pPr>
-            <a:r>
-              <a:rPr lang="en-GB" dirty="0"/>
-              <a:t>We hope that the doctor knows about all of the evidence sources, how reliable each is, and that they have no reason to dismiss pertinent facts based on a whim. </a:t>
-            </a:r>
-          </a:p>
-          <a:p>
-            <a:pPr marL="171450" indent="-171450">
-              <a:buFont typeface="Arial" panose="020B0604020202020204" pitchFamily="34" charset="0"/>
-              <a:buChar char="•"/>
-            </a:pPr>
-            <a:endParaRPr lang="en-GB" dirty="0"/>
-          </a:p>
         </p:txBody>
       </p:sp>
       <p:sp>
@@ -1645,7 +1702,7 @@
     </p:spTree>
     <p:extLst>
       <p:ext uri="{BB962C8B-B14F-4D97-AF65-F5344CB8AC3E}">
-        <p14:creationId xmlns:p14="http://schemas.microsoft.com/office/powerpoint/2010/main" val="639847781"/>
+        <p14:creationId xmlns:p14="http://schemas.microsoft.com/office/powerpoint/2010/main" val="4179180019"/>
       </p:ext>
     </p:extLst>
   </p:cSld>
@@ -1705,15 +1762,7 @@
             </a:pPr>
             <a:r>
               <a:rPr lang="en-GB" dirty="0"/>
-              <a:t>Now </a:t>
-            </a:r>
-            <a:r>
-              <a:rPr lang="en-GB" i="1" dirty="0"/>
-              <a:t>we</a:t>
-            </a:r>
-            <a:r>
-              <a:rPr lang="en-GB" dirty="0"/>
-              <a:t> are guilty of an appear to authority on this slide; </a:t>
+              <a:t>When we are unfamiliar with something new, we can underestimate how, significant, positive, and inevitable a change it can be.</a:t>
             </a:r>
           </a:p>
           <a:p>
@@ -1723,68 +1772,7 @@
             </a:pPr>
             <a:r>
               <a:rPr lang="en-GB" dirty="0"/>
-              <a:t>Michael Jordan </a:t>
-            </a:r>
-            <a:r>
-              <a:rPr lang="en-US" sz="1200" b="0" i="0" u="none" strike="noStrike" kern="1200" dirty="0">
-                <a:solidFill>
-                  <a:schemeClr val="tx1"/>
-                </a:solidFill>
-                <a:effectLst/>
-                <a:latin typeface="+mn-lt"/>
-                <a:ea typeface="+mn-ea"/>
-                <a:cs typeface="+mn-cs"/>
-              </a:rPr>
-              <a:t> is one of the world's leading authorities on machine learning. In 2016 he was ranked as the</a:t>
-            </a:r>
-            <a:r>
-              <a:rPr lang="en-US" sz="1200" b="0" i="0" u="sng" kern="1200" dirty="0">
-                <a:solidFill>
-                  <a:schemeClr val="tx1"/>
-                </a:solidFill>
-                <a:effectLst/>
-                <a:latin typeface="+mn-lt"/>
-                <a:ea typeface="+mn-ea"/>
-                <a:cs typeface="+mn-cs"/>
-                <a:hlinkClick r:id="rId3"/>
-              </a:rPr>
-              <a:t> most influential computer scientist</a:t>
-            </a:r>
-            <a:r>
-              <a:rPr lang="en-US" sz="1200" b="0" i="0" u="none" strike="noStrike" kern="1200" dirty="0">
-                <a:solidFill>
-                  <a:schemeClr val="tx1"/>
-                </a:solidFill>
-                <a:effectLst/>
-                <a:latin typeface="+mn-lt"/>
-                <a:ea typeface="+mn-ea"/>
-                <a:cs typeface="+mn-cs"/>
-              </a:rPr>
-              <a:t> by a program that analyzed research publications, </a:t>
-            </a:r>
-            <a:r>
-              <a:rPr lang="en-US" sz="1200" b="0" i="1" u="none" strike="noStrike" kern="1200" dirty="0">
-                <a:solidFill>
-                  <a:schemeClr val="tx1"/>
-                </a:solidFill>
-                <a:effectLst/>
-                <a:latin typeface="+mn-lt"/>
-                <a:ea typeface="+mn-ea"/>
-                <a:cs typeface="+mn-cs"/>
-              </a:rPr>
-              <a:t>Science</a:t>
-            </a:r>
-            <a:r>
-              <a:rPr lang="en-US" sz="1200" b="0" i="0" u="none" strike="noStrike" kern="1200" dirty="0">
-                <a:solidFill>
-                  <a:schemeClr val="tx1"/>
-                </a:solidFill>
-                <a:effectLst/>
-                <a:latin typeface="+mn-lt"/>
-                <a:ea typeface="+mn-ea"/>
-                <a:cs typeface="+mn-cs"/>
-              </a:rPr>
-              <a:t> reported, and produces some of the most import tools in this field.</a:t>
+              <a:t>When we go to the bank, we don’t expect the bank teller to give their opinion of what they think our bank balance is. </a:t>
             </a:r>
           </a:p>
           <a:p>
@@ -1793,16 +1781,8 @@
               <a:buChar char="•"/>
             </a:pPr>
             <a:r>
-              <a:rPr lang="en-US" sz="1200" b="0" i="0" u="none" strike="noStrike" kern="1200" dirty="0">
-                <a:solidFill>
-                  <a:schemeClr val="tx1"/>
-                </a:solidFill>
-                <a:effectLst/>
-                <a:latin typeface="+mn-lt"/>
-                <a:ea typeface="+mn-ea"/>
-                <a:cs typeface="+mn-cs"/>
-              </a:rPr>
-              <a:t>“Computers have not become intelligent per se, but they have provided capabilities that augment human intelligence, he writes. Moreover, they have excelled at low-level pattern-recognition capabilities that could be performed in principle by humans but at great cost.”</a:t>
+              <a:rPr lang="en-GB" dirty="0"/>
+              <a:t>We want the standardised calculating program to do it. </a:t>
             </a:r>
           </a:p>
           <a:p>
@@ -1819,7 +1799,7 @@
             </a:pPr>
             <a:r>
               <a:rPr lang="en-GB" dirty="0"/>
-              <a:t>Most of the time when you hear AI, what the sales-person really means is machine learning. </a:t>
+              <a:t>When we have a disease, wouldn’t the best solution be to tally every piece of existing information and rank the probabilities accurately; to provide the most likely diagnosis and treatment, and supply multiple alternatives and backups?</a:t>
             </a:r>
           </a:p>
           <a:p>
@@ -1827,10 +1807,7 @@
               <a:buFont typeface="Arial" panose="020B0604020202020204" pitchFamily="34" charset="0"/>
               <a:buChar char="•"/>
             </a:pPr>
-            <a:r>
-              <a:rPr lang="en-GB" dirty="0"/>
-              <a:t>And very often the algorithm is a simple linear regression:</a:t>
-            </a:r>
+            <a:endParaRPr lang="en-GB" dirty="0"/>
           </a:p>
           <a:p>
             <a:pPr marL="171450" indent="-171450">
@@ -1839,23 +1816,7 @@
             </a:pPr>
             <a:r>
               <a:rPr lang="en-GB" dirty="0"/>
-              <a:t>100 people in a </a:t>
-            </a:r>
-            <a:r>
-              <a:rPr lang="en-GB" i="1" dirty="0"/>
-              <a:t>low</a:t>
-            </a:r>
-            <a:r>
-              <a:rPr lang="en-GB" dirty="0"/>
-              <a:t> salary range have a </a:t>
-            </a:r>
-            <a:r>
-              <a:rPr lang="en-GB" i="1" dirty="0"/>
-              <a:t>big</a:t>
-            </a:r>
-            <a:r>
-              <a:rPr lang="en-GB" dirty="0"/>
-              <a:t> home but</a:t>
+              <a:t>Instead, we hope that the doctor will do this very same job but manually.</a:t>
             </a:r>
           </a:p>
           <a:p>
@@ -1865,23 +1826,7 @@
             </a:pPr>
             <a:r>
               <a:rPr lang="en-GB" dirty="0"/>
-              <a:t>100 people in a </a:t>
-            </a:r>
-            <a:r>
-              <a:rPr lang="en-GB" i="1" dirty="0"/>
-              <a:t>higher</a:t>
-            </a:r>
-            <a:r>
-              <a:rPr lang="en-GB" dirty="0"/>
-              <a:t> salary range have a </a:t>
-            </a:r>
-            <a:r>
-              <a:rPr lang="en-GB" i="1" dirty="0"/>
-              <a:t>small</a:t>
-            </a:r>
-            <a:r>
-              <a:rPr lang="en-GB" dirty="0"/>
-              <a:t> home. </a:t>
+              <a:t>We hope that the doctor knows about all of the evidence sources, how reliable each is, and that they have no reason to dismiss pertinent facts based on a whim. </a:t>
             </a:r>
           </a:p>
           <a:p>
@@ -1889,20 +1834,7 @@
               <a:buFont typeface="Arial" panose="020B0604020202020204" pitchFamily="34" charset="0"/>
               <a:buChar char="•"/>
             </a:pPr>
-            <a:r>
-              <a:rPr lang="en-GB" dirty="0"/>
-              <a:t>The same is true in medicine; sometimes the correlation between cause and effect are very simple. </a:t>
-            </a:r>
-          </a:p>
-          <a:p>
-            <a:pPr marL="171450" indent="-171450">
-              <a:buFont typeface="Arial" panose="020B0604020202020204" pitchFamily="34" charset="0"/>
-              <a:buChar char="•"/>
-            </a:pPr>
-            <a:r>
-              <a:rPr lang="en-GB" dirty="0"/>
-              <a:t>Other times there can be far too many minor causal contributors and the analysis algorithms become more sophisticated.</a:t>
-            </a:r>
+            <a:endParaRPr lang="en-GB" dirty="0"/>
           </a:p>
         </p:txBody>
       </p:sp>
@@ -1932,7 +1864,7 @@
     </p:spTree>
     <p:extLst>
       <p:ext uri="{BB962C8B-B14F-4D97-AF65-F5344CB8AC3E}">
-        <p14:creationId xmlns:p14="http://schemas.microsoft.com/office/powerpoint/2010/main" val="3405917574"/>
+        <p14:creationId xmlns:p14="http://schemas.microsoft.com/office/powerpoint/2010/main" val="639847781"/>
       </p:ext>
     </p:extLst>
   </p:cSld>
@@ -1992,7 +1924,15 @@
             </a:pPr>
             <a:r>
               <a:rPr lang="en-GB" dirty="0"/>
-              <a:t>These are the statements that can be made by a doctor today. </a:t>
+              <a:t>Now </a:t>
+            </a:r>
+            <a:r>
+              <a:rPr lang="en-GB" i="1" dirty="0"/>
+              <a:t>we</a:t>
+            </a:r>
+            <a:r>
+              <a:rPr lang="en-GB" dirty="0"/>
+              <a:t> are guilty of an appear to authority on this slide; </a:t>
             </a:r>
           </a:p>
           <a:p>
@@ -2002,7 +1942,68 @@
             </a:pPr>
             <a:r>
               <a:rPr lang="en-GB" dirty="0"/>
-              <a:t>Generally, the evidence supporting each claim exists and no opposing evidence is found to argue against the fact.</a:t>
+              <a:t>Michael Jordan </a:t>
+            </a:r>
+            <a:r>
+              <a:rPr lang="en-US" sz="1200" b="0" i="0" u="none" strike="noStrike" kern="1200" dirty="0">
+                <a:solidFill>
+                  <a:schemeClr val="tx1"/>
+                </a:solidFill>
+                <a:effectLst/>
+                <a:latin typeface="+mn-lt"/>
+                <a:ea typeface="+mn-ea"/>
+                <a:cs typeface="+mn-cs"/>
+              </a:rPr>
+              <a:t> is one of the world's leading authorities on machine learning. In 2016 he was ranked as the</a:t>
+            </a:r>
+            <a:r>
+              <a:rPr lang="en-US" sz="1200" b="0" i="0" u="sng" kern="1200" dirty="0">
+                <a:solidFill>
+                  <a:schemeClr val="tx1"/>
+                </a:solidFill>
+                <a:effectLst/>
+                <a:latin typeface="+mn-lt"/>
+                <a:ea typeface="+mn-ea"/>
+                <a:cs typeface="+mn-cs"/>
+                <a:hlinkClick r:id="rId3"/>
+              </a:rPr>
+              <a:t> most influential computer scientist</a:t>
+            </a:r>
+            <a:r>
+              <a:rPr lang="en-US" sz="1200" b="0" i="0" u="none" strike="noStrike" kern="1200" dirty="0">
+                <a:solidFill>
+                  <a:schemeClr val="tx1"/>
+                </a:solidFill>
+                <a:effectLst/>
+                <a:latin typeface="+mn-lt"/>
+                <a:ea typeface="+mn-ea"/>
+                <a:cs typeface="+mn-cs"/>
+              </a:rPr>
+              <a:t> by a program that analyzed research publications, </a:t>
+            </a:r>
+            <a:r>
+              <a:rPr lang="en-US" sz="1200" b="0" i="1" u="none" strike="noStrike" kern="1200" dirty="0">
+                <a:solidFill>
+                  <a:schemeClr val="tx1"/>
+                </a:solidFill>
+                <a:effectLst/>
+                <a:latin typeface="+mn-lt"/>
+                <a:ea typeface="+mn-ea"/>
+                <a:cs typeface="+mn-cs"/>
+              </a:rPr>
+              <a:t>Science</a:t>
+            </a:r>
+            <a:r>
+              <a:rPr lang="en-US" sz="1200" b="0" i="0" u="none" strike="noStrike" kern="1200" dirty="0">
+                <a:solidFill>
+                  <a:schemeClr val="tx1"/>
+                </a:solidFill>
+                <a:effectLst/>
+                <a:latin typeface="+mn-lt"/>
+                <a:ea typeface="+mn-ea"/>
+                <a:cs typeface="+mn-cs"/>
+              </a:rPr>
+              <a:t> reported, and produces some of the most import tools in this field.</a:t>
             </a:r>
           </a:p>
           <a:p>
@@ -2011,8 +2012,115 @@
               <a:buChar char="•"/>
             </a:pPr>
             <a:r>
+              <a:rPr lang="en-US" sz="1200" b="0" i="0" u="none" strike="noStrike" kern="1200" dirty="0">
+                <a:solidFill>
+                  <a:schemeClr val="tx1"/>
+                </a:solidFill>
+                <a:effectLst/>
+                <a:latin typeface="+mn-lt"/>
+                <a:ea typeface="+mn-ea"/>
+                <a:cs typeface="+mn-cs"/>
+              </a:rPr>
+              <a:t>“Computers have not become intelligent per se, but they have provided capabilities that augment human intelligence, he writes. Moreover, they have excelled at low-level pattern-recognition capabilities that could be performed in principle by humans but at great cost.”</a:t>
+            </a:r>
+          </a:p>
+          <a:p>
+            <a:pPr marL="171450" indent="-171450">
+              <a:buFont typeface="Arial" panose="020B0604020202020204" pitchFamily="34" charset="0"/>
+              <a:buChar char="•"/>
+            </a:pPr>
+            <a:endParaRPr lang="en-GB" dirty="0"/>
+          </a:p>
+          <a:p>
+            <a:pPr marL="171450" indent="-171450">
+              <a:buFont typeface="Arial" panose="020B0604020202020204" pitchFamily="34" charset="0"/>
+              <a:buChar char="•"/>
+            </a:pPr>
+            <a:r>
               <a:rPr lang="en-GB" dirty="0"/>
-              <a:t>However, today the evidence-reporting chain is poorly standardised and unreliable.</a:t>
+              <a:t>Most of the time when you hear AI, what the sales-person really means is machine learning. </a:t>
+            </a:r>
+          </a:p>
+          <a:p>
+            <a:pPr marL="171450" indent="-171450">
+              <a:buFont typeface="Arial" panose="020B0604020202020204" pitchFamily="34" charset="0"/>
+              <a:buChar char="•"/>
+            </a:pPr>
+            <a:r>
+              <a:rPr lang="en-GB" dirty="0"/>
+              <a:t>And very often the algorithm is a simple linear regression:</a:t>
+            </a:r>
+          </a:p>
+          <a:p>
+            <a:pPr marL="171450" indent="-171450">
+              <a:buFont typeface="Arial" panose="020B0604020202020204" pitchFamily="34" charset="0"/>
+              <a:buChar char="•"/>
+            </a:pPr>
+            <a:r>
+              <a:rPr lang="en-GB" dirty="0"/>
+              <a:t>100 people in a </a:t>
+            </a:r>
+            <a:r>
+              <a:rPr lang="en-GB" i="1" dirty="0"/>
+              <a:t>low</a:t>
+            </a:r>
+            <a:r>
+              <a:rPr lang="en-GB" dirty="0"/>
+              <a:t> salary range have a </a:t>
+            </a:r>
+            <a:r>
+              <a:rPr lang="en-GB" i="1" dirty="0"/>
+              <a:t>big</a:t>
+            </a:r>
+            <a:r>
+              <a:rPr lang="en-GB" dirty="0"/>
+              <a:t> home but</a:t>
+            </a:r>
+          </a:p>
+          <a:p>
+            <a:pPr marL="171450" indent="-171450">
+              <a:buFont typeface="Arial" panose="020B0604020202020204" pitchFamily="34" charset="0"/>
+              <a:buChar char="•"/>
+            </a:pPr>
+            <a:r>
+              <a:rPr lang="en-GB" dirty="0"/>
+              <a:t>100 people in a </a:t>
+            </a:r>
+            <a:r>
+              <a:rPr lang="en-GB" i="1" dirty="0"/>
+              <a:t>higher</a:t>
+            </a:r>
+            <a:r>
+              <a:rPr lang="en-GB" dirty="0"/>
+              <a:t> salary range have a </a:t>
+            </a:r>
+            <a:r>
+              <a:rPr lang="en-GB" i="1" dirty="0"/>
+              <a:t>small</a:t>
+            </a:r>
+            <a:r>
+              <a:rPr lang="en-GB" dirty="0"/>
+              <a:t> home. </a:t>
+            </a:r>
+          </a:p>
+          <a:p>
+            <a:pPr marL="171450" indent="-171450">
+              <a:buFont typeface="Arial" panose="020B0604020202020204" pitchFamily="34" charset="0"/>
+              <a:buChar char="•"/>
+            </a:pPr>
+            <a:r>
+              <a:rPr lang="en-GB" dirty="0"/>
+              <a:t>The same is true in medicine; sometimes the correlation between cause and effect are very simple. </a:t>
+            </a:r>
+          </a:p>
+          <a:p>
+            <a:pPr marL="171450" indent="-171450">
+              <a:buFont typeface="Arial" panose="020B0604020202020204" pitchFamily="34" charset="0"/>
+              <a:buChar char="•"/>
+            </a:pPr>
+            <a:r>
+              <a:rPr lang="en-GB" dirty="0"/>
+              <a:t>Other times there can be far too many minor causal contributors and the analysis algorithms become more sophisticated.</a:t>
             </a:r>
           </a:p>
         </p:txBody>
@@ -2043,7 +2151,7 @@
     </p:spTree>
     <p:extLst>
       <p:ext uri="{BB962C8B-B14F-4D97-AF65-F5344CB8AC3E}">
-        <p14:creationId xmlns:p14="http://schemas.microsoft.com/office/powerpoint/2010/main" val="2188868189"/>
+        <p14:creationId xmlns:p14="http://schemas.microsoft.com/office/powerpoint/2010/main" val="3405917574"/>
       </p:ext>
     </p:extLst>
   </p:cSld>
@@ -2103,7 +2211,7 @@
             </a:pPr>
             <a:r>
               <a:rPr lang="en-GB" dirty="0"/>
-              <a:t>This is what we want. </a:t>
+              <a:t>These are the statements that can be made by a doctor today. </a:t>
             </a:r>
           </a:p>
           <a:p>
@@ -2113,7 +2221,7 @@
             </a:pPr>
             <a:r>
               <a:rPr lang="en-GB" dirty="0"/>
-              <a:t>Trust but verify.</a:t>
+              <a:t>Generally, the evidence supporting each claim exists and no opposing evidence is found to argue against the fact.</a:t>
             </a:r>
           </a:p>
           <a:p>
@@ -2121,7 +2229,10 @@
               <a:buFont typeface="Arial" panose="020B0604020202020204" pitchFamily="34" charset="0"/>
               <a:buChar char="•"/>
             </a:pPr>
-            <a:endParaRPr lang="en-GB" dirty="0"/>
+            <a:r>
+              <a:rPr lang="en-GB" dirty="0"/>
+              <a:t>However, today the evidence-reporting chain is poorly standardised and unreliable.</a:t>
+            </a:r>
           </a:p>
         </p:txBody>
       </p:sp>
@@ -2151,7 +2262,7 @@
     </p:spTree>
     <p:extLst>
       <p:ext uri="{BB962C8B-B14F-4D97-AF65-F5344CB8AC3E}">
-        <p14:creationId xmlns:p14="http://schemas.microsoft.com/office/powerpoint/2010/main" val="452263995"/>
+        <p14:creationId xmlns:p14="http://schemas.microsoft.com/office/powerpoint/2010/main" val="2188868189"/>
       </p:ext>
     </p:extLst>
   </p:cSld>
@@ -2229,10 +2340,7 @@
               <a:buFont typeface="Arial" panose="020B0604020202020204" pitchFamily="34" charset="0"/>
               <a:buChar char="•"/>
             </a:pPr>
-            <a:r>
-              <a:rPr lang="en-GB" dirty="0"/>
-              <a:t>For every discovery the sum of evidence and methods are only a touch away. </a:t>
-            </a:r>
+            <a:endParaRPr lang="en-GB" dirty="0"/>
           </a:p>
         </p:txBody>
       </p:sp>
@@ -2262,7 +2370,7 @@
     </p:spTree>
     <p:extLst>
       <p:ext uri="{BB962C8B-B14F-4D97-AF65-F5344CB8AC3E}">
-        <p14:creationId xmlns:p14="http://schemas.microsoft.com/office/powerpoint/2010/main" val="4216184484"/>
+        <p14:creationId xmlns:p14="http://schemas.microsoft.com/office/powerpoint/2010/main" val="452263995"/>
       </p:ext>
     </p:extLst>
   </p:cSld>
@@ -2345,9 +2453,6 @@
               <a:t>For every discovery the sum of evidence and methods are only a touch away. </a:t>
             </a:r>
           </a:p>
-          <a:p>
-            <a:endParaRPr lang="en-GB" dirty="0"/>
-          </a:p>
         </p:txBody>
       </p:sp>
       <p:sp>
@@ -2376,7 +2481,7 @@
     </p:spTree>
     <p:extLst>
       <p:ext uri="{BB962C8B-B14F-4D97-AF65-F5344CB8AC3E}">
-        <p14:creationId xmlns:p14="http://schemas.microsoft.com/office/powerpoint/2010/main" val="480975979"/>
+        <p14:creationId xmlns:p14="http://schemas.microsoft.com/office/powerpoint/2010/main" val="4216184484"/>
       </p:ext>
     </p:extLst>
   </p:cSld>
@@ -2535,7 +2640,7 @@
           <a:p>
             <a:fld id="{44F1775B-48C8-5541-8AC4-CC7C20C09602}" type="datetimeFigureOut">
               <a:rPr lang="en-GB" smtClean="0"/>
-              <a:t>19/08/2022</a:t>
+              <a:t>24/08/2022</a:t>
             </a:fld>
             <a:endParaRPr lang="en-GB"/>
           </a:p>
@@ -2735,7 +2840,7 @@
           <a:p>
             <a:fld id="{44F1775B-48C8-5541-8AC4-CC7C20C09602}" type="datetimeFigureOut">
               <a:rPr lang="en-GB" smtClean="0"/>
-              <a:t>19/08/2022</a:t>
+              <a:t>24/08/2022</a:t>
             </a:fld>
             <a:endParaRPr lang="en-GB"/>
           </a:p>
@@ -2945,7 +3050,7 @@
           <a:p>
             <a:fld id="{44F1775B-48C8-5541-8AC4-CC7C20C09602}" type="datetimeFigureOut">
               <a:rPr lang="en-GB" smtClean="0"/>
-              <a:t>19/08/2022</a:t>
+              <a:t>24/08/2022</a:t>
             </a:fld>
             <a:endParaRPr lang="en-GB"/>
           </a:p>
@@ -3145,7 +3250,7 @@
           <a:p>
             <a:fld id="{44F1775B-48C8-5541-8AC4-CC7C20C09602}" type="datetimeFigureOut">
               <a:rPr lang="en-GB" smtClean="0"/>
-              <a:t>19/08/2022</a:t>
+              <a:t>24/08/2022</a:t>
             </a:fld>
             <a:endParaRPr lang="en-GB"/>
           </a:p>
@@ -3421,7 +3526,7 @@
           <a:p>
             <a:fld id="{44F1775B-48C8-5541-8AC4-CC7C20C09602}" type="datetimeFigureOut">
               <a:rPr lang="en-GB" smtClean="0"/>
-              <a:t>19/08/2022</a:t>
+              <a:t>24/08/2022</a:t>
             </a:fld>
             <a:endParaRPr lang="en-GB"/>
           </a:p>
@@ -3689,7 +3794,7 @@
           <a:p>
             <a:fld id="{44F1775B-48C8-5541-8AC4-CC7C20C09602}" type="datetimeFigureOut">
               <a:rPr lang="en-GB" smtClean="0"/>
-              <a:t>19/08/2022</a:t>
+              <a:t>24/08/2022</a:t>
             </a:fld>
             <a:endParaRPr lang="en-GB"/>
           </a:p>
@@ -4104,7 +4209,7 @@
           <a:p>
             <a:fld id="{44F1775B-48C8-5541-8AC4-CC7C20C09602}" type="datetimeFigureOut">
               <a:rPr lang="en-GB" smtClean="0"/>
-              <a:t>19/08/2022</a:t>
+              <a:t>24/08/2022</a:t>
             </a:fld>
             <a:endParaRPr lang="en-GB"/>
           </a:p>
@@ -4246,7 +4351,7 @@
           <a:p>
             <a:fld id="{44F1775B-48C8-5541-8AC4-CC7C20C09602}" type="datetimeFigureOut">
               <a:rPr lang="en-GB" smtClean="0"/>
-              <a:t>19/08/2022</a:t>
+              <a:t>24/08/2022</a:t>
             </a:fld>
             <a:endParaRPr lang="en-GB"/>
           </a:p>
@@ -4359,7 +4464,7 @@
           <a:p>
             <a:fld id="{44F1775B-48C8-5541-8AC4-CC7C20C09602}" type="datetimeFigureOut">
               <a:rPr lang="en-GB" smtClean="0"/>
-              <a:t>19/08/2022</a:t>
+              <a:t>24/08/2022</a:t>
             </a:fld>
             <a:endParaRPr lang="en-GB"/>
           </a:p>
@@ -4672,7 +4777,7 @@
           <a:p>
             <a:fld id="{44F1775B-48C8-5541-8AC4-CC7C20C09602}" type="datetimeFigureOut">
               <a:rPr lang="en-GB" smtClean="0"/>
-              <a:t>19/08/2022</a:t>
+              <a:t>24/08/2022</a:t>
             </a:fld>
             <a:endParaRPr lang="en-GB"/>
           </a:p>
@@ -4961,7 +5066,7 @@
           <a:p>
             <a:fld id="{44F1775B-48C8-5541-8AC4-CC7C20C09602}" type="datetimeFigureOut">
               <a:rPr lang="en-GB" smtClean="0"/>
-              <a:t>19/08/2022</a:t>
+              <a:t>24/08/2022</a:t>
             </a:fld>
             <a:endParaRPr lang="en-GB"/>
           </a:p>
@@ -5204,7 +5309,7 @@
           <a:p>
             <a:fld id="{44F1775B-48C8-5541-8AC4-CC7C20C09602}" type="datetimeFigureOut">
               <a:rPr lang="en-GB" smtClean="0"/>
-              <a:t>19/08/2022</a:t>
+              <a:t>24/08/2022</a:t>
             </a:fld>
             <a:endParaRPr lang="en-GB"/>
           </a:p>
@@ -5873,6 +5978,192 @@
           <a:chExt cx="0" cy="0"/>
         </a:xfrm>
       </p:grpSpPr>
+      <p:pic>
+        <p:nvPicPr>
+          <p:cNvPr id="7" name="Picture 6">
+            <a:extLst>
+              <a:ext uri="{FF2B5EF4-FFF2-40B4-BE49-F238E27FC236}">
+                <a16:creationId xmlns:a16="http://schemas.microsoft.com/office/drawing/2014/main" id="{4C4EBDBC-966A-C049-95C3-0FAD451FD01F}"/>
+              </a:ext>
+            </a:extLst>
+          </p:cNvPr>
+          <p:cNvPicPr>
+            <a:picLocks noChangeAspect="1"/>
+          </p:cNvPicPr>
+          <p:nvPr/>
+        </p:nvPicPr>
+        <p:blipFill rotWithShape="1">
+          <a:blip r:embed="rId3"/>
+          <a:srcRect l="1589" t="38475" b="-1771"/>
+          <a:stretch/>
+        </p:blipFill>
+        <p:spPr>
+          <a:xfrm>
+            <a:off x="7261152" y="3962603"/>
+            <a:ext cx="4549847" cy="2754767"/>
+          </a:xfrm>
+          <a:prstGeom prst="rect">
+            <a:avLst/>
+          </a:prstGeom>
+          <a:ln w="12700">
+            <a:solidFill>
+              <a:schemeClr val="tx1"/>
+            </a:solidFill>
+          </a:ln>
+        </p:spPr>
+      </p:pic>
+      <p:sp>
+        <p:nvSpPr>
+          <p:cNvPr id="6" name="TextBox 5">
+            <a:extLst>
+              <a:ext uri="{FF2B5EF4-FFF2-40B4-BE49-F238E27FC236}">
+                <a16:creationId xmlns:a16="http://schemas.microsoft.com/office/drawing/2014/main" id="{69C87357-E556-304D-B9EB-9FF2860BEEC6}"/>
+              </a:ext>
+            </a:extLst>
+          </p:cNvPr>
+          <p:cNvSpPr txBox="1"/>
+          <p:nvPr/>
+        </p:nvSpPr>
+        <p:spPr>
+          <a:xfrm>
+            <a:off x="549227" y="1294586"/>
+            <a:ext cx="7501260" cy="3970318"/>
+          </a:xfrm>
+          <a:prstGeom prst="rect">
+            <a:avLst/>
+          </a:prstGeom>
+          <a:noFill/>
+        </p:spPr>
+        <p:txBody>
+          <a:bodyPr wrap="square" rtlCol="0">
+            <a:spAutoFit/>
+          </a:bodyPr>
+          <a:lstStyle/>
+          <a:p>
+            <a:r>
+              <a:rPr lang="en-GB" sz="2800" dirty="0">
+                <a:solidFill>
+                  <a:schemeClr val="bg1">
+                    <a:lumMod val="75000"/>
+                  </a:schemeClr>
+                </a:solidFill>
+                <a:latin typeface="Satoshi" pitchFamily="2" charset="77"/>
+              </a:rPr>
+              <a:t>We can explain your illness.</a:t>
+            </a:r>
+          </a:p>
+          <a:p>
+            <a:endParaRPr lang="en-GB" sz="2800" dirty="0">
+              <a:latin typeface="Satoshi" pitchFamily="2" charset="77"/>
+            </a:endParaRPr>
+          </a:p>
+          <a:p>
+            <a:r>
+              <a:rPr lang="en-GB" sz="2800" dirty="0">
+                <a:solidFill>
+                  <a:schemeClr val="bg1">
+                    <a:lumMod val="75000"/>
+                  </a:schemeClr>
+                </a:solidFill>
+                <a:latin typeface="Satoshi" pitchFamily="2" charset="77"/>
+              </a:rPr>
+              <a:t>Due to a variant in your DNA, </a:t>
+            </a:r>
+          </a:p>
+          <a:p>
+            <a:r>
+              <a:rPr lang="en-GB" sz="2800" dirty="0">
+                <a:solidFill>
+                  <a:schemeClr val="bg1">
+                    <a:lumMod val="75000"/>
+                  </a:schemeClr>
+                </a:solidFill>
+                <a:latin typeface="Satoshi" pitchFamily="2" charset="77"/>
+              </a:rPr>
+              <a:t>your immune systems is often overactive.</a:t>
+            </a:r>
+          </a:p>
+          <a:p>
+            <a:endParaRPr lang="en-GB" sz="2800" dirty="0">
+              <a:solidFill>
+                <a:schemeClr val="bg1">
+                  <a:lumMod val="75000"/>
+                </a:schemeClr>
+              </a:solidFill>
+              <a:latin typeface="Satoshi" pitchFamily="2" charset="77"/>
+            </a:endParaRPr>
+          </a:p>
+          <a:p>
+            <a:r>
+              <a:rPr lang="en-GB" sz="2800" dirty="0">
+                <a:latin typeface="Satoshi" pitchFamily="2" charset="77"/>
+              </a:rPr>
+              <a:t>This causes inflammation and pain.</a:t>
+            </a:r>
+          </a:p>
+          <a:p>
+            <a:endParaRPr lang="en-GB" sz="2800" dirty="0">
+              <a:latin typeface="Satoshi" pitchFamily="2" charset="77"/>
+            </a:endParaRPr>
+          </a:p>
+          <a:p>
+            <a:r>
+              <a:rPr lang="en-GB" sz="2800" dirty="0">
+                <a:solidFill>
+                  <a:schemeClr val="bg1">
+                    <a:lumMod val="75000"/>
+                  </a:schemeClr>
+                </a:solidFill>
+                <a:latin typeface="Satoshi" pitchFamily="2" charset="77"/>
+              </a:rPr>
+              <a:t>We know the mechanism because of </a:t>
+            </a:r>
+          </a:p>
+          <a:p>
+            <a:r>
+              <a:rPr lang="en-GB" sz="2800" dirty="0">
+                <a:solidFill>
+                  <a:schemeClr val="bg1">
+                    <a:lumMod val="75000"/>
+                  </a:schemeClr>
+                </a:solidFill>
+                <a:latin typeface="Satoshi" pitchFamily="2" charset="77"/>
+              </a:rPr>
+              <a:t>existing scientific evidence.</a:t>
+            </a:r>
+          </a:p>
+        </p:txBody>
+      </p:sp>
+    </p:spTree>
+    <p:extLst>
+      <p:ext uri="{BB962C8B-B14F-4D97-AF65-F5344CB8AC3E}">
+        <p14:creationId xmlns:p14="http://schemas.microsoft.com/office/powerpoint/2010/main" val="2122075145"/>
+      </p:ext>
+    </p:extLst>
+  </p:cSld>
+  <p:clrMapOvr>
+    <a:masterClrMapping/>
+  </p:clrMapOvr>
+</p:sld>
+</file>
+
+<file path=ppt/slides/slide11.xml><?xml version="1.0" encoding="utf-8"?>
+<p:sld xmlns:a="http://schemas.openxmlformats.org/drawingml/2006/main" xmlns:r="http://schemas.openxmlformats.org/officeDocument/2006/relationships" xmlns:p="http://schemas.openxmlformats.org/presentationml/2006/main">
+  <p:cSld>
+    <p:spTree>
+      <p:nvGrpSpPr>
+        <p:cNvPr id="1" name=""/>
+        <p:cNvGrpSpPr/>
+        <p:nvPr/>
+      </p:nvGrpSpPr>
+      <p:grpSpPr>
+        <a:xfrm>
+          <a:off x="0" y="0"/>
+          <a:ext cx="0" cy="0"/>
+          <a:chOff x="0" y="0"/>
+          <a:chExt cx="0" cy="0"/>
+        </a:xfrm>
+      </p:grpSpPr>
       <p:sp>
         <p:nvSpPr>
           <p:cNvPr id="6" name="TextBox 5">
@@ -6051,7 +6342,7 @@
 </p:sld>
 </file>
 
-<file path=ppt/slides/slide11.xml><?xml version="1.0" encoding="utf-8"?>
+<file path=ppt/slides/slide12.xml><?xml version="1.0" encoding="utf-8"?>
 <p:sld xmlns:a="http://schemas.openxmlformats.org/drawingml/2006/main" xmlns:r="http://schemas.openxmlformats.org/officeDocument/2006/relationships" xmlns:p="http://schemas.openxmlformats.org/presentationml/2006/main">
   <p:cSld>
     <p:spTree>
@@ -6396,7 +6687,7 @@
 </p:sld>
 </file>
 
-<file path=ppt/slides/slide12.xml><?xml version="1.0" encoding="utf-8"?>
+<file path=ppt/slides/slide13.xml><?xml version="1.0" encoding="utf-8"?>
 <p:sld xmlns:a="http://schemas.openxmlformats.org/drawingml/2006/main" xmlns:r="http://schemas.openxmlformats.org/officeDocument/2006/relationships" xmlns:p="http://schemas.openxmlformats.org/presentationml/2006/main">
   <p:cSld>
     <p:spTree>
@@ -8060,119 +8351,6 @@
 </p:sld>
 </file>
 
-<file path=ppt/slides/slide13.xml><?xml version="1.0" encoding="utf-8"?>
-<p:sld xmlns:a="http://schemas.openxmlformats.org/drawingml/2006/main" xmlns:r="http://schemas.openxmlformats.org/officeDocument/2006/relationships" xmlns:p="http://schemas.openxmlformats.org/presentationml/2006/main">
-  <p:cSld>
-    <p:spTree>
-      <p:nvGrpSpPr>
-        <p:cNvPr id="1" name=""/>
-        <p:cNvGrpSpPr/>
-        <p:nvPr/>
-      </p:nvGrpSpPr>
-      <p:grpSpPr>
-        <a:xfrm>
-          <a:off x="0" y="0"/>
-          <a:ext cx="0" cy="0"/>
-          <a:chOff x="0" y="0"/>
-          <a:chExt cx="0" cy="0"/>
-        </a:xfrm>
-      </p:grpSpPr>
-      <p:sp>
-        <p:nvSpPr>
-          <p:cNvPr id="6" name="TextBox 5">
-            <a:extLst>
-              <a:ext uri="{FF2B5EF4-FFF2-40B4-BE49-F238E27FC236}">
-                <a16:creationId xmlns:a16="http://schemas.microsoft.com/office/drawing/2014/main" id="{69C87357-E556-304D-B9EB-9FF2860BEEC6}"/>
-              </a:ext>
-            </a:extLst>
-          </p:cNvPr>
-          <p:cNvSpPr txBox="1"/>
-          <p:nvPr/>
-        </p:nvSpPr>
-        <p:spPr>
-          <a:xfrm>
-            <a:off x="3507791" y="1874728"/>
-            <a:ext cx="5176417" cy="3108543"/>
-          </a:xfrm>
-          <a:prstGeom prst="rect">
-            <a:avLst/>
-          </a:prstGeom>
-          <a:noFill/>
-        </p:spPr>
-        <p:txBody>
-          <a:bodyPr wrap="none" rtlCol="0">
-            <a:spAutoFit/>
-          </a:bodyPr>
-          <a:lstStyle/>
-          <a:p>
-            <a:pPr algn="ctr"/>
-            <a:r>
-              <a:rPr lang="en-GB" sz="2800" dirty="0">
-                <a:latin typeface="Satoshi" pitchFamily="2" charset="77"/>
-              </a:rPr>
-              <a:t>When you have an efficient tool</a:t>
-            </a:r>
-          </a:p>
-          <a:p>
-            <a:pPr algn="ctr"/>
-            <a:r>
-              <a:rPr lang="en-GB" sz="2800" dirty="0">
-                <a:latin typeface="Satoshi" pitchFamily="2" charset="77"/>
-              </a:rPr>
-              <a:t>you open new doors</a:t>
-            </a:r>
-          </a:p>
-          <a:p>
-            <a:pPr algn="ctr"/>
-            <a:endParaRPr lang="en-GB" sz="2800" dirty="0">
-              <a:latin typeface="Satoshi" pitchFamily="2" charset="77"/>
-            </a:endParaRPr>
-          </a:p>
-          <a:p>
-            <a:pPr algn="ctr"/>
-            <a:endParaRPr lang="en-GB" sz="2800" dirty="0">
-              <a:latin typeface="Satoshi" pitchFamily="2" charset="77"/>
-            </a:endParaRPr>
-          </a:p>
-          <a:p>
-            <a:pPr algn="ctr"/>
-            <a:endParaRPr lang="en-GB" sz="2800" dirty="0">
-              <a:latin typeface="Satoshi" pitchFamily="2" charset="77"/>
-            </a:endParaRPr>
-          </a:p>
-          <a:p>
-            <a:pPr algn="ctr"/>
-            <a:r>
-              <a:rPr lang="en-GB" sz="2800" dirty="0">
-                <a:latin typeface="Satoshi" pitchFamily="2" charset="77"/>
-              </a:rPr>
-              <a:t>Clinical diagnosis is a </a:t>
-            </a:r>
-          </a:p>
-          <a:p>
-            <a:pPr algn="ctr"/>
-            <a:r>
-              <a:rPr lang="en-GB" sz="2800" dirty="0">
-                <a:latin typeface="Satoshi" pitchFamily="2" charset="77"/>
-              </a:rPr>
-              <a:t>simple application example</a:t>
-            </a:r>
-          </a:p>
-        </p:txBody>
-      </p:sp>
-    </p:spTree>
-    <p:extLst>
-      <p:ext uri="{BB962C8B-B14F-4D97-AF65-F5344CB8AC3E}">
-        <p14:creationId xmlns:p14="http://schemas.microsoft.com/office/powerpoint/2010/main" val="3108279735"/>
-      </p:ext>
-    </p:extLst>
-  </p:cSld>
-  <p:clrMapOvr>
-    <a:masterClrMapping/>
-  </p:clrMapOvr>
-</p:sld>
-</file>
-
 <file path=ppt/slides/slide14.xml><?xml version="1.0" encoding="utf-8"?>
 <p:sld xmlns:a="http://schemas.openxmlformats.org/drawingml/2006/main" xmlns:r="http://schemas.openxmlformats.org/officeDocument/2006/relationships" xmlns:p="http://schemas.openxmlformats.org/presentationml/2006/main">
   <p:cSld>
@@ -8204,6 +8382,119 @@
         </p:nvSpPr>
         <p:spPr>
           <a:xfrm>
+            <a:off x="3507791" y="1874728"/>
+            <a:ext cx="5176417" cy="3108543"/>
+          </a:xfrm>
+          <a:prstGeom prst="rect">
+            <a:avLst/>
+          </a:prstGeom>
+          <a:noFill/>
+        </p:spPr>
+        <p:txBody>
+          <a:bodyPr wrap="none" rtlCol="0">
+            <a:spAutoFit/>
+          </a:bodyPr>
+          <a:lstStyle/>
+          <a:p>
+            <a:pPr algn="ctr"/>
+            <a:r>
+              <a:rPr lang="en-GB" sz="2800" dirty="0">
+                <a:latin typeface="Satoshi" pitchFamily="2" charset="77"/>
+              </a:rPr>
+              <a:t>When you have an efficient tool</a:t>
+            </a:r>
+          </a:p>
+          <a:p>
+            <a:pPr algn="ctr"/>
+            <a:r>
+              <a:rPr lang="en-GB" sz="2800" dirty="0">
+                <a:latin typeface="Satoshi" pitchFamily="2" charset="77"/>
+              </a:rPr>
+              <a:t>you open new doors</a:t>
+            </a:r>
+          </a:p>
+          <a:p>
+            <a:pPr algn="ctr"/>
+            <a:endParaRPr lang="en-GB" sz="2800" dirty="0">
+              <a:latin typeface="Satoshi" pitchFamily="2" charset="77"/>
+            </a:endParaRPr>
+          </a:p>
+          <a:p>
+            <a:pPr algn="ctr"/>
+            <a:endParaRPr lang="en-GB" sz="2800" dirty="0">
+              <a:latin typeface="Satoshi" pitchFamily="2" charset="77"/>
+            </a:endParaRPr>
+          </a:p>
+          <a:p>
+            <a:pPr algn="ctr"/>
+            <a:endParaRPr lang="en-GB" sz="2800" dirty="0">
+              <a:latin typeface="Satoshi" pitchFamily="2" charset="77"/>
+            </a:endParaRPr>
+          </a:p>
+          <a:p>
+            <a:pPr algn="ctr"/>
+            <a:r>
+              <a:rPr lang="en-GB" sz="2800" dirty="0">
+                <a:latin typeface="Satoshi" pitchFamily="2" charset="77"/>
+              </a:rPr>
+              <a:t>Clinical diagnosis is a </a:t>
+            </a:r>
+          </a:p>
+          <a:p>
+            <a:pPr algn="ctr"/>
+            <a:r>
+              <a:rPr lang="en-GB" sz="2800" dirty="0">
+                <a:latin typeface="Satoshi" pitchFamily="2" charset="77"/>
+              </a:rPr>
+              <a:t>simple application example</a:t>
+            </a:r>
+          </a:p>
+        </p:txBody>
+      </p:sp>
+    </p:spTree>
+    <p:extLst>
+      <p:ext uri="{BB962C8B-B14F-4D97-AF65-F5344CB8AC3E}">
+        <p14:creationId xmlns:p14="http://schemas.microsoft.com/office/powerpoint/2010/main" val="3108279735"/>
+      </p:ext>
+    </p:extLst>
+  </p:cSld>
+  <p:clrMapOvr>
+    <a:masterClrMapping/>
+  </p:clrMapOvr>
+</p:sld>
+</file>
+
+<file path=ppt/slides/slide15.xml><?xml version="1.0" encoding="utf-8"?>
+<p:sld xmlns:a="http://schemas.openxmlformats.org/drawingml/2006/main" xmlns:r="http://schemas.openxmlformats.org/officeDocument/2006/relationships" xmlns:p="http://schemas.openxmlformats.org/presentationml/2006/main">
+  <p:cSld>
+    <p:spTree>
+      <p:nvGrpSpPr>
+        <p:cNvPr id="1" name=""/>
+        <p:cNvGrpSpPr/>
+        <p:nvPr/>
+      </p:nvGrpSpPr>
+      <p:grpSpPr>
+        <a:xfrm>
+          <a:off x="0" y="0"/>
+          <a:ext cx="0" cy="0"/>
+          <a:chOff x="0" y="0"/>
+          <a:chExt cx="0" cy="0"/>
+        </a:xfrm>
+      </p:grpSpPr>
+      <p:sp>
+        <p:nvSpPr>
+          <p:cNvPr id="6" name="TextBox 5">
+            <a:extLst>
+              <a:ext uri="{FF2B5EF4-FFF2-40B4-BE49-F238E27FC236}">
+                <a16:creationId xmlns:a16="http://schemas.microsoft.com/office/drawing/2014/main" id="{69C87357-E556-304D-B9EB-9FF2860BEEC6}"/>
+              </a:ext>
+            </a:extLst>
+          </p:cNvPr>
+          <p:cNvSpPr txBox="1"/>
+          <p:nvPr/>
+        </p:nvSpPr>
+        <p:spPr>
+          <a:xfrm>
             <a:off x="1674743" y="582067"/>
             <a:ext cx="8842513" cy="5693866"/>
           </a:xfrm>
@@ -8350,7 +8641,7 @@
 </p:sld>
 </file>
 
-<file path=ppt/slides/slide15.xml><?xml version="1.0" encoding="utf-8"?>
+<file path=ppt/slides/slide16.xml><?xml version="1.0" encoding="utf-8"?>
 <p:sld xmlns:a="http://schemas.openxmlformats.org/drawingml/2006/main" xmlns:r="http://schemas.openxmlformats.org/officeDocument/2006/relationships" xmlns:p="http://schemas.openxmlformats.org/presentationml/2006/main">
   <p:cSld>
     <p:spTree>
@@ -8441,6 +8732,117 @@
         </p:nvSpPr>
         <p:spPr>
           <a:xfrm>
+            <a:off x="3084096" y="1659285"/>
+            <a:ext cx="6655327" cy="3970318"/>
+          </a:xfrm>
+          <a:prstGeom prst="rect">
+            <a:avLst/>
+          </a:prstGeom>
+          <a:noFill/>
+        </p:spPr>
+        <p:txBody>
+          <a:bodyPr wrap="square" rtlCol="0">
+            <a:spAutoFit/>
+          </a:bodyPr>
+          <a:lstStyle/>
+          <a:p>
+            <a:endParaRPr lang="en-GB" sz="2800" dirty="0">
+              <a:latin typeface="Satoshi" pitchFamily="2" charset="77"/>
+            </a:endParaRPr>
+          </a:p>
+          <a:p>
+            <a:r>
+              <a:rPr lang="en-GB" sz="2800" dirty="0">
+                <a:latin typeface="Satoshi" pitchFamily="2" charset="77"/>
+              </a:rPr>
+              <a:t>A man walks into hospital. </a:t>
+            </a:r>
+          </a:p>
+          <a:p>
+            <a:endParaRPr lang="en-GB" sz="2800" dirty="0">
+              <a:latin typeface="Satoshi" pitchFamily="2" charset="77"/>
+            </a:endParaRPr>
+          </a:p>
+          <a:p>
+            <a:r>
+              <a:rPr lang="en-GB" sz="2800" dirty="0">
+                <a:latin typeface="Satoshi" pitchFamily="2" charset="77"/>
+              </a:rPr>
+              <a:t>The doctors says: </a:t>
+            </a:r>
+          </a:p>
+          <a:p>
+            <a:endParaRPr lang="en-GB" sz="2800" dirty="0">
+              <a:latin typeface="Satoshi" pitchFamily="2" charset="77"/>
+            </a:endParaRPr>
+          </a:p>
+          <a:p>
+            <a:r>
+              <a:rPr lang="en-GB" sz="2800" dirty="0">
+                <a:latin typeface="Satoshi" pitchFamily="2" charset="77"/>
+              </a:rPr>
+              <a:t>"We were expecting you.</a:t>
+            </a:r>
+          </a:p>
+          <a:p>
+            <a:endParaRPr lang="en-GB" sz="2800" dirty="0">
+              <a:latin typeface="Satoshi" pitchFamily="2" charset="77"/>
+            </a:endParaRPr>
+          </a:p>
+          <a:p>
+            <a:r>
+              <a:rPr lang="en-GB" sz="2800" dirty="0">
+                <a:latin typeface="Satoshi" pitchFamily="2" charset="77"/>
+              </a:rPr>
+              <a:t>"Yesterday we diagnosed your illness and have prepared your treatment plan."</a:t>
+            </a:r>
+          </a:p>
+        </p:txBody>
+      </p:sp>
+    </p:spTree>
+    <p:extLst>
+      <p:ext uri="{BB962C8B-B14F-4D97-AF65-F5344CB8AC3E}">
+        <p14:creationId xmlns:p14="http://schemas.microsoft.com/office/powerpoint/2010/main" val="2112844202"/>
+      </p:ext>
+    </p:extLst>
+  </p:cSld>
+  <p:clrMapOvr>
+    <a:masterClrMapping/>
+  </p:clrMapOvr>
+</p:sld>
+</file>
+
+<file path=ppt/slides/slide3.xml><?xml version="1.0" encoding="utf-8"?>
+<p:sld xmlns:a="http://schemas.openxmlformats.org/drawingml/2006/main" xmlns:r="http://schemas.openxmlformats.org/officeDocument/2006/relationships" xmlns:p="http://schemas.openxmlformats.org/presentationml/2006/main">
+  <p:cSld>
+    <p:spTree>
+      <p:nvGrpSpPr>
+        <p:cNvPr id="1" name=""/>
+        <p:cNvGrpSpPr/>
+        <p:nvPr/>
+      </p:nvGrpSpPr>
+      <p:grpSpPr>
+        <a:xfrm>
+          <a:off x="0" y="0"/>
+          <a:ext cx="0" cy="0"/>
+          <a:chOff x="0" y="0"/>
+          <a:chExt cx="0" cy="0"/>
+        </a:xfrm>
+      </p:grpSpPr>
+      <p:sp>
+        <p:nvSpPr>
+          <p:cNvPr id="6" name="TextBox 5">
+            <a:extLst>
+              <a:ext uri="{FF2B5EF4-FFF2-40B4-BE49-F238E27FC236}">
+                <a16:creationId xmlns:a16="http://schemas.microsoft.com/office/drawing/2014/main" id="{69C87357-E556-304D-B9EB-9FF2860BEEC6}"/>
+              </a:ext>
+            </a:extLst>
+          </p:cNvPr>
+          <p:cNvSpPr txBox="1"/>
+          <p:nvPr/>
+        </p:nvSpPr>
+        <p:spPr>
+          <a:xfrm>
             <a:off x="3084096" y="2736502"/>
             <a:ext cx="6023807" cy="1384995"/>
           </a:xfrm>
@@ -8524,99 +8926,7 @@
     </p:spTree>
     <p:extLst>
       <p:ext uri="{BB962C8B-B14F-4D97-AF65-F5344CB8AC3E}">
-        <p14:creationId xmlns:p14="http://schemas.microsoft.com/office/powerpoint/2010/main" val="2112844202"/>
-      </p:ext>
-    </p:extLst>
-  </p:cSld>
-  <p:clrMapOvr>
-    <a:masterClrMapping/>
-  </p:clrMapOvr>
-</p:sld>
-</file>
-
-<file path=ppt/slides/slide3.xml><?xml version="1.0" encoding="utf-8"?>
-<p:sld xmlns:a="http://schemas.openxmlformats.org/drawingml/2006/main" xmlns:r="http://schemas.openxmlformats.org/officeDocument/2006/relationships" xmlns:p="http://schemas.openxmlformats.org/presentationml/2006/main">
-  <p:cSld>
-    <p:spTree>
-      <p:nvGrpSpPr>
-        <p:cNvPr id="1" name=""/>
-        <p:cNvGrpSpPr/>
-        <p:nvPr/>
-      </p:nvGrpSpPr>
-      <p:grpSpPr>
-        <a:xfrm>
-          <a:off x="0" y="0"/>
-          <a:ext cx="0" cy="0"/>
-          <a:chOff x="0" y="0"/>
-          <a:chExt cx="0" cy="0"/>
-        </a:xfrm>
-      </p:grpSpPr>
-      <p:sp>
-        <p:nvSpPr>
-          <p:cNvPr id="6" name="TextBox 5">
-            <a:extLst>
-              <a:ext uri="{FF2B5EF4-FFF2-40B4-BE49-F238E27FC236}">
-                <a16:creationId xmlns:a16="http://schemas.microsoft.com/office/drawing/2014/main" id="{69C87357-E556-304D-B9EB-9FF2860BEEC6}"/>
-              </a:ext>
-            </a:extLst>
-          </p:cNvPr>
-          <p:cNvSpPr txBox="1"/>
-          <p:nvPr/>
-        </p:nvSpPr>
-        <p:spPr>
-          <a:xfrm>
-            <a:off x="2532364" y="2305615"/>
-            <a:ext cx="6963766" cy="1815882"/>
-          </a:xfrm>
-          <a:prstGeom prst="rect">
-            <a:avLst/>
-          </a:prstGeom>
-          <a:noFill/>
-        </p:spPr>
-        <p:txBody>
-          <a:bodyPr wrap="none" rtlCol="0">
-            <a:spAutoFit/>
-          </a:bodyPr>
-          <a:lstStyle/>
-          <a:p>
-            <a:pPr algn="ctr"/>
-            <a:r>
-              <a:rPr lang="en-GB" sz="2800" dirty="0">
-                <a:latin typeface="Satoshi" pitchFamily="2" charset="77"/>
-              </a:rPr>
-              <a:t>Our doctor is an expert knowledge curator.</a:t>
-            </a:r>
-          </a:p>
-          <a:p>
-            <a:pPr algn="ctr"/>
-            <a:endParaRPr lang="en-GB" sz="2800" dirty="0">
-              <a:latin typeface="Satoshi" pitchFamily="2" charset="77"/>
-            </a:endParaRPr>
-          </a:p>
-          <a:p>
-            <a:pPr algn="ctr"/>
-            <a:r>
-              <a:rPr lang="en-GB" sz="2800" dirty="0">
-                <a:latin typeface="Satoshi" pitchFamily="2" charset="77"/>
-              </a:rPr>
-              <a:t>Provide medical diagnosis </a:t>
-            </a:r>
-          </a:p>
-          <a:p>
-            <a:pPr algn="ctr"/>
-            <a:r>
-              <a:rPr lang="en-GB" sz="2800" dirty="0">
-                <a:latin typeface="Satoshi" pitchFamily="2" charset="77"/>
-              </a:rPr>
-              <a:t>that is evidence-based.</a:t>
-            </a:r>
-          </a:p>
-        </p:txBody>
-      </p:sp>
-    </p:spTree>
-    <p:extLst>
-      <p:ext uri="{BB962C8B-B14F-4D97-AF65-F5344CB8AC3E}">
-        <p14:creationId xmlns:p14="http://schemas.microsoft.com/office/powerpoint/2010/main" val="3204030586"/>
+        <p14:creationId xmlns:p14="http://schemas.microsoft.com/office/powerpoint/2010/main" val="2967168597"/>
       </p:ext>
     </p:extLst>
   </p:cSld>
@@ -8657,6 +8967,98 @@
         </p:nvSpPr>
         <p:spPr>
           <a:xfrm>
+            <a:off x="2532364" y="2305615"/>
+            <a:ext cx="6963766" cy="1815882"/>
+          </a:xfrm>
+          <a:prstGeom prst="rect">
+            <a:avLst/>
+          </a:prstGeom>
+          <a:noFill/>
+        </p:spPr>
+        <p:txBody>
+          <a:bodyPr wrap="none" rtlCol="0">
+            <a:spAutoFit/>
+          </a:bodyPr>
+          <a:lstStyle/>
+          <a:p>
+            <a:pPr algn="ctr"/>
+            <a:r>
+              <a:rPr lang="en-GB" sz="2800" dirty="0">
+                <a:latin typeface="Satoshi" pitchFamily="2" charset="77"/>
+              </a:rPr>
+              <a:t>Our doctor is an expert knowledge curator.</a:t>
+            </a:r>
+          </a:p>
+          <a:p>
+            <a:pPr algn="ctr"/>
+            <a:endParaRPr lang="en-GB" sz="2800" dirty="0">
+              <a:latin typeface="Satoshi" pitchFamily="2" charset="77"/>
+            </a:endParaRPr>
+          </a:p>
+          <a:p>
+            <a:pPr algn="ctr"/>
+            <a:r>
+              <a:rPr lang="en-GB" sz="2800" dirty="0">
+                <a:latin typeface="Satoshi" pitchFamily="2" charset="77"/>
+              </a:rPr>
+              <a:t>Provide medical diagnosis </a:t>
+            </a:r>
+          </a:p>
+          <a:p>
+            <a:pPr algn="ctr"/>
+            <a:r>
+              <a:rPr lang="en-GB" sz="2800" dirty="0">
+                <a:latin typeface="Satoshi" pitchFamily="2" charset="77"/>
+              </a:rPr>
+              <a:t>that is evidence-based.</a:t>
+            </a:r>
+          </a:p>
+        </p:txBody>
+      </p:sp>
+    </p:spTree>
+    <p:extLst>
+      <p:ext uri="{BB962C8B-B14F-4D97-AF65-F5344CB8AC3E}">
+        <p14:creationId xmlns:p14="http://schemas.microsoft.com/office/powerpoint/2010/main" val="3204030586"/>
+      </p:ext>
+    </p:extLst>
+  </p:cSld>
+  <p:clrMapOvr>
+    <a:masterClrMapping/>
+  </p:clrMapOvr>
+</p:sld>
+</file>
+
+<file path=ppt/slides/slide5.xml><?xml version="1.0" encoding="utf-8"?>
+<p:sld xmlns:a="http://schemas.openxmlformats.org/drawingml/2006/main" xmlns:r="http://schemas.openxmlformats.org/officeDocument/2006/relationships" xmlns:p="http://schemas.openxmlformats.org/presentationml/2006/main">
+  <p:cSld>
+    <p:spTree>
+      <p:nvGrpSpPr>
+        <p:cNvPr id="1" name=""/>
+        <p:cNvGrpSpPr/>
+        <p:nvPr/>
+      </p:nvGrpSpPr>
+      <p:grpSpPr>
+        <a:xfrm>
+          <a:off x="0" y="0"/>
+          <a:ext cx="0" cy="0"/>
+          <a:chOff x="0" y="0"/>
+          <a:chExt cx="0" cy="0"/>
+        </a:xfrm>
+      </p:grpSpPr>
+      <p:sp>
+        <p:nvSpPr>
+          <p:cNvPr id="6" name="TextBox 5">
+            <a:extLst>
+              <a:ext uri="{FF2B5EF4-FFF2-40B4-BE49-F238E27FC236}">
+                <a16:creationId xmlns:a16="http://schemas.microsoft.com/office/drawing/2014/main" id="{69C87357-E556-304D-B9EB-9FF2860BEEC6}"/>
+              </a:ext>
+            </a:extLst>
+          </p:cNvPr>
+          <p:cNvSpPr txBox="1"/>
+          <p:nvPr/>
+        </p:nvSpPr>
+        <p:spPr>
+          <a:xfrm>
             <a:off x="3514082" y="2485779"/>
             <a:ext cx="5163835" cy="954107"/>
           </a:xfrm>
@@ -8744,7 +9146,7 @@
 </p:sld>
 </file>
 
-<file path=ppt/slides/slide5.xml><?xml version="1.0" encoding="utf-8"?>
+<file path=ppt/slides/slide6.xml><?xml version="1.0" encoding="utf-8"?>
 <p:sld xmlns:a="http://schemas.openxmlformats.org/drawingml/2006/main" xmlns:r="http://schemas.openxmlformats.org/officeDocument/2006/relationships" xmlns:p="http://schemas.openxmlformats.org/presentationml/2006/main">
   <p:cSld>
     <p:spTree>
@@ -8923,7 +9325,7 @@
 </p:sld>
 </file>
 
-<file path=ppt/slides/slide6.xml><?xml version="1.0" encoding="utf-8"?>
+<file path=ppt/slides/slide7.xml><?xml version="1.0" encoding="utf-8"?>
 <p:sld xmlns:a="http://schemas.openxmlformats.org/drawingml/2006/main" xmlns:r="http://schemas.openxmlformats.org/officeDocument/2006/relationships" xmlns:p="http://schemas.openxmlformats.org/presentationml/2006/main">
   <p:cSld>
     <p:spTree>
@@ -9082,7 +9484,7 @@
 </p:sld>
 </file>
 
-<file path=ppt/slides/slide7.xml><?xml version="1.0" encoding="utf-8"?>
+<file path=ppt/slides/slide8.xml><?xml version="1.0" encoding="utf-8"?>
 <p:sld xmlns:a="http://schemas.openxmlformats.org/drawingml/2006/main" xmlns:r="http://schemas.openxmlformats.org/officeDocument/2006/relationships" xmlns:p="http://schemas.openxmlformats.org/presentationml/2006/main">
   <p:cSld>
     <p:spTree>
@@ -9273,7 +9675,7 @@
 </p:sld>
 </file>
 
-<file path=ppt/slides/slide8.xml><?xml version="1.0" encoding="utf-8"?>
+<file path=ppt/slides/slide9.xml><?xml version="1.0" encoding="utf-8"?>
 <p:sld xmlns:a="http://schemas.openxmlformats.org/drawingml/2006/main" xmlns:r="http://schemas.openxmlformats.org/officeDocument/2006/relationships" xmlns:p="http://schemas.openxmlformats.org/presentationml/2006/main">
   <p:cSld>
     <p:spTree>
@@ -9490,192 +9892,6 @@
     <p:extLst>
       <p:ext uri="{BB962C8B-B14F-4D97-AF65-F5344CB8AC3E}">
         <p14:creationId xmlns:p14="http://schemas.microsoft.com/office/powerpoint/2010/main" val="640159367"/>
-      </p:ext>
-    </p:extLst>
-  </p:cSld>
-  <p:clrMapOvr>
-    <a:masterClrMapping/>
-  </p:clrMapOvr>
-</p:sld>
-</file>
-
-<file path=ppt/slides/slide9.xml><?xml version="1.0" encoding="utf-8"?>
-<p:sld xmlns:a="http://schemas.openxmlformats.org/drawingml/2006/main" xmlns:r="http://schemas.openxmlformats.org/officeDocument/2006/relationships" xmlns:p="http://schemas.openxmlformats.org/presentationml/2006/main">
-  <p:cSld>
-    <p:spTree>
-      <p:nvGrpSpPr>
-        <p:cNvPr id="1" name=""/>
-        <p:cNvGrpSpPr/>
-        <p:nvPr/>
-      </p:nvGrpSpPr>
-      <p:grpSpPr>
-        <a:xfrm>
-          <a:off x="0" y="0"/>
-          <a:ext cx="0" cy="0"/>
-          <a:chOff x="0" y="0"/>
-          <a:chExt cx="0" cy="0"/>
-        </a:xfrm>
-      </p:grpSpPr>
-      <p:pic>
-        <p:nvPicPr>
-          <p:cNvPr id="7" name="Picture 6">
-            <a:extLst>
-              <a:ext uri="{FF2B5EF4-FFF2-40B4-BE49-F238E27FC236}">
-                <a16:creationId xmlns:a16="http://schemas.microsoft.com/office/drawing/2014/main" id="{4C4EBDBC-966A-C049-95C3-0FAD451FD01F}"/>
-              </a:ext>
-            </a:extLst>
-          </p:cNvPr>
-          <p:cNvPicPr>
-            <a:picLocks noChangeAspect="1"/>
-          </p:cNvPicPr>
-          <p:nvPr/>
-        </p:nvPicPr>
-        <p:blipFill rotWithShape="1">
-          <a:blip r:embed="rId3"/>
-          <a:srcRect l="1589" t="38475" b="-1771"/>
-          <a:stretch/>
-        </p:blipFill>
-        <p:spPr>
-          <a:xfrm>
-            <a:off x="7261152" y="3962603"/>
-            <a:ext cx="4549847" cy="2754767"/>
-          </a:xfrm>
-          <a:prstGeom prst="rect">
-            <a:avLst/>
-          </a:prstGeom>
-          <a:ln w="12700">
-            <a:solidFill>
-              <a:schemeClr val="tx1"/>
-            </a:solidFill>
-          </a:ln>
-        </p:spPr>
-      </p:pic>
-      <p:sp>
-        <p:nvSpPr>
-          <p:cNvPr id="6" name="TextBox 5">
-            <a:extLst>
-              <a:ext uri="{FF2B5EF4-FFF2-40B4-BE49-F238E27FC236}">
-                <a16:creationId xmlns:a16="http://schemas.microsoft.com/office/drawing/2014/main" id="{69C87357-E556-304D-B9EB-9FF2860BEEC6}"/>
-              </a:ext>
-            </a:extLst>
-          </p:cNvPr>
-          <p:cNvSpPr txBox="1"/>
-          <p:nvPr/>
-        </p:nvSpPr>
-        <p:spPr>
-          <a:xfrm>
-            <a:off x="549227" y="1294586"/>
-            <a:ext cx="7501260" cy="3970318"/>
-          </a:xfrm>
-          <a:prstGeom prst="rect">
-            <a:avLst/>
-          </a:prstGeom>
-          <a:noFill/>
-        </p:spPr>
-        <p:txBody>
-          <a:bodyPr wrap="square" rtlCol="0">
-            <a:spAutoFit/>
-          </a:bodyPr>
-          <a:lstStyle/>
-          <a:p>
-            <a:r>
-              <a:rPr lang="en-GB" sz="2800" dirty="0">
-                <a:solidFill>
-                  <a:schemeClr val="bg1">
-                    <a:lumMod val="75000"/>
-                  </a:schemeClr>
-                </a:solidFill>
-                <a:latin typeface="Satoshi" pitchFamily="2" charset="77"/>
-              </a:rPr>
-              <a:t>We can explain your illness.</a:t>
-            </a:r>
-          </a:p>
-          <a:p>
-            <a:endParaRPr lang="en-GB" sz="2800" dirty="0">
-              <a:latin typeface="Satoshi" pitchFamily="2" charset="77"/>
-            </a:endParaRPr>
-          </a:p>
-          <a:p>
-            <a:r>
-              <a:rPr lang="en-GB" sz="2800" dirty="0">
-                <a:solidFill>
-                  <a:schemeClr val="bg1">
-                    <a:lumMod val="75000"/>
-                  </a:schemeClr>
-                </a:solidFill>
-                <a:latin typeface="Satoshi" pitchFamily="2" charset="77"/>
-              </a:rPr>
-              <a:t>Due to a variant in your DNA, </a:t>
-            </a:r>
-          </a:p>
-          <a:p>
-            <a:r>
-              <a:rPr lang="en-GB" sz="2800" dirty="0">
-                <a:solidFill>
-                  <a:schemeClr val="bg1">
-                    <a:lumMod val="75000"/>
-                  </a:schemeClr>
-                </a:solidFill>
-                <a:latin typeface="Satoshi" pitchFamily="2" charset="77"/>
-              </a:rPr>
-              <a:t>your immune systems is often overactive.</a:t>
-            </a:r>
-          </a:p>
-          <a:p>
-            <a:endParaRPr lang="en-GB" sz="2800" dirty="0">
-              <a:solidFill>
-                <a:schemeClr val="bg1">
-                  <a:lumMod val="75000"/>
-                </a:schemeClr>
-              </a:solidFill>
-              <a:latin typeface="Satoshi" pitchFamily="2" charset="77"/>
-            </a:endParaRPr>
-          </a:p>
-          <a:p>
-            <a:r>
-              <a:rPr lang="en-GB" sz="2800" dirty="0">
-                <a:latin typeface="Satoshi" pitchFamily="2" charset="77"/>
-              </a:rPr>
-              <a:t>This causes inflammation and pain.</a:t>
-            </a:r>
-          </a:p>
-          <a:p>
-            <a:endParaRPr lang="en-GB" sz="2800" dirty="0">
-              <a:latin typeface="Satoshi" pitchFamily="2" charset="77"/>
-            </a:endParaRPr>
-          </a:p>
-          <a:p>
-            <a:r>
-              <a:rPr lang="en-GB" sz="2800" dirty="0">
-                <a:solidFill>
-                  <a:schemeClr val="bg1">
-                    <a:lumMod val="75000"/>
-                  </a:schemeClr>
-                </a:solidFill>
-                <a:latin typeface="Satoshi" pitchFamily="2" charset="77"/>
-              </a:rPr>
-              <a:t>We know the mechanism because of </a:t>
-            </a:r>
-          </a:p>
-          <a:p>
-            <a:r>
-              <a:rPr lang="en-GB" sz="2800" dirty="0">
-                <a:solidFill>
-                  <a:schemeClr val="bg1">
-                    <a:lumMod val="75000"/>
-                  </a:schemeClr>
-                </a:solidFill>
-                <a:latin typeface="Satoshi" pitchFamily="2" charset="77"/>
-              </a:rPr>
-              <a:t>existing scientific evidence.</a:t>
-            </a:r>
-          </a:p>
-        </p:txBody>
-      </p:sp>
-    </p:spTree>
-    <p:extLst>
-      <p:ext uri="{BB962C8B-B14F-4D97-AF65-F5344CB8AC3E}">
-        <p14:creationId xmlns:p14="http://schemas.microsoft.com/office/powerpoint/2010/main" val="2122075145"/>
       </p:ext>
     </p:extLst>
   </p:cSld>

--- a/pages/usage_examples/uses_pitch.pptx
+++ b/pages/usage_examples/uses_pitch.pptx
@@ -5,24 +5,32 @@
     <p:sldMasterId id="2147483648" r:id="rId1"/>
   </p:sldMasterIdLst>
   <p:notesMasterIdLst>
-    <p:notesMasterId r:id="rId17"/>
+    <p:notesMasterId r:id="rId22"/>
   </p:notesMasterIdLst>
+  <p:handoutMasterIdLst>
+    <p:handoutMasterId r:id="rId23"/>
+  </p:handoutMasterIdLst>
   <p:sldIdLst>
     <p:sldId id="257" r:id="rId2"/>
     <p:sldId id="269" r:id="rId3"/>
-    <p:sldId id="259" r:id="rId4"/>
-    <p:sldId id="258" r:id="rId5"/>
-    <p:sldId id="256" r:id="rId6"/>
+    <p:sldId id="272" r:id="rId4"/>
+    <p:sldId id="259" r:id="rId5"/>
+    <p:sldId id="258" r:id="rId6"/>
     <p:sldId id="260" r:id="rId7"/>
-    <p:sldId id="261" r:id="rId8"/>
-    <p:sldId id="262" r:id="rId9"/>
-    <p:sldId id="263" r:id="rId10"/>
-    <p:sldId id="264" r:id="rId11"/>
-    <p:sldId id="265" r:id="rId12"/>
-    <p:sldId id="268" r:id="rId13"/>
-    <p:sldId id="266" r:id="rId14"/>
-    <p:sldId id="267" r:id="rId15"/>
-    <p:sldId id="271" r:id="rId16"/>
+    <p:sldId id="273" r:id="rId8"/>
+    <p:sldId id="261" r:id="rId9"/>
+    <p:sldId id="262" r:id="rId10"/>
+    <p:sldId id="263" r:id="rId11"/>
+    <p:sldId id="264" r:id="rId12"/>
+    <p:sldId id="274" r:id="rId13"/>
+    <p:sldId id="265" r:id="rId14"/>
+    <p:sldId id="268" r:id="rId15"/>
+    <p:sldId id="266" r:id="rId16"/>
+    <p:sldId id="275" r:id="rId17"/>
+    <p:sldId id="267" r:id="rId18"/>
+    <p:sldId id="276" r:id="rId19"/>
+    <p:sldId id="277" r:id="rId20"/>
+    <p:sldId id="271" r:id="rId21"/>
   </p:sldIdLst>
   <p:sldSz cx="12192000" cy="6858000"/>
   <p:notesSz cx="6858000" cy="9144000"/>
@@ -129,6 +137,196 @@
 </p:presentation>
 </file>
 
+<file path=ppt/handoutMasters/handoutMaster1.xml><?xml version="1.0" encoding="utf-8"?>
+<p:handoutMaster xmlns:a="http://schemas.openxmlformats.org/drawingml/2006/main" xmlns:r="http://schemas.openxmlformats.org/officeDocument/2006/relationships" xmlns:p="http://schemas.openxmlformats.org/presentationml/2006/main">
+  <p:cSld>
+    <p:bg>
+      <p:bgRef idx="1001">
+        <a:schemeClr val="bg1"/>
+      </p:bgRef>
+    </p:bg>
+    <p:spTree>
+      <p:nvGrpSpPr>
+        <p:cNvPr id="1" name=""/>
+        <p:cNvGrpSpPr/>
+        <p:nvPr/>
+      </p:nvGrpSpPr>
+      <p:grpSpPr>
+        <a:xfrm>
+          <a:off x="0" y="0"/>
+          <a:ext cx="0" cy="0"/>
+          <a:chOff x="0" y="0"/>
+          <a:chExt cx="0" cy="0"/>
+        </a:xfrm>
+      </p:grpSpPr>
+      <p:sp>
+        <p:nvSpPr>
+          <p:cNvPr id="2" name="Header Placeholder 1">
+            <a:extLst>
+              <a:ext uri="{FF2B5EF4-FFF2-40B4-BE49-F238E27FC236}">
+                <a16:creationId xmlns:a16="http://schemas.microsoft.com/office/drawing/2014/main" id="{BBB18AFE-B4BF-074F-962D-A8CF8F150FBF}"/>
+              </a:ext>
+            </a:extLst>
+          </p:cNvPr>
+          <p:cNvSpPr>
+            <a:spLocks noGrp="1"/>
+          </p:cNvSpPr>
+          <p:nvPr>
+            <p:ph type="hdr" sz="quarter"/>
+          </p:nvPr>
+        </p:nvSpPr>
+        <p:spPr>
+          <a:xfrm>
+            <a:off x="0" y="0"/>
+            <a:ext cx="2971800" cy="458788"/>
+          </a:xfrm>
+          <a:prstGeom prst="rect">
+            <a:avLst/>
+          </a:prstGeom>
+        </p:spPr>
+        <p:txBody>
+          <a:bodyPr vert="horz" lIns="91440" tIns="45720" rIns="91440" bIns="45720" rtlCol="0"/>
+          <a:lstStyle>
+            <a:lvl1pPr algn="l">
+              <a:defRPr sz="1200"/>
+            </a:lvl1pPr>
+          </a:lstStyle>
+          <a:p>
+            <a:endParaRPr lang="en-US"/>
+          </a:p>
+        </p:txBody>
+      </p:sp>
+      <p:sp>
+        <p:nvSpPr>
+          <p:cNvPr id="3" name="Date Placeholder 2">
+            <a:extLst>
+              <a:ext uri="{FF2B5EF4-FFF2-40B4-BE49-F238E27FC236}">
+                <a16:creationId xmlns:a16="http://schemas.microsoft.com/office/drawing/2014/main" id="{CE866CDE-2DB9-D949-A89C-418B0A284F2F}"/>
+              </a:ext>
+            </a:extLst>
+          </p:cNvPr>
+          <p:cNvSpPr>
+            <a:spLocks noGrp="1"/>
+          </p:cNvSpPr>
+          <p:nvPr>
+            <p:ph type="dt" sz="quarter" idx="1"/>
+          </p:nvPr>
+        </p:nvSpPr>
+        <p:spPr>
+          <a:xfrm>
+            <a:off x="3884613" y="0"/>
+            <a:ext cx="2971800" cy="458788"/>
+          </a:xfrm>
+          <a:prstGeom prst="rect">
+            <a:avLst/>
+          </a:prstGeom>
+        </p:spPr>
+        <p:txBody>
+          <a:bodyPr vert="horz" lIns="91440" tIns="45720" rIns="91440" bIns="45720" rtlCol="0"/>
+          <a:lstStyle>
+            <a:lvl1pPr algn="r">
+              <a:defRPr sz="1200"/>
+            </a:lvl1pPr>
+          </a:lstStyle>
+          <a:p>
+            <a:fld id="{F6D0136C-3B4D-304A-B9BD-C4BE3327239D}" type="datetimeFigureOut">
+              <a:rPr lang="en-US" smtClean="0"/>
+              <a:t>9/12/22</a:t>
+            </a:fld>
+            <a:endParaRPr lang="en-US"/>
+          </a:p>
+        </p:txBody>
+      </p:sp>
+      <p:sp>
+        <p:nvSpPr>
+          <p:cNvPr id="4" name="Footer Placeholder 3">
+            <a:extLst>
+              <a:ext uri="{FF2B5EF4-FFF2-40B4-BE49-F238E27FC236}">
+                <a16:creationId xmlns:a16="http://schemas.microsoft.com/office/drawing/2014/main" id="{8E703C74-D9AC-F443-A800-88B3FDC57AE7}"/>
+              </a:ext>
+            </a:extLst>
+          </p:cNvPr>
+          <p:cNvSpPr>
+            <a:spLocks noGrp="1"/>
+          </p:cNvSpPr>
+          <p:nvPr>
+            <p:ph type="ftr" sz="quarter" idx="2"/>
+          </p:nvPr>
+        </p:nvSpPr>
+        <p:spPr>
+          <a:xfrm>
+            <a:off x="0" y="8685213"/>
+            <a:ext cx="2971800" cy="458787"/>
+          </a:xfrm>
+          <a:prstGeom prst="rect">
+            <a:avLst/>
+          </a:prstGeom>
+        </p:spPr>
+        <p:txBody>
+          <a:bodyPr vert="horz" lIns="91440" tIns="45720" rIns="91440" bIns="45720" rtlCol="0" anchor="b"/>
+          <a:lstStyle>
+            <a:lvl1pPr algn="l">
+              <a:defRPr sz="1200"/>
+            </a:lvl1pPr>
+          </a:lstStyle>
+          <a:p>
+            <a:endParaRPr lang="en-US"/>
+          </a:p>
+        </p:txBody>
+      </p:sp>
+      <p:sp>
+        <p:nvSpPr>
+          <p:cNvPr id="5" name="Slide Number Placeholder 4">
+            <a:extLst>
+              <a:ext uri="{FF2B5EF4-FFF2-40B4-BE49-F238E27FC236}">
+                <a16:creationId xmlns:a16="http://schemas.microsoft.com/office/drawing/2014/main" id="{8489B5FD-A713-7145-978C-E57DFF3C0B74}"/>
+              </a:ext>
+            </a:extLst>
+          </p:cNvPr>
+          <p:cNvSpPr>
+            <a:spLocks noGrp="1"/>
+          </p:cNvSpPr>
+          <p:nvPr>
+            <p:ph type="sldNum" sz="quarter" idx="3"/>
+          </p:nvPr>
+        </p:nvSpPr>
+        <p:spPr>
+          <a:xfrm>
+            <a:off x="3884613" y="8685213"/>
+            <a:ext cx="2971800" cy="458787"/>
+          </a:xfrm>
+          <a:prstGeom prst="rect">
+            <a:avLst/>
+          </a:prstGeom>
+        </p:spPr>
+        <p:txBody>
+          <a:bodyPr vert="horz" lIns="91440" tIns="45720" rIns="91440" bIns="45720" rtlCol="0" anchor="b"/>
+          <a:lstStyle>
+            <a:lvl1pPr algn="r">
+              <a:defRPr sz="1200"/>
+            </a:lvl1pPr>
+          </a:lstStyle>
+          <a:p>
+            <a:fld id="{BC7F01CB-8F8A-2042-B47C-5C42FA7CA645}" type="slidenum">
+              <a:rPr lang="en-US" smtClean="0"/>
+              <a:t>‹#›</a:t>
+            </a:fld>
+            <a:endParaRPr lang="en-US"/>
+          </a:p>
+        </p:txBody>
+      </p:sp>
+    </p:spTree>
+    <p:extLst>
+      <p:ext uri="{BB962C8B-B14F-4D97-AF65-F5344CB8AC3E}">
+        <p14:creationId xmlns:p14="http://schemas.microsoft.com/office/powerpoint/2010/main" val="1700112967"/>
+      </p:ext>
+    </p:extLst>
+  </p:cSld>
+  <p:clrMap bg1="lt1" tx1="dk1" bg2="lt2" tx2="dk2" accent1="accent1" accent2="accent2" accent3="accent3" accent4="accent4" accent5="accent5" accent6="accent6" hlink="hlink" folHlink="folHlink"/>
+  <p:hf sldNum="0" hdr="0" ftr="0" dt="0"/>
+</p:handoutMaster>
+</file>
+
 <file path=ppt/notesMasters/notesMaster1.xml><?xml version="1.0" encoding="utf-8"?>
 <p:notesMaster xmlns:a="http://schemas.openxmlformats.org/drawingml/2006/main" xmlns:r="http://schemas.openxmlformats.org/officeDocument/2006/relationships" xmlns:p="http://schemas.openxmlformats.org/presentationml/2006/main">
   <p:cSld>
@@ -211,7 +409,7 @@
           <a:p>
             <a:fld id="{2CD01EFD-C897-2F4F-A8C4-BBFE9586ADD6}" type="datetimeFigureOut">
               <a:rPr lang="en-GB" smtClean="0"/>
-              <a:t>19/08/2022</a:t>
+              <a:t>12/09/2022</a:t>
             </a:fld>
             <a:endParaRPr lang="en-GB"/>
           </a:p>
@@ -384,6 +582,7 @@
     </p:extLst>
   </p:cSld>
   <p:clrMap bg1="lt1" tx1="dk1" bg2="lt2" tx2="dk2" accent1="accent1" accent2="accent2" accent3="accent3" accent4="accent4" accent5="accent5" accent6="accent6" hlink="hlink" folHlink="folHlink"/>
+  <p:hf sldNum="0" hdr="0" ftr="0" dt="0"/>
   <p:notesStyle>
     <a:lvl1pPr marL="0" algn="l" defTabSz="914400" rtl="0" eaLnBrk="1" latinLnBrk="0" hangingPunct="1">
       <a:defRPr sz="1200" kern="1200">
@@ -531,29 +730,6 @@
           </a:p>
         </p:txBody>
       </p:sp>
-      <p:sp>
-        <p:nvSpPr>
-          <p:cNvPr id="4" name="Slide Number Placeholder 3"/>
-          <p:cNvSpPr>
-            <a:spLocks noGrp="1"/>
-          </p:cNvSpPr>
-          <p:nvPr>
-            <p:ph type="sldNum" sz="quarter" idx="5"/>
-          </p:nvPr>
-        </p:nvSpPr>
-        <p:spPr/>
-        <p:txBody>
-          <a:bodyPr/>
-          <a:lstStyle/>
-          <a:p>
-            <a:fld id="{D03B494D-EF55-ED4D-8344-BA5F1AFFB3B7}" type="slidenum">
-              <a:rPr lang="en-GB" smtClean="0"/>
-              <a:t>1</a:t>
-            </a:fld>
-            <a:endParaRPr lang="en-GB"/>
-          </a:p>
-        </p:txBody>
-      </p:sp>
     </p:spTree>
     <p:extLst>
       <p:ext uri="{BB962C8B-B14F-4D97-AF65-F5344CB8AC3E}">
@@ -641,41 +817,14 @@
             </a:r>
           </a:p>
           <a:p>
-            <a:pPr marL="171450" indent="-171450">
-              <a:buFont typeface="Arial" panose="020B0604020202020204" pitchFamily="34" charset="0"/>
-              <a:buChar char="•"/>
-            </a:pPr>
             <a:endParaRPr lang="en-GB" dirty="0"/>
-          </a:p>
-        </p:txBody>
-      </p:sp>
-      <p:sp>
-        <p:nvSpPr>
-          <p:cNvPr id="4" name="Slide Number Placeholder 3"/>
-          <p:cNvSpPr>
-            <a:spLocks noGrp="1"/>
-          </p:cNvSpPr>
-          <p:nvPr>
-            <p:ph type="sldNum" sz="quarter" idx="5"/>
-          </p:nvPr>
-        </p:nvSpPr>
-        <p:spPr/>
-        <p:txBody>
-          <a:bodyPr/>
-          <a:lstStyle/>
-          <a:p>
-            <a:fld id="{D03B494D-EF55-ED4D-8344-BA5F1AFFB3B7}" type="slidenum">
-              <a:rPr lang="en-GB" smtClean="0"/>
-              <a:t>10</a:t>
-            </a:fld>
-            <a:endParaRPr lang="en-GB"/>
           </a:p>
         </p:txBody>
       </p:sp>
     </p:spTree>
     <p:extLst>
       <p:ext uri="{BB962C8B-B14F-4D97-AF65-F5344CB8AC3E}">
-        <p14:creationId xmlns:p14="http://schemas.microsoft.com/office/powerpoint/2010/main" val="3653432752"/>
+        <p14:creationId xmlns:p14="http://schemas.microsoft.com/office/powerpoint/2010/main" val="480975979"/>
       </p:ext>
     </p:extLst>
   </p:cSld>
@@ -735,7 +884,7 @@
             </a:pPr>
             <a:r>
               <a:rPr lang="en-GB" dirty="0"/>
-              <a:t>Here is how we solve the problem.</a:t>
+              <a:t>This is what we want. </a:t>
             </a:r>
           </a:p>
           <a:p>
@@ -745,39 +894,7 @@
             </a:pPr>
             <a:r>
               <a:rPr lang="en-GB" dirty="0"/>
-              <a:t>An intricate analysis protocol and diagnosis, that folds down into </a:t>
-            </a:r>
-            <a:r>
-              <a:rPr lang="en-GB" b="1" dirty="0"/>
-              <a:t>a </a:t>
-            </a:r>
-            <a:r>
-              <a:rPr lang="en-GB" b="1" i="1" dirty="0"/>
-              <a:t>simple</a:t>
-            </a:r>
-            <a:r>
-              <a:rPr lang="en-GB" b="1" dirty="0"/>
-              <a:t>, </a:t>
-            </a:r>
-            <a:r>
-              <a:rPr lang="en-GB" b="1" i="1" dirty="0"/>
-              <a:t>single</a:t>
-            </a:r>
-            <a:r>
-              <a:rPr lang="en-GB" b="1" dirty="0"/>
-              <a:t>, </a:t>
-            </a:r>
-            <a:r>
-              <a:rPr lang="en-GB" b="1" i="1" dirty="0"/>
-              <a:t>concise</a:t>
-            </a:r>
-            <a:r>
-              <a:rPr lang="en-GB" b="1" dirty="0"/>
-              <a:t> report</a:t>
-            </a:r>
-            <a:r>
-              <a:rPr lang="en-GB" dirty="0"/>
-              <a:t>. </a:t>
+              <a:t>Trust but verify.</a:t>
             </a:r>
           </a:p>
           <a:p>
@@ -787,17 +904,7 @@
             </a:pPr>
             <a:r>
               <a:rPr lang="en-GB" dirty="0"/>
-              <a:t>For any possible question, we can simply click what one we want to see.</a:t>
-            </a:r>
-          </a:p>
-          <a:p>
-            <a:pPr marL="171450" indent="-171450">
-              <a:buFont typeface="Arial" panose="020B0604020202020204" pitchFamily="34" charset="0"/>
-              <a:buChar char="•"/>
-            </a:pPr>
-            <a:r>
-              <a:rPr lang="en-GB" dirty="0"/>
-              <a:t>We are provided with all of the source material and methods to explain why it is the most reliable data.</a:t>
+              <a:t>For every discovery the sum of evidence and methods are only a touch away. </a:t>
             </a:r>
           </a:p>
           <a:p>
@@ -809,33 +916,10 @@
           </a:p>
         </p:txBody>
       </p:sp>
-      <p:sp>
-        <p:nvSpPr>
-          <p:cNvPr id="4" name="Slide Number Placeholder 3"/>
-          <p:cNvSpPr>
-            <a:spLocks noGrp="1"/>
-          </p:cNvSpPr>
-          <p:nvPr>
-            <p:ph type="sldNum" sz="quarter" idx="5"/>
-          </p:nvPr>
-        </p:nvSpPr>
-        <p:spPr/>
-        <p:txBody>
-          <a:bodyPr/>
-          <a:lstStyle/>
-          <a:p>
-            <a:fld id="{D03B494D-EF55-ED4D-8344-BA5F1AFFB3B7}" type="slidenum">
-              <a:rPr lang="en-GB" smtClean="0"/>
-              <a:t>11</a:t>
-            </a:fld>
-            <a:endParaRPr lang="en-GB"/>
-          </a:p>
-        </p:txBody>
-      </p:sp>
     </p:spTree>
     <p:extLst>
       <p:ext uri="{BB962C8B-B14F-4D97-AF65-F5344CB8AC3E}">
-        <p14:creationId xmlns:p14="http://schemas.microsoft.com/office/powerpoint/2010/main" val="2657681991"/>
+        <p14:creationId xmlns:p14="http://schemas.microsoft.com/office/powerpoint/2010/main" val="3653432752"/>
       </p:ext>
     </p:extLst>
   </p:cSld>
@@ -895,7 +979,7 @@
             </a:pPr>
             <a:r>
               <a:rPr lang="en-GB" dirty="0"/>
-              <a:t>Here is how we solve the problem.</a:t>
+              <a:t>This is what we want. </a:t>
             </a:r>
           </a:p>
           <a:p>
@@ -905,39 +989,7 @@
             </a:pPr>
             <a:r>
               <a:rPr lang="en-GB" dirty="0"/>
-              <a:t>An intricate analysis protocol and diagnosis, that folds down into </a:t>
-            </a:r>
-            <a:r>
-              <a:rPr lang="en-GB" b="1" dirty="0"/>
-              <a:t>a </a:t>
-            </a:r>
-            <a:r>
-              <a:rPr lang="en-GB" b="1" i="1" dirty="0"/>
-              <a:t>simple</a:t>
-            </a:r>
-            <a:r>
-              <a:rPr lang="en-GB" b="1" dirty="0"/>
-              <a:t>, </a:t>
-            </a:r>
-            <a:r>
-              <a:rPr lang="en-GB" b="1" i="1" dirty="0"/>
-              <a:t>single</a:t>
-            </a:r>
-            <a:r>
-              <a:rPr lang="en-GB" b="1" dirty="0"/>
-              <a:t>, </a:t>
-            </a:r>
-            <a:r>
-              <a:rPr lang="en-GB" b="1" i="1" dirty="0"/>
-              <a:t>concise</a:t>
-            </a:r>
-            <a:r>
-              <a:rPr lang="en-GB" b="1" dirty="0"/>
-              <a:t> report</a:t>
-            </a:r>
-            <a:r>
-              <a:rPr lang="en-GB" dirty="0"/>
-              <a:t>. </a:t>
+              <a:t>Trust but verify.</a:t>
             </a:r>
           </a:p>
           <a:p>
@@ -947,17 +999,7 @@
             </a:pPr>
             <a:r>
               <a:rPr lang="en-GB" dirty="0"/>
-              <a:t>For any possible question, we can simply click what one we want to see.</a:t>
-            </a:r>
-          </a:p>
-          <a:p>
-            <a:pPr marL="171450" indent="-171450">
-              <a:buFont typeface="Arial" panose="020B0604020202020204" pitchFamily="34" charset="0"/>
-              <a:buChar char="•"/>
-            </a:pPr>
-            <a:r>
-              <a:rPr lang="en-GB" dirty="0"/>
-              <a:t>We are provided with all of the source material and methods to explain why it is the most reliable data.</a:t>
+              <a:t>For every discovery the sum of evidence and methods are only a touch away. </a:t>
             </a:r>
           </a:p>
           <a:p>
@@ -969,33 +1011,10 @@
           </a:p>
         </p:txBody>
       </p:sp>
-      <p:sp>
-        <p:nvSpPr>
-          <p:cNvPr id="4" name="Slide Number Placeholder 3"/>
-          <p:cNvSpPr>
-            <a:spLocks noGrp="1"/>
-          </p:cNvSpPr>
-          <p:nvPr>
-            <p:ph type="sldNum" sz="quarter" idx="5"/>
-          </p:nvPr>
-        </p:nvSpPr>
-        <p:spPr/>
-        <p:txBody>
-          <a:bodyPr/>
-          <a:lstStyle/>
-          <a:p>
-            <a:fld id="{D03B494D-EF55-ED4D-8344-BA5F1AFFB3B7}" type="slidenum">
-              <a:rPr lang="en-GB" smtClean="0"/>
-              <a:t>12</a:t>
-            </a:fld>
-            <a:endParaRPr lang="en-GB"/>
-          </a:p>
-        </p:txBody>
-      </p:sp>
     </p:spTree>
     <p:extLst>
       <p:ext uri="{BB962C8B-B14F-4D97-AF65-F5344CB8AC3E}">
-        <p14:creationId xmlns:p14="http://schemas.microsoft.com/office/powerpoint/2010/main" val="33986001"/>
+        <p14:creationId xmlns:p14="http://schemas.microsoft.com/office/powerpoint/2010/main" val="3072923110"/>
       </p:ext>
     </p:extLst>
   </p:cSld>
@@ -1049,37 +1068,90 @@
           <a:bodyPr/>
           <a:lstStyle/>
           <a:p>
+            <a:pPr marL="171450" indent="-171450">
+              <a:buFont typeface="Arial" panose="020B0604020202020204" pitchFamily="34" charset="0"/>
+              <a:buChar char="•"/>
+            </a:pPr>
+            <a:r>
+              <a:rPr lang="en-GB" dirty="0"/>
+              <a:t>Here is how we solve the problem.</a:t>
+            </a:r>
+          </a:p>
+          <a:p>
+            <a:pPr marL="171450" indent="-171450">
+              <a:buFont typeface="Arial" panose="020B0604020202020204" pitchFamily="34" charset="0"/>
+              <a:buChar char="•"/>
+            </a:pPr>
+            <a:r>
+              <a:rPr lang="en-GB" dirty="0"/>
+              <a:t>An intricate analysis protocol and diagnosis, that folds down into </a:t>
+            </a:r>
+            <a:r>
+              <a:rPr lang="en-GB" b="1" dirty="0"/>
+              <a:t>a </a:t>
+            </a:r>
+            <a:r>
+              <a:rPr lang="en-GB" b="1" i="1" dirty="0"/>
+              <a:t>simple</a:t>
+            </a:r>
+            <a:r>
+              <a:rPr lang="en-GB" b="1" dirty="0"/>
+              <a:t>, </a:t>
+            </a:r>
+            <a:r>
+              <a:rPr lang="en-GB" b="1" i="1" dirty="0"/>
+              <a:t>single</a:t>
+            </a:r>
+            <a:r>
+              <a:rPr lang="en-GB" b="1" dirty="0"/>
+              <a:t>, </a:t>
+            </a:r>
+            <a:r>
+              <a:rPr lang="en-GB" b="1" i="1" dirty="0"/>
+              <a:t>concise</a:t>
+            </a:r>
+            <a:r>
+              <a:rPr lang="en-GB" b="1" dirty="0"/>
+              <a:t> report</a:t>
+            </a:r>
+            <a:r>
+              <a:rPr lang="en-GB" dirty="0"/>
+              <a:t>. </a:t>
+            </a:r>
+          </a:p>
+          <a:p>
+            <a:pPr marL="171450" indent="-171450">
+              <a:buFont typeface="Arial" panose="020B0604020202020204" pitchFamily="34" charset="0"/>
+              <a:buChar char="•"/>
+            </a:pPr>
+            <a:r>
+              <a:rPr lang="en-GB" dirty="0"/>
+              <a:t>For any possible question, we can simply click what one we want to see.</a:t>
+            </a:r>
+          </a:p>
+          <a:p>
+            <a:pPr marL="171450" indent="-171450">
+              <a:buFont typeface="Arial" panose="020B0604020202020204" pitchFamily="34" charset="0"/>
+              <a:buChar char="•"/>
+            </a:pPr>
+            <a:r>
+              <a:rPr lang="en-GB" dirty="0"/>
+              <a:t>We are provided with all of the source material and methods to explain why it is the most reliable data.</a:t>
+            </a:r>
+          </a:p>
+          <a:p>
+            <a:pPr marL="171450" indent="-171450">
+              <a:buFont typeface="Arial" panose="020B0604020202020204" pitchFamily="34" charset="0"/>
+              <a:buChar char="•"/>
+            </a:pPr>
             <a:endParaRPr lang="en-GB" dirty="0"/>
-          </a:p>
-        </p:txBody>
-      </p:sp>
-      <p:sp>
-        <p:nvSpPr>
-          <p:cNvPr id="4" name="Slide Number Placeholder 3"/>
-          <p:cNvSpPr>
-            <a:spLocks noGrp="1"/>
-          </p:cNvSpPr>
-          <p:nvPr>
-            <p:ph type="sldNum" sz="quarter" idx="5"/>
-          </p:nvPr>
-        </p:nvSpPr>
-        <p:spPr/>
-        <p:txBody>
-          <a:bodyPr/>
-          <a:lstStyle/>
-          <a:p>
-            <a:fld id="{D03B494D-EF55-ED4D-8344-BA5F1AFFB3B7}" type="slidenum">
-              <a:rPr lang="en-GB" smtClean="0"/>
-              <a:t>13</a:t>
-            </a:fld>
-            <a:endParaRPr lang="en-GB"/>
           </a:p>
         </p:txBody>
       </p:sp>
     </p:spTree>
     <p:extLst>
       <p:ext uri="{BB962C8B-B14F-4D97-AF65-F5344CB8AC3E}">
-        <p14:creationId xmlns:p14="http://schemas.microsoft.com/office/powerpoint/2010/main" val="1572823843"/>
+        <p14:creationId xmlns:p14="http://schemas.microsoft.com/office/powerpoint/2010/main" val="2657681991"/>
       </p:ext>
     </p:extLst>
   </p:cSld>
@@ -1133,37 +1205,90 @@
           <a:bodyPr/>
           <a:lstStyle/>
           <a:p>
+            <a:pPr marL="171450" indent="-171450">
+              <a:buFont typeface="Arial" panose="020B0604020202020204" pitchFamily="34" charset="0"/>
+              <a:buChar char="•"/>
+            </a:pPr>
+            <a:r>
+              <a:rPr lang="en-GB" dirty="0"/>
+              <a:t>Here is how we solve the problem.</a:t>
+            </a:r>
+          </a:p>
+          <a:p>
+            <a:pPr marL="171450" indent="-171450">
+              <a:buFont typeface="Arial" panose="020B0604020202020204" pitchFamily="34" charset="0"/>
+              <a:buChar char="•"/>
+            </a:pPr>
+            <a:r>
+              <a:rPr lang="en-GB" dirty="0"/>
+              <a:t>An intricate analysis protocol and diagnosis, that folds down into </a:t>
+            </a:r>
+            <a:r>
+              <a:rPr lang="en-GB" b="1" dirty="0"/>
+              <a:t>a </a:t>
+            </a:r>
+            <a:r>
+              <a:rPr lang="en-GB" b="1" i="1" dirty="0"/>
+              <a:t>simple</a:t>
+            </a:r>
+            <a:r>
+              <a:rPr lang="en-GB" b="1" dirty="0"/>
+              <a:t>, </a:t>
+            </a:r>
+            <a:r>
+              <a:rPr lang="en-GB" b="1" i="1" dirty="0"/>
+              <a:t>single</a:t>
+            </a:r>
+            <a:r>
+              <a:rPr lang="en-GB" b="1" dirty="0"/>
+              <a:t>, </a:t>
+            </a:r>
+            <a:r>
+              <a:rPr lang="en-GB" b="1" i="1" dirty="0"/>
+              <a:t>concise</a:t>
+            </a:r>
+            <a:r>
+              <a:rPr lang="en-GB" b="1" dirty="0"/>
+              <a:t> report</a:t>
+            </a:r>
+            <a:r>
+              <a:rPr lang="en-GB" dirty="0"/>
+              <a:t>. </a:t>
+            </a:r>
+          </a:p>
+          <a:p>
+            <a:pPr marL="171450" indent="-171450">
+              <a:buFont typeface="Arial" panose="020B0604020202020204" pitchFamily="34" charset="0"/>
+              <a:buChar char="•"/>
+            </a:pPr>
+            <a:r>
+              <a:rPr lang="en-GB" dirty="0"/>
+              <a:t>For any possible question, we can simply click what one we want to see.</a:t>
+            </a:r>
+          </a:p>
+          <a:p>
+            <a:pPr marL="171450" indent="-171450">
+              <a:buFont typeface="Arial" panose="020B0604020202020204" pitchFamily="34" charset="0"/>
+              <a:buChar char="•"/>
+            </a:pPr>
+            <a:r>
+              <a:rPr lang="en-GB" dirty="0"/>
+              <a:t>We are provided with all of the source material and methods to explain why it is the most reliable data.</a:t>
+            </a:r>
+          </a:p>
+          <a:p>
+            <a:pPr marL="171450" indent="-171450">
+              <a:buFont typeface="Arial" panose="020B0604020202020204" pitchFamily="34" charset="0"/>
+              <a:buChar char="•"/>
+            </a:pPr>
             <a:endParaRPr lang="en-GB" dirty="0"/>
-          </a:p>
-        </p:txBody>
-      </p:sp>
-      <p:sp>
-        <p:nvSpPr>
-          <p:cNvPr id="4" name="Slide Number Placeholder 3"/>
-          <p:cNvSpPr>
-            <a:spLocks noGrp="1"/>
-          </p:cNvSpPr>
-          <p:nvPr>
-            <p:ph type="sldNum" sz="quarter" idx="5"/>
-          </p:nvPr>
-        </p:nvSpPr>
-        <p:spPr/>
-        <p:txBody>
-          <a:bodyPr/>
-          <a:lstStyle/>
-          <a:p>
-            <a:fld id="{D03B494D-EF55-ED4D-8344-BA5F1AFFB3B7}" type="slidenum">
-              <a:rPr lang="en-GB" smtClean="0"/>
-              <a:t>14</a:t>
-            </a:fld>
-            <a:endParaRPr lang="en-GB"/>
           </a:p>
         </p:txBody>
       </p:sp>
     </p:spTree>
     <p:extLst>
       <p:ext uri="{BB962C8B-B14F-4D97-AF65-F5344CB8AC3E}">
-        <p14:creationId xmlns:p14="http://schemas.microsoft.com/office/powerpoint/2010/main" val="2774947678"/>
+        <p14:creationId xmlns:p14="http://schemas.microsoft.com/office/powerpoint/2010/main" val="33986001"/>
       </p:ext>
     </p:extLst>
   </p:cSld>
@@ -1217,43 +1342,266 @@
           <a:bodyPr/>
           <a:lstStyle/>
           <a:p>
-            <a:pPr marL="342900" indent="-342900">
-              <a:buFont typeface="Arial" panose="020B0604020202020204" pitchFamily="34" charset="0"/>
-              <a:buChar char="•"/>
-            </a:pPr>
-            <a:endParaRPr lang="en-GB" sz="2000" dirty="0"/>
-          </a:p>
-        </p:txBody>
-      </p:sp>
-      <p:sp>
-        <p:nvSpPr>
-          <p:cNvPr id="4" name="Slide Number Placeholder 3"/>
-          <p:cNvSpPr>
-            <a:spLocks noGrp="1"/>
-          </p:cNvSpPr>
-          <p:nvPr>
-            <p:ph type="sldNum" sz="quarter" idx="5"/>
-          </p:nvPr>
-        </p:nvSpPr>
-        <p:spPr/>
-        <p:txBody>
-          <a:bodyPr/>
-          <a:lstStyle/>
-          <a:p>
-            <a:fld id="{D03B494D-EF55-ED4D-8344-BA5F1AFFB3B7}" type="slidenum">
-              <a:rPr lang="en-GB" smtClean="0"/>
-              <a:t>15</a:t>
-            </a:fld>
-            <a:endParaRPr lang="en-GB"/>
+            <a:endParaRPr lang="en-GB" dirty="0"/>
           </a:p>
         </p:txBody>
       </p:sp>
     </p:spTree>
     <p:extLst>
       <p:ext uri="{BB962C8B-B14F-4D97-AF65-F5344CB8AC3E}">
-        <p14:creationId xmlns:p14="http://schemas.microsoft.com/office/powerpoint/2010/main" val="4214673098"/>
+        <p14:creationId xmlns:p14="http://schemas.microsoft.com/office/powerpoint/2010/main" val="1572823843"/>
       </p:ext>
     </p:extLst>
+  </p:cSld>
+  <p:clrMapOvr>
+    <a:masterClrMapping/>
+  </p:clrMapOvr>
+</p:notes>
+</file>
+
+<file path=ppt/notesSlides/notesSlide16.xml><?xml version="1.0" encoding="utf-8"?>
+<p:notes xmlns:a="http://schemas.openxmlformats.org/drawingml/2006/main" xmlns:r="http://schemas.openxmlformats.org/officeDocument/2006/relationships" xmlns:p="http://schemas.openxmlformats.org/presentationml/2006/main">
+  <p:cSld>
+    <p:spTree>
+      <p:nvGrpSpPr>
+        <p:cNvPr id="1" name=""/>
+        <p:cNvGrpSpPr/>
+        <p:nvPr/>
+      </p:nvGrpSpPr>
+      <p:grpSpPr>
+        <a:xfrm>
+          <a:off x="0" y="0"/>
+          <a:ext cx="0" cy="0"/>
+          <a:chOff x="0" y="0"/>
+          <a:chExt cx="0" cy="0"/>
+        </a:xfrm>
+      </p:grpSpPr>
+      <p:sp>
+        <p:nvSpPr>
+          <p:cNvPr id="2" name="Slide Image Placeholder 1"/>
+          <p:cNvSpPr>
+            <a:spLocks noGrp="1" noRot="1" noChangeAspect="1"/>
+          </p:cNvSpPr>
+          <p:nvPr>
+            <p:ph type="sldImg"/>
+          </p:nvPr>
+        </p:nvSpPr>
+        <p:spPr/>
+      </p:sp>
+      <p:sp>
+        <p:nvSpPr>
+          <p:cNvPr id="3" name="Notes Placeholder 2"/>
+          <p:cNvSpPr>
+            <a:spLocks noGrp="1"/>
+          </p:cNvSpPr>
+          <p:nvPr>
+            <p:ph type="body" idx="1"/>
+          </p:nvPr>
+        </p:nvSpPr>
+        <p:spPr/>
+        <p:txBody>
+          <a:bodyPr/>
+          <a:lstStyle/>
+          <a:p>
+            <a:endParaRPr lang="en-GB" dirty="0"/>
+          </a:p>
+        </p:txBody>
+      </p:sp>
+    </p:spTree>
+    <p:extLst>
+      <p:ext uri="{BB962C8B-B14F-4D97-AF65-F5344CB8AC3E}">
+        <p14:creationId xmlns:p14="http://schemas.microsoft.com/office/powerpoint/2010/main" val="1485393464"/>
+      </p:ext>
+    </p:extLst>
+  </p:cSld>
+  <p:clrMapOvr>
+    <a:masterClrMapping/>
+  </p:clrMapOvr>
+</p:notes>
+</file>
+
+<file path=ppt/notesSlides/notesSlide17.xml><?xml version="1.0" encoding="utf-8"?>
+<p:notes xmlns:a="http://schemas.openxmlformats.org/drawingml/2006/main" xmlns:r="http://schemas.openxmlformats.org/officeDocument/2006/relationships" xmlns:p="http://schemas.openxmlformats.org/presentationml/2006/main">
+  <p:cSld>
+    <p:spTree>
+      <p:nvGrpSpPr>
+        <p:cNvPr id="1" name=""/>
+        <p:cNvGrpSpPr/>
+        <p:nvPr/>
+      </p:nvGrpSpPr>
+      <p:grpSpPr>
+        <a:xfrm>
+          <a:off x="0" y="0"/>
+          <a:ext cx="0" cy="0"/>
+          <a:chOff x="0" y="0"/>
+          <a:chExt cx="0" cy="0"/>
+        </a:xfrm>
+      </p:grpSpPr>
+      <p:sp>
+        <p:nvSpPr>
+          <p:cNvPr id="2" name="Slide Image Placeholder 1"/>
+          <p:cNvSpPr>
+            <a:spLocks noGrp="1" noRot="1" noChangeAspect="1"/>
+          </p:cNvSpPr>
+          <p:nvPr>
+            <p:ph type="sldImg"/>
+          </p:nvPr>
+        </p:nvSpPr>
+        <p:spPr/>
+      </p:sp>
+      <p:sp>
+        <p:nvSpPr>
+          <p:cNvPr id="3" name="Notes Placeholder 2"/>
+          <p:cNvSpPr>
+            <a:spLocks noGrp="1"/>
+          </p:cNvSpPr>
+          <p:nvPr>
+            <p:ph type="body" idx="1"/>
+          </p:nvPr>
+        </p:nvSpPr>
+        <p:spPr/>
+        <p:txBody>
+          <a:bodyPr/>
+          <a:lstStyle/>
+          <a:p>
+            <a:endParaRPr lang="en-GB" dirty="0"/>
+          </a:p>
+        </p:txBody>
+      </p:sp>
+    </p:spTree>
+    <p:extLst>
+      <p:ext uri="{BB962C8B-B14F-4D97-AF65-F5344CB8AC3E}">
+        <p14:creationId xmlns:p14="http://schemas.microsoft.com/office/powerpoint/2010/main" val="2774947678"/>
+      </p:ext>
+    </p:extLst>
+  </p:cSld>
+  <p:clrMapOvr>
+    <a:masterClrMapping/>
+  </p:clrMapOvr>
+</p:notes>
+</file>
+
+<file path=ppt/notesSlides/notesSlide18.xml><?xml version="1.0" encoding="utf-8"?>
+<p:notes xmlns:a="http://schemas.openxmlformats.org/drawingml/2006/main" xmlns:r="http://schemas.openxmlformats.org/officeDocument/2006/relationships" xmlns:p="http://schemas.openxmlformats.org/presentationml/2006/main">
+  <p:cSld>
+    <p:spTree>
+      <p:nvGrpSpPr>
+        <p:cNvPr id="1" name=""/>
+        <p:cNvGrpSpPr/>
+        <p:nvPr/>
+      </p:nvGrpSpPr>
+      <p:grpSpPr>
+        <a:xfrm>
+          <a:off x="0" y="0"/>
+          <a:ext cx="0" cy="0"/>
+          <a:chOff x="0" y="0"/>
+          <a:chExt cx="0" cy="0"/>
+        </a:xfrm>
+      </p:grpSpPr>
+      <p:sp>
+        <p:nvSpPr>
+          <p:cNvPr id="2" name="Slide Image Placeholder 1"/>
+          <p:cNvSpPr>
+            <a:spLocks noGrp="1" noRot="1" noChangeAspect="1"/>
+          </p:cNvSpPr>
+          <p:nvPr>
+            <p:ph type="sldImg"/>
+          </p:nvPr>
+        </p:nvSpPr>
+        <p:spPr/>
+      </p:sp>
+      <p:sp>
+        <p:nvSpPr>
+          <p:cNvPr id="3" name="Notes Placeholder 2"/>
+          <p:cNvSpPr>
+            <a:spLocks noGrp="1"/>
+          </p:cNvSpPr>
+          <p:nvPr>
+            <p:ph type="body" idx="1"/>
+          </p:nvPr>
+        </p:nvSpPr>
+        <p:spPr/>
+        <p:txBody>
+          <a:bodyPr/>
+          <a:lstStyle/>
+          <a:p>
+            <a:endParaRPr lang="en-GB" dirty="0"/>
+          </a:p>
+        </p:txBody>
+      </p:sp>
+    </p:spTree>
+    <p:extLst>
+      <p:ext uri="{BB962C8B-B14F-4D97-AF65-F5344CB8AC3E}">
+        <p14:creationId xmlns:p14="http://schemas.microsoft.com/office/powerpoint/2010/main" val="4081262812"/>
+      </p:ext>
+    </p:extLst>
+  </p:cSld>
+  <p:clrMapOvr>
+    <a:masterClrMapping/>
+  </p:clrMapOvr>
+</p:notes>
+</file>
+
+<file path=ppt/notesSlides/notesSlide19.xml><?xml version="1.0" encoding="utf-8"?>
+<p:notes xmlns:a="http://schemas.openxmlformats.org/drawingml/2006/main" xmlns:r="http://schemas.openxmlformats.org/officeDocument/2006/relationships" xmlns:p="http://schemas.openxmlformats.org/presentationml/2006/main">
+  <p:cSld>
+    <p:spTree>
+      <p:nvGrpSpPr>
+        <p:cNvPr id="1" name=""/>
+        <p:cNvGrpSpPr/>
+        <p:nvPr/>
+      </p:nvGrpSpPr>
+      <p:grpSpPr>
+        <a:xfrm>
+          <a:off x="0" y="0"/>
+          <a:ext cx="0" cy="0"/>
+          <a:chOff x="0" y="0"/>
+          <a:chExt cx="0" cy="0"/>
+        </a:xfrm>
+      </p:grpSpPr>
+      <p:sp>
+        <p:nvSpPr>
+          <p:cNvPr id="2" name="Notes Placeholder 1">
+            <a:extLst>
+              <a:ext uri="{FF2B5EF4-FFF2-40B4-BE49-F238E27FC236}">
+                <a16:creationId xmlns:a16="http://schemas.microsoft.com/office/drawing/2014/main" id="{7EB1D1F9-4244-7A49-AFCD-F08028C8B236}"/>
+              </a:ext>
+            </a:extLst>
+          </p:cNvPr>
+          <p:cNvSpPr>
+            <a:spLocks noGrp="1"/>
+          </p:cNvSpPr>
+          <p:nvPr>
+            <p:ph type="body" idx="1"/>
+          </p:nvPr>
+        </p:nvSpPr>
+        <p:spPr/>
+        <p:txBody>
+          <a:bodyPr/>
+          <a:lstStyle/>
+          <a:p>
+            <a:r>
+              <a:rPr lang="en-US" dirty="0"/>
+              <a:t>The current best practices are extremely poor</a:t>
+            </a:r>
+          </a:p>
+          <a:p>
+            <a:r>
+              <a:rPr lang="en-US" dirty="0"/>
+              <a:t>https://</a:t>
+            </a:r>
+            <a:r>
+              <a:rPr lang="en-US" dirty="0" err="1"/>
+              <a:t>www.nature.com</a:t>
+            </a:r>
+            <a:r>
+              <a:rPr lang="en-US" dirty="0"/>
+              <a:t>/articles/s41431-020-0579-y</a:t>
+            </a:r>
+          </a:p>
+        </p:txBody>
+      </p:sp>
+    </p:spTree>
   </p:cSld>
   <p:clrMapOvr>
     <a:masterClrMapping/>
@@ -1329,33 +1677,75 @@
           </a:p>
         </p:txBody>
       </p:sp>
-      <p:sp>
-        <p:nvSpPr>
-          <p:cNvPr id="4" name="Slide Number Placeholder 3"/>
-          <p:cNvSpPr>
-            <a:spLocks noGrp="1"/>
-          </p:cNvSpPr>
-          <p:nvPr>
-            <p:ph type="sldNum" sz="quarter" idx="5"/>
-          </p:nvPr>
-        </p:nvSpPr>
-        <p:spPr/>
-        <p:txBody>
-          <a:bodyPr/>
-          <a:lstStyle/>
-          <a:p>
-            <a:fld id="{D03B494D-EF55-ED4D-8344-BA5F1AFFB3B7}" type="slidenum">
-              <a:rPr lang="en-GB" smtClean="0"/>
-              <a:t>2</a:t>
-            </a:fld>
-            <a:endParaRPr lang="en-GB"/>
-          </a:p>
-        </p:txBody>
-      </p:sp>
     </p:spTree>
     <p:extLst>
       <p:ext uri="{BB962C8B-B14F-4D97-AF65-F5344CB8AC3E}">
         <p14:creationId xmlns:p14="http://schemas.microsoft.com/office/powerpoint/2010/main" val="384228086"/>
+      </p:ext>
+    </p:extLst>
+  </p:cSld>
+  <p:clrMapOvr>
+    <a:masterClrMapping/>
+  </p:clrMapOvr>
+</p:notes>
+</file>
+
+<file path=ppt/notesSlides/notesSlide20.xml><?xml version="1.0" encoding="utf-8"?>
+<p:notes xmlns:a="http://schemas.openxmlformats.org/drawingml/2006/main" xmlns:r="http://schemas.openxmlformats.org/officeDocument/2006/relationships" xmlns:p="http://schemas.openxmlformats.org/presentationml/2006/main">
+  <p:cSld>
+    <p:spTree>
+      <p:nvGrpSpPr>
+        <p:cNvPr id="1" name=""/>
+        <p:cNvGrpSpPr/>
+        <p:nvPr/>
+      </p:nvGrpSpPr>
+      <p:grpSpPr>
+        <a:xfrm>
+          <a:off x="0" y="0"/>
+          <a:ext cx="0" cy="0"/>
+          <a:chOff x="0" y="0"/>
+          <a:chExt cx="0" cy="0"/>
+        </a:xfrm>
+      </p:grpSpPr>
+      <p:sp>
+        <p:nvSpPr>
+          <p:cNvPr id="2" name="Slide Image Placeholder 1"/>
+          <p:cNvSpPr>
+            <a:spLocks noGrp="1" noRot="1" noChangeAspect="1"/>
+          </p:cNvSpPr>
+          <p:nvPr>
+            <p:ph type="sldImg"/>
+          </p:nvPr>
+        </p:nvSpPr>
+        <p:spPr/>
+      </p:sp>
+      <p:sp>
+        <p:nvSpPr>
+          <p:cNvPr id="3" name="Notes Placeholder 2"/>
+          <p:cNvSpPr>
+            <a:spLocks noGrp="1"/>
+          </p:cNvSpPr>
+          <p:nvPr>
+            <p:ph type="body" idx="1"/>
+          </p:nvPr>
+        </p:nvSpPr>
+        <p:spPr/>
+        <p:txBody>
+          <a:bodyPr/>
+          <a:lstStyle/>
+          <a:p>
+            <a:pPr marL="342900" indent="-342900">
+              <a:buFont typeface="Arial" panose="020B0604020202020204" pitchFamily="34" charset="0"/>
+              <a:buChar char="•"/>
+            </a:pPr>
+            <a:endParaRPr lang="en-GB" sz="2000" dirty="0"/>
+          </a:p>
+        </p:txBody>
+      </p:sp>
+    </p:spTree>
+    <p:extLst>
+      <p:ext uri="{BB962C8B-B14F-4D97-AF65-F5344CB8AC3E}">
+        <p14:creationId xmlns:p14="http://schemas.microsoft.com/office/powerpoint/2010/main" val="4214673098"/>
       </p:ext>
     </p:extLst>
   </p:cSld>
@@ -1409,81 +1799,34 @@
           <a:bodyPr/>
           <a:lstStyle/>
           <a:p>
-            <a:pPr marL="171450" indent="-171450">
+            <a:pPr marL="342900" indent="-342900">
               <a:buFont typeface="Arial" panose="020B0604020202020204" pitchFamily="34" charset="0"/>
               <a:buChar char="•"/>
             </a:pPr>
             <a:r>
-              <a:rPr lang="en-GB" dirty="0"/>
-              <a:t>Historically, doctors would test and learn. Their knowledge and experience is used to diagnose and treat based on deductive reasoning.</a:t>
-            </a:r>
-          </a:p>
-          <a:p>
-            <a:pPr marL="171450" indent="-171450">
+              <a:rPr lang="en-GB" sz="2000" dirty="0"/>
+              <a:t>Appeals to authority hinders reliability.</a:t>
+            </a:r>
+          </a:p>
+          <a:p>
+            <a:pPr marL="342900" indent="-342900">
               <a:buFont typeface="Arial" panose="020B0604020202020204" pitchFamily="34" charset="0"/>
               <a:buChar char="•"/>
             </a:pPr>
             <a:r>
-              <a:rPr lang="en-GB" dirty="0"/>
-              <a:t>Next, as libraries grew, as the internet to hold, doctors had to rely less on memory and intuition and more on recorded facts. </a:t>
-            </a:r>
-          </a:p>
-          <a:p>
-            <a:pPr marL="171450" indent="-171450">
-              <a:buFont typeface="Arial" panose="020B0604020202020204" pitchFamily="34" charset="0"/>
-              <a:buChar char="•"/>
-            </a:pPr>
-            <a:r>
-              <a:rPr lang="en-GB" dirty="0"/>
-              <a:t>Tomorrow, no individual or team of doctors will outcompete their statistically-robust computational counterparts. </a:t>
-            </a:r>
-          </a:p>
-          <a:p>
-            <a:pPr marL="171450" indent="-171450">
-              <a:buFont typeface="Arial" panose="020B0604020202020204" pitchFamily="34" charset="0"/>
-              <a:buChar char="•"/>
-            </a:pPr>
-            <a:r>
-              <a:rPr lang="en-GB" dirty="0"/>
-              <a:t>However, that does not mean the doctor will disappear. It just means their role evolves (as it has always done through the ages). </a:t>
-            </a:r>
-          </a:p>
-          <a:p>
-            <a:pPr marL="171450" indent="-171450">
-              <a:buFont typeface="Arial" panose="020B0604020202020204" pitchFamily="34" charset="0"/>
-              <a:buChar char="•"/>
-            </a:pPr>
-            <a:endParaRPr lang="en-GB" dirty="0"/>
-          </a:p>
-        </p:txBody>
-      </p:sp>
-      <p:sp>
-        <p:nvSpPr>
-          <p:cNvPr id="4" name="Slide Number Placeholder 3"/>
-          <p:cNvSpPr>
-            <a:spLocks noGrp="1"/>
-          </p:cNvSpPr>
-          <p:nvPr>
-            <p:ph type="sldNum" sz="quarter" idx="5"/>
-          </p:nvPr>
-        </p:nvSpPr>
-        <p:spPr/>
-        <p:txBody>
-          <a:bodyPr/>
-          <a:lstStyle/>
-          <a:p>
-            <a:fld id="{D03B494D-EF55-ED4D-8344-BA5F1AFFB3B7}" type="slidenum">
-              <a:rPr lang="en-GB" smtClean="0"/>
-              <a:t>3</a:t>
-            </a:fld>
-            <a:endParaRPr lang="en-GB"/>
+              <a:rPr lang="en-GB" sz="2000" dirty="0"/>
+              <a:t>How many civilisations have failed because when the people shout: “Why is it this way ?” the leaders respond: “Because we say so”.</a:t>
+            </a:r>
+          </a:p>
+          <a:p>
+            <a:endParaRPr lang="en-GB" sz="2000" dirty="0"/>
           </a:p>
         </p:txBody>
       </p:sp>
     </p:spTree>
     <p:extLst>
       <p:ext uri="{BB962C8B-B14F-4D97-AF65-F5344CB8AC3E}">
-        <p14:creationId xmlns:p14="http://schemas.microsoft.com/office/powerpoint/2010/main" val="4179180019"/>
+        <p14:creationId xmlns:p14="http://schemas.microsoft.com/office/powerpoint/2010/main" val="1554178737"/>
       </p:ext>
     </p:extLst>
   </p:cSld>
@@ -1543,7 +1886,7 @@
             </a:pPr>
             <a:r>
               <a:rPr lang="en-GB" dirty="0"/>
-              <a:t>When we are unfamiliar with something new, we can underestimate how, significant, positive, and inevitable a change it can be.</a:t>
+              <a:t>Historically, doctors would test and learn. Their knowledge and experience is used to diagnose and treat based on deductive reasoning.</a:t>
             </a:r>
           </a:p>
           <a:p>
@@ -1553,7 +1896,7 @@
             </a:pPr>
             <a:r>
               <a:rPr lang="en-GB" dirty="0"/>
-              <a:t>When we go to the bank, we don’t expect the bank teller to give their opinion of what they think our bank balance is. </a:t>
+              <a:t>Next, as libraries grew, as the internet to hold, doctors had to rely less on memory and intuition and more on recorded facts. </a:t>
             </a:r>
           </a:p>
           <a:p>
@@ -1563,7 +1906,17 @@
             </a:pPr>
             <a:r>
               <a:rPr lang="en-GB" dirty="0"/>
-              <a:t>We want the standardised calculating program to do it. </a:t>
+              <a:t>Tomorrow, no individual or team of doctors will outcompete their statistically-robust computational counterparts. </a:t>
+            </a:r>
+          </a:p>
+          <a:p>
+            <a:pPr marL="171450" indent="-171450">
+              <a:buFont typeface="Arial" panose="020B0604020202020204" pitchFamily="34" charset="0"/>
+              <a:buChar char="•"/>
+            </a:pPr>
+            <a:r>
+              <a:rPr lang="en-GB" dirty="0"/>
+              <a:t>However, that does not mean the doctor will disappear. It just means their role evolves (as it has always done through the ages). </a:t>
             </a:r>
           </a:p>
           <a:p>
@@ -1573,79 +1926,12 @@
             </a:pPr>
             <a:endParaRPr lang="en-GB" dirty="0"/>
           </a:p>
-          <a:p>
-            <a:pPr marL="171450" indent="-171450">
-              <a:buFont typeface="Arial" panose="020B0604020202020204" pitchFamily="34" charset="0"/>
-              <a:buChar char="•"/>
-            </a:pPr>
-            <a:r>
-              <a:rPr lang="en-GB" dirty="0"/>
-              <a:t>When we have a disease, wouldn’t the best solution be to tally every piece of existing information and rank the probabilities accurately; to provide the most likely diagnosis and treatment, and supply multiple alternatives and backups?</a:t>
-            </a:r>
-          </a:p>
-          <a:p>
-            <a:pPr marL="171450" indent="-171450">
-              <a:buFont typeface="Arial" panose="020B0604020202020204" pitchFamily="34" charset="0"/>
-              <a:buChar char="•"/>
-            </a:pPr>
-            <a:endParaRPr lang="en-GB" dirty="0"/>
-          </a:p>
-          <a:p>
-            <a:pPr marL="171450" indent="-171450">
-              <a:buFont typeface="Arial" panose="020B0604020202020204" pitchFamily="34" charset="0"/>
-              <a:buChar char="•"/>
-            </a:pPr>
-            <a:r>
-              <a:rPr lang="en-GB" dirty="0"/>
-              <a:t>Instead, we hope that the doctor will do this very same job but manually.</a:t>
-            </a:r>
-          </a:p>
-          <a:p>
-            <a:pPr marL="171450" indent="-171450">
-              <a:buFont typeface="Arial" panose="020B0604020202020204" pitchFamily="34" charset="0"/>
-              <a:buChar char="•"/>
-            </a:pPr>
-            <a:r>
-              <a:rPr lang="en-GB" dirty="0"/>
-              <a:t>We hope that the doctor knows about all of the evidence sources, how reliable each is, and that they have no reason to dismiss pertinent facts based on a whim. </a:t>
-            </a:r>
-          </a:p>
-          <a:p>
-            <a:pPr marL="171450" indent="-171450">
-              <a:buFont typeface="Arial" panose="020B0604020202020204" pitchFamily="34" charset="0"/>
-              <a:buChar char="•"/>
-            </a:pPr>
-            <a:endParaRPr lang="en-GB" dirty="0"/>
-          </a:p>
-        </p:txBody>
-      </p:sp>
-      <p:sp>
-        <p:nvSpPr>
-          <p:cNvPr id="4" name="Slide Number Placeholder 3"/>
-          <p:cNvSpPr>
-            <a:spLocks noGrp="1"/>
-          </p:cNvSpPr>
-          <p:nvPr>
-            <p:ph type="sldNum" sz="quarter" idx="5"/>
-          </p:nvPr>
-        </p:nvSpPr>
-        <p:spPr/>
-        <p:txBody>
-          <a:bodyPr/>
-          <a:lstStyle/>
-          <a:p>
-            <a:fld id="{D03B494D-EF55-ED4D-8344-BA5F1AFFB3B7}" type="slidenum">
-              <a:rPr lang="en-GB" smtClean="0"/>
-              <a:t>4</a:t>
-            </a:fld>
-            <a:endParaRPr lang="en-GB"/>
-          </a:p>
         </p:txBody>
       </p:sp>
     </p:spTree>
     <p:extLst>
       <p:ext uri="{BB962C8B-B14F-4D97-AF65-F5344CB8AC3E}">
-        <p14:creationId xmlns:p14="http://schemas.microsoft.com/office/powerpoint/2010/main" val="639847781"/>
+        <p14:creationId xmlns:p14="http://schemas.microsoft.com/office/powerpoint/2010/main" val="4179180019"/>
       </p:ext>
     </p:extLst>
   </p:cSld>
@@ -1705,15 +1991,7 @@
             </a:pPr>
             <a:r>
               <a:rPr lang="en-GB" dirty="0"/>
-              <a:t>Now </a:t>
-            </a:r>
-            <a:r>
-              <a:rPr lang="en-GB" i="1" dirty="0"/>
-              <a:t>we</a:t>
-            </a:r>
-            <a:r>
-              <a:rPr lang="en-GB" dirty="0"/>
-              <a:t> are guilty of an appear to authority on this slide; </a:t>
+              <a:t>When we are unfamiliar with something new, we can underestimate how, significant, positive, and inevitable a change it can be.</a:t>
             </a:r>
           </a:p>
           <a:p>
@@ -1723,68 +2001,7 @@
             </a:pPr>
             <a:r>
               <a:rPr lang="en-GB" dirty="0"/>
-              <a:t>Michael Jordan </a:t>
-            </a:r>
-            <a:r>
-              <a:rPr lang="en-US" sz="1200" b="0" i="0" u="none" strike="noStrike" kern="1200" dirty="0">
-                <a:solidFill>
-                  <a:schemeClr val="tx1"/>
-                </a:solidFill>
-                <a:effectLst/>
-                <a:latin typeface="+mn-lt"/>
-                <a:ea typeface="+mn-ea"/>
-                <a:cs typeface="+mn-cs"/>
-              </a:rPr>
-              <a:t> is one of the world's leading authorities on machine learning. In 2016 he was ranked as the</a:t>
-            </a:r>
-            <a:r>
-              <a:rPr lang="en-US" sz="1200" b="0" i="0" u="sng" kern="1200" dirty="0">
-                <a:solidFill>
-                  <a:schemeClr val="tx1"/>
-                </a:solidFill>
-                <a:effectLst/>
-                <a:latin typeface="+mn-lt"/>
-                <a:ea typeface="+mn-ea"/>
-                <a:cs typeface="+mn-cs"/>
-                <a:hlinkClick r:id="rId3"/>
-              </a:rPr>
-              <a:t> most influential computer scientist</a:t>
-            </a:r>
-            <a:r>
-              <a:rPr lang="en-US" sz="1200" b="0" i="0" u="none" strike="noStrike" kern="1200" dirty="0">
-                <a:solidFill>
-                  <a:schemeClr val="tx1"/>
-                </a:solidFill>
-                <a:effectLst/>
-                <a:latin typeface="+mn-lt"/>
-                <a:ea typeface="+mn-ea"/>
-                <a:cs typeface="+mn-cs"/>
-              </a:rPr>
-              <a:t> by a program that analyzed research publications, </a:t>
-            </a:r>
-            <a:r>
-              <a:rPr lang="en-US" sz="1200" b="0" i="1" u="none" strike="noStrike" kern="1200" dirty="0">
-                <a:solidFill>
-                  <a:schemeClr val="tx1"/>
-                </a:solidFill>
-                <a:effectLst/>
-                <a:latin typeface="+mn-lt"/>
-                <a:ea typeface="+mn-ea"/>
-                <a:cs typeface="+mn-cs"/>
-              </a:rPr>
-              <a:t>Science</a:t>
-            </a:r>
-            <a:r>
-              <a:rPr lang="en-US" sz="1200" b="0" i="0" u="none" strike="noStrike" kern="1200" dirty="0">
-                <a:solidFill>
-                  <a:schemeClr val="tx1"/>
-                </a:solidFill>
-                <a:effectLst/>
-                <a:latin typeface="+mn-lt"/>
-                <a:ea typeface="+mn-ea"/>
-                <a:cs typeface="+mn-cs"/>
-              </a:rPr>
-              <a:t> reported, and produces some of the most import tools in this field.</a:t>
+              <a:t>When we go to the bank, we don’t expect the bank teller to give their opinion of what they think our bank balance is. </a:t>
             </a:r>
           </a:p>
           <a:p>
@@ -1793,16 +2010,8 @@
               <a:buChar char="•"/>
             </a:pPr>
             <a:r>
-              <a:rPr lang="en-US" sz="1200" b="0" i="0" u="none" strike="noStrike" kern="1200" dirty="0">
-                <a:solidFill>
-                  <a:schemeClr val="tx1"/>
-                </a:solidFill>
-                <a:effectLst/>
-                <a:latin typeface="+mn-lt"/>
-                <a:ea typeface="+mn-ea"/>
-                <a:cs typeface="+mn-cs"/>
-              </a:rPr>
-              <a:t>“Computers have not become intelligent per se, but they have provided capabilities that augment human intelligence, he writes. Moreover, they have excelled at low-level pattern-recognition capabilities that could be performed in principle by humans but at great cost.”</a:t>
+              <a:rPr lang="en-GB" dirty="0"/>
+              <a:t>We want the standardised calculating program to do it. </a:t>
             </a:r>
           </a:p>
           <a:p>
@@ -1819,7 +2028,7 @@
             </a:pPr>
             <a:r>
               <a:rPr lang="en-GB" dirty="0"/>
-              <a:t>Most of the time when you hear AI, what the sales-person really means is machine learning. </a:t>
+              <a:t>When we have a disease, wouldn’t the best solution be to tally every piece of existing information and rank the probabilities accurately; to provide the most likely diagnosis and treatment, and supply multiple alternatives and backups?</a:t>
             </a:r>
           </a:p>
           <a:p>
@@ -1827,10 +2036,7 @@
               <a:buFont typeface="Arial" panose="020B0604020202020204" pitchFamily="34" charset="0"/>
               <a:buChar char="•"/>
             </a:pPr>
-            <a:r>
-              <a:rPr lang="en-GB" dirty="0"/>
-              <a:t>And very often the algorithm is a simple linear regression:</a:t>
-            </a:r>
+            <a:endParaRPr lang="en-GB" dirty="0"/>
           </a:p>
           <a:p>
             <a:pPr marL="171450" indent="-171450">
@@ -1839,23 +2045,7 @@
             </a:pPr>
             <a:r>
               <a:rPr lang="en-GB" dirty="0"/>
-              <a:t>100 people in a </a:t>
-            </a:r>
-            <a:r>
-              <a:rPr lang="en-GB" i="1" dirty="0"/>
-              <a:t>low</a:t>
-            </a:r>
-            <a:r>
-              <a:rPr lang="en-GB" dirty="0"/>
-              <a:t> salary range have a </a:t>
-            </a:r>
-            <a:r>
-              <a:rPr lang="en-GB" i="1" dirty="0"/>
-              <a:t>big</a:t>
-            </a:r>
-            <a:r>
-              <a:rPr lang="en-GB" dirty="0"/>
-              <a:t> home but</a:t>
+              <a:t>Instead, we hope that the doctor will do this very same job but manually.</a:t>
             </a:r>
           </a:p>
           <a:p>
@@ -1865,23 +2055,7 @@
             </a:pPr>
             <a:r>
               <a:rPr lang="en-GB" dirty="0"/>
-              <a:t>100 people in a </a:t>
-            </a:r>
-            <a:r>
-              <a:rPr lang="en-GB" i="1" dirty="0"/>
-              <a:t>higher</a:t>
-            </a:r>
-            <a:r>
-              <a:rPr lang="en-GB" dirty="0"/>
-              <a:t> salary range have a </a:t>
-            </a:r>
-            <a:r>
-              <a:rPr lang="en-GB" i="1" dirty="0"/>
-              <a:t>small</a:t>
-            </a:r>
-            <a:r>
-              <a:rPr lang="en-GB" dirty="0"/>
-              <a:t> home. </a:t>
+              <a:t>We hope that the doctor knows about all of the evidence sources, how reliable each is, and that they have no reason to dismiss pertinent facts based on a whim. </a:t>
             </a:r>
           </a:p>
           <a:p>
@@ -1889,50 +2063,14 @@
               <a:buFont typeface="Arial" panose="020B0604020202020204" pitchFamily="34" charset="0"/>
               <a:buChar char="•"/>
             </a:pPr>
-            <a:r>
-              <a:rPr lang="en-GB" dirty="0"/>
-              <a:t>The same is true in medicine; sometimes the correlation between cause and effect are very simple. </a:t>
-            </a:r>
-          </a:p>
-          <a:p>
-            <a:pPr marL="171450" indent="-171450">
-              <a:buFont typeface="Arial" panose="020B0604020202020204" pitchFamily="34" charset="0"/>
-              <a:buChar char="•"/>
-            </a:pPr>
-            <a:r>
-              <a:rPr lang="en-GB" dirty="0"/>
-              <a:t>Other times there can be far too many minor causal contributors and the analysis algorithms become more sophisticated.</a:t>
-            </a:r>
-          </a:p>
-        </p:txBody>
-      </p:sp>
-      <p:sp>
-        <p:nvSpPr>
-          <p:cNvPr id="4" name="Slide Number Placeholder 3"/>
-          <p:cNvSpPr>
-            <a:spLocks noGrp="1"/>
-          </p:cNvSpPr>
-          <p:nvPr>
-            <p:ph type="sldNum" sz="quarter" idx="5"/>
-          </p:nvPr>
-        </p:nvSpPr>
-        <p:spPr/>
-        <p:txBody>
-          <a:bodyPr/>
-          <a:lstStyle/>
-          <a:p>
-            <a:fld id="{D03B494D-EF55-ED4D-8344-BA5F1AFFB3B7}" type="slidenum">
-              <a:rPr lang="en-GB" smtClean="0"/>
-              <a:t>5</a:t>
-            </a:fld>
-            <a:endParaRPr lang="en-GB"/>
+            <a:endParaRPr lang="en-GB" dirty="0"/>
           </a:p>
         </p:txBody>
       </p:sp>
     </p:spTree>
     <p:extLst>
       <p:ext uri="{BB962C8B-B14F-4D97-AF65-F5344CB8AC3E}">
-        <p14:creationId xmlns:p14="http://schemas.microsoft.com/office/powerpoint/2010/main" val="3405917574"/>
+        <p14:creationId xmlns:p14="http://schemas.microsoft.com/office/powerpoint/2010/main" val="639847781"/>
       </p:ext>
     </p:extLst>
   </p:cSld>
@@ -2014,29 +2152,6 @@
               <a:rPr lang="en-GB" dirty="0"/>
               <a:t>However, today the evidence-reporting chain is poorly standardised and unreliable.</a:t>
             </a:r>
-          </a:p>
-        </p:txBody>
-      </p:sp>
-      <p:sp>
-        <p:nvSpPr>
-          <p:cNvPr id="4" name="Slide Number Placeholder 3"/>
-          <p:cNvSpPr>
-            <a:spLocks noGrp="1"/>
-          </p:cNvSpPr>
-          <p:nvPr>
-            <p:ph type="sldNum" sz="quarter" idx="5"/>
-          </p:nvPr>
-        </p:nvSpPr>
-        <p:spPr/>
-        <p:txBody>
-          <a:bodyPr/>
-          <a:lstStyle/>
-          <a:p>
-            <a:fld id="{D03B494D-EF55-ED4D-8344-BA5F1AFFB3B7}" type="slidenum">
-              <a:rPr lang="en-GB" smtClean="0"/>
-              <a:t>6</a:t>
-            </a:fld>
-            <a:endParaRPr lang="en-GB"/>
           </a:p>
         </p:txBody>
       </p:sp>
@@ -2103,7 +2218,7 @@
             </a:pPr>
             <a:r>
               <a:rPr lang="en-GB" dirty="0"/>
-              <a:t>This is what we want. </a:t>
+              <a:t>These are the statements that can be made by a doctor today. </a:t>
             </a:r>
           </a:p>
           <a:p>
@@ -2113,7 +2228,7 @@
             </a:pPr>
             <a:r>
               <a:rPr lang="en-GB" dirty="0"/>
-              <a:t>Trust but verify.</a:t>
+              <a:t>Generally, the evidence supporting each claim exists and no opposing evidence is found to argue against the fact.</a:t>
             </a:r>
           </a:p>
           <a:p>
@@ -2121,37 +2236,17 @@
               <a:buFont typeface="Arial" panose="020B0604020202020204" pitchFamily="34" charset="0"/>
               <a:buChar char="•"/>
             </a:pPr>
-            <a:endParaRPr lang="en-GB" dirty="0"/>
-          </a:p>
-        </p:txBody>
-      </p:sp>
-      <p:sp>
-        <p:nvSpPr>
-          <p:cNvPr id="4" name="Slide Number Placeholder 3"/>
-          <p:cNvSpPr>
-            <a:spLocks noGrp="1"/>
-          </p:cNvSpPr>
-          <p:nvPr>
-            <p:ph type="sldNum" sz="quarter" idx="5"/>
-          </p:nvPr>
-        </p:nvSpPr>
-        <p:spPr/>
-        <p:txBody>
-          <a:bodyPr/>
-          <a:lstStyle/>
-          <a:p>
-            <a:fld id="{D03B494D-EF55-ED4D-8344-BA5F1AFFB3B7}" type="slidenum">
-              <a:rPr lang="en-GB" smtClean="0"/>
-              <a:t>7</a:t>
-            </a:fld>
-            <a:endParaRPr lang="en-GB"/>
+            <a:r>
+              <a:rPr lang="en-GB" dirty="0"/>
+              <a:t>However, today the evidence-reporting chain is poorly standardised and unreliable.</a:t>
+            </a:r>
           </a:p>
         </p:txBody>
       </p:sp>
     </p:spTree>
     <p:extLst>
       <p:ext uri="{BB962C8B-B14F-4D97-AF65-F5344CB8AC3E}">
-        <p14:creationId xmlns:p14="http://schemas.microsoft.com/office/powerpoint/2010/main" val="452263995"/>
+        <p14:creationId xmlns:p14="http://schemas.microsoft.com/office/powerpoint/2010/main" val="2980644362"/>
       </p:ext>
     </p:extLst>
   </p:cSld>
@@ -2229,40 +2324,14 @@
               <a:buFont typeface="Arial" panose="020B0604020202020204" pitchFamily="34" charset="0"/>
               <a:buChar char="•"/>
             </a:pPr>
-            <a:r>
-              <a:rPr lang="en-GB" dirty="0"/>
-              <a:t>For every discovery the sum of evidence and methods are only a touch away. </a:t>
-            </a:r>
-          </a:p>
-        </p:txBody>
-      </p:sp>
-      <p:sp>
-        <p:nvSpPr>
-          <p:cNvPr id="4" name="Slide Number Placeholder 3"/>
-          <p:cNvSpPr>
-            <a:spLocks noGrp="1"/>
-          </p:cNvSpPr>
-          <p:nvPr>
-            <p:ph type="sldNum" sz="quarter" idx="5"/>
-          </p:nvPr>
-        </p:nvSpPr>
-        <p:spPr/>
-        <p:txBody>
-          <a:bodyPr/>
-          <a:lstStyle/>
-          <a:p>
-            <a:fld id="{D03B494D-EF55-ED4D-8344-BA5F1AFFB3B7}" type="slidenum">
-              <a:rPr lang="en-GB" smtClean="0"/>
-              <a:t>8</a:t>
-            </a:fld>
-            <a:endParaRPr lang="en-GB"/>
+            <a:endParaRPr lang="en-GB" dirty="0"/>
           </a:p>
         </p:txBody>
       </p:sp>
     </p:spTree>
     <p:extLst>
       <p:ext uri="{BB962C8B-B14F-4D97-AF65-F5344CB8AC3E}">
-        <p14:creationId xmlns:p14="http://schemas.microsoft.com/office/powerpoint/2010/main" val="4216184484"/>
+        <p14:creationId xmlns:p14="http://schemas.microsoft.com/office/powerpoint/2010/main" val="452263995"/>
       </p:ext>
     </p:extLst>
   </p:cSld>
@@ -2345,38 +2414,12 @@
               <a:t>For every discovery the sum of evidence and methods are only a touch away. </a:t>
             </a:r>
           </a:p>
-          <a:p>
-            <a:endParaRPr lang="en-GB" dirty="0"/>
-          </a:p>
-        </p:txBody>
-      </p:sp>
-      <p:sp>
-        <p:nvSpPr>
-          <p:cNvPr id="4" name="Slide Number Placeholder 3"/>
-          <p:cNvSpPr>
-            <a:spLocks noGrp="1"/>
-          </p:cNvSpPr>
-          <p:nvPr>
-            <p:ph type="sldNum" sz="quarter" idx="5"/>
-          </p:nvPr>
-        </p:nvSpPr>
-        <p:spPr/>
-        <p:txBody>
-          <a:bodyPr/>
-          <a:lstStyle/>
-          <a:p>
-            <a:fld id="{D03B494D-EF55-ED4D-8344-BA5F1AFFB3B7}" type="slidenum">
-              <a:rPr lang="en-GB" smtClean="0"/>
-              <a:t>9</a:t>
-            </a:fld>
-            <a:endParaRPr lang="en-GB"/>
-          </a:p>
         </p:txBody>
       </p:sp>
     </p:spTree>
     <p:extLst>
       <p:ext uri="{BB962C8B-B14F-4D97-AF65-F5344CB8AC3E}">
-        <p14:creationId xmlns:p14="http://schemas.microsoft.com/office/powerpoint/2010/main" val="480975979"/>
+        <p14:creationId xmlns:p14="http://schemas.microsoft.com/office/powerpoint/2010/main" val="4216184484"/>
       </p:ext>
     </p:extLst>
   </p:cSld>
@@ -2514,10 +2557,10 @@
       </p:sp>
       <p:sp>
         <p:nvSpPr>
-          <p:cNvPr id="4" name="Date Placeholder 3">
+          <p:cNvPr id="7" name="Date Placeholder 6">
             <a:extLst>
               <a:ext uri="{FF2B5EF4-FFF2-40B4-BE49-F238E27FC236}">
-                <a16:creationId xmlns:a16="http://schemas.microsoft.com/office/drawing/2014/main" id="{26E5BE0F-3C1A-2F43-B25A-3E41E1CFBBDC}"/>
+                <a16:creationId xmlns:a16="http://schemas.microsoft.com/office/drawing/2014/main" id="{21554E68-ED22-F942-B2D5-CCC5B23C4ECB}"/>
               </a:ext>
             </a:extLst>
           </p:cNvPr>
@@ -2533,9 +2576,9 @@
           <a:bodyPr/>
           <a:lstStyle/>
           <a:p>
-            <a:fld id="{44F1775B-48C8-5541-8AC4-CC7C20C09602}" type="datetimeFigureOut">
-              <a:rPr lang="en-GB" smtClean="0"/>
-              <a:t>19/08/2022</a:t>
+            <a:fld id="{6EF2A3D3-9FC1-CA4E-A19E-833A4D428016}" type="datetime1">
+              <a:rPr lang="en-US" smtClean="0"/>
+              <a:t>9/12/22</a:t>
             </a:fld>
             <a:endParaRPr lang="en-GB"/>
           </a:p>
@@ -2543,10 +2586,10 @@
       </p:sp>
       <p:sp>
         <p:nvSpPr>
-          <p:cNvPr id="5" name="Footer Placeholder 4">
+          <p:cNvPr id="8" name="Footer Placeholder 7">
             <a:extLst>
               <a:ext uri="{FF2B5EF4-FFF2-40B4-BE49-F238E27FC236}">
-                <a16:creationId xmlns:a16="http://schemas.microsoft.com/office/drawing/2014/main" id="{800C6FA7-7FE9-0447-A68D-DE961B89B92F}"/>
+                <a16:creationId xmlns:a16="http://schemas.microsoft.com/office/drawing/2014/main" id="{C2C3550C-B5D2-DB4A-9D74-67F5CD31613A}"/>
               </a:ext>
             </a:extLst>
           </p:cNvPr>
@@ -2568,10 +2611,10 @@
       </p:sp>
       <p:sp>
         <p:nvSpPr>
-          <p:cNvPr id="6" name="Slide Number Placeholder 5">
+          <p:cNvPr id="9" name="Slide Number Placeholder 8">
             <a:extLst>
               <a:ext uri="{FF2B5EF4-FFF2-40B4-BE49-F238E27FC236}">
-                <a16:creationId xmlns:a16="http://schemas.microsoft.com/office/drawing/2014/main" id="{E8CFA8DC-1C26-C846-910D-51EDA8245C2E}"/>
+                <a16:creationId xmlns:a16="http://schemas.microsoft.com/office/drawing/2014/main" id="{654FF457-6514-1743-B763-8978F844E02B}"/>
               </a:ext>
             </a:extLst>
           </p:cNvPr>
@@ -2591,7 +2634,11 @@
               <a:rPr lang="en-GB" smtClean="0"/>
               <a:t>‹#›</a:t>
             </a:fld>
-            <a:endParaRPr lang="en-GB"/>
+            <a:r>
+              <a:rPr lang="en-GB"/>
+              <a:t> of 20</a:t>
+            </a:r>
+            <a:endParaRPr lang="en-GB" dirty="0"/>
           </a:p>
         </p:txBody>
       </p:sp>
@@ -2733,9 +2780,9 @@
           <a:bodyPr/>
           <a:lstStyle/>
           <a:p>
-            <a:fld id="{44F1775B-48C8-5541-8AC4-CC7C20C09602}" type="datetimeFigureOut">
-              <a:rPr lang="en-GB" smtClean="0"/>
-              <a:t>19/08/2022</a:t>
+            <a:fld id="{3EFA1294-C82A-E047-B451-2D8E0870C302}" type="datetime1">
+              <a:rPr lang="en-US" smtClean="0"/>
+              <a:t>9/12/22</a:t>
             </a:fld>
             <a:endParaRPr lang="en-GB"/>
           </a:p>
@@ -2943,9 +2990,9 @@
           <a:bodyPr/>
           <a:lstStyle/>
           <a:p>
-            <a:fld id="{44F1775B-48C8-5541-8AC4-CC7C20C09602}" type="datetimeFigureOut">
-              <a:rPr lang="en-GB" smtClean="0"/>
-              <a:t>19/08/2022</a:t>
+            <a:fld id="{0AA695E9-C8BE-8546-B411-8202C35AA0E0}" type="datetime1">
+              <a:rPr lang="en-US" smtClean="0"/>
+              <a:t>9/12/22</a:t>
             </a:fld>
             <a:endParaRPr lang="en-GB"/>
           </a:p>
@@ -3124,10 +3171,10 @@
       </p:sp>
       <p:sp>
         <p:nvSpPr>
-          <p:cNvPr id="4" name="Date Placeholder 3">
+          <p:cNvPr id="8" name="Date Placeholder 7">
             <a:extLst>
               <a:ext uri="{FF2B5EF4-FFF2-40B4-BE49-F238E27FC236}">
-                <a16:creationId xmlns:a16="http://schemas.microsoft.com/office/drawing/2014/main" id="{D4256636-044F-9D46-AFA7-236316D094AE}"/>
+                <a16:creationId xmlns:a16="http://schemas.microsoft.com/office/drawing/2014/main" id="{8CAA10FE-671C-5146-8C83-366052A2E316}"/>
               </a:ext>
             </a:extLst>
           </p:cNvPr>
@@ -3143,9 +3190,9 @@
           <a:bodyPr/>
           <a:lstStyle/>
           <a:p>
-            <a:fld id="{44F1775B-48C8-5541-8AC4-CC7C20C09602}" type="datetimeFigureOut">
-              <a:rPr lang="en-GB" smtClean="0"/>
-              <a:t>19/08/2022</a:t>
+            <a:fld id="{4D731DBA-6B0D-DE4B-8866-71957131242A}" type="datetime1">
+              <a:rPr lang="en-US" smtClean="0"/>
+              <a:t>9/12/22</a:t>
             </a:fld>
             <a:endParaRPr lang="en-GB"/>
           </a:p>
@@ -3153,10 +3200,10 @@
       </p:sp>
       <p:sp>
         <p:nvSpPr>
-          <p:cNvPr id="5" name="Footer Placeholder 4">
+          <p:cNvPr id="9" name="Footer Placeholder 8">
             <a:extLst>
               <a:ext uri="{FF2B5EF4-FFF2-40B4-BE49-F238E27FC236}">
-                <a16:creationId xmlns:a16="http://schemas.microsoft.com/office/drawing/2014/main" id="{6CB9F8DB-48A2-4647-B83F-BAF331F7B8E9}"/>
+                <a16:creationId xmlns:a16="http://schemas.microsoft.com/office/drawing/2014/main" id="{BB9F9512-C328-5A4E-9C74-CE537B77C840}"/>
               </a:ext>
             </a:extLst>
           </p:cNvPr>
@@ -3178,10 +3225,10 @@
       </p:sp>
       <p:sp>
         <p:nvSpPr>
-          <p:cNvPr id="6" name="Slide Number Placeholder 5">
+          <p:cNvPr id="10" name="Slide Number Placeholder 9">
             <a:extLst>
               <a:ext uri="{FF2B5EF4-FFF2-40B4-BE49-F238E27FC236}">
-                <a16:creationId xmlns:a16="http://schemas.microsoft.com/office/drawing/2014/main" id="{36B92FC3-DDB4-324A-9CDD-0A22C9C67734}"/>
+                <a16:creationId xmlns:a16="http://schemas.microsoft.com/office/drawing/2014/main" id="{BD992272-E55A-FF42-AA3C-20249E0594D8}"/>
               </a:ext>
             </a:extLst>
           </p:cNvPr>
@@ -3201,7 +3248,11 @@
               <a:rPr lang="en-GB" smtClean="0"/>
               <a:t>‹#›</a:t>
             </a:fld>
-            <a:endParaRPr lang="en-GB"/>
+            <a:r>
+              <a:rPr lang="en-GB"/>
+              <a:t> of 20</a:t>
+            </a:r>
+            <a:endParaRPr lang="en-GB" dirty="0"/>
           </a:p>
         </p:txBody>
       </p:sp>
@@ -3400,10 +3451,10 @@
       </p:sp>
       <p:sp>
         <p:nvSpPr>
-          <p:cNvPr id="4" name="Date Placeholder 3">
+          <p:cNvPr id="7" name="Date Placeholder 6">
             <a:extLst>
               <a:ext uri="{FF2B5EF4-FFF2-40B4-BE49-F238E27FC236}">
-                <a16:creationId xmlns:a16="http://schemas.microsoft.com/office/drawing/2014/main" id="{242290F2-1AAB-964F-9A10-3145084F3195}"/>
+                <a16:creationId xmlns:a16="http://schemas.microsoft.com/office/drawing/2014/main" id="{23669BC4-1588-834D-8251-186D1E845EF1}"/>
               </a:ext>
             </a:extLst>
           </p:cNvPr>
@@ -3419,9 +3470,9 @@
           <a:bodyPr/>
           <a:lstStyle/>
           <a:p>
-            <a:fld id="{44F1775B-48C8-5541-8AC4-CC7C20C09602}" type="datetimeFigureOut">
-              <a:rPr lang="en-GB" smtClean="0"/>
-              <a:t>19/08/2022</a:t>
+            <a:fld id="{E3F3B1A9-F3AC-844E-A641-D6B63C7B245D}" type="datetime1">
+              <a:rPr lang="en-US" smtClean="0"/>
+              <a:t>9/12/22</a:t>
             </a:fld>
             <a:endParaRPr lang="en-GB"/>
           </a:p>
@@ -3429,10 +3480,10 @@
       </p:sp>
       <p:sp>
         <p:nvSpPr>
-          <p:cNvPr id="5" name="Footer Placeholder 4">
+          <p:cNvPr id="8" name="Footer Placeholder 7">
             <a:extLst>
               <a:ext uri="{FF2B5EF4-FFF2-40B4-BE49-F238E27FC236}">
-                <a16:creationId xmlns:a16="http://schemas.microsoft.com/office/drawing/2014/main" id="{D6D41F20-4664-D642-A3AC-87D20E700357}"/>
+                <a16:creationId xmlns:a16="http://schemas.microsoft.com/office/drawing/2014/main" id="{007BB1EA-853B-1241-A9FC-B18CFF9EA0D8}"/>
               </a:ext>
             </a:extLst>
           </p:cNvPr>
@@ -3454,10 +3505,10 @@
       </p:sp>
       <p:sp>
         <p:nvSpPr>
-          <p:cNvPr id="6" name="Slide Number Placeholder 5">
+          <p:cNvPr id="9" name="Slide Number Placeholder 8">
             <a:extLst>
               <a:ext uri="{FF2B5EF4-FFF2-40B4-BE49-F238E27FC236}">
-                <a16:creationId xmlns:a16="http://schemas.microsoft.com/office/drawing/2014/main" id="{9C67F553-BDF4-B449-96F1-2827242387A9}"/>
+                <a16:creationId xmlns:a16="http://schemas.microsoft.com/office/drawing/2014/main" id="{712F3799-B410-594E-BDCB-73F121D12EE9}"/>
               </a:ext>
             </a:extLst>
           </p:cNvPr>
@@ -3477,7 +3528,11 @@
               <a:rPr lang="en-GB" smtClean="0"/>
               <a:t>‹#›</a:t>
             </a:fld>
-            <a:endParaRPr lang="en-GB"/>
+            <a:r>
+              <a:rPr lang="en-GB"/>
+              <a:t> of 20</a:t>
+            </a:r>
+            <a:endParaRPr lang="en-GB" dirty="0"/>
           </a:p>
         </p:txBody>
       </p:sp>
@@ -3687,9 +3742,9 @@
           <a:bodyPr/>
           <a:lstStyle/>
           <a:p>
-            <a:fld id="{44F1775B-48C8-5541-8AC4-CC7C20C09602}" type="datetimeFigureOut">
-              <a:rPr lang="en-GB" smtClean="0"/>
-              <a:t>19/08/2022</a:t>
+            <a:fld id="{D6064AAC-D817-3146-A5C5-6E9492B6A586}" type="datetime1">
+              <a:rPr lang="en-US" smtClean="0"/>
+              <a:t>9/12/22</a:t>
             </a:fld>
             <a:endParaRPr lang="en-GB"/>
           </a:p>
@@ -4102,9 +4157,9 @@
           <a:bodyPr/>
           <a:lstStyle/>
           <a:p>
-            <a:fld id="{44F1775B-48C8-5541-8AC4-CC7C20C09602}" type="datetimeFigureOut">
-              <a:rPr lang="en-GB" smtClean="0"/>
-              <a:t>19/08/2022</a:t>
+            <a:fld id="{D93BB71B-3C6F-CF46-B653-36435196F144}" type="datetime1">
+              <a:rPr lang="en-US" smtClean="0"/>
+              <a:t>9/12/22</a:t>
             </a:fld>
             <a:endParaRPr lang="en-GB"/>
           </a:p>
@@ -4244,9 +4299,9 @@
           <a:bodyPr/>
           <a:lstStyle/>
           <a:p>
-            <a:fld id="{44F1775B-48C8-5541-8AC4-CC7C20C09602}" type="datetimeFigureOut">
-              <a:rPr lang="en-GB" smtClean="0"/>
-              <a:t>19/08/2022</a:t>
+            <a:fld id="{EBDC0A98-803D-C740-A13E-AE9B46685BB9}" type="datetime1">
+              <a:rPr lang="en-US" smtClean="0"/>
+              <a:t>9/12/22</a:t>
             </a:fld>
             <a:endParaRPr lang="en-GB"/>
           </a:p>
@@ -4357,9 +4412,9 @@
           <a:bodyPr/>
           <a:lstStyle/>
           <a:p>
-            <a:fld id="{44F1775B-48C8-5541-8AC4-CC7C20C09602}" type="datetimeFigureOut">
-              <a:rPr lang="en-GB" smtClean="0"/>
-              <a:t>19/08/2022</a:t>
+            <a:fld id="{6D4D1347-0B9A-3940-B23A-828334F56BDC}" type="datetime1">
+              <a:rPr lang="en-US" smtClean="0"/>
+              <a:t>9/12/22</a:t>
             </a:fld>
             <a:endParaRPr lang="en-GB"/>
           </a:p>
@@ -4670,9 +4725,9 @@
           <a:bodyPr/>
           <a:lstStyle/>
           <a:p>
-            <a:fld id="{44F1775B-48C8-5541-8AC4-CC7C20C09602}" type="datetimeFigureOut">
-              <a:rPr lang="en-GB" smtClean="0"/>
-              <a:t>19/08/2022</a:t>
+            <a:fld id="{41C5D09E-7B3F-5A47-A216-EC724EF2F120}" type="datetime1">
+              <a:rPr lang="en-US" smtClean="0"/>
+              <a:t>9/12/22</a:t>
             </a:fld>
             <a:endParaRPr lang="en-GB"/>
           </a:p>
@@ -4959,9 +5014,9 @@
           <a:bodyPr/>
           <a:lstStyle/>
           <a:p>
-            <a:fld id="{44F1775B-48C8-5541-8AC4-CC7C20C09602}" type="datetimeFigureOut">
-              <a:rPr lang="en-GB" smtClean="0"/>
-              <a:t>19/08/2022</a:t>
+            <a:fld id="{6BC13A40-8174-B440-926E-ABDA7FC55B58}" type="datetime1">
+              <a:rPr lang="en-US" smtClean="0"/>
+              <a:t>9/12/22</a:t>
             </a:fld>
             <a:endParaRPr lang="en-GB"/>
           </a:p>
@@ -5128,38 +5183,38 @@
           <a:p>
             <a:pPr lvl="0"/>
             <a:r>
-              <a:rPr lang="en-US"/>
+              <a:rPr lang="en-US" dirty="0"/>
               <a:t>Click to edit Master text styles</a:t>
             </a:r>
           </a:p>
           <a:p>
             <a:pPr lvl="1"/>
             <a:r>
-              <a:rPr lang="en-US"/>
+              <a:rPr lang="en-US" dirty="0"/>
               <a:t>Second level</a:t>
             </a:r>
           </a:p>
           <a:p>
             <a:pPr lvl="2"/>
             <a:r>
-              <a:rPr lang="en-US"/>
+              <a:rPr lang="en-US" dirty="0"/>
               <a:t>Third level</a:t>
             </a:r>
           </a:p>
           <a:p>
             <a:pPr lvl="3"/>
             <a:r>
-              <a:rPr lang="en-US"/>
+              <a:rPr lang="en-US" dirty="0"/>
               <a:t>Fourth level</a:t>
             </a:r>
           </a:p>
           <a:p>
             <a:pPr lvl="4"/>
             <a:r>
-              <a:rPr lang="en-US"/>
+              <a:rPr lang="en-US" dirty="0"/>
               <a:t>Fifth level</a:t>
             </a:r>
-            <a:endParaRPr lang="en-GB"/>
+            <a:endParaRPr lang="en-GB" dirty="0"/>
           </a:p>
         </p:txBody>
       </p:sp>
@@ -5202,9 +5257,9 @@
             </a:lvl1pPr>
           </a:lstStyle>
           <a:p>
-            <a:fld id="{44F1775B-48C8-5541-8AC4-CC7C20C09602}" type="datetimeFigureOut">
-              <a:rPr lang="en-GB" smtClean="0"/>
-              <a:t>19/08/2022</a:t>
+            <a:fld id="{2CB3639E-7717-4741-ADB2-0ECF73AB57EB}" type="datetime1">
+              <a:rPr lang="en-US" smtClean="0"/>
+              <a:t>9/12/22</a:t>
             </a:fld>
             <a:endParaRPr lang="en-GB"/>
           </a:p>
@@ -5296,7 +5351,10 @@
               <a:rPr lang="en-GB" smtClean="0"/>
               <a:t>‹#›</a:t>
             </a:fld>
-            <a:endParaRPr lang="en-GB"/>
+            <a:r>
+              <a:rPr lang="en-GB" dirty="0"/>
+              <a:t> of 20</a:t>
+            </a:r>
           </a:p>
         </p:txBody>
       </p:sp>
@@ -5321,6 +5379,7 @@
     <p:sldLayoutId id="2147483658" r:id="rId10"/>
     <p:sldLayoutId id="2147483659" r:id="rId11"/>
   </p:sldLayoutIdLst>
+  <p:hf hdr="0" ftr="0" dt="0"/>
   <p:txStyles>
     <p:titleStyle>
       <a:lvl1pPr algn="l" defTabSz="914400" rtl="0" eaLnBrk="1" latinLnBrk="0" hangingPunct="1">
@@ -5843,6 +5902,39 @@
           </a:prstGeom>
         </p:spPr>
       </p:pic>
+      <p:sp>
+        <p:nvSpPr>
+          <p:cNvPr id="5" name="Slide Number Placeholder 4">
+            <a:extLst>
+              <a:ext uri="{FF2B5EF4-FFF2-40B4-BE49-F238E27FC236}">
+                <a16:creationId xmlns:a16="http://schemas.microsoft.com/office/drawing/2014/main" id="{8D3C8CA3-0E20-3F4A-BD7D-395D0440D0CD}"/>
+              </a:ext>
+            </a:extLst>
+          </p:cNvPr>
+          <p:cNvSpPr>
+            <a:spLocks noGrp="1"/>
+          </p:cNvSpPr>
+          <p:nvPr>
+            <p:ph type="sldNum" sz="quarter" idx="12"/>
+          </p:nvPr>
+        </p:nvSpPr>
+        <p:spPr/>
+        <p:txBody>
+          <a:bodyPr/>
+          <a:lstStyle/>
+          <a:p>
+            <a:fld id="{7D802B9E-106D-D046-81E6-3ADE87F72260}" type="slidenum">
+              <a:rPr lang="en-GB" smtClean="0"/>
+              <a:t>1</a:t>
+            </a:fld>
+            <a:r>
+              <a:rPr lang="en-GB"/>
+              <a:t> of 20</a:t>
+            </a:r>
+            <a:endParaRPr lang="en-GB" dirty="0"/>
+          </a:p>
+        </p:txBody>
+      </p:sp>
     </p:spTree>
     <p:extLst>
       <p:ext uri="{BB962C8B-B14F-4D97-AF65-F5344CB8AC3E}">
@@ -5873,6 +5965,40 @@
           <a:chExt cx="0" cy="0"/>
         </a:xfrm>
       </p:grpSpPr>
+      <p:pic>
+        <p:nvPicPr>
+          <p:cNvPr id="7" name="Picture 6">
+            <a:extLst>
+              <a:ext uri="{FF2B5EF4-FFF2-40B4-BE49-F238E27FC236}">
+                <a16:creationId xmlns:a16="http://schemas.microsoft.com/office/drawing/2014/main" id="{4C4EBDBC-966A-C049-95C3-0FAD451FD01F}"/>
+              </a:ext>
+            </a:extLst>
+          </p:cNvPr>
+          <p:cNvPicPr>
+            <a:picLocks noChangeAspect="1"/>
+          </p:cNvPicPr>
+          <p:nvPr/>
+        </p:nvPicPr>
+        <p:blipFill rotWithShape="1">
+          <a:blip r:embed="rId3"/>
+          <a:srcRect l="1589" t="38475" b="-1771"/>
+          <a:stretch/>
+        </p:blipFill>
+        <p:spPr>
+          <a:xfrm>
+            <a:off x="7261152" y="2384817"/>
+            <a:ext cx="4549847" cy="2754767"/>
+          </a:xfrm>
+          <a:prstGeom prst="rect">
+            <a:avLst/>
+          </a:prstGeom>
+          <a:ln w="12700">
+            <a:solidFill>
+              <a:schemeClr val="tx1"/>
+            </a:solidFill>
+          </a:ln>
+        </p:spPr>
+      </p:pic>
       <p:sp>
         <p:nvSpPr>
           <p:cNvPr id="6" name="TextBox 5">
@@ -5957,6 +6083,191 @@
           <a:p>
             <a:r>
               <a:rPr lang="en-GB" sz="2800" dirty="0">
+                <a:latin typeface="Satoshi" pitchFamily="2" charset="77"/>
+              </a:rPr>
+              <a:t>This causes inflammation and pain.</a:t>
+            </a:r>
+          </a:p>
+          <a:p>
+            <a:endParaRPr lang="en-GB" sz="2800" dirty="0">
+              <a:latin typeface="Satoshi" pitchFamily="2" charset="77"/>
+            </a:endParaRPr>
+          </a:p>
+          <a:p>
+            <a:r>
+              <a:rPr lang="en-GB" sz="2800" dirty="0">
+                <a:solidFill>
+                  <a:schemeClr val="bg1">
+                    <a:lumMod val="75000"/>
+                  </a:schemeClr>
+                </a:solidFill>
+                <a:latin typeface="Satoshi" pitchFamily="2" charset="77"/>
+              </a:rPr>
+              <a:t>We know the mechanism because of </a:t>
+            </a:r>
+          </a:p>
+          <a:p>
+            <a:r>
+              <a:rPr lang="en-GB" sz="2800" dirty="0">
+                <a:solidFill>
+                  <a:schemeClr val="bg1">
+                    <a:lumMod val="75000"/>
+                  </a:schemeClr>
+                </a:solidFill>
+                <a:latin typeface="Satoshi" pitchFamily="2" charset="77"/>
+              </a:rPr>
+              <a:t>existing scientific evidence.</a:t>
+            </a:r>
+          </a:p>
+        </p:txBody>
+      </p:sp>
+      <p:sp>
+        <p:nvSpPr>
+          <p:cNvPr id="4" name="Slide Number Placeholder 3">
+            <a:extLst>
+              <a:ext uri="{FF2B5EF4-FFF2-40B4-BE49-F238E27FC236}">
+                <a16:creationId xmlns:a16="http://schemas.microsoft.com/office/drawing/2014/main" id="{DDE59AB7-D1D3-9943-87CE-3D97038F2EB6}"/>
+              </a:ext>
+            </a:extLst>
+          </p:cNvPr>
+          <p:cNvSpPr>
+            <a:spLocks noGrp="1"/>
+          </p:cNvSpPr>
+          <p:nvPr>
+            <p:ph type="sldNum" sz="quarter" idx="12"/>
+          </p:nvPr>
+        </p:nvSpPr>
+        <p:spPr/>
+        <p:txBody>
+          <a:bodyPr/>
+          <a:lstStyle/>
+          <a:p>
+            <a:fld id="{7D802B9E-106D-D046-81E6-3ADE87F72260}" type="slidenum">
+              <a:rPr lang="en-GB" smtClean="0"/>
+              <a:t>10</a:t>
+            </a:fld>
+            <a:r>
+              <a:rPr lang="en-GB"/>
+              <a:t> of 20</a:t>
+            </a:r>
+            <a:endParaRPr lang="en-GB" dirty="0"/>
+          </a:p>
+        </p:txBody>
+      </p:sp>
+    </p:spTree>
+    <p:extLst>
+      <p:ext uri="{BB962C8B-B14F-4D97-AF65-F5344CB8AC3E}">
+        <p14:creationId xmlns:p14="http://schemas.microsoft.com/office/powerpoint/2010/main" val="2122075145"/>
+      </p:ext>
+    </p:extLst>
+  </p:cSld>
+  <p:clrMapOvr>
+    <a:masterClrMapping/>
+  </p:clrMapOvr>
+</p:sld>
+</file>
+
+<file path=ppt/slides/slide11.xml><?xml version="1.0" encoding="utf-8"?>
+<p:sld xmlns:a="http://schemas.openxmlformats.org/drawingml/2006/main" xmlns:r="http://schemas.openxmlformats.org/officeDocument/2006/relationships" xmlns:p="http://schemas.openxmlformats.org/presentationml/2006/main">
+  <p:cSld>
+    <p:spTree>
+      <p:nvGrpSpPr>
+        <p:cNvPr id="1" name=""/>
+        <p:cNvGrpSpPr/>
+        <p:nvPr/>
+      </p:nvGrpSpPr>
+      <p:grpSpPr>
+        <a:xfrm>
+          <a:off x="0" y="0"/>
+          <a:ext cx="0" cy="0"/>
+          <a:chOff x="0" y="0"/>
+          <a:chExt cx="0" cy="0"/>
+        </a:xfrm>
+      </p:grpSpPr>
+      <p:sp>
+        <p:nvSpPr>
+          <p:cNvPr id="6" name="TextBox 5">
+            <a:extLst>
+              <a:ext uri="{FF2B5EF4-FFF2-40B4-BE49-F238E27FC236}">
+                <a16:creationId xmlns:a16="http://schemas.microsoft.com/office/drawing/2014/main" id="{69C87357-E556-304D-B9EB-9FF2860BEEC6}"/>
+              </a:ext>
+            </a:extLst>
+          </p:cNvPr>
+          <p:cNvSpPr txBox="1"/>
+          <p:nvPr/>
+        </p:nvSpPr>
+        <p:spPr>
+          <a:xfrm>
+            <a:off x="549227" y="1294586"/>
+            <a:ext cx="7501260" cy="3970318"/>
+          </a:xfrm>
+          <a:prstGeom prst="rect">
+            <a:avLst/>
+          </a:prstGeom>
+          <a:noFill/>
+        </p:spPr>
+        <p:txBody>
+          <a:bodyPr wrap="square" rtlCol="0">
+            <a:spAutoFit/>
+          </a:bodyPr>
+          <a:lstStyle/>
+          <a:p>
+            <a:r>
+              <a:rPr lang="en-GB" sz="2800" dirty="0">
+                <a:solidFill>
+                  <a:schemeClr val="bg1">
+                    <a:lumMod val="75000"/>
+                  </a:schemeClr>
+                </a:solidFill>
+                <a:latin typeface="Satoshi" pitchFamily="2" charset="77"/>
+              </a:rPr>
+              <a:t>We can explain your illness.</a:t>
+            </a:r>
+          </a:p>
+          <a:p>
+            <a:endParaRPr lang="en-GB" sz="2800" dirty="0">
+              <a:latin typeface="Satoshi" pitchFamily="2" charset="77"/>
+            </a:endParaRPr>
+          </a:p>
+          <a:p>
+            <a:r>
+              <a:rPr lang="en-GB" sz="2800" dirty="0">
+                <a:solidFill>
+                  <a:schemeClr val="bg1">
+                    <a:lumMod val="75000"/>
+                  </a:schemeClr>
+                </a:solidFill>
+                <a:latin typeface="Satoshi" pitchFamily="2" charset="77"/>
+              </a:rPr>
+              <a:t>Due to a variant in your DNA, </a:t>
+            </a:r>
+          </a:p>
+          <a:p>
+            <a:r>
+              <a:rPr lang="en-GB" sz="2800" dirty="0">
+                <a:solidFill>
+                  <a:schemeClr val="bg1">
+                    <a:lumMod val="75000"/>
+                  </a:schemeClr>
+                </a:solidFill>
+                <a:latin typeface="Satoshi" pitchFamily="2" charset="77"/>
+              </a:rPr>
+              <a:t>your immune systems is often overactive.</a:t>
+            </a:r>
+          </a:p>
+          <a:p>
+            <a:endParaRPr lang="en-GB" sz="2800" dirty="0">
+              <a:solidFill>
+                <a:schemeClr val="bg1">
+                  <a:lumMod val="75000"/>
+                </a:schemeClr>
+              </a:solidFill>
+              <a:latin typeface="Satoshi" pitchFamily="2" charset="77"/>
+            </a:endParaRPr>
+          </a:p>
+          <a:p>
+            <a:r>
+              <a:rPr lang="en-GB" sz="2800" dirty="0">
                 <a:solidFill>
                   <a:schemeClr val="bg1">
                     <a:lumMod val="75000"/>
@@ -6009,7 +6320,7 @@
         </p:nvSpPr>
         <p:spPr>
           <a:xfrm>
-            <a:off x="8419605" y="4844762"/>
+            <a:off x="8419605" y="3948294"/>
             <a:ext cx="3391394" cy="1862048"/>
           </a:xfrm>
           <a:prstGeom prst="rect">
@@ -6035,6 +6346,39 @@
               </a:rPr>
               <a:t>?</a:t>
             </a:r>
+          </a:p>
+        </p:txBody>
+      </p:sp>
+      <p:sp>
+        <p:nvSpPr>
+          <p:cNvPr id="4" name="Slide Number Placeholder 3">
+            <a:extLst>
+              <a:ext uri="{FF2B5EF4-FFF2-40B4-BE49-F238E27FC236}">
+                <a16:creationId xmlns:a16="http://schemas.microsoft.com/office/drawing/2014/main" id="{794A48DB-2612-3B4F-A969-5539D928468E}"/>
+              </a:ext>
+            </a:extLst>
+          </p:cNvPr>
+          <p:cNvSpPr>
+            <a:spLocks noGrp="1"/>
+          </p:cNvSpPr>
+          <p:nvPr>
+            <p:ph type="sldNum" sz="quarter" idx="12"/>
+          </p:nvPr>
+        </p:nvSpPr>
+        <p:spPr/>
+        <p:txBody>
+          <a:bodyPr/>
+          <a:lstStyle/>
+          <a:p>
+            <a:fld id="{7D802B9E-106D-D046-81E6-3ADE87F72260}" type="slidenum">
+              <a:rPr lang="en-GB" smtClean="0"/>
+              <a:t>11</a:t>
+            </a:fld>
+            <a:r>
+              <a:rPr lang="en-GB"/>
+              <a:t> of 20</a:t>
+            </a:r>
+            <a:endParaRPr lang="en-GB" dirty="0"/>
           </a:p>
         </p:txBody>
       </p:sp>
@@ -6051,7 +6395,210 @@
 </p:sld>
 </file>
 
-<file path=ppt/slides/slide11.xml><?xml version="1.0" encoding="utf-8"?>
+<file path=ppt/slides/slide12.xml><?xml version="1.0" encoding="utf-8"?>
+<p:sld xmlns:a="http://schemas.openxmlformats.org/drawingml/2006/main" xmlns:r="http://schemas.openxmlformats.org/officeDocument/2006/relationships" xmlns:p="http://schemas.openxmlformats.org/presentationml/2006/main">
+  <p:cSld>
+    <p:spTree>
+      <p:nvGrpSpPr>
+        <p:cNvPr id="1" name=""/>
+        <p:cNvGrpSpPr/>
+        <p:nvPr/>
+      </p:nvGrpSpPr>
+      <p:grpSpPr>
+        <a:xfrm>
+          <a:off x="0" y="0"/>
+          <a:ext cx="0" cy="0"/>
+          <a:chOff x="0" y="0"/>
+          <a:chExt cx="0" cy="0"/>
+        </a:xfrm>
+      </p:grpSpPr>
+      <p:sp>
+        <p:nvSpPr>
+          <p:cNvPr id="4" name="TextBox 3">
+            <a:extLst>
+              <a:ext uri="{FF2B5EF4-FFF2-40B4-BE49-F238E27FC236}">
+                <a16:creationId xmlns:a16="http://schemas.microsoft.com/office/drawing/2014/main" id="{0DD279FD-8B2E-834F-ABA1-33B6C4094838}"/>
+              </a:ext>
+            </a:extLst>
+          </p:cNvPr>
+          <p:cNvSpPr txBox="1"/>
+          <p:nvPr/>
+        </p:nvSpPr>
+        <p:spPr>
+          <a:xfrm>
+            <a:off x="1893043" y="1659285"/>
+            <a:ext cx="8405913" cy="3539430"/>
+          </a:xfrm>
+          <a:prstGeom prst="rect">
+            <a:avLst/>
+          </a:prstGeom>
+          <a:noFill/>
+        </p:spPr>
+        <p:txBody>
+          <a:bodyPr wrap="square" rtlCol="0">
+            <a:spAutoFit/>
+          </a:bodyPr>
+          <a:lstStyle/>
+          <a:p>
+            <a:pPr algn="ctr"/>
+            <a:r>
+              <a:rPr lang="en-GB" sz="2800" dirty="0">
+                <a:latin typeface="Satoshi" pitchFamily="2" charset="77"/>
+              </a:rPr>
+              <a:t>Evidence builder</a:t>
+            </a:r>
+          </a:p>
+          <a:p>
+            <a:pPr algn="ctr"/>
+            <a:endParaRPr lang="en-GB" sz="2800" dirty="0">
+              <a:latin typeface="Satoshi" pitchFamily="2" charset="77"/>
+            </a:endParaRPr>
+          </a:p>
+          <a:p>
+            <a:pPr marL="457200" indent="-457200">
+              <a:buFont typeface="Arial" panose="020B0604020202020204" pitchFamily="34" charset="0"/>
+              <a:buChar char="•"/>
+            </a:pPr>
+            <a:r>
+              <a:rPr lang="en-GB" sz="2800" dirty="0">
+                <a:latin typeface="Satoshi" pitchFamily="2" charset="77"/>
+              </a:rPr>
+              <a:t>Controls intricate analysis protocols.</a:t>
+            </a:r>
+          </a:p>
+          <a:p>
+            <a:pPr marL="457200" indent="-457200">
+              <a:buFont typeface="Arial" panose="020B0604020202020204" pitchFamily="34" charset="0"/>
+              <a:buChar char="•"/>
+            </a:pPr>
+            <a:endParaRPr lang="en-GB" sz="2800" dirty="0">
+              <a:latin typeface="Satoshi" pitchFamily="2" charset="77"/>
+            </a:endParaRPr>
+          </a:p>
+          <a:p>
+            <a:pPr marL="457200" indent="-457200">
+              <a:buFont typeface="Arial" panose="020B0604020202020204" pitchFamily="34" charset="0"/>
+              <a:buChar char="•"/>
+            </a:pPr>
+            <a:r>
+              <a:rPr lang="en-GB" sz="2800" dirty="0">
+                <a:latin typeface="Satoshi" pitchFamily="2" charset="77"/>
+              </a:rPr>
+              <a:t>Generates actionable diagnosis.</a:t>
+            </a:r>
+          </a:p>
+          <a:p>
+            <a:pPr marL="457200" indent="-457200">
+              <a:buFont typeface="Arial" panose="020B0604020202020204" pitchFamily="34" charset="0"/>
+              <a:buChar char="•"/>
+            </a:pPr>
+            <a:endParaRPr lang="en-GB" sz="2800" dirty="0">
+              <a:latin typeface="Satoshi" pitchFamily="2" charset="77"/>
+            </a:endParaRPr>
+          </a:p>
+          <a:p>
+            <a:pPr marL="457200" indent="-457200">
+              <a:buFont typeface="Arial" panose="020B0604020202020204" pitchFamily="34" charset="0"/>
+              <a:buChar char="•"/>
+            </a:pPr>
+            <a:r>
+              <a:rPr lang="en-GB" sz="2800" dirty="0">
+                <a:latin typeface="Satoshi" pitchFamily="2" charset="77"/>
+              </a:rPr>
+              <a:t>Folds down into a </a:t>
+            </a:r>
+            <a:r>
+              <a:rPr lang="en-GB" sz="2800" i="1" dirty="0">
+                <a:latin typeface="Satoshi" pitchFamily="2" charset="77"/>
+              </a:rPr>
+              <a:t>simple</a:t>
+            </a:r>
+            <a:r>
+              <a:rPr lang="en-GB" sz="2800" dirty="0">
+                <a:latin typeface="Satoshi" pitchFamily="2" charset="77"/>
+              </a:rPr>
+              <a:t>, </a:t>
+            </a:r>
+            <a:r>
+              <a:rPr lang="en-GB" sz="2800" i="1" dirty="0">
+                <a:latin typeface="Satoshi" pitchFamily="2" charset="77"/>
+              </a:rPr>
+              <a:t>single</a:t>
+            </a:r>
+            <a:r>
+              <a:rPr lang="en-GB" sz="2800" dirty="0">
+                <a:latin typeface="Satoshi" pitchFamily="2" charset="77"/>
+              </a:rPr>
+              <a:t>, </a:t>
+            </a:r>
+            <a:r>
+              <a:rPr lang="en-GB" sz="2800" i="1" dirty="0">
+                <a:latin typeface="Satoshi" pitchFamily="2" charset="77"/>
+              </a:rPr>
+              <a:t>concise</a:t>
+            </a:r>
+            <a:r>
+              <a:rPr lang="en-GB" sz="2800" dirty="0">
+                <a:latin typeface="Satoshi" pitchFamily="2" charset="77"/>
+              </a:rPr>
+              <a:t> report. </a:t>
+            </a:r>
+          </a:p>
+          <a:p>
+            <a:pPr algn="ctr"/>
+            <a:endParaRPr lang="en-GB" sz="2800" dirty="0">
+              <a:latin typeface="Satoshi" pitchFamily="2" charset="77"/>
+            </a:endParaRPr>
+          </a:p>
+        </p:txBody>
+      </p:sp>
+      <p:sp>
+        <p:nvSpPr>
+          <p:cNvPr id="5" name="Slide Number Placeholder 4">
+            <a:extLst>
+              <a:ext uri="{FF2B5EF4-FFF2-40B4-BE49-F238E27FC236}">
+                <a16:creationId xmlns:a16="http://schemas.microsoft.com/office/drawing/2014/main" id="{37D73695-ABEF-6E49-B9A1-F94D0CAC2381}"/>
+              </a:ext>
+            </a:extLst>
+          </p:cNvPr>
+          <p:cNvSpPr>
+            <a:spLocks noGrp="1"/>
+          </p:cNvSpPr>
+          <p:nvPr>
+            <p:ph type="sldNum" sz="quarter" idx="12"/>
+          </p:nvPr>
+        </p:nvSpPr>
+        <p:spPr/>
+        <p:txBody>
+          <a:bodyPr/>
+          <a:lstStyle/>
+          <a:p>
+            <a:fld id="{7D802B9E-106D-D046-81E6-3ADE87F72260}" type="slidenum">
+              <a:rPr lang="en-GB" smtClean="0"/>
+              <a:t>12</a:t>
+            </a:fld>
+            <a:r>
+              <a:rPr lang="en-GB"/>
+              <a:t> of 20</a:t>
+            </a:r>
+            <a:endParaRPr lang="en-GB" dirty="0"/>
+          </a:p>
+        </p:txBody>
+      </p:sp>
+    </p:spTree>
+    <p:extLst>
+      <p:ext uri="{BB962C8B-B14F-4D97-AF65-F5344CB8AC3E}">
+        <p14:creationId xmlns:p14="http://schemas.microsoft.com/office/powerpoint/2010/main" val="2654638560"/>
+      </p:ext>
+    </p:extLst>
+  </p:cSld>
+  <p:clrMapOvr>
+    <a:masterClrMapping/>
+  </p:clrMapOvr>
+</p:sld>
+</file>
+
+<file path=ppt/slides/slide13.xml><?xml version="1.0" encoding="utf-8"?>
 <p:sld xmlns:a="http://schemas.openxmlformats.org/drawingml/2006/main" xmlns:r="http://schemas.openxmlformats.org/officeDocument/2006/relationships" xmlns:p="http://schemas.openxmlformats.org/presentationml/2006/main">
   <p:cSld>
     <p:spTree>
@@ -6383,6 +6930,39 @@
           </p:txBody>
         </p:sp>
       </p:grpSp>
+      <p:sp>
+        <p:nvSpPr>
+          <p:cNvPr id="4" name="Slide Number Placeholder 3">
+            <a:extLst>
+              <a:ext uri="{FF2B5EF4-FFF2-40B4-BE49-F238E27FC236}">
+                <a16:creationId xmlns:a16="http://schemas.microsoft.com/office/drawing/2014/main" id="{46BDD70F-7B07-D24D-9994-283FB6306B92}"/>
+              </a:ext>
+            </a:extLst>
+          </p:cNvPr>
+          <p:cNvSpPr>
+            <a:spLocks noGrp="1"/>
+          </p:cNvSpPr>
+          <p:nvPr>
+            <p:ph type="sldNum" sz="quarter" idx="12"/>
+          </p:nvPr>
+        </p:nvSpPr>
+        <p:spPr/>
+        <p:txBody>
+          <a:bodyPr/>
+          <a:lstStyle/>
+          <a:p>
+            <a:fld id="{7D802B9E-106D-D046-81E6-3ADE87F72260}" type="slidenum">
+              <a:rPr lang="en-GB" smtClean="0"/>
+              <a:t>13</a:t>
+            </a:fld>
+            <a:r>
+              <a:rPr lang="en-GB"/>
+              <a:t> of 20</a:t>
+            </a:r>
+            <a:endParaRPr lang="en-GB" dirty="0"/>
+          </a:p>
+        </p:txBody>
+      </p:sp>
     </p:spTree>
     <p:extLst>
       <p:ext uri="{BB962C8B-B14F-4D97-AF65-F5344CB8AC3E}">
@@ -6396,7 +6976,7 @@
 </p:sld>
 </file>
 
-<file path=ppt/slides/slide12.xml><?xml version="1.0" encoding="utf-8"?>
+<file path=ppt/slides/slide14.xml><?xml version="1.0" encoding="utf-8"?>
 <p:sld xmlns:a="http://schemas.openxmlformats.org/drawingml/2006/main" xmlns:r="http://schemas.openxmlformats.org/officeDocument/2006/relationships" xmlns:p="http://schemas.openxmlformats.org/presentationml/2006/main">
   <p:cSld>
     <p:spTree>
@@ -6428,9 +7008,9 @@
         <p:grpSpPr>
           <a:xfrm>
             <a:off x="249434" y="102066"/>
-            <a:ext cx="11830108" cy="6755934"/>
+            <a:ext cx="11709344" cy="6719185"/>
             <a:chOff x="249434" y="102066"/>
-            <a:chExt cx="11830108" cy="6755934"/>
+            <a:chExt cx="11709344" cy="6719185"/>
           </a:xfrm>
         </p:grpSpPr>
         <p:grpSp>
@@ -6448,9 +7028,9 @@
           <p:grpSpPr>
             <a:xfrm>
               <a:off x="3825966" y="591906"/>
-              <a:ext cx="8253576" cy="6266094"/>
+              <a:ext cx="8132812" cy="6039929"/>
               <a:chOff x="2048737" y="591906"/>
-              <a:chExt cx="8253576" cy="6266094"/>
+              <a:chExt cx="8132812" cy="6039929"/>
             </a:xfrm>
           </p:grpSpPr>
           <p:sp>
@@ -6655,7 +7235,7 @@
             </p:nvSpPr>
             <p:spPr>
               <a:xfrm>
-                <a:off x="8620691" y="5025133"/>
+                <a:off x="8499927" y="4904369"/>
                 <a:ext cx="1681622" cy="1471359"/>
               </a:xfrm>
               <a:prstGeom prst="rect">
@@ -6709,7 +7289,7 @@
             </p:nvSpPr>
             <p:spPr>
               <a:xfrm>
-                <a:off x="8468291" y="4872733"/>
+                <a:off x="8407909" y="4812351"/>
                 <a:ext cx="1681622" cy="1471359"/>
               </a:xfrm>
               <a:prstGeom prst="rect">
@@ -7571,7 +8151,7 @@
             </p:nvSpPr>
             <p:spPr>
               <a:xfrm>
-                <a:off x="8591811" y="6519446"/>
+                <a:off x="6255817" y="6293281"/>
                 <a:ext cx="1202573" cy="338554"/>
               </a:xfrm>
               <a:prstGeom prst="rect">
@@ -8047,6 +8627,38 @@
           </p:txBody>
         </p:sp>
       </p:grpSp>
+      <p:sp>
+        <p:nvSpPr>
+          <p:cNvPr id="5" name="Slide Number Placeholder 4">
+            <a:extLst>
+              <a:ext uri="{FF2B5EF4-FFF2-40B4-BE49-F238E27FC236}">
+                <a16:creationId xmlns:a16="http://schemas.microsoft.com/office/drawing/2014/main" id="{D7DDBC9A-94F2-FB45-A90B-9218AC20DC10}"/>
+              </a:ext>
+            </a:extLst>
+          </p:cNvPr>
+          <p:cNvSpPr>
+            <a:spLocks noGrp="1"/>
+          </p:cNvSpPr>
+          <p:nvPr>
+            <p:ph type="sldNum" sz="quarter" idx="12"/>
+          </p:nvPr>
+        </p:nvSpPr>
+        <p:spPr/>
+        <p:txBody>
+          <a:bodyPr/>
+          <a:lstStyle/>
+          <a:p>
+            <a:fld id="{7D802B9E-106D-D046-81E6-3ADE87F72260}" type="slidenum">
+              <a:rPr lang="en-GB" smtClean="0"/>
+              <a:t>14</a:t>
+            </a:fld>
+            <a:r>
+              <a:rPr lang="en-GB" dirty="0"/>
+              <a:t> of 20</a:t>
+            </a:r>
+          </a:p>
+        </p:txBody>
+      </p:sp>
     </p:spTree>
     <p:extLst>
       <p:ext uri="{BB962C8B-B14F-4D97-AF65-F5344CB8AC3E}">
@@ -8060,7 +8672,7 @@
 </p:sld>
 </file>
 
-<file path=ppt/slides/slide13.xml><?xml version="1.0" encoding="utf-8"?>
+<file path=ppt/slides/slide15.xml><?xml version="1.0" encoding="utf-8"?>
 <p:sld xmlns:a="http://schemas.openxmlformats.org/drawingml/2006/main" xmlns:r="http://schemas.openxmlformats.org/officeDocument/2006/relationships" xmlns:p="http://schemas.openxmlformats.org/presentationml/2006/main">
   <p:cSld>
     <p:spTree>
@@ -8091,8 +8703,8 @@
         </p:nvSpPr>
         <p:spPr>
           <a:xfrm>
-            <a:off x="3507791" y="1874728"/>
-            <a:ext cx="5176417" cy="3108543"/>
+            <a:off x="3684922" y="1874728"/>
+            <a:ext cx="4822154" cy="3108543"/>
           </a:xfrm>
           <a:prstGeom prst="rect">
             <a:avLst/>
@@ -8119,7 +8731,7 @@
               <a:rPr lang="en-GB" sz="2800" dirty="0">
                 <a:latin typeface="Satoshi" pitchFamily="2" charset="77"/>
               </a:rPr>
-              <a:t>you open new doors</a:t>
+              <a:t>you open new doors.</a:t>
             </a:r>
           </a:p>
           <a:p>
@@ -8155,8 +8767,41 @@
               <a:rPr lang="en-GB" sz="2800" dirty="0">
                 <a:latin typeface="Satoshi" pitchFamily="2" charset="77"/>
               </a:rPr>
-              <a:t>simple application example</a:t>
-            </a:r>
+              <a:t>simple application example.</a:t>
+            </a:r>
+          </a:p>
+        </p:txBody>
+      </p:sp>
+      <p:sp>
+        <p:nvSpPr>
+          <p:cNvPr id="4" name="Slide Number Placeholder 3">
+            <a:extLst>
+              <a:ext uri="{FF2B5EF4-FFF2-40B4-BE49-F238E27FC236}">
+                <a16:creationId xmlns:a16="http://schemas.microsoft.com/office/drawing/2014/main" id="{08B591D0-5A5A-4D4E-839D-4EAD8B5D424D}"/>
+              </a:ext>
+            </a:extLst>
+          </p:cNvPr>
+          <p:cNvSpPr>
+            <a:spLocks noGrp="1"/>
+          </p:cNvSpPr>
+          <p:nvPr>
+            <p:ph type="sldNum" sz="quarter" idx="12"/>
+          </p:nvPr>
+        </p:nvSpPr>
+        <p:spPr/>
+        <p:txBody>
+          <a:bodyPr/>
+          <a:lstStyle/>
+          <a:p>
+            <a:fld id="{7D802B9E-106D-D046-81E6-3ADE87F72260}" type="slidenum">
+              <a:rPr lang="en-GB" smtClean="0"/>
+              <a:t>15</a:t>
+            </a:fld>
+            <a:r>
+              <a:rPr lang="en-GB"/>
+              <a:t> of 20</a:t>
+            </a:r>
+            <a:endParaRPr lang="en-GB" dirty="0"/>
           </a:p>
         </p:txBody>
       </p:sp>
@@ -8173,7 +8818,7 @@
 </p:sld>
 </file>
 
-<file path=ppt/slides/slide14.xml><?xml version="1.0" encoding="utf-8"?>
+<file path=ppt/slides/slide16.xml><?xml version="1.0" encoding="utf-8"?>
 <p:sld xmlns:a="http://schemas.openxmlformats.org/drawingml/2006/main" xmlns:r="http://schemas.openxmlformats.org/officeDocument/2006/relationships" xmlns:p="http://schemas.openxmlformats.org/presentationml/2006/main">
   <p:cSld>
     <p:spTree>
@@ -8204,6 +8849,173 @@
         </p:nvSpPr>
         <p:spPr>
           <a:xfrm>
+            <a:off x="1256471" y="582067"/>
+            <a:ext cx="9679057" cy="4401205"/>
+          </a:xfrm>
+          <a:prstGeom prst="rect">
+            <a:avLst/>
+          </a:prstGeom>
+          <a:noFill/>
+        </p:spPr>
+        <p:txBody>
+          <a:bodyPr wrap="square" rtlCol="0">
+            <a:spAutoFit/>
+          </a:bodyPr>
+          <a:lstStyle/>
+          <a:p>
+            <a:pPr algn="ctr"/>
+            <a:r>
+              <a:rPr lang="en-GB" sz="2800" dirty="0">
+                <a:latin typeface="Satoshi" pitchFamily="2" charset="77"/>
+              </a:rPr>
+              <a:t>Every step</a:t>
+            </a:r>
+          </a:p>
+          <a:p>
+            <a:endParaRPr lang="en-GB" sz="2800" dirty="0">
+              <a:latin typeface="Satoshi" pitchFamily="2" charset="77"/>
+            </a:endParaRPr>
+          </a:p>
+          <a:p>
+            <a:r>
+              <a:rPr lang="en-GB" sz="2800" dirty="0">
+                <a:latin typeface="Satoshi" pitchFamily="2" charset="77"/>
+              </a:rPr>
+              <a:t>For every genetics-based application, </a:t>
+            </a:r>
+          </a:p>
+          <a:p>
+            <a:r>
+              <a:rPr lang="en-GB" sz="2800" dirty="0">
+                <a:latin typeface="Satoshi" pitchFamily="2" charset="77"/>
+              </a:rPr>
+              <a:t>there are key critical factors:</a:t>
+            </a:r>
+          </a:p>
+          <a:p>
+            <a:endParaRPr lang="en-GB" sz="2800" dirty="0">
+              <a:latin typeface="Satoshi" pitchFamily="2" charset="77"/>
+            </a:endParaRPr>
+          </a:p>
+          <a:p>
+            <a:r>
+              <a:rPr lang="en-GB" sz="2800" dirty="0">
+                <a:latin typeface="Satoshi" pitchFamily="2" charset="77"/>
+              </a:rPr>
+              <a:t>1. Accurate application of protocols.</a:t>
+            </a:r>
+          </a:p>
+          <a:p>
+            <a:r>
+              <a:rPr lang="en-GB" sz="2800" dirty="0">
+                <a:latin typeface="Satoshi" pitchFamily="2" charset="77"/>
+              </a:rPr>
+              <a:t>2. Easy protocol substitution.</a:t>
+            </a:r>
+          </a:p>
+          <a:p>
+            <a:r>
+              <a:rPr lang="en-GB" sz="2800" dirty="0">
+                <a:latin typeface="Satoshi" pitchFamily="2" charset="77"/>
+              </a:rPr>
+              <a:t>3. Ensure that all relevant evidence has been assessed.</a:t>
+            </a:r>
+          </a:p>
+          <a:p>
+            <a:r>
+              <a:rPr lang="en-GB" sz="2800" dirty="0">
+                <a:latin typeface="Satoshi" pitchFamily="2" charset="77"/>
+              </a:rPr>
+              <a:t>4. Summarize actionable results.</a:t>
+            </a:r>
+          </a:p>
+          <a:p>
+            <a:r>
+              <a:rPr lang="en-GB" sz="2800" dirty="0">
+                <a:latin typeface="Satoshi" pitchFamily="2" charset="77"/>
+              </a:rPr>
+              <a:t>5. Provide a chain of custody for analysis and interpretation.</a:t>
+            </a:r>
+          </a:p>
+        </p:txBody>
+      </p:sp>
+      <p:sp>
+        <p:nvSpPr>
+          <p:cNvPr id="4" name="Slide Number Placeholder 3">
+            <a:extLst>
+              <a:ext uri="{FF2B5EF4-FFF2-40B4-BE49-F238E27FC236}">
+                <a16:creationId xmlns:a16="http://schemas.microsoft.com/office/drawing/2014/main" id="{A5E25155-E799-7A4C-9507-BD9606B2D737}"/>
+              </a:ext>
+            </a:extLst>
+          </p:cNvPr>
+          <p:cNvSpPr>
+            <a:spLocks noGrp="1"/>
+          </p:cNvSpPr>
+          <p:nvPr>
+            <p:ph type="sldNum" sz="quarter" idx="12"/>
+          </p:nvPr>
+        </p:nvSpPr>
+        <p:spPr/>
+        <p:txBody>
+          <a:bodyPr/>
+          <a:lstStyle/>
+          <a:p>
+            <a:fld id="{7D802B9E-106D-D046-81E6-3ADE87F72260}" type="slidenum">
+              <a:rPr lang="en-GB" smtClean="0"/>
+              <a:t>16</a:t>
+            </a:fld>
+            <a:r>
+              <a:rPr lang="en-GB"/>
+              <a:t> of 20</a:t>
+            </a:r>
+            <a:endParaRPr lang="en-GB" dirty="0"/>
+          </a:p>
+        </p:txBody>
+      </p:sp>
+    </p:spTree>
+    <p:extLst>
+      <p:ext uri="{BB962C8B-B14F-4D97-AF65-F5344CB8AC3E}">
+        <p14:creationId xmlns:p14="http://schemas.microsoft.com/office/powerpoint/2010/main" val="3656735065"/>
+      </p:ext>
+    </p:extLst>
+  </p:cSld>
+  <p:clrMapOvr>
+    <a:masterClrMapping/>
+  </p:clrMapOvr>
+</p:sld>
+</file>
+
+<file path=ppt/slides/slide17.xml><?xml version="1.0" encoding="utf-8"?>
+<p:sld xmlns:a="http://schemas.openxmlformats.org/drawingml/2006/main" xmlns:r="http://schemas.openxmlformats.org/officeDocument/2006/relationships" xmlns:p="http://schemas.openxmlformats.org/presentationml/2006/main">
+  <p:cSld>
+    <p:spTree>
+      <p:nvGrpSpPr>
+        <p:cNvPr id="1" name=""/>
+        <p:cNvGrpSpPr/>
+        <p:nvPr/>
+      </p:nvGrpSpPr>
+      <p:grpSpPr>
+        <a:xfrm>
+          <a:off x="0" y="0"/>
+          <a:ext cx="0" cy="0"/>
+          <a:chOff x="0" y="0"/>
+          <a:chExt cx="0" cy="0"/>
+        </a:xfrm>
+      </p:grpSpPr>
+      <p:sp>
+        <p:nvSpPr>
+          <p:cNvPr id="6" name="TextBox 5">
+            <a:extLst>
+              <a:ext uri="{FF2B5EF4-FFF2-40B4-BE49-F238E27FC236}">
+                <a16:creationId xmlns:a16="http://schemas.microsoft.com/office/drawing/2014/main" id="{69C87357-E556-304D-B9EB-9FF2860BEEC6}"/>
+              </a:ext>
+            </a:extLst>
+          </p:cNvPr>
+          <p:cNvSpPr txBox="1"/>
+          <p:nvPr/>
+        </p:nvSpPr>
+        <p:spPr>
+          <a:xfrm>
             <a:off x="1674743" y="582067"/>
             <a:ext cx="8842513" cy="5693866"/>
           </a:xfrm>
@@ -8240,7 +9052,7 @@
               <a:rPr lang="en-GB" sz="2800" dirty="0">
                 <a:latin typeface="Satoshi" pitchFamily="2" charset="77"/>
               </a:rPr>
-              <a:t>Drug / device  development and regulation</a:t>
+              <a:t>Drug development and regulation</a:t>
             </a:r>
           </a:p>
           <a:p>
@@ -8334,6 +9146,39 @@
               </a:rPr>
               <a:t>Biomedical sciences</a:t>
             </a:r>
+          </a:p>
+        </p:txBody>
+      </p:sp>
+      <p:sp>
+        <p:nvSpPr>
+          <p:cNvPr id="4" name="Slide Number Placeholder 3">
+            <a:extLst>
+              <a:ext uri="{FF2B5EF4-FFF2-40B4-BE49-F238E27FC236}">
+                <a16:creationId xmlns:a16="http://schemas.microsoft.com/office/drawing/2014/main" id="{3183699B-A1DD-B747-BEFE-9FDD91766ECF}"/>
+              </a:ext>
+            </a:extLst>
+          </p:cNvPr>
+          <p:cNvSpPr>
+            <a:spLocks noGrp="1"/>
+          </p:cNvSpPr>
+          <p:nvPr>
+            <p:ph type="sldNum" sz="quarter" idx="12"/>
+          </p:nvPr>
+        </p:nvSpPr>
+        <p:spPr/>
+        <p:txBody>
+          <a:bodyPr/>
+          <a:lstStyle/>
+          <a:p>
+            <a:fld id="{7D802B9E-106D-D046-81E6-3ADE87F72260}" type="slidenum">
+              <a:rPr lang="en-GB" smtClean="0"/>
+              <a:t>17</a:t>
+            </a:fld>
+            <a:r>
+              <a:rPr lang="en-GB"/>
+              <a:t> of 20</a:t>
+            </a:r>
+            <a:endParaRPr lang="en-GB" dirty="0"/>
           </a:p>
         </p:txBody>
       </p:sp>
@@ -8350,7 +9195,880 @@
 </p:sld>
 </file>
 
-<file path=ppt/slides/slide15.xml><?xml version="1.0" encoding="utf-8"?>
+<file path=ppt/slides/slide18.xml><?xml version="1.0" encoding="utf-8"?>
+<p:sld xmlns:a="http://schemas.openxmlformats.org/drawingml/2006/main" xmlns:r="http://schemas.openxmlformats.org/officeDocument/2006/relationships" xmlns:p="http://schemas.openxmlformats.org/presentationml/2006/main">
+  <p:cSld>
+    <p:spTree>
+      <p:nvGrpSpPr>
+        <p:cNvPr id="1" name=""/>
+        <p:cNvGrpSpPr/>
+        <p:nvPr/>
+      </p:nvGrpSpPr>
+      <p:grpSpPr>
+        <a:xfrm>
+          <a:off x="0" y="0"/>
+          <a:ext cx="0" cy="0"/>
+          <a:chOff x="0" y="0"/>
+          <a:chExt cx="0" cy="0"/>
+        </a:xfrm>
+      </p:grpSpPr>
+      <p:sp>
+        <p:nvSpPr>
+          <p:cNvPr id="6" name="TextBox 5">
+            <a:extLst>
+              <a:ext uri="{FF2B5EF4-FFF2-40B4-BE49-F238E27FC236}">
+                <a16:creationId xmlns:a16="http://schemas.microsoft.com/office/drawing/2014/main" id="{69C87357-E556-304D-B9EB-9FF2860BEEC6}"/>
+              </a:ext>
+            </a:extLst>
+          </p:cNvPr>
+          <p:cNvSpPr txBox="1"/>
+          <p:nvPr/>
+        </p:nvSpPr>
+        <p:spPr>
+          <a:xfrm>
+            <a:off x="1195511" y="428178"/>
+            <a:ext cx="9800977" cy="6001643"/>
+          </a:xfrm>
+          <a:prstGeom prst="rect">
+            <a:avLst/>
+          </a:prstGeom>
+          <a:noFill/>
+        </p:spPr>
+        <p:txBody>
+          <a:bodyPr wrap="square" rtlCol="0">
+            <a:spAutoFit/>
+          </a:bodyPr>
+          <a:lstStyle/>
+          <a:p>
+            <a:r>
+              <a:rPr lang="en-US" sz="2800" dirty="0">
+                <a:latin typeface="Satoshi" pitchFamily="2" charset="77"/>
+              </a:rPr>
+              <a:t>Examples in use</a:t>
+            </a:r>
+          </a:p>
+          <a:p>
+            <a:endParaRPr lang="en-US" sz="1600" b="1" dirty="0">
+              <a:latin typeface="Satoshi" pitchFamily="2" charset="77"/>
+              <a:cs typeface="Arial" panose="020B0604020202020204" pitchFamily="34" charset="0"/>
+            </a:endParaRPr>
+          </a:p>
+          <a:p>
+            <a:r>
+              <a:rPr lang="en-US" sz="2800" dirty="0">
+                <a:latin typeface="Satoshi" pitchFamily="2" charset="77"/>
+                <a:cs typeface="Arial" panose="020B0604020202020204" pitchFamily="34" charset="0"/>
+              </a:rPr>
+              <a:t>Personalized medicine</a:t>
+            </a:r>
+          </a:p>
+          <a:p>
+            <a:r>
+              <a:rPr lang="en-US" sz="1600" dirty="0">
+                <a:latin typeface="Satoshi" pitchFamily="2" charset="77"/>
+                <a:cs typeface="Arial" panose="020B0604020202020204" pitchFamily="34" charset="0"/>
+              </a:rPr>
+              <a:t>Science Translational Medicine. Familial autoinflammation with neutrophilic dermatosis reveals a regulatory mechanism of pyrin activation. </a:t>
+            </a:r>
+            <a:r>
+              <a:rPr lang="en-US" sz="1600" dirty="0">
+                <a:latin typeface="Satoshi" pitchFamily="2" charset="77"/>
+                <a:cs typeface="Arial" panose="020B0604020202020204" pitchFamily="34" charset="0"/>
+                <a:hlinkClick r:id="rId3"/>
+              </a:rPr>
+              <a:t>10.1126/scitranslmed.aaf1471</a:t>
+            </a:r>
+            <a:r>
+              <a:rPr lang="en-US" sz="1600" dirty="0">
+                <a:latin typeface="Satoshi" pitchFamily="2" charset="77"/>
+                <a:cs typeface="Arial" panose="020B0604020202020204" pitchFamily="34" charset="0"/>
+              </a:rPr>
+              <a:t> </a:t>
+            </a:r>
+            <a:r>
+              <a:rPr lang="en-US" sz="1600" i="1" dirty="0">
+                <a:latin typeface="Satoshi" pitchFamily="2" charset="77"/>
+                <a:cs typeface="Arial" panose="020B0604020202020204" pitchFamily="34" charset="0"/>
+              </a:rPr>
+              <a:t>S.L. Masters, et al</a:t>
+            </a:r>
+            <a:r>
+              <a:rPr lang="en-US" sz="1600" dirty="0">
+                <a:latin typeface="Satoshi" pitchFamily="2" charset="77"/>
+                <a:cs typeface="Arial" panose="020B0604020202020204" pitchFamily="34" charset="0"/>
+              </a:rPr>
+              <a:t>.</a:t>
+            </a:r>
+          </a:p>
+          <a:p>
+            <a:endParaRPr lang="en-US" sz="1600" dirty="0">
+              <a:latin typeface="Satoshi" pitchFamily="2" charset="77"/>
+              <a:cs typeface="Arial" panose="020B0604020202020204" pitchFamily="34" charset="0"/>
+            </a:endParaRPr>
+          </a:p>
+          <a:p>
+            <a:r>
+              <a:rPr lang="en-US" sz="1600" dirty="0">
+                <a:latin typeface="Satoshi" pitchFamily="2" charset="77"/>
+                <a:cs typeface="Arial" panose="020B0604020202020204" pitchFamily="34" charset="0"/>
+              </a:rPr>
+              <a:t>Frontiers in Immunology. A case of AOSD caused by a novel splicing mutation in TNFAIP3 successfully treated with tocilizumab. </a:t>
+            </a:r>
+            <a:r>
+              <a:rPr lang="en-US" sz="1600" dirty="0">
+                <a:latin typeface="Satoshi" pitchFamily="2" charset="77"/>
+                <a:cs typeface="Arial" panose="020B0604020202020204" pitchFamily="34" charset="0"/>
+                <a:hlinkClick r:id="rId4"/>
+              </a:rPr>
+              <a:t>10.3389/fimmu.2018.01527</a:t>
+            </a:r>
+            <a:r>
+              <a:rPr lang="en-US" sz="1600" dirty="0">
+                <a:latin typeface="Satoshi" pitchFamily="2" charset="77"/>
+                <a:cs typeface="Arial" panose="020B0604020202020204" pitchFamily="34" charset="0"/>
+              </a:rPr>
+              <a:t> </a:t>
+            </a:r>
+            <a:r>
+              <a:rPr lang="en-US" sz="1600" i="1" dirty="0">
+                <a:latin typeface="Satoshi" pitchFamily="2" charset="77"/>
+                <a:cs typeface="Arial" panose="020B0604020202020204" pitchFamily="34" charset="0"/>
+              </a:rPr>
+              <a:t>D. Lawless, et al</a:t>
+            </a:r>
+            <a:r>
+              <a:rPr lang="en-US" sz="1600" dirty="0">
+                <a:latin typeface="Satoshi" pitchFamily="2" charset="77"/>
+                <a:cs typeface="Arial" panose="020B0604020202020204" pitchFamily="34" charset="0"/>
+              </a:rPr>
+              <a:t>.</a:t>
+            </a:r>
+          </a:p>
+          <a:p>
+            <a:endParaRPr lang="en-US" sz="1600" dirty="0">
+              <a:latin typeface="Satoshi" pitchFamily="2" charset="77"/>
+              <a:cs typeface="Arial" panose="020B0604020202020204" pitchFamily="34" charset="0"/>
+            </a:endParaRPr>
+          </a:p>
+          <a:p>
+            <a:r>
+              <a:rPr lang="en-US" sz="1600" dirty="0">
+                <a:latin typeface="Satoshi" pitchFamily="2" charset="77"/>
+                <a:cs typeface="Arial" panose="020B0604020202020204" pitchFamily="34" charset="0"/>
+              </a:rPr>
+              <a:t>Blood. Germline TET2 Loss-Of-Function Causes Childhood Immunodeficiency and Lymphoma. </a:t>
+            </a:r>
+            <a:r>
+              <a:rPr lang="en-US" sz="1600" dirty="0">
+                <a:latin typeface="Satoshi" pitchFamily="2" charset="77"/>
+                <a:cs typeface="Arial" panose="020B0604020202020204" pitchFamily="34" charset="0"/>
+                <a:hlinkClick r:id="rId5"/>
+              </a:rPr>
+              <a:t>10.1182/blood.2020005844</a:t>
+            </a:r>
+            <a:r>
+              <a:rPr lang="en-US" sz="1600" dirty="0">
+                <a:latin typeface="Satoshi" pitchFamily="2" charset="77"/>
+                <a:cs typeface="Arial" panose="020B0604020202020204" pitchFamily="34" charset="0"/>
+              </a:rPr>
+              <a:t> </a:t>
+            </a:r>
+            <a:r>
+              <a:rPr lang="en-US" sz="1600" i="1" dirty="0">
+                <a:latin typeface="Satoshi" pitchFamily="2" charset="77"/>
+                <a:cs typeface="Arial" panose="020B0604020202020204" pitchFamily="34" charset="0"/>
+              </a:rPr>
+              <a:t>J. </a:t>
+            </a:r>
+            <a:r>
+              <a:rPr lang="en-US" sz="1600" i="1" dirty="0" err="1">
+                <a:latin typeface="Satoshi" pitchFamily="2" charset="77"/>
+                <a:cs typeface="Arial" panose="020B0604020202020204" pitchFamily="34" charset="0"/>
+              </a:rPr>
+              <a:t>Spegarova</a:t>
+            </a:r>
+            <a:r>
+              <a:rPr lang="en-US" sz="1600" i="1" dirty="0">
+                <a:latin typeface="Satoshi" pitchFamily="2" charset="77"/>
+                <a:cs typeface="Arial" panose="020B0604020202020204" pitchFamily="34" charset="0"/>
+              </a:rPr>
+              <a:t>, and D. Lawless, et a</a:t>
+            </a:r>
+            <a:r>
+              <a:rPr lang="en-US" sz="1600" dirty="0">
+                <a:latin typeface="Satoshi" pitchFamily="2" charset="77"/>
+                <a:cs typeface="Arial" panose="020B0604020202020204" pitchFamily="34" charset="0"/>
+              </a:rPr>
+              <a:t>l.</a:t>
+            </a:r>
+          </a:p>
+          <a:p>
+            <a:endParaRPr lang="en-US" sz="1600" dirty="0">
+              <a:latin typeface="Satoshi" pitchFamily="2" charset="77"/>
+              <a:cs typeface="Arial" panose="020B0604020202020204" pitchFamily="34" charset="0"/>
+            </a:endParaRPr>
+          </a:p>
+          <a:p>
+            <a:r>
+              <a:rPr lang="en-US" sz="1600" dirty="0">
+                <a:latin typeface="Satoshi" pitchFamily="2" charset="77"/>
+                <a:cs typeface="Arial" panose="020B0604020202020204" pitchFamily="34" charset="0"/>
+              </a:rPr>
+              <a:t>JACI-D-22-00926 (in-press) Prevalence of CFTR variants in PID patients with bronchiectasis - an important modifying co-factor. </a:t>
+            </a:r>
+            <a:r>
+              <a:rPr lang="en-US" sz="1600" i="1" dirty="0">
+                <a:latin typeface="Satoshi" pitchFamily="2" charset="77"/>
+                <a:cs typeface="Arial" panose="020B0604020202020204" pitchFamily="34" charset="0"/>
+              </a:rPr>
+              <a:t>D. Lawless, et al</a:t>
+            </a:r>
+            <a:r>
+              <a:rPr lang="en-US" sz="1600" dirty="0">
+                <a:latin typeface="Satoshi" pitchFamily="2" charset="77"/>
+                <a:cs typeface="Arial" panose="020B0604020202020204" pitchFamily="34" charset="0"/>
+              </a:rPr>
+              <a:t>. </a:t>
+            </a:r>
+          </a:p>
+          <a:p>
+            <a:endParaRPr lang="en-US" sz="1600" dirty="0">
+              <a:latin typeface="Satoshi" pitchFamily="2" charset="77"/>
+              <a:cs typeface="Arial" panose="020B0604020202020204" pitchFamily="34" charset="0"/>
+            </a:endParaRPr>
+          </a:p>
+          <a:p>
+            <a:r>
+              <a:rPr lang="en-US" sz="2800" dirty="0">
+                <a:latin typeface="Satoshi" pitchFamily="2" charset="77"/>
+                <a:cs typeface="Arial" panose="020B0604020202020204" pitchFamily="34" charset="0"/>
+              </a:rPr>
+              <a:t>Viral epidemiology</a:t>
+            </a:r>
+          </a:p>
+          <a:p>
+            <a:pPr fontAlgn="base"/>
+            <a:r>
+              <a:rPr lang="en-US" sz="1600" dirty="0" err="1">
+                <a:latin typeface="Satoshi" pitchFamily="2" charset="77"/>
+                <a:cs typeface="Arial" panose="020B0604020202020204" pitchFamily="34" charset="0"/>
+              </a:rPr>
+              <a:t>medRxiv</a:t>
+            </a:r>
+            <a:r>
+              <a:rPr lang="en-US" sz="1600" dirty="0">
+                <a:latin typeface="Satoshi" pitchFamily="2" charset="77"/>
+                <a:cs typeface="Arial" panose="020B0604020202020204" pitchFamily="34" charset="0"/>
+              </a:rPr>
+              <a:t>. Viral genetic determinants of prolonged respiratory syncytial virus infection among infants in a healthy term birth cohort. </a:t>
+            </a:r>
+            <a:r>
+              <a:rPr lang="en-US" sz="1600" dirty="0">
+                <a:latin typeface="Satoshi" pitchFamily="2" charset="77"/>
+                <a:cs typeface="Arial" panose="020B0604020202020204" pitchFamily="34" charset="0"/>
+                <a:hlinkClick r:id="rId6"/>
+              </a:rPr>
+              <a:t>10.1101/2022.06.22.22276752</a:t>
+            </a:r>
+            <a:r>
+              <a:rPr lang="en-US" sz="1600" dirty="0">
+                <a:latin typeface="Satoshi" pitchFamily="2" charset="77"/>
+                <a:cs typeface="Arial" panose="020B0604020202020204" pitchFamily="34" charset="0"/>
+              </a:rPr>
+              <a:t> </a:t>
+            </a:r>
+            <a:r>
+              <a:rPr lang="en-US" sz="1600" i="1" dirty="0">
+                <a:latin typeface="Satoshi" pitchFamily="2" charset="77"/>
+                <a:cs typeface="Arial" panose="020B0604020202020204" pitchFamily="34" charset="0"/>
+              </a:rPr>
+              <a:t>D. Lawless, et al</a:t>
+            </a:r>
+            <a:r>
+              <a:rPr lang="en-US" sz="1600" dirty="0">
+                <a:latin typeface="Satoshi" pitchFamily="2" charset="77"/>
+                <a:cs typeface="Arial" panose="020B0604020202020204" pitchFamily="34" charset="0"/>
+              </a:rPr>
+              <a:t>.</a:t>
+            </a:r>
+          </a:p>
+          <a:p>
+            <a:pPr fontAlgn="base"/>
+            <a:endParaRPr lang="en-US" sz="1600" dirty="0">
+              <a:latin typeface="Satoshi" pitchFamily="2" charset="77"/>
+              <a:cs typeface="Arial" panose="020B0604020202020204" pitchFamily="34" charset="0"/>
+            </a:endParaRPr>
+          </a:p>
+          <a:p>
+            <a:pPr fontAlgn="base"/>
+            <a:r>
+              <a:rPr lang="en-US" sz="2800" dirty="0">
+                <a:latin typeface="Satoshi" pitchFamily="2" charset="77"/>
+                <a:cs typeface="Arial" panose="020B0604020202020204" pitchFamily="34" charset="0"/>
+              </a:rPr>
+              <a:t>Pharmacogenomic discovery pipeline</a:t>
+            </a:r>
+          </a:p>
+          <a:p>
+            <a:pPr fontAlgn="base"/>
+            <a:r>
+              <a:rPr lang="en-US" sz="1600" dirty="0">
+                <a:latin typeface="Satoshi" pitchFamily="2" charset="77"/>
+                <a:cs typeface="Arial" panose="020B0604020202020204" pitchFamily="34" charset="0"/>
+                <a:hlinkClick r:id="rId7"/>
+              </a:rPr>
+              <a:t>Pharmacogenomics for personal medicine </a:t>
+            </a:r>
+            <a:r>
+              <a:rPr lang="en-US" sz="1600" dirty="0">
+                <a:latin typeface="Satoshi" pitchFamily="2" charset="77"/>
+                <a:cs typeface="Arial" panose="020B0604020202020204" pitchFamily="34" charset="0"/>
+              </a:rPr>
+              <a:t>– x8 EPFL </a:t>
+            </a:r>
+            <a:r>
+              <a:rPr lang="en-US" sz="1600" dirty="0">
+                <a:latin typeface="Satoshi" pitchFamily="2" charset="77"/>
+                <a:cs typeface="Arial" panose="020B0604020202020204" pitchFamily="34" charset="0"/>
+                <a:hlinkClick r:id="rId8"/>
+              </a:rPr>
+              <a:t>MSc projects </a:t>
+            </a:r>
+            <a:r>
+              <a:rPr lang="en-US" sz="1600" dirty="0">
+                <a:latin typeface="Satoshi" pitchFamily="2" charset="77"/>
+                <a:cs typeface="Arial" panose="020B0604020202020204" pitchFamily="34" charset="0"/>
+              </a:rPr>
+              <a:t>(2019-2022) for </a:t>
+            </a:r>
+            <a:r>
+              <a:rPr lang="en-US" sz="1600" dirty="0">
+                <a:latin typeface="Satoshi" pitchFamily="2" charset="77"/>
+                <a:cs typeface="Arial" panose="020B0604020202020204" pitchFamily="34" charset="0"/>
+                <a:hlinkClick r:id="rId9"/>
+              </a:rPr>
+              <a:t>Health 2030</a:t>
+            </a:r>
+            <a:r>
+              <a:rPr lang="en-US" sz="1600" dirty="0">
+                <a:latin typeface="Satoshi" pitchFamily="2" charset="77"/>
+                <a:cs typeface="Arial" panose="020B0604020202020204" pitchFamily="34" charset="0"/>
+              </a:rPr>
+              <a:t> initiative</a:t>
+            </a:r>
+            <a:r>
+              <a:rPr lang="en-US" sz="1400" dirty="0">
+                <a:latin typeface="Satoshi" pitchFamily="2" charset="77"/>
+                <a:cs typeface="Arial" panose="020B0604020202020204" pitchFamily="34" charset="0"/>
+              </a:rPr>
+              <a:t>.</a:t>
+            </a:r>
+          </a:p>
+        </p:txBody>
+      </p:sp>
+      <p:sp>
+        <p:nvSpPr>
+          <p:cNvPr id="4" name="Slide Number Placeholder 3">
+            <a:extLst>
+              <a:ext uri="{FF2B5EF4-FFF2-40B4-BE49-F238E27FC236}">
+                <a16:creationId xmlns:a16="http://schemas.microsoft.com/office/drawing/2014/main" id="{07C41D95-4620-744C-A027-73DC2CF6D946}"/>
+              </a:ext>
+            </a:extLst>
+          </p:cNvPr>
+          <p:cNvSpPr>
+            <a:spLocks noGrp="1"/>
+          </p:cNvSpPr>
+          <p:nvPr>
+            <p:ph type="sldNum" sz="quarter" idx="12"/>
+          </p:nvPr>
+        </p:nvSpPr>
+        <p:spPr/>
+        <p:txBody>
+          <a:bodyPr/>
+          <a:lstStyle/>
+          <a:p>
+            <a:fld id="{7D802B9E-106D-D046-81E6-3ADE87F72260}" type="slidenum">
+              <a:rPr lang="en-GB" smtClean="0"/>
+              <a:t>18</a:t>
+            </a:fld>
+            <a:r>
+              <a:rPr lang="en-GB"/>
+              <a:t> of 20</a:t>
+            </a:r>
+            <a:endParaRPr lang="en-GB" dirty="0"/>
+          </a:p>
+        </p:txBody>
+      </p:sp>
+    </p:spTree>
+    <p:extLst>
+      <p:ext uri="{BB962C8B-B14F-4D97-AF65-F5344CB8AC3E}">
+        <p14:creationId xmlns:p14="http://schemas.microsoft.com/office/powerpoint/2010/main" val="304443617"/>
+      </p:ext>
+    </p:extLst>
+  </p:cSld>
+  <p:clrMapOvr>
+    <a:masterClrMapping/>
+  </p:clrMapOvr>
+</p:sld>
+</file>
+
+<file path=ppt/slides/slide19.xml><?xml version="1.0" encoding="utf-8"?>
+<p:sld xmlns:a="http://schemas.openxmlformats.org/drawingml/2006/main" xmlns:r="http://schemas.openxmlformats.org/officeDocument/2006/relationships" xmlns:p="http://schemas.openxmlformats.org/presentationml/2006/main">
+  <p:cSld>
+    <p:spTree>
+      <p:nvGrpSpPr>
+        <p:cNvPr id="1" name=""/>
+        <p:cNvGrpSpPr/>
+        <p:nvPr/>
+      </p:nvGrpSpPr>
+      <p:grpSpPr>
+        <a:xfrm>
+          <a:off x="0" y="0"/>
+          <a:ext cx="0" cy="0"/>
+          <a:chOff x="0" y="0"/>
+          <a:chExt cx="0" cy="0"/>
+        </a:xfrm>
+      </p:grpSpPr>
+      <p:sp>
+        <p:nvSpPr>
+          <p:cNvPr id="6" name="TextBox 5">
+            <a:extLst>
+              <a:ext uri="{FF2B5EF4-FFF2-40B4-BE49-F238E27FC236}">
+                <a16:creationId xmlns:a16="http://schemas.microsoft.com/office/drawing/2014/main" id="{69C87357-E556-304D-B9EB-9FF2860BEEC6}"/>
+              </a:ext>
+            </a:extLst>
+          </p:cNvPr>
+          <p:cNvSpPr txBox="1"/>
+          <p:nvPr/>
+        </p:nvSpPr>
+        <p:spPr>
+          <a:xfrm>
+            <a:off x="1674743" y="582067"/>
+            <a:ext cx="9800977" cy="5447645"/>
+          </a:xfrm>
+          <a:prstGeom prst="rect">
+            <a:avLst/>
+          </a:prstGeom>
+          <a:noFill/>
+        </p:spPr>
+        <p:txBody>
+          <a:bodyPr wrap="square" rtlCol="0">
+            <a:spAutoFit/>
+          </a:bodyPr>
+          <a:lstStyle/>
+          <a:p>
+            <a:r>
+              <a:rPr lang="en-US" sz="2800" dirty="0">
+                <a:latin typeface="Satoshi" pitchFamily="2" charset="77"/>
+                <a:cs typeface="Arial" panose="020B0604020202020204" pitchFamily="34" charset="0"/>
+              </a:rPr>
+              <a:t>Who would take a prototype today ?</a:t>
+            </a:r>
+          </a:p>
+          <a:p>
+            <a:endParaRPr lang="en-US" sz="2800" dirty="0">
+              <a:latin typeface="Satoshi" pitchFamily="2" charset="77"/>
+              <a:cs typeface="Arial" panose="020B0604020202020204" pitchFamily="34" charset="0"/>
+            </a:endParaRPr>
+          </a:p>
+          <a:p>
+            <a:r>
+              <a:rPr lang="en-US" sz="2800" dirty="0">
+                <a:latin typeface="Satoshi" pitchFamily="2" charset="77"/>
+                <a:cs typeface="Arial" panose="020B0604020202020204" pitchFamily="34" charset="0"/>
+              </a:rPr>
+              <a:t>Personalized medicine</a:t>
+            </a:r>
+          </a:p>
+          <a:p>
+            <a:r>
+              <a:rPr lang="en-US" sz="2000" dirty="0">
+                <a:latin typeface="Satoshi" pitchFamily="2" charset="77"/>
+                <a:cs typeface="Arial" panose="020B0604020202020204" pitchFamily="34" charset="0"/>
+                <a:hlinkClick r:id="rId3"/>
+              </a:rPr>
+              <a:t>Swiss Personalized Health Network</a:t>
+            </a:r>
+            <a:endParaRPr lang="en-US" sz="2000" dirty="0">
+              <a:latin typeface="Satoshi" pitchFamily="2" charset="77"/>
+              <a:cs typeface="Arial" panose="020B0604020202020204" pitchFamily="34" charset="0"/>
+            </a:endParaRPr>
+          </a:p>
+          <a:p>
+            <a:r>
+              <a:rPr lang="en-US" sz="2000" dirty="0">
+                <a:latin typeface="Satoshi" pitchFamily="2" charset="77"/>
+                <a:cs typeface="Arial" panose="020B0604020202020204" pitchFamily="34" charset="0"/>
+                <a:hlinkClick r:id="rId4"/>
+              </a:rPr>
+              <a:t>Health 2030, Swiss Hospitals</a:t>
+            </a:r>
+            <a:endParaRPr lang="en-US" sz="2000" dirty="0">
+              <a:latin typeface="Satoshi" pitchFamily="2" charset="77"/>
+              <a:cs typeface="Arial" panose="020B0604020202020204" pitchFamily="34" charset="0"/>
+            </a:endParaRPr>
+          </a:p>
+          <a:p>
+            <a:endParaRPr lang="en-US" sz="2800" dirty="0">
+              <a:latin typeface="Satoshi" pitchFamily="2" charset="77"/>
+              <a:cs typeface="Arial" panose="020B0604020202020204" pitchFamily="34" charset="0"/>
+            </a:endParaRPr>
+          </a:p>
+          <a:p>
+            <a:r>
+              <a:rPr lang="en-US" sz="2800" dirty="0">
+                <a:latin typeface="Satoshi" pitchFamily="2" charset="77"/>
+                <a:cs typeface="Arial" panose="020B0604020202020204" pitchFamily="34" charset="0"/>
+              </a:rPr>
+              <a:t>Clinical genetics</a:t>
+            </a:r>
+            <a:br>
+              <a:rPr lang="en-US" sz="2000" dirty="0">
+                <a:latin typeface="Satoshi" pitchFamily="2" charset="77"/>
+                <a:cs typeface="Arial" panose="020B0604020202020204" pitchFamily="34" charset="0"/>
+              </a:rPr>
+            </a:br>
+            <a:r>
+              <a:rPr lang="en-US" sz="2000" dirty="0">
+                <a:latin typeface="Satoshi" pitchFamily="2" charset="77"/>
+                <a:cs typeface="Arial" panose="020B0604020202020204" pitchFamily="34" charset="0"/>
+                <a:hlinkClick r:id="rId5"/>
+              </a:rPr>
+              <a:t>Blueprint Genetics, US</a:t>
+            </a:r>
+            <a:endParaRPr lang="en-US" sz="2000" dirty="0">
+              <a:latin typeface="Satoshi" pitchFamily="2" charset="77"/>
+              <a:cs typeface="Arial" panose="020B0604020202020204" pitchFamily="34" charset="0"/>
+            </a:endParaRPr>
+          </a:p>
+          <a:p>
+            <a:r>
+              <a:rPr lang="en-US" sz="2000" dirty="0">
+                <a:latin typeface="Satoshi" pitchFamily="2" charset="77"/>
+                <a:cs typeface="Arial" panose="020B0604020202020204" pitchFamily="34" charset="0"/>
+                <a:hlinkClick r:id="rId6"/>
+              </a:rPr>
+              <a:t>Dante labs, Italy</a:t>
+            </a:r>
+            <a:endParaRPr lang="en-US" sz="2000" dirty="0">
+              <a:latin typeface="Satoshi" pitchFamily="2" charset="77"/>
+              <a:cs typeface="Arial" panose="020B0604020202020204" pitchFamily="34" charset="0"/>
+            </a:endParaRPr>
+          </a:p>
+          <a:p>
+            <a:r>
+              <a:rPr lang="en-US" sz="2000" dirty="0">
+                <a:latin typeface="Satoshi" pitchFamily="2" charset="77"/>
+                <a:cs typeface="Arial" panose="020B0604020202020204" pitchFamily="34" charset="0"/>
+                <a:hlinkClick r:id="rId7"/>
+              </a:rPr>
+              <a:t>Sophia genetics, Swsiss, US</a:t>
+            </a:r>
+            <a:endParaRPr lang="en-US" sz="2000" dirty="0">
+              <a:latin typeface="Satoshi" pitchFamily="2" charset="77"/>
+              <a:cs typeface="Arial" panose="020B0604020202020204" pitchFamily="34" charset="0"/>
+            </a:endParaRPr>
+          </a:p>
+          <a:p>
+            <a:r>
+              <a:rPr lang="en-US" sz="2000" dirty="0">
+                <a:latin typeface="Satoshi" pitchFamily="2" charset="77"/>
+                <a:cs typeface="Arial" panose="020B0604020202020204" pitchFamily="34" charset="0"/>
+                <a:hlinkClick r:id="rId8"/>
+              </a:rPr>
+              <a:t>BGI, China</a:t>
+            </a:r>
+            <a:endParaRPr lang="en-US" sz="2000" dirty="0">
+              <a:latin typeface="Satoshi" pitchFamily="2" charset="77"/>
+              <a:cs typeface="Arial" panose="020B0604020202020204" pitchFamily="34" charset="0"/>
+            </a:endParaRPr>
+          </a:p>
+          <a:p>
+            <a:r>
+              <a:rPr lang="en-US" sz="2000" dirty="0">
+                <a:latin typeface="Satoshi" pitchFamily="2" charset="77"/>
+                <a:cs typeface="Arial" panose="020B0604020202020204" pitchFamily="34" charset="0"/>
+                <a:hlinkClick r:id="rId9"/>
+              </a:rPr>
+              <a:t>Genomics England, UK</a:t>
+            </a:r>
+            <a:endParaRPr lang="en-US" sz="2000" dirty="0">
+              <a:latin typeface="Satoshi" pitchFamily="2" charset="77"/>
+              <a:cs typeface="Arial" panose="020B0604020202020204" pitchFamily="34" charset="0"/>
+            </a:endParaRPr>
+          </a:p>
+          <a:p>
+            <a:endParaRPr lang="en-US" sz="2000" dirty="0">
+              <a:latin typeface="Satoshi" pitchFamily="2" charset="77"/>
+              <a:cs typeface="Arial" panose="020B0604020202020204" pitchFamily="34" charset="0"/>
+            </a:endParaRPr>
+          </a:p>
+          <a:p>
+            <a:r>
+              <a:rPr lang="en-US" sz="2800" dirty="0">
+                <a:latin typeface="Satoshi" pitchFamily="2" charset="77"/>
+                <a:cs typeface="Arial" panose="020B0604020202020204" pitchFamily="34" charset="0"/>
+              </a:rPr>
+              <a:t>Pharma</a:t>
+            </a:r>
+          </a:p>
+          <a:p>
+            <a:r>
+              <a:rPr lang="en-US" sz="2000" dirty="0">
+                <a:latin typeface="Satoshi" pitchFamily="2" charset="77"/>
+                <a:cs typeface="Arial" panose="020B0604020202020204" pitchFamily="34" charset="0"/>
+                <a:hlinkClick r:id="rId10"/>
+              </a:rPr>
+              <a:t>Novartis</a:t>
+            </a:r>
+            <a:r>
+              <a:rPr lang="en-US" sz="2000" dirty="0">
+                <a:latin typeface="Satoshi" pitchFamily="2" charset="77"/>
+                <a:cs typeface="Arial" panose="020B0604020202020204" pitchFamily="34" charset="0"/>
+              </a:rPr>
+              <a:t>, </a:t>
+            </a:r>
+            <a:r>
+              <a:rPr lang="en-US" sz="2000" dirty="0">
+                <a:latin typeface="Satoshi" pitchFamily="2" charset="77"/>
+                <a:cs typeface="Arial" panose="020B0604020202020204" pitchFamily="34" charset="0"/>
+                <a:hlinkClick r:id="rId11"/>
+              </a:rPr>
+              <a:t>Roche</a:t>
+            </a:r>
+            <a:r>
+              <a:rPr lang="en-US" sz="2000" dirty="0">
+                <a:latin typeface="Satoshi" pitchFamily="2" charset="77"/>
+                <a:cs typeface="Arial" panose="020B0604020202020204" pitchFamily="34" charset="0"/>
+              </a:rPr>
+              <a:t>, </a:t>
+            </a:r>
+            <a:r>
+              <a:rPr lang="en-US" sz="2000" dirty="0">
+                <a:latin typeface="Satoshi" pitchFamily="2" charset="77"/>
+                <a:cs typeface="Arial" panose="020B0604020202020204" pitchFamily="34" charset="0"/>
+                <a:hlinkClick r:id="rId12"/>
+              </a:rPr>
+              <a:t>Genentech</a:t>
+            </a:r>
+            <a:r>
+              <a:rPr lang="en-US" sz="2000" dirty="0">
+                <a:latin typeface="Satoshi" pitchFamily="2" charset="77"/>
+                <a:cs typeface="Arial" panose="020B0604020202020204" pitchFamily="34" charset="0"/>
+              </a:rPr>
+              <a:t>, </a:t>
+            </a:r>
+            <a:r>
+              <a:rPr lang="en-US" sz="2000" dirty="0">
+                <a:latin typeface="Satoshi" pitchFamily="2" charset="77"/>
+                <a:cs typeface="Arial" panose="020B0604020202020204" pitchFamily="34" charset="0"/>
+                <a:hlinkClick r:id="rId13"/>
+              </a:rPr>
+              <a:t>J&amp;J</a:t>
+            </a:r>
+            <a:r>
+              <a:rPr lang="en-US" sz="2000" dirty="0">
+                <a:latin typeface="Satoshi" pitchFamily="2" charset="77"/>
+                <a:cs typeface="Arial" panose="020B0604020202020204" pitchFamily="34" charset="0"/>
+              </a:rPr>
+              <a:t>, etc.</a:t>
+            </a:r>
+          </a:p>
+        </p:txBody>
+      </p:sp>
+      <p:sp>
+        <p:nvSpPr>
+          <p:cNvPr id="4" name="Slide Number Placeholder 3">
+            <a:extLst>
+              <a:ext uri="{FF2B5EF4-FFF2-40B4-BE49-F238E27FC236}">
+                <a16:creationId xmlns:a16="http://schemas.microsoft.com/office/drawing/2014/main" id="{E7786576-1311-C545-B0C0-005E80A41905}"/>
+              </a:ext>
+            </a:extLst>
+          </p:cNvPr>
+          <p:cNvSpPr>
+            <a:spLocks noGrp="1"/>
+          </p:cNvSpPr>
+          <p:nvPr>
+            <p:ph type="sldNum" sz="quarter" idx="12"/>
+          </p:nvPr>
+        </p:nvSpPr>
+        <p:spPr/>
+        <p:txBody>
+          <a:bodyPr/>
+          <a:lstStyle/>
+          <a:p>
+            <a:fld id="{7D802B9E-106D-D046-81E6-3ADE87F72260}" type="slidenum">
+              <a:rPr lang="en-GB" smtClean="0"/>
+              <a:t>19</a:t>
+            </a:fld>
+            <a:r>
+              <a:rPr lang="en-GB"/>
+              <a:t> of 20</a:t>
+            </a:r>
+            <a:endParaRPr lang="en-GB" dirty="0"/>
+          </a:p>
+        </p:txBody>
+      </p:sp>
+    </p:spTree>
+    <p:extLst>
+      <p:ext uri="{BB962C8B-B14F-4D97-AF65-F5344CB8AC3E}">
+        <p14:creationId xmlns:p14="http://schemas.microsoft.com/office/powerpoint/2010/main" val="2879918176"/>
+      </p:ext>
+    </p:extLst>
+  </p:cSld>
+  <p:clrMapOvr>
+    <a:masterClrMapping/>
+  </p:clrMapOvr>
+</p:sld>
+</file>
+
+<file path=ppt/slides/slide2.xml><?xml version="1.0" encoding="utf-8"?>
+<p:sld xmlns:a="http://schemas.openxmlformats.org/drawingml/2006/main" xmlns:r="http://schemas.openxmlformats.org/officeDocument/2006/relationships" xmlns:p="http://schemas.openxmlformats.org/presentationml/2006/main">
+  <p:cSld>
+    <p:spTree>
+      <p:nvGrpSpPr>
+        <p:cNvPr id="1" name=""/>
+        <p:cNvGrpSpPr/>
+        <p:nvPr/>
+      </p:nvGrpSpPr>
+      <p:grpSpPr>
+        <a:xfrm>
+          <a:off x="0" y="0"/>
+          <a:ext cx="0" cy="0"/>
+          <a:chOff x="0" y="0"/>
+          <a:chExt cx="0" cy="0"/>
+        </a:xfrm>
+      </p:grpSpPr>
+      <p:sp>
+        <p:nvSpPr>
+          <p:cNvPr id="6" name="TextBox 5">
+            <a:extLst>
+              <a:ext uri="{FF2B5EF4-FFF2-40B4-BE49-F238E27FC236}">
+                <a16:creationId xmlns:a16="http://schemas.microsoft.com/office/drawing/2014/main" id="{69C87357-E556-304D-B9EB-9FF2860BEEC6}"/>
+              </a:ext>
+            </a:extLst>
+          </p:cNvPr>
+          <p:cNvSpPr txBox="1"/>
+          <p:nvPr/>
+        </p:nvSpPr>
+        <p:spPr>
+          <a:xfrm>
+            <a:off x="2768336" y="1659285"/>
+            <a:ext cx="6655327" cy="3539430"/>
+          </a:xfrm>
+          <a:prstGeom prst="rect">
+            <a:avLst/>
+          </a:prstGeom>
+          <a:noFill/>
+        </p:spPr>
+        <p:txBody>
+          <a:bodyPr wrap="square" rtlCol="0">
+            <a:spAutoFit/>
+          </a:bodyPr>
+          <a:lstStyle/>
+          <a:p>
+            <a:pPr algn="ctr"/>
+            <a:r>
+              <a:rPr lang="en-GB" sz="2800" dirty="0">
+                <a:latin typeface="Satoshi" pitchFamily="2" charset="77"/>
+              </a:rPr>
+              <a:t>A patient walks into hospital. </a:t>
+            </a:r>
+          </a:p>
+          <a:p>
+            <a:pPr algn="ctr"/>
+            <a:endParaRPr lang="en-GB" sz="2800" dirty="0">
+              <a:latin typeface="Satoshi" pitchFamily="2" charset="77"/>
+            </a:endParaRPr>
+          </a:p>
+          <a:p>
+            <a:pPr algn="ctr"/>
+            <a:r>
+              <a:rPr lang="en-GB" sz="2800" dirty="0">
+                <a:latin typeface="Satoshi" pitchFamily="2" charset="77"/>
+              </a:rPr>
+              <a:t>The doctors says: </a:t>
+            </a:r>
+          </a:p>
+          <a:p>
+            <a:pPr algn="ctr"/>
+            <a:endParaRPr lang="en-GB" sz="2800" dirty="0">
+              <a:latin typeface="Satoshi" pitchFamily="2" charset="77"/>
+            </a:endParaRPr>
+          </a:p>
+          <a:p>
+            <a:pPr algn="ctr"/>
+            <a:r>
+              <a:rPr lang="en-GB" sz="2800" dirty="0">
+                <a:latin typeface="Satoshi" pitchFamily="2" charset="77"/>
+              </a:rPr>
+              <a:t>"We were expecting you.</a:t>
+            </a:r>
+          </a:p>
+          <a:p>
+            <a:pPr algn="ctr"/>
+            <a:endParaRPr lang="en-GB" sz="2800" dirty="0">
+              <a:latin typeface="Satoshi" pitchFamily="2" charset="77"/>
+            </a:endParaRPr>
+          </a:p>
+          <a:p>
+            <a:pPr algn="ctr"/>
+            <a:r>
+              <a:rPr lang="en-GB" sz="2800" dirty="0">
+                <a:latin typeface="Satoshi" pitchFamily="2" charset="77"/>
+              </a:rPr>
+              <a:t>"Yesterday we diagnosed your illness and have prepared your treatment plan."</a:t>
+            </a:r>
+          </a:p>
+        </p:txBody>
+      </p:sp>
+      <p:sp>
+        <p:nvSpPr>
+          <p:cNvPr id="4" name="Slide Number Placeholder 3">
+            <a:extLst>
+              <a:ext uri="{FF2B5EF4-FFF2-40B4-BE49-F238E27FC236}">
+                <a16:creationId xmlns:a16="http://schemas.microsoft.com/office/drawing/2014/main" id="{9C1DDBD9-CA7B-C646-BA2A-EAC42CAB1132}"/>
+              </a:ext>
+            </a:extLst>
+          </p:cNvPr>
+          <p:cNvSpPr>
+            <a:spLocks noGrp="1"/>
+          </p:cNvSpPr>
+          <p:nvPr>
+            <p:ph type="sldNum" sz="quarter" idx="12"/>
+          </p:nvPr>
+        </p:nvSpPr>
+        <p:spPr/>
+        <p:txBody>
+          <a:bodyPr/>
+          <a:lstStyle/>
+          <a:p>
+            <a:fld id="{7D802B9E-106D-D046-81E6-3ADE87F72260}" type="slidenum">
+              <a:rPr lang="en-GB" smtClean="0"/>
+              <a:t>2</a:t>
+            </a:fld>
+            <a:r>
+              <a:rPr lang="en-GB"/>
+              <a:t> of 20</a:t>
+            </a:r>
+            <a:endParaRPr lang="en-GB" dirty="0"/>
+          </a:p>
+        </p:txBody>
+      </p:sp>
+    </p:spTree>
+    <p:extLst>
+      <p:ext uri="{BB962C8B-B14F-4D97-AF65-F5344CB8AC3E}">
+        <p14:creationId xmlns:p14="http://schemas.microsoft.com/office/powerpoint/2010/main" val="2112844202"/>
+      </p:ext>
+    </p:extLst>
+  </p:cSld>
+  <p:clrMapOvr>
+    <a:masterClrMapping/>
+  </p:clrMapOvr>
+</p:sld>
+</file>
+
+<file path=ppt/slides/slide20.xml><?xml version="1.0" encoding="utf-8"?>
 <p:sld xmlns:a="http://schemas.openxmlformats.org/drawingml/2006/main" xmlns:r="http://schemas.openxmlformats.org/officeDocument/2006/relationships" xmlns:p="http://schemas.openxmlformats.org/presentationml/2006/main">
   <p:cSld>
     <p:spTree>
@@ -8397,134 +10115,43 @@
           </a:prstGeom>
         </p:spPr>
       </p:pic>
+      <p:sp>
+        <p:nvSpPr>
+          <p:cNvPr id="4" name="Slide Number Placeholder 3">
+            <a:extLst>
+              <a:ext uri="{FF2B5EF4-FFF2-40B4-BE49-F238E27FC236}">
+                <a16:creationId xmlns:a16="http://schemas.microsoft.com/office/drawing/2014/main" id="{905053B6-AB59-0649-8289-3E1DCE642951}"/>
+              </a:ext>
+            </a:extLst>
+          </p:cNvPr>
+          <p:cNvSpPr>
+            <a:spLocks noGrp="1"/>
+          </p:cNvSpPr>
+          <p:nvPr>
+            <p:ph type="sldNum" sz="quarter" idx="12"/>
+          </p:nvPr>
+        </p:nvSpPr>
+        <p:spPr/>
+        <p:txBody>
+          <a:bodyPr/>
+          <a:lstStyle/>
+          <a:p>
+            <a:fld id="{7D802B9E-106D-D046-81E6-3ADE87F72260}" type="slidenum">
+              <a:rPr lang="en-GB" smtClean="0"/>
+              <a:t>20</a:t>
+            </a:fld>
+            <a:r>
+              <a:rPr lang="en-GB"/>
+              <a:t> of 20</a:t>
+            </a:r>
+            <a:endParaRPr lang="en-GB" dirty="0"/>
+          </a:p>
+        </p:txBody>
+      </p:sp>
     </p:spTree>
     <p:extLst>
       <p:ext uri="{BB962C8B-B14F-4D97-AF65-F5344CB8AC3E}">
         <p14:creationId xmlns:p14="http://schemas.microsoft.com/office/powerpoint/2010/main" val="3113165657"/>
-      </p:ext>
-    </p:extLst>
-  </p:cSld>
-  <p:clrMapOvr>
-    <a:masterClrMapping/>
-  </p:clrMapOvr>
-</p:sld>
-</file>
-
-<file path=ppt/slides/slide2.xml><?xml version="1.0" encoding="utf-8"?>
-<p:sld xmlns:a="http://schemas.openxmlformats.org/drawingml/2006/main" xmlns:r="http://schemas.openxmlformats.org/officeDocument/2006/relationships" xmlns:p="http://schemas.openxmlformats.org/presentationml/2006/main">
-  <p:cSld>
-    <p:spTree>
-      <p:nvGrpSpPr>
-        <p:cNvPr id="1" name=""/>
-        <p:cNvGrpSpPr/>
-        <p:nvPr/>
-      </p:nvGrpSpPr>
-      <p:grpSpPr>
-        <a:xfrm>
-          <a:off x="0" y="0"/>
-          <a:ext cx="0" cy="0"/>
-          <a:chOff x="0" y="0"/>
-          <a:chExt cx="0" cy="0"/>
-        </a:xfrm>
-      </p:grpSpPr>
-      <p:sp>
-        <p:nvSpPr>
-          <p:cNvPr id="6" name="TextBox 5">
-            <a:extLst>
-              <a:ext uri="{FF2B5EF4-FFF2-40B4-BE49-F238E27FC236}">
-                <a16:creationId xmlns:a16="http://schemas.microsoft.com/office/drawing/2014/main" id="{69C87357-E556-304D-B9EB-9FF2860BEEC6}"/>
-              </a:ext>
-            </a:extLst>
-          </p:cNvPr>
-          <p:cNvSpPr txBox="1"/>
-          <p:nvPr/>
-        </p:nvSpPr>
-        <p:spPr>
-          <a:xfrm>
-            <a:off x="3084096" y="2736502"/>
-            <a:ext cx="6023807" cy="1384995"/>
-          </a:xfrm>
-          <a:prstGeom prst="rect">
-            <a:avLst/>
-          </a:prstGeom>
-          <a:noFill/>
-        </p:spPr>
-        <p:txBody>
-          <a:bodyPr wrap="square" rtlCol="0">
-            <a:spAutoFit/>
-          </a:bodyPr>
-          <a:lstStyle/>
-          <a:p>
-            <a:pPr algn="ctr"/>
-            <a:r>
-              <a:rPr lang="en-GB" sz="2800" dirty="0">
-                <a:latin typeface="Satoshi" pitchFamily="2" charset="77"/>
-              </a:rPr>
-              <a:t>“Why is it this way?”</a:t>
-            </a:r>
-          </a:p>
-          <a:p>
-            <a:pPr algn="ctr"/>
-            <a:endParaRPr lang="en-GB" sz="2800" dirty="0">
-              <a:latin typeface="Satoshi" pitchFamily="2" charset="77"/>
-            </a:endParaRPr>
-          </a:p>
-          <a:p>
-            <a:pPr algn="ctr"/>
-            <a:r>
-              <a:rPr lang="en-GB" sz="2800" dirty="0">
-                <a:latin typeface="Satoshi" pitchFamily="2" charset="77"/>
-              </a:rPr>
-              <a:t>“Because we say so”</a:t>
-            </a:r>
-          </a:p>
-        </p:txBody>
-      </p:sp>
-      <p:cxnSp>
-        <p:nvCxnSpPr>
-          <p:cNvPr id="3" name="Straight Connector 2">
-            <a:extLst>
-              <a:ext uri="{FF2B5EF4-FFF2-40B4-BE49-F238E27FC236}">
-                <a16:creationId xmlns:a16="http://schemas.microsoft.com/office/drawing/2014/main" id="{DB1DA058-99D0-044B-AE8A-AC2EB8664529}"/>
-              </a:ext>
-            </a:extLst>
-          </p:cNvPr>
-          <p:cNvCxnSpPr/>
-          <p:nvPr/>
-        </p:nvCxnSpPr>
-        <p:spPr>
-          <a:xfrm flipH="1">
-            <a:off x="4572001" y="3890074"/>
-            <a:ext cx="3037668" cy="0"/>
-          </a:xfrm>
-          <a:prstGeom prst="line">
-            <a:avLst/>
-          </a:prstGeom>
-          <a:ln>
-            <a:solidFill>
-              <a:srgbClr val="C00000"/>
-            </a:solidFill>
-          </a:ln>
-        </p:spPr>
-        <p:style>
-          <a:lnRef idx="1">
-            <a:schemeClr val="accent1"/>
-          </a:lnRef>
-          <a:fillRef idx="0">
-            <a:schemeClr val="accent1"/>
-          </a:fillRef>
-          <a:effectRef idx="0">
-            <a:schemeClr val="accent1"/>
-          </a:effectRef>
-          <a:fontRef idx="minor">
-            <a:schemeClr val="tx1"/>
-          </a:fontRef>
-        </p:style>
-      </p:cxnSp>
-    </p:spTree>
-    <p:extLst>
-      <p:ext uri="{BB962C8B-B14F-4D97-AF65-F5344CB8AC3E}">
-        <p14:creationId xmlns:p14="http://schemas.microsoft.com/office/powerpoint/2010/main" val="2112844202"/>
       </p:ext>
     </p:extLst>
   </p:cSld>
@@ -8565,8 +10192,8 @@
         </p:nvSpPr>
         <p:spPr>
           <a:xfrm>
-            <a:off x="2532364" y="2305615"/>
-            <a:ext cx="6963766" cy="1815882"/>
+            <a:off x="3084096" y="2736502"/>
+            <a:ext cx="6023807" cy="1384995"/>
           </a:xfrm>
           <a:prstGeom prst="rect">
             <a:avLst/>
@@ -8574,7 +10201,7 @@
           <a:noFill/>
         </p:spPr>
         <p:txBody>
-          <a:bodyPr wrap="none" rtlCol="0">
+          <a:bodyPr wrap="square" rtlCol="0">
             <a:spAutoFit/>
           </a:bodyPr>
           <a:lstStyle/>
@@ -8584,7 +10211,7 @@
               <a:rPr lang="en-GB" sz="2800" dirty="0">
                 <a:latin typeface="Satoshi" pitchFamily="2" charset="77"/>
               </a:rPr>
-              <a:t>Our doctor is an expert knowledge curator.</a:t>
+              <a:t>“Why is it this way?”</a:t>
             </a:r>
           </a:p>
           <a:p>
@@ -8599,24 +10226,91 @@
               <a:rPr lang="en-GB" sz="2800" dirty="0">
                 <a:latin typeface="Satoshi" pitchFamily="2" charset="77"/>
               </a:rPr>
-              <a:t>Provide medical diagnosis </a:t>
-            </a:r>
-          </a:p>
-          <a:p>
-            <a:pPr algn="ctr"/>
-            <a:r>
-              <a:rPr lang="en-GB" sz="2800" dirty="0">
-                <a:latin typeface="Satoshi" pitchFamily="2" charset="77"/>
-              </a:rPr>
-              <a:t>that is evidence-based.</a:t>
-            </a:r>
+              <a:t>“Because we say so”</a:t>
+            </a:r>
+          </a:p>
+        </p:txBody>
+      </p:sp>
+      <p:cxnSp>
+        <p:nvCxnSpPr>
+          <p:cNvPr id="3" name="Straight Connector 2">
+            <a:extLst>
+              <a:ext uri="{FF2B5EF4-FFF2-40B4-BE49-F238E27FC236}">
+                <a16:creationId xmlns:a16="http://schemas.microsoft.com/office/drawing/2014/main" id="{DB1DA058-99D0-044B-AE8A-AC2EB8664529}"/>
+              </a:ext>
+            </a:extLst>
+          </p:cNvPr>
+          <p:cNvCxnSpPr>
+            <a:cxnSpLocks/>
+          </p:cNvCxnSpPr>
+          <p:nvPr/>
+        </p:nvCxnSpPr>
+        <p:spPr>
+          <a:xfrm flipH="1">
+            <a:off x="4447712" y="3890074"/>
+            <a:ext cx="3355759" cy="0"/>
+          </a:xfrm>
+          <a:prstGeom prst="line">
+            <a:avLst/>
+          </a:prstGeom>
+          <a:ln w="25400">
+            <a:solidFill>
+              <a:srgbClr val="C00000"/>
+            </a:solidFill>
+          </a:ln>
+        </p:spPr>
+        <p:style>
+          <a:lnRef idx="1">
+            <a:schemeClr val="accent1"/>
+          </a:lnRef>
+          <a:fillRef idx="0">
+            <a:schemeClr val="accent1"/>
+          </a:fillRef>
+          <a:effectRef idx="0">
+            <a:schemeClr val="accent1"/>
+          </a:effectRef>
+          <a:fontRef idx="minor">
+            <a:schemeClr val="tx1"/>
+          </a:fontRef>
+        </p:style>
+      </p:cxnSp>
+      <p:sp>
+        <p:nvSpPr>
+          <p:cNvPr id="5" name="Slide Number Placeholder 4">
+            <a:extLst>
+              <a:ext uri="{FF2B5EF4-FFF2-40B4-BE49-F238E27FC236}">
+                <a16:creationId xmlns:a16="http://schemas.microsoft.com/office/drawing/2014/main" id="{846F3AF7-D406-FE43-ABFC-7C1A9E793598}"/>
+              </a:ext>
+            </a:extLst>
+          </p:cNvPr>
+          <p:cNvSpPr>
+            <a:spLocks noGrp="1"/>
+          </p:cNvSpPr>
+          <p:nvPr>
+            <p:ph type="sldNum" sz="quarter" idx="12"/>
+          </p:nvPr>
+        </p:nvSpPr>
+        <p:spPr/>
+        <p:txBody>
+          <a:bodyPr/>
+          <a:lstStyle/>
+          <a:p>
+            <a:fld id="{7D802B9E-106D-D046-81E6-3ADE87F72260}" type="slidenum">
+              <a:rPr lang="en-GB" smtClean="0"/>
+              <a:t>3</a:t>
+            </a:fld>
+            <a:r>
+              <a:rPr lang="en-GB"/>
+              <a:t> of 20</a:t>
+            </a:r>
+            <a:endParaRPr lang="en-GB" dirty="0"/>
           </a:p>
         </p:txBody>
       </p:sp>
     </p:spTree>
     <p:extLst>
       <p:ext uri="{BB962C8B-B14F-4D97-AF65-F5344CB8AC3E}">
-        <p14:creationId xmlns:p14="http://schemas.microsoft.com/office/powerpoint/2010/main" val="3204030586"/>
+        <p14:creationId xmlns:p14="http://schemas.microsoft.com/office/powerpoint/2010/main" val="2967168597"/>
       </p:ext>
     </p:extLst>
   </p:cSld>
@@ -8657,8 +10351,8 @@
         </p:nvSpPr>
         <p:spPr>
           <a:xfrm>
-            <a:off x="3514082" y="2485779"/>
-            <a:ext cx="5163835" cy="954107"/>
+            <a:off x="2532364" y="2305615"/>
+            <a:ext cx="6963766" cy="1815882"/>
           </a:xfrm>
           <a:prstGeom prst="rect">
             <a:avLst/>
@@ -8666,75 +10360,82 @@
           <a:noFill/>
         </p:spPr>
         <p:txBody>
-          <a:bodyPr wrap="square" rtlCol="0">
-            <a:spAutoFit/>
-          </a:bodyPr>
-          <a:lstStyle/>
-          <a:p>
-            <a:pPr algn="ctr"/>
-            <a:r>
-              <a:rPr lang="en-GB" sz="2800" dirty="0">
-                <a:latin typeface="Satoshi" pitchFamily="2" charset="77"/>
-              </a:rPr>
-              <a:t>How can I trust medicine from an algorithm?</a:t>
-            </a:r>
-          </a:p>
-        </p:txBody>
-      </p:sp>
-      <p:sp>
-        <p:nvSpPr>
-          <p:cNvPr id="2" name="TextBox 1">
-            <a:extLst>
-              <a:ext uri="{FF2B5EF4-FFF2-40B4-BE49-F238E27FC236}">
-                <a16:creationId xmlns:a16="http://schemas.microsoft.com/office/drawing/2014/main" id="{036B7986-56A6-E84C-98D1-6E2123984282}"/>
-              </a:ext>
-            </a:extLst>
-          </p:cNvPr>
-          <p:cNvSpPr txBox="1"/>
-          <p:nvPr/>
-        </p:nvSpPr>
-        <p:spPr>
-          <a:xfrm>
-            <a:off x="6252554" y="5903893"/>
-            <a:ext cx="5939446" cy="954107"/>
-          </a:xfrm>
-          <a:prstGeom prst="rect">
-            <a:avLst/>
-          </a:prstGeom>
-          <a:noFill/>
-        </p:spPr>
-        <p:txBody>
           <a:bodyPr wrap="none" rtlCol="0">
             <a:spAutoFit/>
           </a:bodyPr>
           <a:lstStyle/>
           <a:p>
+            <a:pPr algn="ctr"/>
             <a:r>
               <a:rPr lang="en-GB" sz="2800" dirty="0">
                 <a:latin typeface="Satoshi" pitchFamily="2" charset="77"/>
-                <a:hlinkClick r:id="rId3"/>
-              </a:rPr>
-              <a:t>Video clip: Computers can not </a:t>
-            </a:r>
-          </a:p>
-          <a:p>
-            <a:r>
-              <a:rPr lang="en-GB" sz="2800" dirty="0">
-                <a:latin typeface="Satoshi" pitchFamily="2" charset="77"/>
-                <a:hlinkClick r:id="rId3"/>
-              </a:rPr>
-              <a:t>replace AT&amp;T switchboard operators</a:t>
-            </a:r>
+              </a:rPr>
+              <a:t>Our doctor is an expert knowledge curator.</a:t>
+            </a:r>
+          </a:p>
+          <a:p>
+            <a:pPr algn="ctr"/>
             <a:endParaRPr lang="en-GB" sz="2800" dirty="0">
               <a:latin typeface="Satoshi" pitchFamily="2" charset="77"/>
             </a:endParaRPr>
           </a:p>
+          <a:p>
+            <a:pPr algn="ctr"/>
+            <a:r>
+              <a:rPr lang="en-GB" sz="2800" dirty="0">
+                <a:latin typeface="Satoshi" pitchFamily="2" charset="77"/>
+              </a:rPr>
+              <a:t>Provide medical diagnosis </a:t>
+            </a:r>
+          </a:p>
+          <a:p>
+            <a:pPr algn="ctr"/>
+            <a:r>
+              <a:rPr lang="en-GB" sz="2800" dirty="0">
+                <a:latin typeface="Satoshi" pitchFamily="2" charset="77"/>
+              </a:rPr>
+              <a:t>that is evidence-based.</a:t>
+            </a:r>
+          </a:p>
+        </p:txBody>
+      </p:sp>
+      <p:sp>
+        <p:nvSpPr>
+          <p:cNvPr id="4" name="Slide Number Placeholder 3">
+            <a:extLst>
+              <a:ext uri="{FF2B5EF4-FFF2-40B4-BE49-F238E27FC236}">
+                <a16:creationId xmlns:a16="http://schemas.microsoft.com/office/drawing/2014/main" id="{F0505820-1D66-0447-90B0-0F7F4451C48B}"/>
+              </a:ext>
+            </a:extLst>
+          </p:cNvPr>
+          <p:cNvSpPr>
+            <a:spLocks noGrp="1"/>
+          </p:cNvSpPr>
+          <p:nvPr>
+            <p:ph type="sldNum" sz="quarter" idx="12"/>
+          </p:nvPr>
+        </p:nvSpPr>
+        <p:spPr/>
+        <p:txBody>
+          <a:bodyPr/>
+          <a:lstStyle/>
+          <a:p>
+            <a:fld id="{7D802B9E-106D-D046-81E6-3ADE87F72260}" type="slidenum">
+              <a:rPr lang="en-GB" smtClean="0"/>
+              <a:t>4</a:t>
+            </a:fld>
+            <a:r>
+              <a:rPr lang="en-GB"/>
+              <a:t> of 20</a:t>
+            </a:r>
+            <a:endParaRPr lang="en-GB" dirty="0"/>
+          </a:p>
         </p:txBody>
       </p:sp>
     </p:spTree>
     <p:extLst>
       <p:ext uri="{BB962C8B-B14F-4D97-AF65-F5344CB8AC3E}">
-        <p14:creationId xmlns:p14="http://schemas.microsoft.com/office/powerpoint/2010/main" val="2185829343"/>
+        <p14:creationId xmlns:p14="http://schemas.microsoft.com/office/powerpoint/2010/main" val="3204030586"/>
       </p:ext>
     </p:extLst>
   </p:cSld>
@@ -8761,42 +10462,12 @@
           <a:chExt cx="0" cy="0"/>
         </a:xfrm>
       </p:grpSpPr>
-      <p:pic>
-        <p:nvPicPr>
-          <p:cNvPr id="8" name="Picture 7" descr="Text&#10;&#10;Description automatically generated">
-            <a:extLst>
-              <a:ext uri="{FF2B5EF4-FFF2-40B4-BE49-F238E27FC236}">
-                <a16:creationId xmlns:a16="http://schemas.microsoft.com/office/drawing/2014/main" id="{5A2A02EF-2B24-9D44-8742-F0907A958A3C}"/>
-              </a:ext>
-            </a:extLst>
-          </p:cNvPr>
-          <p:cNvPicPr>
-            <a:picLocks noChangeAspect="1"/>
-          </p:cNvPicPr>
-          <p:nvPr/>
-        </p:nvPicPr>
-        <p:blipFill>
-          <a:blip r:embed="rId3"/>
-          <a:stretch>
-            <a:fillRect/>
-          </a:stretch>
-        </p:blipFill>
-        <p:spPr>
-          <a:xfrm>
-            <a:off x="3387724" y="521603"/>
-            <a:ext cx="5416551" cy="3782157"/>
-          </a:xfrm>
-          <a:prstGeom prst="rect">
-            <a:avLst/>
-          </a:prstGeom>
-        </p:spPr>
-      </p:pic>
       <p:sp>
         <p:nvSpPr>
           <p:cNvPr id="6" name="TextBox 5">
             <a:extLst>
               <a:ext uri="{FF2B5EF4-FFF2-40B4-BE49-F238E27FC236}">
-                <a16:creationId xmlns:a16="http://schemas.microsoft.com/office/drawing/2014/main" id="{CBF5D0EF-B176-DA44-A530-144C0A1A6616}"/>
+                <a16:creationId xmlns:a16="http://schemas.microsoft.com/office/drawing/2014/main" id="{69C87357-E556-304D-B9EB-9FF2860BEEC6}"/>
               </a:ext>
             </a:extLst>
           </p:cNvPr>
@@ -8805,8 +10476,8 @@
         </p:nvSpPr>
         <p:spPr>
           <a:xfrm>
-            <a:off x="3434218" y="4088098"/>
-            <a:ext cx="6096000" cy="369332"/>
+            <a:off x="3812733" y="2474893"/>
+            <a:ext cx="4879641" cy="954107"/>
           </a:xfrm>
           <a:prstGeom prst="rect">
             <a:avLst/>
@@ -8814,38 +10485,27 @@
           <a:noFill/>
         </p:spPr>
         <p:txBody>
-          <a:bodyPr wrap="square">
+          <a:bodyPr wrap="square" rtlCol="0">
             <a:spAutoFit/>
           </a:bodyPr>
           <a:lstStyle/>
           <a:p>
-            <a:r>
-              <a:rPr lang="en-US" dirty="0">
-                <a:solidFill>
-                  <a:srgbClr val="0000E9"/>
-                </a:solidFill>
-                <a:effectLst/>
-                <a:latin typeface="Satoshi" pitchFamily="2" charset="77"/>
-                <a:hlinkClick r:id="rId4"/>
-              </a:rPr>
-              <a:t>https://doi.org/10.1162/99608f92.f06c6e61</a:t>
-            </a:r>
-            <a:endParaRPr lang="en-US" dirty="0">
-              <a:solidFill>
-                <a:srgbClr val="0000E9"/>
-              </a:solidFill>
-              <a:effectLst/>
-              <a:latin typeface="Satoshi" pitchFamily="2" charset="77"/>
-            </a:endParaRPr>
-          </a:p>
-        </p:txBody>
-      </p:sp>
-      <p:sp>
-        <p:nvSpPr>
-          <p:cNvPr id="4" name="TextBox 3">
+            <a:pPr algn="ctr"/>
+            <a:r>
+              <a:rPr lang="en-GB" sz="2800" dirty="0">
+                <a:latin typeface="Satoshi" pitchFamily="2" charset="77"/>
+              </a:rPr>
+              <a:t>How can I trust medicine from an algorithm ?</a:t>
+            </a:r>
+          </a:p>
+        </p:txBody>
+      </p:sp>
+      <p:sp>
+        <p:nvSpPr>
+          <p:cNvPr id="2" name="TextBox 1">
             <a:extLst>
               <a:ext uri="{FF2B5EF4-FFF2-40B4-BE49-F238E27FC236}">
-                <a16:creationId xmlns:a16="http://schemas.microsoft.com/office/drawing/2014/main" id="{B1B7A52E-C68A-C542-8D78-7A4BD204B0BA}"/>
+                <a16:creationId xmlns:a16="http://schemas.microsoft.com/office/drawing/2014/main" id="{036B7986-56A6-E84C-98D1-6E2123984282}"/>
               </a:ext>
             </a:extLst>
           </p:cNvPr>
@@ -8854,8 +10514,8 @@
         </p:nvSpPr>
         <p:spPr>
           <a:xfrm>
-            <a:off x="3434218" y="5136068"/>
-            <a:ext cx="6096001" cy="1200329"/>
+            <a:off x="6096000" y="5903893"/>
+            <a:ext cx="5685531" cy="954107"/>
           </a:xfrm>
           <a:prstGeom prst="rect">
             <a:avLst/>
@@ -8863,57 +10523,94 @@
           <a:noFill/>
         </p:spPr>
         <p:txBody>
-          <a:bodyPr wrap="square" rtlCol="0">
+          <a:bodyPr wrap="none" rtlCol="0">
             <a:spAutoFit/>
           </a:bodyPr>
           <a:lstStyle/>
           <a:p>
             <a:r>
-              <a:rPr lang="en-GB" dirty="0">
-                <a:latin typeface="Satoshi" pitchFamily="2" charset="77"/>
-              </a:rPr>
-              <a:t>Related </a:t>
-            </a:r>
-            <a:r>
-              <a:rPr lang="en-GB" dirty="0" err="1">
-                <a:latin typeface="Satoshi" pitchFamily="2" charset="77"/>
-              </a:rPr>
-              <a:t>PopSci</a:t>
-            </a:r>
-            <a:r>
-              <a:rPr lang="en-GB" dirty="0">
-                <a:latin typeface="Satoshi" pitchFamily="2" charset="77"/>
-              </a:rPr>
-              <a:t> “</a:t>
-            </a:r>
-            <a:r>
-              <a:rPr lang="en-US" b="1" dirty="0">
-                <a:latin typeface="Satoshi" pitchFamily="2" charset="77"/>
-              </a:rPr>
-              <a:t>Stop Calling Everything AI, Machine-Learning Pioneer Says”</a:t>
-            </a:r>
-            <a:endParaRPr lang="en-GB" dirty="0">
-              <a:latin typeface="Satoshi" pitchFamily="2" charset="77"/>
-            </a:endParaRPr>
-          </a:p>
-          <a:p>
-            <a:r>
-              <a:rPr lang="en-GB" dirty="0">
-                <a:latin typeface="Satoshi" pitchFamily="2" charset="77"/>
-                <a:hlinkClick r:id="rId5"/>
-              </a:rPr>
-              <a:t>https://spectrum.ieee.org/stop-calling-everything-ai-machinelearning-pioneer-says</a:t>
-            </a:r>
-            <a:endParaRPr lang="en-GB" dirty="0">
-              <a:latin typeface="Satoshi" pitchFamily="2" charset="77"/>
-            </a:endParaRPr>
+              <a:rPr lang="en-GB" sz="2800" dirty="0">
+                <a:solidFill>
+                  <a:srgbClr val="0070C0"/>
+                </a:solidFill>
+                <a:latin typeface="Satoshi" pitchFamily="2" charset="77"/>
+                <a:hlinkClick r:id="rId3">
+                  <a:extLst>
+                    <a:ext uri="{A12FA001-AC4F-418D-AE19-62706E023703}">
+                      <ahyp:hlinkClr xmlns:ahyp="http://schemas.microsoft.com/office/drawing/2018/hyperlinkcolor" val="tx"/>
+                    </a:ext>
+                  </a:extLst>
+                </a:hlinkClick>
+              </a:rPr>
+              <a:t>Video clip: 1992 “Computers can not </a:t>
+            </a:r>
+          </a:p>
+          <a:p>
+            <a:r>
+              <a:rPr lang="en-GB" sz="2800" dirty="0">
+                <a:solidFill>
+                  <a:srgbClr val="0070C0"/>
+                </a:solidFill>
+                <a:latin typeface="Satoshi" pitchFamily="2" charset="77"/>
+                <a:hlinkClick r:id="rId3">
+                  <a:extLst>
+                    <a:ext uri="{A12FA001-AC4F-418D-AE19-62706E023703}">
+                      <ahyp:hlinkClr xmlns:ahyp="http://schemas.microsoft.com/office/drawing/2018/hyperlinkcolor" val="tx"/>
+                    </a:ext>
+                  </a:extLst>
+                </a:hlinkClick>
+              </a:rPr>
+              <a:t>replace AT&amp;T switchboard operators</a:t>
+            </a:r>
+            <a:r>
+              <a:rPr lang="en-GB" sz="2800" dirty="0">
+                <a:solidFill>
+                  <a:srgbClr val="0070C0"/>
+                </a:solidFill>
+                <a:latin typeface="Satoshi" pitchFamily="2" charset="77"/>
+              </a:rPr>
+              <a:t>.”</a:t>
+            </a:r>
+          </a:p>
+        </p:txBody>
+      </p:sp>
+      <p:sp>
+        <p:nvSpPr>
+          <p:cNvPr id="5" name="Slide Number Placeholder 4">
+            <a:extLst>
+              <a:ext uri="{FF2B5EF4-FFF2-40B4-BE49-F238E27FC236}">
+                <a16:creationId xmlns:a16="http://schemas.microsoft.com/office/drawing/2014/main" id="{DC5BD59D-726B-4D41-B6E3-64A264AD908F}"/>
+              </a:ext>
+            </a:extLst>
+          </p:cNvPr>
+          <p:cNvSpPr>
+            <a:spLocks noGrp="1"/>
+          </p:cNvSpPr>
+          <p:nvPr>
+            <p:ph type="sldNum" sz="quarter" idx="12"/>
+          </p:nvPr>
+        </p:nvSpPr>
+        <p:spPr/>
+        <p:txBody>
+          <a:bodyPr/>
+          <a:lstStyle/>
+          <a:p>
+            <a:fld id="{7D802B9E-106D-D046-81E6-3ADE87F72260}" type="slidenum">
+              <a:rPr lang="en-GB" smtClean="0"/>
+              <a:t>5</a:t>
+            </a:fld>
+            <a:r>
+              <a:rPr lang="en-GB"/>
+              <a:t> of 20</a:t>
+            </a:r>
+            <a:endParaRPr lang="en-GB" dirty="0"/>
           </a:p>
         </p:txBody>
       </p:sp>
     </p:spTree>
     <p:extLst>
       <p:ext uri="{BB962C8B-B14F-4D97-AF65-F5344CB8AC3E}">
-        <p14:creationId xmlns:p14="http://schemas.microsoft.com/office/powerpoint/2010/main" val="1511546064"/>
+        <p14:creationId xmlns:p14="http://schemas.microsoft.com/office/powerpoint/2010/main" val="2185829343"/>
       </p:ext>
     </p:extLst>
   </p:cSld>
@@ -8955,7 +10652,7 @@
         <p:spPr>
           <a:xfrm>
             <a:off x="549227" y="1294586"/>
-            <a:ext cx="7501260" cy="3970318"/>
+            <a:ext cx="7501260" cy="3108543"/>
           </a:xfrm>
           <a:prstGeom prst="rect">
             <a:avLst/>
@@ -8972,7 +10669,7 @@
               <a:rPr lang="en-GB" sz="2800" dirty="0">
                 <a:latin typeface="Satoshi" pitchFamily="2" charset="77"/>
               </a:rPr>
-              <a:t>We can explain your illness.</a:t>
+              <a:t>A patient has a severe illness.</a:t>
             </a:r>
           </a:p>
           <a:p>
@@ -8985,15 +10682,7 @@
               <a:rPr lang="en-GB" sz="2800" dirty="0">
                 <a:latin typeface="Satoshi" pitchFamily="2" charset="77"/>
               </a:rPr>
-              <a:t>Due to a variant in your DNA, </a:t>
-            </a:r>
-          </a:p>
-          <a:p>
-            <a:r>
-              <a:rPr lang="en-GB" sz="2800" dirty="0">
-                <a:latin typeface="Satoshi" pitchFamily="2" charset="77"/>
-              </a:rPr>
-              <a:t>your immune systems is often overactive.</a:t>
+              <a:t>The doctor can provide a treatment.</a:t>
             </a:r>
           </a:p>
           <a:p>
@@ -9006,7 +10695,7 @@
               <a:rPr lang="en-GB" sz="2800" dirty="0">
                 <a:latin typeface="Satoshi" pitchFamily="2" charset="77"/>
               </a:rPr>
-              <a:t>This causes inflammation and pain.</a:t>
+              <a:t>How can the doctor be sure ?</a:t>
             </a:r>
           </a:p>
           <a:p>
@@ -9019,15 +10708,7 @@
               <a:rPr lang="en-GB" sz="2800" dirty="0">
                 <a:latin typeface="Satoshi" pitchFamily="2" charset="77"/>
               </a:rPr>
-              <a:t>We know the mechanism because of </a:t>
-            </a:r>
-          </a:p>
-          <a:p>
-            <a:r>
-              <a:rPr lang="en-GB" sz="2800" dirty="0">
-                <a:latin typeface="Satoshi" pitchFamily="2" charset="77"/>
-              </a:rPr>
-              <a:t>existing scientific evidence.</a:t>
+              <a:t>The doctor states the facts :</a:t>
             </a:r>
           </a:p>
         </p:txBody>
@@ -9066,6 +10747,39 @@
               </a:rPr>
               <a:t>Case study</a:t>
             </a:r>
+          </a:p>
+        </p:txBody>
+      </p:sp>
+      <p:sp>
+        <p:nvSpPr>
+          <p:cNvPr id="6" name="Slide Number Placeholder 5">
+            <a:extLst>
+              <a:ext uri="{FF2B5EF4-FFF2-40B4-BE49-F238E27FC236}">
+                <a16:creationId xmlns:a16="http://schemas.microsoft.com/office/drawing/2014/main" id="{9A6C7E9D-7C70-BC4D-B978-06E5E5604F22}"/>
+              </a:ext>
+            </a:extLst>
+          </p:cNvPr>
+          <p:cNvSpPr>
+            <a:spLocks noGrp="1"/>
+          </p:cNvSpPr>
+          <p:nvPr>
+            <p:ph type="sldNum" sz="quarter" idx="12"/>
+          </p:nvPr>
+        </p:nvSpPr>
+        <p:spPr/>
+        <p:txBody>
+          <a:bodyPr/>
+          <a:lstStyle/>
+          <a:p>
+            <a:fld id="{7D802B9E-106D-D046-81E6-3ADE87F72260}" type="slidenum">
+              <a:rPr lang="en-GB" smtClean="0"/>
+              <a:t>6</a:t>
+            </a:fld>
+            <a:r>
+              <a:rPr lang="en-GB"/>
+              <a:t> of 20</a:t>
+            </a:r>
+            <a:endParaRPr lang="en-GB" dirty="0"/>
           </a:p>
         </p:txBody>
       </p:sp>
@@ -9083,6 +10797,198 @@
 </file>
 
 <file path=ppt/slides/slide7.xml><?xml version="1.0" encoding="utf-8"?>
+<p:sld xmlns:a="http://schemas.openxmlformats.org/drawingml/2006/main" xmlns:r="http://schemas.openxmlformats.org/officeDocument/2006/relationships" xmlns:p="http://schemas.openxmlformats.org/presentationml/2006/main">
+  <p:cSld>
+    <p:spTree>
+      <p:nvGrpSpPr>
+        <p:cNvPr id="1" name=""/>
+        <p:cNvGrpSpPr/>
+        <p:nvPr/>
+      </p:nvGrpSpPr>
+      <p:grpSpPr>
+        <a:xfrm>
+          <a:off x="0" y="0"/>
+          <a:ext cx="0" cy="0"/>
+          <a:chOff x="0" y="0"/>
+          <a:chExt cx="0" cy="0"/>
+        </a:xfrm>
+      </p:grpSpPr>
+      <p:sp>
+        <p:nvSpPr>
+          <p:cNvPr id="3" name="TextBox 2">
+            <a:extLst>
+              <a:ext uri="{FF2B5EF4-FFF2-40B4-BE49-F238E27FC236}">
+                <a16:creationId xmlns:a16="http://schemas.microsoft.com/office/drawing/2014/main" id="{8CC15DD8-399A-C74A-941F-905B66E6683B}"/>
+              </a:ext>
+            </a:extLst>
+          </p:cNvPr>
+          <p:cNvSpPr txBox="1"/>
+          <p:nvPr/>
+        </p:nvSpPr>
+        <p:spPr>
+          <a:xfrm>
+            <a:off x="549227" y="1294586"/>
+            <a:ext cx="7501260" cy="3970318"/>
+          </a:xfrm>
+          <a:prstGeom prst="rect">
+            <a:avLst/>
+          </a:prstGeom>
+          <a:noFill/>
+        </p:spPr>
+        <p:txBody>
+          <a:bodyPr wrap="square" rtlCol="0">
+            <a:spAutoFit/>
+          </a:bodyPr>
+          <a:lstStyle/>
+          <a:p>
+            <a:r>
+              <a:rPr lang="en-GB" sz="2800" dirty="0">
+                <a:latin typeface="Satoshi" pitchFamily="2" charset="77"/>
+              </a:rPr>
+              <a:t>We can explain your illness.</a:t>
+            </a:r>
+          </a:p>
+          <a:p>
+            <a:endParaRPr lang="en-GB" sz="2800" dirty="0">
+              <a:latin typeface="Satoshi" pitchFamily="2" charset="77"/>
+            </a:endParaRPr>
+          </a:p>
+          <a:p>
+            <a:r>
+              <a:rPr lang="en-GB" sz="2800" dirty="0">
+                <a:latin typeface="Satoshi" pitchFamily="2" charset="77"/>
+              </a:rPr>
+              <a:t>Due to a variant in your DNA, </a:t>
+            </a:r>
+          </a:p>
+          <a:p>
+            <a:r>
+              <a:rPr lang="en-GB" sz="2800" dirty="0">
+                <a:latin typeface="Satoshi" pitchFamily="2" charset="77"/>
+              </a:rPr>
+              <a:t>your immune systems is often overactive.</a:t>
+            </a:r>
+          </a:p>
+          <a:p>
+            <a:endParaRPr lang="en-GB" sz="2800" dirty="0">
+              <a:latin typeface="Satoshi" pitchFamily="2" charset="77"/>
+            </a:endParaRPr>
+          </a:p>
+          <a:p>
+            <a:r>
+              <a:rPr lang="en-GB" sz="2800" dirty="0">
+                <a:latin typeface="Satoshi" pitchFamily="2" charset="77"/>
+              </a:rPr>
+              <a:t>This causes inflammation and pain.</a:t>
+            </a:r>
+          </a:p>
+          <a:p>
+            <a:endParaRPr lang="en-GB" sz="2800" dirty="0">
+              <a:latin typeface="Satoshi" pitchFamily="2" charset="77"/>
+            </a:endParaRPr>
+          </a:p>
+          <a:p>
+            <a:r>
+              <a:rPr lang="en-GB" sz="2800" dirty="0">
+                <a:latin typeface="Satoshi" pitchFamily="2" charset="77"/>
+              </a:rPr>
+              <a:t>We know the mechanism because of </a:t>
+            </a:r>
+          </a:p>
+          <a:p>
+            <a:r>
+              <a:rPr lang="en-GB" sz="2800" dirty="0">
+                <a:latin typeface="Satoshi" pitchFamily="2" charset="77"/>
+              </a:rPr>
+              <a:t>existing scientific evidence.</a:t>
+            </a:r>
+          </a:p>
+        </p:txBody>
+      </p:sp>
+      <p:sp>
+        <p:nvSpPr>
+          <p:cNvPr id="4" name="TextBox 3">
+            <a:extLst>
+              <a:ext uri="{FF2B5EF4-FFF2-40B4-BE49-F238E27FC236}">
+                <a16:creationId xmlns:a16="http://schemas.microsoft.com/office/drawing/2014/main" id="{58C2B578-F09E-8243-AB6E-CB5901805F1D}"/>
+              </a:ext>
+            </a:extLst>
+          </p:cNvPr>
+          <p:cNvSpPr txBox="1"/>
+          <p:nvPr/>
+        </p:nvSpPr>
+        <p:spPr>
+          <a:xfrm>
+            <a:off x="10272885" y="0"/>
+            <a:ext cx="1919115" cy="523220"/>
+          </a:xfrm>
+          <a:prstGeom prst="rect">
+            <a:avLst/>
+          </a:prstGeom>
+          <a:noFill/>
+        </p:spPr>
+        <p:txBody>
+          <a:bodyPr wrap="none" rtlCol="0">
+            <a:spAutoFit/>
+          </a:bodyPr>
+          <a:lstStyle/>
+          <a:p>
+            <a:r>
+              <a:rPr lang="en-GB" sz="2800" dirty="0">
+                <a:latin typeface="Satoshi" pitchFamily="2" charset="77"/>
+              </a:rPr>
+              <a:t>Case study</a:t>
+            </a:r>
+          </a:p>
+        </p:txBody>
+      </p:sp>
+      <p:sp>
+        <p:nvSpPr>
+          <p:cNvPr id="6" name="Slide Number Placeholder 5">
+            <a:extLst>
+              <a:ext uri="{FF2B5EF4-FFF2-40B4-BE49-F238E27FC236}">
+                <a16:creationId xmlns:a16="http://schemas.microsoft.com/office/drawing/2014/main" id="{CBAB1A18-AB43-8B41-B65A-3DEDC3E821EC}"/>
+              </a:ext>
+            </a:extLst>
+          </p:cNvPr>
+          <p:cNvSpPr>
+            <a:spLocks noGrp="1"/>
+          </p:cNvSpPr>
+          <p:nvPr>
+            <p:ph type="sldNum" sz="quarter" idx="12"/>
+          </p:nvPr>
+        </p:nvSpPr>
+        <p:spPr/>
+        <p:txBody>
+          <a:bodyPr/>
+          <a:lstStyle/>
+          <a:p>
+            <a:fld id="{7D802B9E-106D-D046-81E6-3ADE87F72260}" type="slidenum">
+              <a:rPr lang="en-GB" smtClean="0"/>
+              <a:t>7</a:t>
+            </a:fld>
+            <a:r>
+              <a:rPr lang="en-GB"/>
+              <a:t> of 20</a:t>
+            </a:r>
+            <a:endParaRPr lang="en-GB" dirty="0"/>
+          </a:p>
+        </p:txBody>
+      </p:sp>
+    </p:spTree>
+    <p:extLst>
+      <p:ext uri="{BB962C8B-B14F-4D97-AF65-F5344CB8AC3E}">
+        <p14:creationId xmlns:p14="http://schemas.microsoft.com/office/powerpoint/2010/main" val="316638269"/>
+      </p:ext>
+    </p:extLst>
+  </p:cSld>
+  <p:clrMapOvr>
+    <a:masterClrMapping/>
+  </p:clrMapOvr>
+</p:sld>
+</file>
+
+<file path=ppt/slides/slide8.xml><?xml version="1.0" encoding="utf-8"?>
 <p:sld xmlns:a="http://schemas.openxmlformats.org/drawingml/2006/main" xmlns:r="http://schemas.openxmlformats.org/officeDocument/2006/relationships" xmlns:p="http://schemas.openxmlformats.org/presentationml/2006/main">
   <p:cSld>
     <p:spTree>
@@ -9260,6 +11166,39 @@
           </a:ln>
         </p:spPr>
       </p:pic>
+      <p:sp>
+        <p:nvSpPr>
+          <p:cNvPr id="5" name="Slide Number Placeholder 4">
+            <a:extLst>
+              <a:ext uri="{FF2B5EF4-FFF2-40B4-BE49-F238E27FC236}">
+                <a16:creationId xmlns:a16="http://schemas.microsoft.com/office/drawing/2014/main" id="{90371966-9C48-4649-9B53-A2335C49BA14}"/>
+              </a:ext>
+            </a:extLst>
+          </p:cNvPr>
+          <p:cNvSpPr>
+            <a:spLocks noGrp="1"/>
+          </p:cNvSpPr>
+          <p:nvPr>
+            <p:ph type="sldNum" sz="quarter" idx="12"/>
+          </p:nvPr>
+        </p:nvSpPr>
+        <p:spPr/>
+        <p:txBody>
+          <a:bodyPr/>
+          <a:lstStyle/>
+          <a:p>
+            <a:fld id="{7D802B9E-106D-D046-81E6-3ADE87F72260}" type="slidenum">
+              <a:rPr lang="en-GB" smtClean="0"/>
+              <a:t>8</a:t>
+            </a:fld>
+            <a:r>
+              <a:rPr lang="en-GB"/>
+              <a:t> of 20</a:t>
+            </a:r>
+            <a:endParaRPr lang="en-GB" dirty="0"/>
+          </a:p>
+        </p:txBody>
+      </p:sp>
     </p:spTree>
     <p:extLst>
       <p:ext uri="{BB962C8B-B14F-4D97-AF65-F5344CB8AC3E}">
@@ -9273,7 +11212,7 @@
 </p:sld>
 </file>
 
-<file path=ppt/slides/slide8.xml><?xml version="1.0" encoding="utf-8"?>
+<file path=ppt/slides/slide9.xml><?xml version="1.0" encoding="utf-8"?>
 <p:sld xmlns:a="http://schemas.openxmlformats.org/drawingml/2006/main" xmlns:r="http://schemas.openxmlformats.org/officeDocument/2006/relationships" xmlns:p="http://schemas.openxmlformats.org/presentationml/2006/main">
   <p:cSld>
     <p:spTree>
@@ -9486,196 +11425,43 @@
           </a:ln>
         </p:spPr>
       </p:pic>
+      <p:sp>
+        <p:nvSpPr>
+          <p:cNvPr id="7" name="Slide Number Placeholder 6">
+            <a:extLst>
+              <a:ext uri="{FF2B5EF4-FFF2-40B4-BE49-F238E27FC236}">
+                <a16:creationId xmlns:a16="http://schemas.microsoft.com/office/drawing/2014/main" id="{AAC8402B-3B3E-EC4D-AA2E-B9E613BE4D72}"/>
+              </a:ext>
+            </a:extLst>
+          </p:cNvPr>
+          <p:cNvSpPr>
+            <a:spLocks noGrp="1"/>
+          </p:cNvSpPr>
+          <p:nvPr>
+            <p:ph type="sldNum" sz="quarter" idx="12"/>
+          </p:nvPr>
+        </p:nvSpPr>
+        <p:spPr/>
+        <p:txBody>
+          <a:bodyPr/>
+          <a:lstStyle/>
+          <a:p>
+            <a:fld id="{7D802B9E-106D-D046-81E6-3ADE87F72260}" type="slidenum">
+              <a:rPr lang="en-GB" smtClean="0"/>
+              <a:t>9</a:t>
+            </a:fld>
+            <a:r>
+              <a:rPr lang="en-GB"/>
+              <a:t> of 20</a:t>
+            </a:r>
+            <a:endParaRPr lang="en-GB" dirty="0"/>
+          </a:p>
+        </p:txBody>
+      </p:sp>
     </p:spTree>
     <p:extLst>
       <p:ext uri="{BB962C8B-B14F-4D97-AF65-F5344CB8AC3E}">
         <p14:creationId xmlns:p14="http://schemas.microsoft.com/office/powerpoint/2010/main" val="640159367"/>
-      </p:ext>
-    </p:extLst>
-  </p:cSld>
-  <p:clrMapOvr>
-    <a:masterClrMapping/>
-  </p:clrMapOvr>
-</p:sld>
-</file>
-
-<file path=ppt/slides/slide9.xml><?xml version="1.0" encoding="utf-8"?>
-<p:sld xmlns:a="http://schemas.openxmlformats.org/drawingml/2006/main" xmlns:r="http://schemas.openxmlformats.org/officeDocument/2006/relationships" xmlns:p="http://schemas.openxmlformats.org/presentationml/2006/main">
-  <p:cSld>
-    <p:spTree>
-      <p:nvGrpSpPr>
-        <p:cNvPr id="1" name=""/>
-        <p:cNvGrpSpPr/>
-        <p:nvPr/>
-      </p:nvGrpSpPr>
-      <p:grpSpPr>
-        <a:xfrm>
-          <a:off x="0" y="0"/>
-          <a:ext cx="0" cy="0"/>
-          <a:chOff x="0" y="0"/>
-          <a:chExt cx="0" cy="0"/>
-        </a:xfrm>
-      </p:grpSpPr>
-      <p:pic>
-        <p:nvPicPr>
-          <p:cNvPr id="7" name="Picture 6">
-            <a:extLst>
-              <a:ext uri="{FF2B5EF4-FFF2-40B4-BE49-F238E27FC236}">
-                <a16:creationId xmlns:a16="http://schemas.microsoft.com/office/drawing/2014/main" id="{4C4EBDBC-966A-C049-95C3-0FAD451FD01F}"/>
-              </a:ext>
-            </a:extLst>
-          </p:cNvPr>
-          <p:cNvPicPr>
-            <a:picLocks noChangeAspect="1"/>
-          </p:cNvPicPr>
-          <p:nvPr/>
-        </p:nvPicPr>
-        <p:blipFill rotWithShape="1">
-          <a:blip r:embed="rId3"/>
-          <a:srcRect l="1589" t="38475" b="-1771"/>
-          <a:stretch/>
-        </p:blipFill>
-        <p:spPr>
-          <a:xfrm>
-            <a:off x="7261152" y="3962603"/>
-            <a:ext cx="4549847" cy="2754767"/>
-          </a:xfrm>
-          <a:prstGeom prst="rect">
-            <a:avLst/>
-          </a:prstGeom>
-          <a:ln w="12700">
-            <a:solidFill>
-              <a:schemeClr val="tx1"/>
-            </a:solidFill>
-          </a:ln>
-        </p:spPr>
-      </p:pic>
-      <p:sp>
-        <p:nvSpPr>
-          <p:cNvPr id="6" name="TextBox 5">
-            <a:extLst>
-              <a:ext uri="{FF2B5EF4-FFF2-40B4-BE49-F238E27FC236}">
-                <a16:creationId xmlns:a16="http://schemas.microsoft.com/office/drawing/2014/main" id="{69C87357-E556-304D-B9EB-9FF2860BEEC6}"/>
-              </a:ext>
-            </a:extLst>
-          </p:cNvPr>
-          <p:cNvSpPr txBox="1"/>
-          <p:nvPr/>
-        </p:nvSpPr>
-        <p:spPr>
-          <a:xfrm>
-            <a:off x="549227" y="1294586"/>
-            <a:ext cx="7501260" cy="3970318"/>
-          </a:xfrm>
-          <a:prstGeom prst="rect">
-            <a:avLst/>
-          </a:prstGeom>
-          <a:noFill/>
-        </p:spPr>
-        <p:txBody>
-          <a:bodyPr wrap="square" rtlCol="0">
-            <a:spAutoFit/>
-          </a:bodyPr>
-          <a:lstStyle/>
-          <a:p>
-            <a:r>
-              <a:rPr lang="en-GB" sz="2800" dirty="0">
-                <a:solidFill>
-                  <a:schemeClr val="bg1">
-                    <a:lumMod val="75000"/>
-                  </a:schemeClr>
-                </a:solidFill>
-                <a:latin typeface="Satoshi" pitchFamily="2" charset="77"/>
-              </a:rPr>
-              <a:t>We can explain your illness.</a:t>
-            </a:r>
-          </a:p>
-          <a:p>
-            <a:endParaRPr lang="en-GB" sz="2800" dirty="0">
-              <a:latin typeface="Satoshi" pitchFamily="2" charset="77"/>
-            </a:endParaRPr>
-          </a:p>
-          <a:p>
-            <a:r>
-              <a:rPr lang="en-GB" sz="2800" dirty="0">
-                <a:solidFill>
-                  <a:schemeClr val="bg1">
-                    <a:lumMod val="75000"/>
-                  </a:schemeClr>
-                </a:solidFill>
-                <a:latin typeface="Satoshi" pitchFamily="2" charset="77"/>
-              </a:rPr>
-              <a:t>Due to a variant in your DNA, </a:t>
-            </a:r>
-          </a:p>
-          <a:p>
-            <a:r>
-              <a:rPr lang="en-GB" sz="2800" dirty="0">
-                <a:solidFill>
-                  <a:schemeClr val="bg1">
-                    <a:lumMod val="75000"/>
-                  </a:schemeClr>
-                </a:solidFill>
-                <a:latin typeface="Satoshi" pitchFamily="2" charset="77"/>
-              </a:rPr>
-              <a:t>your immune systems is often overactive.</a:t>
-            </a:r>
-          </a:p>
-          <a:p>
-            <a:endParaRPr lang="en-GB" sz="2800" dirty="0">
-              <a:solidFill>
-                <a:schemeClr val="bg1">
-                  <a:lumMod val="75000"/>
-                </a:schemeClr>
-              </a:solidFill>
-              <a:latin typeface="Satoshi" pitchFamily="2" charset="77"/>
-            </a:endParaRPr>
-          </a:p>
-          <a:p>
-            <a:r>
-              <a:rPr lang="en-GB" sz="2800" dirty="0">
-                <a:latin typeface="Satoshi" pitchFamily="2" charset="77"/>
-              </a:rPr>
-              <a:t>This causes inflammation and pain.</a:t>
-            </a:r>
-          </a:p>
-          <a:p>
-            <a:endParaRPr lang="en-GB" sz="2800" dirty="0">
-              <a:latin typeface="Satoshi" pitchFamily="2" charset="77"/>
-            </a:endParaRPr>
-          </a:p>
-          <a:p>
-            <a:r>
-              <a:rPr lang="en-GB" sz="2800" dirty="0">
-                <a:solidFill>
-                  <a:schemeClr val="bg1">
-                    <a:lumMod val="75000"/>
-                  </a:schemeClr>
-                </a:solidFill>
-                <a:latin typeface="Satoshi" pitchFamily="2" charset="77"/>
-              </a:rPr>
-              <a:t>We know the mechanism because of </a:t>
-            </a:r>
-          </a:p>
-          <a:p>
-            <a:r>
-              <a:rPr lang="en-GB" sz="2800" dirty="0">
-                <a:solidFill>
-                  <a:schemeClr val="bg1">
-                    <a:lumMod val="75000"/>
-                  </a:schemeClr>
-                </a:solidFill>
-                <a:latin typeface="Satoshi" pitchFamily="2" charset="77"/>
-              </a:rPr>
-              <a:t>existing scientific evidence.</a:t>
-            </a:r>
-          </a:p>
-        </p:txBody>
-      </p:sp>
-    </p:spTree>
-    <p:extLst>
-      <p:ext uri="{BB962C8B-B14F-4D97-AF65-F5344CB8AC3E}">
-        <p14:creationId xmlns:p14="http://schemas.microsoft.com/office/powerpoint/2010/main" val="2122075145"/>
       </p:ext>
     </p:extLst>
   </p:cSld>
@@ -10273,4 +12059,299 @@
     </a:ext>
   </a:extLst>
 </a:theme>
+</file>
+
+<file path=ppt/theme/theme3.xml><?xml version="1.0" encoding="utf-8"?>
+<a:theme xmlns:a="http://schemas.openxmlformats.org/drawingml/2006/main" name="Office Theme">
+  <a:themeElements>
+    <a:clrScheme name="Office">
+      <a:dk1>
+        <a:sysClr val="windowText" lastClr="000000"/>
+      </a:dk1>
+      <a:lt1>
+        <a:sysClr val="window" lastClr="FFFFFF"/>
+      </a:lt1>
+      <a:dk2>
+        <a:srgbClr val="44546A"/>
+      </a:dk2>
+      <a:lt2>
+        <a:srgbClr val="E7E6E6"/>
+      </a:lt2>
+      <a:accent1>
+        <a:srgbClr val="4472C4"/>
+      </a:accent1>
+      <a:accent2>
+        <a:srgbClr val="ED7D31"/>
+      </a:accent2>
+      <a:accent3>
+        <a:srgbClr val="A5A5A5"/>
+      </a:accent3>
+      <a:accent4>
+        <a:srgbClr val="FFC000"/>
+      </a:accent4>
+      <a:accent5>
+        <a:srgbClr val="5B9BD5"/>
+      </a:accent5>
+      <a:accent6>
+        <a:srgbClr val="70AD47"/>
+      </a:accent6>
+      <a:hlink>
+        <a:srgbClr val="0563C1"/>
+      </a:hlink>
+      <a:folHlink>
+        <a:srgbClr val="954F72"/>
+      </a:folHlink>
+    </a:clrScheme>
+    <a:fontScheme name="Office">
+      <a:majorFont>
+        <a:latin typeface="Calibri Light" panose="020F0302020204030204"/>
+        <a:ea typeface=""/>
+        <a:cs typeface=""/>
+        <a:font script="Jpan" typeface="游ゴシック Light"/>
+        <a:font script="Hang" typeface="맑은 고딕"/>
+        <a:font script="Hans" typeface="等线 Light"/>
+        <a:font script="Hant" typeface="新細明體"/>
+        <a:font script="Arab" typeface="Times New Roman"/>
+        <a:font script="Hebr" typeface="Times New Roman"/>
+        <a:font script="Thai" typeface="Angsana New"/>
+        <a:font script="Ethi" typeface="Nyala"/>
+        <a:font script="Beng" typeface="Vrinda"/>
+        <a:font script="Gujr" typeface="Shruti"/>
+        <a:font script="Khmr" typeface="MoolBoran"/>
+        <a:font script="Knda" typeface="Tunga"/>
+        <a:font script="Guru" typeface="Raavi"/>
+        <a:font script="Cans" typeface="Euphemia"/>
+        <a:font script="Cher" typeface="Plantagenet Cherokee"/>
+        <a:font script="Yiii" typeface="Microsoft Yi Baiti"/>
+        <a:font script="Tibt" typeface="Microsoft Himalaya"/>
+        <a:font script="Thaa" typeface="MV Boli"/>
+        <a:font script="Deva" typeface="Mangal"/>
+        <a:font script="Telu" typeface="Gautami"/>
+        <a:font script="Taml" typeface="Latha"/>
+        <a:font script="Syrc" typeface="Estrangelo Edessa"/>
+        <a:font script="Orya" typeface="Kalinga"/>
+        <a:font script="Mlym" typeface="Kartika"/>
+        <a:font script="Laoo" typeface="DokChampa"/>
+        <a:font script="Sinh" typeface="Iskoola Pota"/>
+        <a:font script="Mong" typeface="Mongolian Baiti"/>
+        <a:font script="Viet" typeface="Times New Roman"/>
+        <a:font script="Uigh" typeface="Microsoft Uighur"/>
+        <a:font script="Geor" typeface="Sylfaen"/>
+        <a:font script="Armn" typeface="Arial"/>
+        <a:font script="Bugi" typeface="Leelawadee UI"/>
+        <a:font script="Bopo" typeface="Microsoft JhengHei"/>
+        <a:font script="Java" typeface="Javanese Text"/>
+        <a:font script="Lisu" typeface="Segoe UI"/>
+        <a:font script="Mymr" typeface="Myanmar Text"/>
+        <a:font script="Nkoo" typeface="Ebrima"/>
+        <a:font script="Olck" typeface="Nirmala UI"/>
+        <a:font script="Osma" typeface="Ebrima"/>
+        <a:font script="Phag" typeface="Phagspa"/>
+        <a:font script="Syrn" typeface="Estrangelo Edessa"/>
+        <a:font script="Syrj" typeface="Estrangelo Edessa"/>
+        <a:font script="Syre" typeface="Estrangelo Edessa"/>
+        <a:font script="Sora" typeface="Nirmala UI"/>
+        <a:font script="Tale" typeface="Microsoft Tai Le"/>
+        <a:font script="Talu" typeface="Microsoft New Tai Lue"/>
+        <a:font script="Tfng" typeface="Ebrima"/>
+      </a:majorFont>
+      <a:minorFont>
+        <a:latin typeface="Calibri" panose="020F0502020204030204"/>
+        <a:ea typeface=""/>
+        <a:cs typeface=""/>
+        <a:font script="Jpan" typeface="游ゴシック"/>
+        <a:font script="Hang" typeface="맑은 고딕"/>
+        <a:font script="Hans" typeface="等线"/>
+        <a:font script="Hant" typeface="新細明體"/>
+        <a:font script="Arab" typeface="Arial"/>
+        <a:font script="Hebr" typeface="Arial"/>
+        <a:font script="Thai" typeface="Cordia New"/>
+        <a:font script="Ethi" typeface="Nyala"/>
+        <a:font script="Beng" typeface="Vrinda"/>
+        <a:font script="Gujr" typeface="Shruti"/>
+        <a:font script="Khmr" typeface="DaunPenh"/>
+        <a:font script="Knda" typeface="Tunga"/>
+        <a:font script="Guru" typeface="Raavi"/>
+        <a:font script="Cans" typeface="Euphemia"/>
+        <a:font script="Cher" typeface="Plantagenet Cherokee"/>
+        <a:font script="Yiii" typeface="Microsoft Yi Baiti"/>
+        <a:font script="Tibt" typeface="Microsoft Himalaya"/>
+        <a:font script="Thaa" typeface="MV Boli"/>
+        <a:font script="Deva" typeface="Mangal"/>
+        <a:font script="Telu" typeface="Gautami"/>
+        <a:font script="Taml" typeface="Latha"/>
+        <a:font script="Syrc" typeface="Estrangelo Edessa"/>
+        <a:font script="Orya" typeface="Kalinga"/>
+        <a:font script="Mlym" typeface="Kartika"/>
+        <a:font script="Laoo" typeface="DokChampa"/>
+        <a:font script="Sinh" typeface="Iskoola Pota"/>
+        <a:font script="Mong" typeface="Mongolian Baiti"/>
+        <a:font script="Viet" typeface="Arial"/>
+        <a:font script="Uigh" typeface="Microsoft Uighur"/>
+        <a:font script="Geor" typeface="Sylfaen"/>
+        <a:font script="Armn" typeface="Arial"/>
+        <a:font script="Bugi" typeface="Leelawadee UI"/>
+        <a:font script="Bopo" typeface="Microsoft JhengHei"/>
+        <a:font script="Java" typeface="Javanese Text"/>
+        <a:font script="Lisu" typeface="Segoe UI"/>
+        <a:font script="Mymr" typeface="Myanmar Text"/>
+        <a:font script="Nkoo" typeface="Ebrima"/>
+        <a:font script="Olck" typeface="Nirmala UI"/>
+        <a:font script="Osma" typeface="Ebrima"/>
+        <a:font script="Phag" typeface="Phagspa"/>
+        <a:font script="Syrn" typeface="Estrangelo Edessa"/>
+        <a:font script="Syrj" typeface="Estrangelo Edessa"/>
+        <a:font script="Syre" typeface="Estrangelo Edessa"/>
+        <a:font script="Sora" typeface="Nirmala UI"/>
+        <a:font script="Tale" typeface="Microsoft Tai Le"/>
+        <a:font script="Talu" typeface="Microsoft New Tai Lue"/>
+        <a:font script="Tfng" typeface="Ebrima"/>
+      </a:minorFont>
+    </a:fontScheme>
+    <a:fmtScheme name="Office">
+      <a:fillStyleLst>
+        <a:solidFill>
+          <a:schemeClr val="phClr"/>
+        </a:solidFill>
+        <a:gradFill rotWithShape="1">
+          <a:gsLst>
+            <a:gs pos="0">
+              <a:schemeClr val="phClr">
+                <a:lumMod val="110000"/>
+                <a:satMod val="105000"/>
+                <a:tint val="67000"/>
+              </a:schemeClr>
+            </a:gs>
+            <a:gs pos="50000">
+              <a:schemeClr val="phClr">
+                <a:lumMod val="105000"/>
+                <a:satMod val="103000"/>
+                <a:tint val="73000"/>
+              </a:schemeClr>
+            </a:gs>
+            <a:gs pos="100000">
+              <a:schemeClr val="phClr">
+                <a:lumMod val="105000"/>
+                <a:satMod val="109000"/>
+                <a:tint val="81000"/>
+              </a:schemeClr>
+            </a:gs>
+          </a:gsLst>
+          <a:lin ang="5400000" scaled="0"/>
+        </a:gradFill>
+        <a:gradFill rotWithShape="1">
+          <a:gsLst>
+            <a:gs pos="0">
+              <a:schemeClr val="phClr">
+                <a:satMod val="103000"/>
+                <a:lumMod val="102000"/>
+                <a:tint val="94000"/>
+              </a:schemeClr>
+            </a:gs>
+            <a:gs pos="50000">
+              <a:schemeClr val="phClr">
+                <a:satMod val="110000"/>
+                <a:lumMod val="100000"/>
+                <a:shade val="100000"/>
+              </a:schemeClr>
+            </a:gs>
+            <a:gs pos="100000">
+              <a:schemeClr val="phClr">
+                <a:lumMod val="99000"/>
+                <a:satMod val="120000"/>
+                <a:shade val="78000"/>
+              </a:schemeClr>
+            </a:gs>
+          </a:gsLst>
+          <a:lin ang="5400000" scaled="0"/>
+        </a:gradFill>
+      </a:fillStyleLst>
+      <a:lnStyleLst>
+        <a:ln w="6350" cap="flat" cmpd="sng" algn="ctr">
+          <a:solidFill>
+            <a:schemeClr val="phClr"/>
+          </a:solidFill>
+          <a:prstDash val="solid"/>
+          <a:miter lim="800000"/>
+        </a:ln>
+        <a:ln w="12700" cap="flat" cmpd="sng" algn="ctr">
+          <a:solidFill>
+            <a:schemeClr val="phClr"/>
+          </a:solidFill>
+          <a:prstDash val="solid"/>
+          <a:miter lim="800000"/>
+        </a:ln>
+        <a:ln w="19050" cap="flat" cmpd="sng" algn="ctr">
+          <a:solidFill>
+            <a:schemeClr val="phClr"/>
+          </a:solidFill>
+          <a:prstDash val="solid"/>
+          <a:miter lim="800000"/>
+        </a:ln>
+      </a:lnStyleLst>
+      <a:effectStyleLst>
+        <a:effectStyle>
+          <a:effectLst/>
+        </a:effectStyle>
+        <a:effectStyle>
+          <a:effectLst/>
+        </a:effectStyle>
+        <a:effectStyle>
+          <a:effectLst>
+            <a:outerShdw blurRad="57150" dist="19050" dir="5400000" algn="ctr" rotWithShape="0">
+              <a:srgbClr val="000000">
+                <a:alpha val="63000"/>
+              </a:srgbClr>
+            </a:outerShdw>
+          </a:effectLst>
+        </a:effectStyle>
+      </a:effectStyleLst>
+      <a:bgFillStyleLst>
+        <a:solidFill>
+          <a:schemeClr val="phClr"/>
+        </a:solidFill>
+        <a:solidFill>
+          <a:schemeClr val="phClr">
+            <a:tint val="95000"/>
+            <a:satMod val="170000"/>
+          </a:schemeClr>
+        </a:solidFill>
+        <a:gradFill rotWithShape="1">
+          <a:gsLst>
+            <a:gs pos="0">
+              <a:schemeClr val="phClr">
+                <a:tint val="93000"/>
+                <a:satMod val="150000"/>
+                <a:shade val="98000"/>
+                <a:lumMod val="102000"/>
+              </a:schemeClr>
+            </a:gs>
+            <a:gs pos="50000">
+              <a:schemeClr val="phClr">
+                <a:tint val="98000"/>
+                <a:satMod val="130000"/>
+                <a:shade val="90000"/>
+                <a:lumMod val="103000"/>
+              </a:schemeClr>
+            </a:gs>
+            <a:gs pos="100000">
+              <a:schemeClr val="phClr">
+                <a:shade val="63000"/>
+                <a:satMod val="120000"/>
+              </a:schemeClr>
+            </a:gs>
+          </a:gsLst>
+          <a:lin ang="5400000" scaled="0"/>
+        </a:gradFill>
+      </a:bgFillStyleLst>
+    </a:fmtScheme>
+  </a:themeElements>
+  <a:objectDefaults/>
+  <a:extraClrSchemeLst/>
+  <a:extLst>
+    <a:ext uri="{05A4C25C-085E-4340-85A3-A5531E510DB2}">
+      <thm15:themeFamily xmlns:thm15="http://schemas.microsoft.com/office/thememl/2012/main" name="Office Theme" id="{62F939B6-93AF-4DB8-9C6B-D6C7DFDC589F}" vid="{4A3C46E8-61CC-4603-A589-7422A47A8E4A}"/>
+    </a:ext>
+  </a:extLst>
+</a:theme>
 </file>
--- a/pages/usage_examples/uses_pitch.pptx
+++ b/pages/usage_examples/uses_pitch.pptx
@@ -5,25 +5,32 @@
     <p:sldMasterId id="2147483648" r:id="rId1"/>
   </p:sldMasterIdLst>
   <p:notesMasterIdLst>
-    <p:notesMasterId r:id="rId18"/>
+    <p:notesMasterId r:id="rId22"/>
   </p:notesMasterIdLst>
+  <p:handoutMasterIdLst>
+    <p:handoutMasterId r:id="rId23"/>
+  </p:handoutMasterIdLst>
   <p:sldIdLst>
     <p:sldId id="257" r:id="rId2"/>
     <p:sldId id="269" r:id="rId3"/>
     <p:sldId id="272" r:id="rId4"/>
     <p:sldId id="259" r:id="rId5"/>
     <p:sldId id="258" r:id="rId6"/>
-    <p:sldId id="256" r:id="rId7"/>
-    <p:sldId id="260" r:id="rId8"/>
+    <p:sldId id="260" r:id="rId7"/>
+    <p:sldId id="273" r:id="rId8"/>
     <p:sldId id="261" r:id="rId9"/>
     <p:sldId id="262" r:id="rId10"/>
     <p:sldId id="263" r:id="rId11"/>
     <p:sldId id="264" r:id="rId12"/>
-    <p:sldId id="265" r:id="rId13"/>
-    <p:sldId id="268" r:id="rId14"/>
-    <p:sldId id="266" r:id="rId15"/>
-    <p:sldId id="267" r:id="rId16"/>
-    <p:sldId id="271" r:id="rId17"/>
+    <p:sldId id="274" r:id="rId13"/>
+    <p:sldId id="265" r:id="rId14"/>
+    <p:sldId id="268" r:id="rId15"/>
+    <p:sldId id="266" r:id="rId16"/>
+    <p:sldId id="275" r:id="rId17"/>
+    <p:sldId id="267" r:id="rId18"/>
+    <p:sldId id="276" r:id="rId19"/>
+    <p:sldId id="277" r:id="rId20"/>
+    <p:sldId id="271" r:id="rId21"/>
   </p:sldIdLst>
   <p:sldSz cx="12192000" cy="6858000"/>
   <p:notesSz cx="6858000" cy="9144000"/>
@@ -130,6 +137,196 @@
 </p:presentation>
 </file>
 
+<file path=ppt/handoutMasters/handoutMaster1.xml><?xml version="1.0" encoding="utf-8"?>
+<p:handoutMaster xmlns:a="http://schemas.openxmlformats.org/drawingml/2006/main" xmlns:r="http://schemas.openxmlformats.org/officeDocument/2006/relationships" xmlns:p="http://schemas.openxmlformats.org/presentationml/2006/main">
+  <p:cSld>
+    <p:bg>
+      <p:bgRef idx="1001">
+        <a:schemeClr val="bg1"/>
+      </p:bgRef>
+    </p:bg>
+    <p:spTree>
+      <p:nvGrpSpPr>
+        <p:cNvPr id="1" name=""/>
+        <p:cNvGrpSpPr/>
+        <p:nvPr/>
+      </p:nvGrpSpPr>
+      <p:grpSpPr>
+        <a:xfrm>
+          <a:off x="0" y="0"/>
+          <a:ext cx="0" cy="0"/>
+          <a:chOff x="0" y="0"/>
+          <a:chExt cx="0" cy="0"/>
+        </a:xfrm>
+      </p:grpSpPr>
+      <p:sp>
+        <p:nvSpPr>
+          <p:cNvPr id="2" name="Header Placeholder 1">
+            <a:extLst>
+              <a:ext uri="{FF2B5EF4-FFF2-40B4-BE49-F238E27FC236}">
+                <a16:creationId xmlns:a16="http://schemas.microsoft.com/office/drawing/2014/main" id="{BBB18AFE-B4BF-074F-962D-A8CF8F150FBF}"/>
+              </a:ext>
+            </a:extLst>
+          </p:cNvPr>
+          <p:cNvSpPr>
+            <a:spLocks noGrp="1"/>
+          </p:cNvSpPr>
+          <p:nvPr>
+            <p:ph type="hdr" sz="quarter"/>
+          </p:nvPr>
+        </p:nvSpPr>
+        <p:spPr>
+          <a:xfrm>
+            <a:off x="0" y="0"/>
+            <a:ext cx="2971800" cy="458788"/>
+          </a:xfrm>
+          <a:prstGeom prst="rect">
+            <a:avLst/>
+          </a:prstGeom>
+        </p:spPr>
+        <p:txBody>
+          <a:bodyPr vert="horz" lIns="91440" tIns="45720" rIns="91440" bIns="45720" rtlCol="0"/>
+          <a:lstStyle>
+            <a:lvl1pPr algn="l">
+              <a:defRPr sz="1200"/>
+            </a:lvl1pPr>
+          </a:lstStyle>
+          <a:p>
+            <a:endParaRPr lang="en-US"/>
+          </a:p>
+        </p:txBody>
+      </p:sp>
+      <p:sp>
+        <p:nvSpPr>
+          <p:cNvPr id="3" name="Date Placeholder 2">
+            <a:extLst>
+              <a:ext uri="{FF2B5EF4-FFF2-40B4-BE49-F238E27FC236}">
+                <a16:creationId xmlns:a16="http://schemas.microsoft.com/office/drawing/2014/main" id="{CE866CDE-2DB9-D949-A89C-418B0A284F2F}"/>
+              </a:ext>
+            </a:extLst>
+          </p:cNvPr>
+          <p:cNvSpPr>
+            <a:spLocks noGrp="1"/>
+          </p:cNvSpPr>
+          <p:nvPr>
+            <p:ph type="dt" sz="quarter" idx="1"/>
+          </p:nvPr>
+        </p:nvSpPr>
+        <p:spPr>
+          <a:xfrm>
+            <a:off x="3884613" y="0"/>
+            <a:ext cx="2971800" cy="458788"/>
+          </a:xfrm>
+          <a:prstGeom prst="rect">
+            <a:avLst/>
+          </a:prstGeom>
+        </p:spPr>
+        <p:txBody>
+          <a:bodyPr vert="horz" lIns="91440" tIns="45720" rIns="91440" bIns="45720" rtlCol="0"/>
+          <a:lstStyle>
+            <a:lvl1pPr algn="r">
+              <a:defRPr sz="1200"/>
+            </a:lvl1pPr>
+          </a:lstStyle>
+          <a:p>
+            <a:fld id="{F6D0136C-3B4D-304A-B9BD-C4BE3327239D}" type="datetimeFigureOut">
+              <a:rPr lang="en-US" smtClean="0"/>
+              <a:t>9/12/22</a:t>
+            </a:fld>
+            <a:endParaRPr lang="en-US"/>
+          </a:p>
+        </p:txBody>
+      </p:sp>
+      <p:sp>
+        <p:nvSpPr>
+          <p:cNvPr id="4" name="Footer Placeholder 3">
+            <a:extLst>
+              <a:ext uri="{FF2B5EF4-FFF2-40B4-BE49-F238E27FC236}">
+                <a16:creationId xmlns:a16="http://schemas.microsoft.com/office/drawing/2014/main" id="{8E703C74-D9AC-F443-A800-88B3FDC57AE7}"/>
+              </a:ext>
+            </a:extLst>
+          </p:cNvPr>
+          <p:cNvSpPr>
+            <a:spLocks noGrp="1"/>
+          </p:cNvSpPr>
+          <p:nvPr>
+            <p:ph type="ftr" sz="quarter" idx="2"/>
+          </p:nvPr>
+        </p:nvSpPr>
+        <p:spPr>
+          <a:xfrm>
+            <a:off x="0" y="8685213"/>
+            <a:ext cx="2971800" cy="458787"/>
+          </a:xfrm>
+          <a:prstGeom prst="rect">
+            <a:avLst/>
+          </a:prstGeom>
+        </p:spPr>
+        <p:txBody>
+          <a:bodyPr vert="horz" lIns="91440" tIns="45720" rIns="91440" bIns="45720" rtlCol="0" anchor="b"/>
+          <a:lstStyle>
+            <a:lvl1pPr algn="l">
+              <a:defRPr sz="1200"/>
+            </a:lvl1pPr>
+          </a:lstStyle>
+          <a:p>
+            <a:endParaRPr lang="en-US"/>
+          </a:p>
+        </p:txBody>
+      </p:sp>
+      <p:sp>
+        <p:nvSpPr>
+          <p:cNvPr id="5" name="Slide Number Placeholder 4">
+            <a:extLst>
+              <a:ext uri="{FF2B5EF4-FFF2-40B4-BE49-F238E27FC236}">
+                <a16:creationId xmlns:a16="http://schemas.microsoft.com/office/drawing/2014/main" id="{8489B5FD-A713-7145-978C-E57DFF3C0B74}"/>
+              </a:ext>
+            </a:extLst>
+          </p:cNvPr>
+          <p:cNvSpPr>
+            <a:spLocks noGrp="1"/>
+          </p:cNvSpPr>
+          <p:nvPr>
+            <p:ph type="sldNum" sz="quarter" idx="3"/>
+          </p:nvPr>
+        </p:nvSpPr>
+        <p:spPr>
+          <a:xfrm>
+            <a:off x="3884613" y="8685213"/>
+            <a:ext cx="2971800" cy="458787"/>
+          </a:xfrm>
+          <a:prstGeom prst="rect">
+            <a:avLst/>
+          </a:prstGeom>
+        </p:spPr>
+        <p:txBody>
+          <a:bodyPr vert="horz" lIns="91440" tIns="45720" rIns="91440" bIns="45720" rtlCol="0" anchor="b"/>
+          <a:lstStyle>
+            <a:lvl1pPr algn="r">
+              <a:defRPr sz="1200"/>
+            </a:lvl1pPr>
+          </a:lstStyle>
+          <a:p>
+            <a:fld id="{BC7F01CB-8F8A-2042-B47C-5C42FA7CA645}" type="slidenum">
+              <a:rPr lang="en-US" smtClean="0"/>
+              <a:t>‹#›</a:t>
+            </a:fld>
+            <a:endParaRPr lang="en-US"/>
+          </a:p>
+        </p:txBody>
+      </p:sp>
+    </p:spTree>
+    <p:extLst>
+      <p:ext uri="{BB962C8B-B14F-4D97-AF65-F5344CB8AC3E}">
+        <p14:creationId xmlns:p14="http://schemas.microsoft.com/office/powerpoint/2010/main" val="1700112967"/>
+      </p:ext>
+    </p:extLst>
+  </p:cSld>
+  <p:clrMap bg1="lt1" tx1="dk1" bg2="lt2" tx2="dk2" accent1="accent1" accent2="accent2" accent3="accent3" accent4="accent4" accent5="accent5" accent6="accent6" hlink="hlink" folHlink="folHlink"/>
+  <p:hf sldNum="0" hdr="0" ftr="0" dt="0"/>
+</p:handoutMaster>
+</file>
+
 <file path=ppt/notesMasters/notesMaster1.xml><?xml version="1.0" encoding="utf-8"?>
 <p:notesMaster xmlns:a="http://schemas.openxmlformats.org/drawingml/2006/main" xmlns:r="http://schemas.openxmlformats.org/officeDocument/2006/relationships" xmlns:p="http://schemas.openxmlformats.org/presentationml/2006/main">
   <p:cSld>
@@ -212,7 +409,7 @@
           <a:p>
             <a:fld id="{2CD01EFD-C897-2F4F-A8C4-BBFE9586ADD6}" type="datetimeFigureOut">
               <a:rPr lang="en-GB" smtClean="0"/>
-              <a:t>24/08/2022</a:t>
+              <a:t>12/09/2022</a:t>
             </a:fld>
             <a:endParaRPr lang="en-GB"/>
           </a:p>
@@ -385,6 +582,7 @@
     </p:extLst>
   </p:cSld>
   <p:clrMap bg1="lt1" tx1="dk1" bg2="lt2" tx2="dk2" accent1="accent1" accent2="accent2" accent3="accent3" accent4="accent4" accent5="accent5" accent6="accent6" hlink="hlink" folHlink="folHlink"/>
+  <p:hf sldNum="0" hdr="0" ftr="0" dt="0"/>
   <p:notesStyle>
     <a:lvl1pPr marL="0" algn="l" defTabSz="914400" rtl="0" eaLnBrk="1" latinLnBrk="0" hangingPunct="1">
       <a:defRPr sz="1200" kern="1200">
@@ -532,29 +730,6 @@
           </a:p>
         </p:txBody>
       </p:sp>
-      <p:sp>
-        <p:nvSpPr>
-          <p:cNvPr id="4" name="Slide Number Placeholder 3"/>
-          <p:cNvSpPr>
-            <a:spLocks noGrp="1"/>
-          </p:cNvSpPr>
-          <p:nvPr>
-            <p:ph type="sldNum" sz="quarter" idx="5"/>
-          </p:nvPr>
-        </p:nvSpPr>
-        <p:spPr/>
-        <p:txBody>
-          <a:bodyPr/>
-          <a:lstStyle/>
-          <a:p>
-            <a:fld id="{D03B494D-EF55-ED4D-8344-BA5F1AFFB3B7}" type="slidenum">
-              <a:rPr lang="en-GB" smtClean="0"/>
-              <a:t>1</a:t>
-            </a:fld>
-            <a:endParaRPr lang="en-GB"/>
-          </a:p>
-        </p:txBody>
-      </p:sp>
     </p:spTree>
     <p:extLst>
       <p:ext uri="{BB962C8B-B14F-4D97-AF65-F5344CB8AC3E}">
@@ -646,29 +821,6 @@
           </a:p>
         </p:txBody>
       </p:sp>
-      <p:sp>
-        <p:nvSpPr>
-          <p:cNvPr id="4" name="Slide Number Placeholder 3"/>
-          <p:cNvSpPr>
-            <a:spLocks noGrp="1"/>
-          </p:cNvSpPr>
-          <p:nvPr>
-            <p:ph type="sldNum" sz="quarter" idx="5"/>
-          </p:nvPr>
-        </p:nvSpPr>
-        <p:spPr/>
-        <p:txBody>
-          <a:bodyPr/>
-          <a:lstStyle/>
-          <a:p>
-            <a:fld id="{D03B494D-EF55-ED4D-8344-BA5F1AFFB3B7}" type="slidenum">
-              <a:rPr lang="en-GB" smtClean="0"/>
-              <a:t>10</a:t>
-            </a:fld>
-            <a:endParaRPr lang="en-GB"/>
-          </a:p>
-        </p:txBody>
-      </p:sp>
     </p:spTree>
     <p:extLst>
       <p:ext uri="{BB962C8B-B14F-4D97-AF65-F5344CB8AC3E}">
@@ -764,29 +916,6 @@
           </a:p>
         </p:txBody>
       </p:sp>
-      <p:sp>
-        <p:nvSpPr>
-          <p:cNvPr id="4" name="Slide Number Placeholder 3"/>
-          <p:cNvSpPr>
-            <a:spLocks noGrp="1"/>
-          </p:cNvSpPr>
-          <p:nvPr>
-            <p:ph type="sldNum" sz="quarter" idx="5"/>
-          </p:nvPr>
-        </p:nvSpPr>
-        <p:spPr/>
-        <p:txBody>
-          <a:bodyPr/>
-          <a:lstStyle/>
-          <a:p>
-            <a:fld id="{D03B494D-EF55-ED4D-8344-BA5F1AFFB3B7}" type="slidenum">
-              <a:rPr lang="en-GB" smtClean="0"/>
-              <a:t>11</a:t>
-            </a:fld>
-            <a:endParaRPr lang="en-GB"/>
-          </a:p>
-        </p:txBody>
-      </p:sp>
     </p:spTree>
     <p:extLst>
       <p:ext uri="{BB962C8B-B14F-4D97-AF65-F5344CB8AC3E}">
@@ -850,7 +979,7 @@
             </a:pPr>
             <a:r>
               <a:rPr lang="en-GB" dirty="0"/>
-              <a:t>Here is how we solve the problem.</a:t>
+              <a:t>This is what we want. </a:t>
             </a:r>
           </a:p>
           <a:p>
@@ -860,39 +989,7 @@
             </a:pPr>
             <a:r>
               <a:rPr lang="en-GB" dirty="0"/>
-              <a:t>An intricate analysis protocol and diagnosis, that folds down into </a:t>
-            </a:r>
-            <a:r>
-              <a:rPr lang="en-GB" b="1" dirty="0"/>
-              <a:t>a </a:t>
-            </a:r>
-            <a:r>
-              <a:rPr lang="en-GB" b="1" i="1" dirty="0"/>
-              <a:t>simple</a:t>
-            </a:r>
-            <a:r>
-              <a:rPr lang="en-GB" b="1" dirty="0"/>
-              <a:t>, </a:t>
-            </a:r>
-            <a:r>
-              <a:rPr lang="en-GB" b="1" i="1" dirty="0"/>
-              <a:t>single</a:t>
-            </a:r>
-            <a:r>
-              <a:rPr lang="en-GB" b="1" dirty="0"/>
-              <a:t>, </a:t>
-            </a:r>
-            <a:r>
-              <a:rPr lang="en-GB" b="1" i="1" dirty="0"/>
-              <a:t>concise</a:t>
-            </a:r>
-            <a:r>
-              <a:rPr lang="en-GB" b="1" dirty="0"/>
-              <a:t> report</a:t>
-            </a:r>
-            <a:r>
-              <a:rPr lang="en-GB" dirty="0"/>
-              <a:t>. </a:t>
+              <a:t>Trust but verify.</a:t>
             </a:r>
           </a:p>
           <a:p>
@@ -902,17 +999,7 @@
             </a:pPr>
             <a:r>
               <a:rPr lang="en-GB" dirty="0"/>
-              <a:t>For any possible question, we can simply click what one we want to see.</a:t>
-            </a:r>
-          </a:p>
-          <a:p>
-            <a:pPr marL="171450" indent="-171450">
-              <a:buFont typeface="Arial" panose="020B0604020202020204" pitchFamily="34" charset="0"/>
-              <a:buChar char="•"/>
-            </a:pPr>
-            <a:r>
-              <a:rPr lang="en-GB" dirty="0"/>
-              <a:t>We are provided with all of the source material and methods to explain why it is the most reliable data.</a:t>
+              <a:t>For every discovery the sum of evidence and methods are only a touch away. </a:t>
             </a:r>
           </a:p>
           <a:p>
@@ -924,33 +1011,10 @@
           </a:p>
         </p:txBody>
       </p:sp>
-      <p:sp>
-        <p:nvSpPr>
-          <p:cNvPr id="4" name="Slide Number Placeholder 3"/>
-          <p:cNvSpPr>
-            <a:spLocks noGrp="1"/>
-          </p:cNvSpPr>
-          <p:nvPr>
-            <p:ph type="sldNum" sz="quarter" idx="5"/>
-          </p:nvPr>
-        </p:nvSpPr>
-        <p:spPr/>
-        <p:txBody>
-          <a:bodyPr/>
-          <a:lstStyle/>
-          <a:p>
-            <a:fld id="{D03B494D-EF55-ED4D-8344-BA5F1AFFB3B7}" type="slidenum">
-              <a:rPr lang="en-GB" smtClean="0"/>
-              <a:t>12</a:t>
-            </a:fld>
-            <a:endParaRPr lang="en-GB"/>
-          </a:p>
-        </p:txBody>
-      </p:sp>
     </p:spTree>
     <p:extLst>
       <p:ext uri="{BB962C8B-B14F-4D97-AF65-F5344CB8AC3E}">
-        <p14:creationId xmlns:p14="http://schemas.microsoft.com/office/powerpoint/2010/main" val="2657681991"/>
+        <p14:creationId xmlns:p14="http://schemas.microsoft.com/office/powerpoint/2010/main" val="3072923110"/>
       </p:ext>
     </p:extLst>
   </p:cSld>
@@ -1084,33 +1148,10 @@
           </a:p>
         </p:txBody>
       </p:sp>
-      <p:sp>
-        <p:nvSpPr>
-          <p:cNvPr id="4" name="Slide Number Placeholder 3"/>
-          <p:cNvSpPr>
-            <a:spLocks noGrp="1"/>
-          </p:cNvSpPr>
-          <p:nvPr>
-            <p:ph type="sldNum" sz="quarter" idx="5"/>
-          </p:nvPr>
-        </p:nvSpPr>
-        <p:spPr/>
-        <p:txBody>
-          <a:bodyPr/>
-          <a:lstStyle/>
-          <a:p>
-            <a:fld id="{D03B494D-EF55-ED4D-8344-BA5F1AFFB3B7}" type="slidenum">
-              <a:rPr lang="en-GB" smtClean="0"/>
-              <a:t>13</a:t>
-            </a:fld>
-            <a:endParaRPr lang="en-GB"/>
-          </a:p>
-        </p:txBody>
-      </p:sp>
     </p:spTree>
     <p:extLst>
       <p:ext uri="{BB962C8B-B14F-4D97-AF65-F5344CB8AC3E}">
-        <p14:creationId xmlns:p14="http://schemas.microsoft.com/office/powerpoint/2010/main" val="33986001"/>
+        <p14:creationId xmlns:p14="http://schemas.microsoft.com/office/powerpoint/2010/main" val="2657681991"/>
       </p:ext>
     </p:extLst>
   </p:cSld>
@@ -1164,37 +1205,90 @@
           <a:bodyPr/>
           <a:lstStyle/>
           <a:p>
+            <a:pPr marL="171450" indent="-171450">
+              <a:buFont typeface="Arial" panose="020B0604020202020204" pitchFamily="34" charset="0"/>
+              <a:buChar char="•"/>
+            </a:pPr>
+            <a:r>
+              <a:rPr lang="en-GB" dirty="0"/>
+              <a:t>Here is how we solve the problem.</a:t>
+            </a:r>
+          </a:p>
+          <a:p>
+            <a:pPr marL="171450" indent="-171450">
+              <a:buFont typeface="Arial" panose="020B0604020202020204" pitchFamily="34" charset="0"/>
+              <a:buChar char="•"/>
+            </a:pPr>
+            <a:r>
+              <a:rPr lang="en-GB" dirty="0"/>
+              <a:t>An intricate analysis protocol and diagnosis, that folds down into </a:t>
+            </a:r>
+            <a:r>
+              <a:rPr lang="en-GB" b="1" dirty="0"/>
+              <a:t>a </a:t>
+            </a:r>
+            <a:r>
+              <a:rPr lang="en-GB" b="1" i="1" dirty="0"/>
+              <a:t>simple</a:t>
+            </a:r>
+            <a:r>
+              <a:rPr lang="en-GB" b="1" dirty="0"/>
+              <a:t>, </a:t>
+            </a:r>
+            <a:r>
+              <a:rPr lang="en-GB" b="1" i="1" dirty="0"/>
+              <a:t>single</a:t>
+            </a:r>
+            <a:r>
+              <a:rPr lang="en-GB" b="1" dirty="0"/>
+              <a:t>, </a:t>
+            </a:r>
+            <a:r>
+              <a:rPr lang="en-GB" b="1" i="1" dirty="0"/>
+              <a:t>concise</a:t>
+            </a:r>
+            <a:r>
+              <a:rPr lang="en-GB" b="1" dirty="0"/>
+              <a:t> report</a:t>
+            </a:r>
+            <a:r>
+              <a:rPr lang="en-GB" dirty="0"/>
+              <a:t>. </a:t>
+            </a:r>
+          </a:p>
+          <a:p>
+            <a:pPr marL="171450" indent="-171450">
+              <a:buFont typeface="Arial" panose="020B0604020202020204" pitchFamily="34" charset="0"/>
+              <a:buChar char="•"/>
+            </a:pPr>
+            <a:r>
+              <a:rPr lang="en-GB" dirty="0"/>
+              <a:t>For any possible question, we can simply click what one we want to see.</a:t>
+            </a:r>
+          </a:p>
+          <a:p>
+            <a:pPr marL="171450" indent="-171450">
+              <a:buFont typeface="Arial" panose="020B0604020202020204" pitchFamily="34" charset="0"/>
+              <a:buChar char="•"/>
+            </a:pPr>
+            <a:r>
+              <a:rPr lang="en-GB" dirty="0"/>
+              <a:t>We are provided with all of the source material and methods to explain why it is the most reliable data.</a:t>
+            </a:r>
+          </a:p>
+          <a:p>
+            <a:pPr marL="171450" indent="-171450">
+              <a:buFont typeface="Arial" panose="020B0604020202020204" pitchFamily="34" charset="0"/>
+              <a:buChar char="•"/>
+            </a:pPr>
             <a:endParaRPr lang="en-GB" dirty="0"/>
-          </a:p>
-        </p:txBody>
-      </p:sp>
-      <p:sp>
-        <p:nvSpPr>
-          <p:cNvPr id="4" name="Slide Number Placeholder 3"/>
-          <p:cNvSpPr>
-            <a:spLocks noGrp="1"/>
-          </p:cNvSpPr>
-          <p:nvPr>
-            <p:ph type="sldNum" sz="quarter" idx="5"/>
-          </p:nvPr>
-        </p:nvSpPr>
-        <p:spPr/>
-        <p:txBody>
-          <a:bodyPr/>
-          <a:lstStyle/>
-          <a:p>
-            <a:fld id="{D03B494D-EF55-ED4D-8344-BA5F1AFFB3B7}" type="slidenum">
-              <a:rPr lang="en-GB" smtClean="0"/>
-              <a:t>14</a:t>
-            </a:fld>
-            <a:endParaRPr lang="en-GB"/>
           </a:p>
         </p:txBody>
       </p:sp>
     </p:spTree>
     <p:extLst>
       <p:ext uri="{BB962C8B-B14F-4D97-AF65-F5344CB8AC3E}">
-        <p14:creationId xmlns:p14="http://schemas.microsoft.com/office/powerpoint/2010/main" val="1572823843"/>
+        <p14:creationId xmlns:p14="http://schemas.microsoft.com/office/powerpoint/2010/main" val="33986001"/>
       </p:ext>
     </p:extLst>
   </p:cSld>
@@ -1252,33 +1346,10 @@
           </a:p>
         </p:txBody>
       </p:sp>
-      <p:sp>
-        <p:nvSpPr>
-          <p:cNvPr id="4" name="Slide Number Placeholder 3"/>
-          <p:cNvSpPr>
-            <a:spLocks noGrp="1"/>
-          </p:cNvSpPr>
-          <p:nvPr>
-            <p:ph type="sldNum" sz="quarter" idx="5"/>
-          </p:nvPr>
-        </p:nvSpPr>
-        <p:spPr/>
-        <p:txBody>
-          <a:bodyPr/>
-          <a:lstStyle/>
-          <a:p>
-            <a:fld id="{D03B494D-EF55-ED4D-8344-BA5F1AFFB3B7}" type="slidenum">
-              <a:rPr lang="en-GB" smtClean="0"/>
-              <a:t>15</a:t>
-            </a:fld>
-            <a:endParaRPr lang="en-GB"/>
-          </a:p>
-        </p:txBody>
-      </p:sp>
     </p:spTree>
     <p:extLst>
       <p:ext uri="{BB962C8B-B14F-4D97-AF65-F5344CB8AC3E}">
-        <p14:creationId xmlns:p14="http://schemas.microsoft.com/office/powerpoint/2010/main" val="2774947678"/>
+        <p14:creationId xmlns:p14="http://schemas.microsoft.com/office/powerpoint/2010/main" val="1572823843"/>
       </p:ext>
     </p:extLst>
   </p:cSld>
@@ -1332,43 +1403,205 @@
           <a:bodyPr/>
           <a:lstStyle/>
           <a:p>
-            <a:pPr marL="342900" indent="-342900">
-              <a:buFont typeface="Arial" panose="020B0604020202020204" pitchFamily="34" charset="0"/>
-              <a:buChar char="•"/>
-            </a:pPr>
-            <a:endParaRPr lang="en-GB" sz="2000" dirty="0"/>
-          </a:p>
-        </p:txBody>
-      </p:sp>
-      <p:sp>
-        <p:nvSpPr>
-          <p:cNvPr id="4" name="Slide Number Placeholder 3"/>
-          <p:cNvSpPr>
-            <a:spLocks noGrp="1"/>
-          </p:cNvSpPr>
-          <p:nvPr>
-            <p:ph type="sldNum" sz="quarter" idx="5"/>
-          </p:nvPr>
-        </p:nvSpPr>
-        <p:spPr/>
-        <p:txBody>
-          <a:bodyPr/>
-          <a:lstStyle/>
-          <a:p>
-            <a:fld id="{D03B494D-EF55-ED4D-8344-BA5F1AFFB3B7}" type="slidenum">
-              <a:rPr lang="en-GB" smtClean="0"/>
-              <a:t>16</a:t>
-            </a:fld>
-            <a:endParaRPr lang="en-GB"/>
+            <a:endParaRPr lang="en-GB" dirty="0"/>
           </a:p>
         </p:txBody>
       </p:sp>
     </p:spTree>
     <p:extLst>
       <p:ext uri="{BB962C8B-B14F-4D97-AF65-F5344CB8AC3E}">
-        <p14:creationId xmlns:p14="http://schemas.microsoft.com/office/powerpoint/2010/main" val="4214673098"/>
+        <p14:creationId xmlns:p14="http://schemas.microsoft.com/office/powerpoint/2010/main" val="1485393464"/>
       </p:ext>
     </p:extLst>
+  </p:cSld>
+  <p:clrMapOvr>
+    <a:masterClrMapping/>
+  </p:clrMapOvr>
+</p:notes>
+</file>
+
+<file path=ppt/notesSlides/notesSlide17.xml><?xml version="1.0" encoding="utf-8"?>
+<p:notes xmlns:a="http://schemas.openxmlformats.org/drawingml/2006/main" xmlns:r="http://schemas.openxmlformats.org/officeDocument/2006/relationships" xmlns:p="http://schemas.openxmlformats.org/presentationml/2006/main">
+  <p:cSld>
+    <p:spTree>
+      <p:nvGrpSpPr>
+        <p:cNvPr id="1" name=""/>
+        <p:cNvGrpSpPr/>
+        <p:nvPr/>
+      </p:nvGrpSpPr>
+      <p:grpSpPr>
+        <a:xfrm>
+          <a:off x="0" y="0"/>
+          <a:ext cx="0" cy="0"/>
+          <a:chOff x="0" y="0"/>
+          <a:chExt cx="0" cy="0"/>
+        </a:xfrm>
+      </p:grpSpPr>
+      <p:sp>
+        <p:nvSpPr>
+          <p:cNvPr id="2" name="Slide Image Placeholder 1"/>
+          <p:cNvSpPr>
+            <a:spLocks noGrp="1" noRot="1" noChangeAspect="1"/>
+          </p:cNvSpPr>
+          <p:nvPr>
+            <p:ph type="sldImg"/>
+          </p:nvPr>
+        </p:nvSpPr>
+        <p:spPr/>
+      </p:sp>
+      <p:sp>
+        <p:nvSpPr>
+          <p:cNvPr id="3" name="Notes Placeholder 2"/>
+          <p:cNvSpPr>
+            <a:spLocks noGrp="1"/>
+          </p:cNvSpPr>
+          <p:nvPr>
+            <p:ph type="body" idx="1"/>
+          </p:nvPr>
+        </p:nvSpPr>
+        <p:spPr/>
+        <p:txBody>
+          <a:bodyPr/>
+          <a:lstStyle/>
+          <a:p>
+            <a:endParaRPr lang="en-GB" dirty="0"/>
+          </a:p>
+        </p:txBody>
+      </p:sp>
+    </p:spTree>
+    <p:extLst>
+      <p:ext uri="{BB962C8B-B14F-4D97-AF65-F5344CB8AC3E}">
+        <p14:creationId xmlns:p14="http://schemas.microsoft.com/office/powerpoint/2010/main" val="2774947678"/>
+      </p:ext>
+    </p:extLst>
+  </p:cSld>
+  <p:clrMapOvr>
+    <a:masterClrMapping/>
+  </p:clrMapOvr>
+</p:notes>
+</file>
+
+<file path=ppt/notesSlides/notesSlide18.xml><?xml version="1.0" encoding="utf-8"?>
+<p:notes xmlns:a="http://schemas.openxmlformats.org/drawingml/2006/main" xmlns:r="http://schemas.openxmlformats.org/officeDocument/2006/relationships" xmlns:p="http://schemas.openxmlformats.org/presentationml/2006/main">
+  <p:cSld>
+    <p:spTree>
+      <p:nvGrpSpPr>
+        <p:cNvPr id="1" name=""/>
+        <p:cNvGrpSpPr/>
+        <p:nvPr/>
+      </p:nvGrpSpPr>
+      <p:grpSpPr>
+        <a:xfrm>
+          <a:off x="0" y="0"/>
+          <a:ext cx="0" cy="0"/>
+          <a:chOff x="0" y="0"/>
+          <a:chExt cx="0" cy="0"/>
+        </a:xfrm>
+      </p:grpSpPr>
+      <p:sp>
+        <p:nvSpPr>
+          <p:cNvPr id="2" name="Slide Image Placeholder 1"/>
+          <p:cNvSpPr>
+            <a:spLocks noGrp="1" noRot="1" noChangeAspect="1"/>
+          </p:cNvSpPr>
+          <p:nvPr>
+            <p:ph type="sldImg"/>
+          </p:nvPr>
+        </p:nvSpPr>
+        <p:spPr/>
+      </p:sp>
+      <p:sp>
+        <p:nvSpPr>
+          <p:cNvPr id="3" name="Notes Placeholder 2"/>
+          <p:cNvSpPr>
+            <a:spLocks noGrp="1"/>
+          </p:cNvSpPr>
+          <p:nvPr>
+            <p:ph type="body" idx="1"/>
+          </p:nvPr>
+        </p:nvSpPr>
+        <p:spPr/>
+        <p:txBody>
+          <a:bodyPr/>
+          <a:lstStyle/>
+          <a:p>
+            <a:endParaRPr lang="en-GB" dirty="0"/>
+          </a:p>
+        </p:txBody>
+      </p:sp>
+    </p:spTree>
+    <p:extLst>
+      <p:ext uri="{BB962C8B-B14F-4D97-AF65-F5344CB8AC3E}">
+        <p14:creationId xmlns:p14="http://schemas.microsoft.com/office/powerpoint/2010/main" val="4081262812"/>
+      </p:ext>
+    </p:extLst>
+  </p:cSld>
+  <p:clrMapOvr>
+    <a:masterClrMapping/>
+  </p:clrMapOvr>
+</p:notes>
+</file>
+
+<file path=ppt/notesSlides/notesSlide19.xml><?xml version="1.0" encoding="utf-8"?>
+<p:notes xmlns:a="http://schemas.openxmlformats.org/drawingml/2006/main" xmlns:r="http://schemas.openxmlformats.org/officeDocument/2006/relationships" xmlns:p="http://schemas.openxmlformats.org/presentationml/2006/main">
+  <p:cSld>
+    <p:spTree>
+      <p:nvGrpSpPr>
+        <p:cNvPr id="1" name=""/>
+        <p:cNvGrpSpPr/>
+        <p:nvPr/>
+      </p:nvGrpSpPr>
+      <p:grpSpPr>
+        <a:xfrm>
+          <a:off x="0" y="0"/>
+          <a:ext cx="0" cy="0"/>
+          <a:chOff x="0" y="0"/>
+          <a:chExt cx="0" cy="0"/>
+        </a:xfrm>
+      </p:grpSpPr>
+      <p:sp>
+        <p:nvSpPr>
+          <p:cNvPr id="2" name="Notes Placeholder 1">
+            <a:extLst>
+              <a:ext uri="{FF2B5EF4-FFF2-40B4-BE49-F238E27FC236}">
+                <a16:creationId xmlns:a16="http://schemas.microsoft.com/office/drawing/2014/main" id="{7EB1D1F9-4244-7A49-AFCD-F08028C8B236}"/>
+              </a:ext>
+            </a:extLst>
+          </p:cNvPr>
+          <p:cNvSpPr>
+            <a:spLocks noGrp="1"/>
+          </p:cNvSpPr>
+          <p:nvPr>
+            <p:ph type="body" idx="1"/>
+          </p:nvPr>
+        </p:nvSpPr>
+        <p:spPr/>
+        <p:txBody>
+          <a:bodyPr/>
+          <a:lstStyle/>
+          <a:p>
+            <a:r>
+              <a:rPr lang="en-US" dirty="0"/>
+              <a:t>The current best practices are extremely poor</a:t>
+            </a:r>
+          </a:p>
+          <a:p>
+            <a:r>
+              <a:rPr lang="en-US" dirty="0"/>
+              <a:t>https://</a:t>
+            </a:r>
+            <a:r>
+              <a:rPr lang="en-US" dirty="0" err="1"/>
+              <a:t>www.nature.com</a:t>
+            </a:r>
+            <a:r>
+              <a:rPr lang="en-US" dirty="0"/>
+              <a:t>/articles/s41431-020-0579-y</a:t>
+            </a:r>
+          </a:p>
+        </p:txBody>
+      </p:sp>
+    </p:spTree>
   </p:cSld>
   <p:clrMapOvr>
     <a:masterClrMapping/>
@@ -1444,33 +1677,75 @@
           </a:p>
         </p:txBody>
       </p:sp>
-      <p:sp>
-        <p:nvSpPr>
-          <p:cNvPr id="4" name="Slide Number Placeholder 3"/>
-          <p:cNvSpPr>
-            <a:spLocks noGrp="1"/>
-          </p:cNvSpPr>
-          <p:nvPr>
-            <p:ph type="sldNum" sz="quarter" idx="5"/>
-          </p:nvPr>
-        </p:nvSpPr>
-        <p:spPr/>
-        <p:txBody>
-          <a:bodyPr/>
-          <a:lstStyle/>
-          <a:p>
-            <a:fld id="{D03B494D-EF55-ED4D-8344-BA5F1AFFB3B7}" type="slidenum">
-              <a:rPr lang="en-GB" smtClean="0"/>
-              <a:t>2</a:t>
-            </a:fld>
-            <a:endParaRPr lang="en-GB"/>
-          </a:p>
-        </p:txBody>
-      </p:sp>
     </p:spTree>
     <p:extLst>
       <p:ext uri="{BB962C8B-B14F-4D97-AF65-F5344CB8AC3E}">
         <p14:creationId xmlns:p14="http://schemas.microsoft.com/office/powerpoint/2010/main" val="384228086"/>
+      </p:ext>
+    </p:extLst>
+  </p:cSld>
+  <p:clrMapOvr>
+    <a:masterClrMapping/>
+  </p:clrMapOvr>
+</p:notes>
+</file>
+
+<file path=ppt/notesSlides/notesSlide20.xml><?xml version="1.0" encoding="utf-8"?>
+<p:notes xmlns:a="http://schemas.openxmlformats.org/drawingml/2006/main" xmlns:r="http://schemas.openxmlformats.org/officeDocument/2006/relationships" xmlns:p="http://schemas.openxmlformats.org/presentationml/2006/main">
+  <p:cSld>
+    <p:spTree>
+      <p:nvGrpSpPr>
+        <p:cNvPr id="1" name=""/>
+        <p:cNvGrpSpPr/>
+        <p:nvPr/>
+      </p:nvGrpSpPr>
+      <p:grpSpPr>
+        <a:xfrm>
+          <a:off x="0" y="0"/>
+          <a:ext cx="0" cy="0"/>
+          <a:chOff x="0" y="0"/>
+          <a:chExt cx="0" cy="0"/>
+        </a:xfrm>
+      </p:grpSpPr>
+      <p:sp>
+        <p:nvSpPr>
+          <p:cNvPr id="2" name="Slide Image Placeholder 1"/>
+          <p:cNvSpPr>
+            <a:spLocks noGrp="1" noRot="1" noChangeAspect="1"/>
+          </p:cNvSpPr>
+          <p:nvPr>
+            <p:ph type="sldImg"/>
+          </p:nvPr>
+        </p:nvSpPr>
+        <p:spPr/>
+      </p:sp>
+      <p:sp>
+        <p:nvSpPr>
+          <p:cNvPr id="3" name="Notes Placeholder 2"/>
+          <p:cNvSpPr>
+            <a:spLocks noGrp="1"/>
+          </p:cNvSpPr>
+          <p:nvPr>
+            <p:ph type="body" idx="1"/>
+          </p:nvPr>
+        </p:nvSpPr>
+        <p:spPr/>
+        <p:txBody>
+          <a:bodyPr/>
+          <a:lstStyle/>
+          <a:p>
+            <a:pPr marL="342900" indent="-342900">
+              <a:buFont typeface="Arial" panose="020B0604020202020204" pitchFamily="34" charset="0"/>
+              <a:buChar char="•"/>
+            </a:pPr>
+            <a:endParaRPr lang="en-GB" sz="2000" dirty="0"/>
+          </a:p>
+        </p:txBody>
+      </p:sp>
+    </p:spTree>
+    <p:extLst>
+      <p:ext uri="{BB962C8B-B14F-4D97-AF65-F5344CB8AC3E}">
+        <p14:creationId xmlns:p14="http://schemas.microsoft.com/office/powerpoint/2010/main" val="4214673098"/>
       </p:ext>
     </p:extLst>
   </p:cSld>
@@ -1545,29 +1820,6 @@
           </a:p>
           <a:p>
             <a:endParaRPr lang="en-GB" sz="2000" dirty="0"/>
-          </a:p>
-        </p:txBody>
-      </p:sp>
-      <p:sp>
-        <p:nvSpPr>
-          <p:cNvPr id="4" name="Slide Number Placeholder 3"/>
-          <p:cNvSpPr>
-            <a:spLocks noGrp="1"/>
-          </p:cNvSpPr>
-          <p:nvPr>
-            <p:ph type="sldNum" sz="quarter" idx="5"/>
-          </p:nvPr>
-        </p:nvSpPr>
-        <p:spPr/>
-        <p:txBody>
-          <a:bodyPr/>
-          <a:lstStyle/>
-          <a:p>
-            <a:fld id="{D03B494D-EF55-ED4D-8344-BA5F1AFFB3B7}" type="slidenum">
-              <a:rPr lang="en-GB" smtClean="0"/>
-              <a:t>3</a:t>
-            </a:fld>
-            <a:endParaRPr lang="en-GB"/>
           </a:p>
         </p:txBody>
       </p:sp>
@@ -1676,29 +1928,6 @@
           </a:p>
         </p:txBody>
       </p:sp>
-      <p:sp>
-        <p:nvSpPr>
-          <p:cNvPr id="4" name="Slide Number Placeholder 3"/>
-          <p:cNvSpPr>
-            <a:spLocks noGrp="1"/>
-          </p:cNvSpPr>
-          <p:nvPr>
-            <p:ph type="sldNum" sz="quarter" idx="5"/>
-          </p:nvPr>
-        </p:nvSpPr>
-        <p:spPr/>
-        <p:txBody>
-          <a:bodyPr/>
-          <a:lstStyle/>
-          <a:p>
-            <a:fld id="{D03B494D-EF55-ED4D-8344-BA5F1AFFB3B7}" type="slidenum">
-              <a:rPr lang="en-GB" smtClean="0"/>
-              <a:t>4</a:t>
-            </a:fld>
-            <a:endParaRPr lang="en-GB"/>
-          </a:p>
-        </p:txBody>
-      </p:sp>
     </p:spTree>
     <p:extLst>
       <p:ext uri="{BB962C8B-B14F-4D97-AF65-F5344CB8AC3E}">
@@ -1838,29 +2067,6 @@
           </a:p>
         </p:txBody>
       </p:sp>
-      <p:sp>
-        <p:nvSpPr>
-          <p:cNvPr id="4" name="Slide Number Placeholder 3"/>
-          <p:cNvSpPr>
-            <a:spLocks noGrp="1"/>
-          </p:cNvSpPr>
-          <p:nvPr>
-            <p:ph type="sldNum" sz="quarter" idx="5"/>
-          </p:nvPr>
-        </p:nvSpPr>
-        <p:spPr/>
-        <p:txBody>
-          <a:bodyPr/>
-          <a:lstStyle/>
-          <a:p>
-            <a:fld id="{D03B494D-EF55-ED4D-8344-BA5F1AFFB3B7}" type="slidenum">
-              <a:rPr lang="en-GB" smtClean="0"/>
-              <a:t>5</a:t>
-            </a:fld>
-            <a:endParaRPr lang="en-GB"/>
-          </a:p>
-        </p:txBody>
-      </p:sp>
     </p:spTree>
     <p:extLst>
       <p:ext uri="{BB962C8B-B14F-4D97-AF65-F5344CB8AC3E}">
@@ -1924,15 +2130,7 @@
             </a:pPr>
             <a:r>
               <a:rPr lang="en-GB" dirty="0"/>
-              <a:t>Now </a:t>
-            </a:r>
-            <a:r>
-              <a:rPr lang="en-GB" i="1" dirty="0"/>
-              <a:t>we</a:t>
-            </a:r>
-            <a:r>
-              <a:rPr lang="en-GB" dirty="0"/>
-              <a:t> are guilty of an appear to authority on this slide; </a:t>
+              <a:t>These are the statements that can be made by a doctor today. </a:t>
             </a:r>
           </a:p>
           <a:p>
@@ -1942,68 +2140,7 @@
             </a:pPr>
             <a:r>
               <a:rPr lang="en-GB" dirty="0"/>
-              <a:t>Michael Jordan </a:t>
-            </a:r>
-            <a:r>
-              <a:rPr lang="en-US" sz="1200" b="0" i="0" u="none" strike="noStrike" kern="1200" dirty="0">
-                <a:solidFill>
-                  <a:schemeClr val="tx1"/>
-                </a:solidFill>
-                <a:effectLst/>
-                <a:latin typeface="+mn-lt"/>
-                <a:ea typeface="+mn-ea"/>
-                <a:cs typeface="+mn-cs"/>
-              </a:rPr>
-              <a:t> is one of the world's leading authorities on machine learning. In 2016 he was ranked as the</a:t>
-            </a:r>
-            <a:r>
-              <a:rPr lang="en-US" sz="1200" b="0" i="0" u="sng" kern="1200" dirty="0">
-                <a:solidFill>
-                  <a:schemeClr val="tx1"/>
-                </a:solidFill>
-                <a:effectLst/>
-                <a:latin typeface="+mn-lt"/>
-                <a:ea typeface="+mn-ea"/>
-                <a:cs typeface="+mn-cs"/>
-                <a:hlinkClick r:id="rId3"/>
-              </a:rPr>
-              <a:t> most influential computer scientist</a:t>
-            </a:r>
-            <a:r>
-              <a:rPr lang="en-US" sz="1200" b="0" i="0" u="none" strike="noStrike" kern="1200" dirty="0">
-                <a:solidFill>
-                  <a:schemeClr val="tx1"/>
-                </a:solidFill>
-                <a:effectLst/>
-                <a:latin typeface="+mn-lt"/>
-                <a:ea typeface="+mn-ea"/>
-                <a:cs typeface="+mn-cs"/>
-              </a:rPr>
-              <a:t> by a program that analyzed research publications, </a:t>
-            </a:r>
-            <a:r>
-              <a:rPr lang="en-US" sz="1200" b="0" i="1" u="none" strike="noStrike" kern="1200" dirty="0">
-                <a:solidFill>
-                  <a:schemeClr val="tx1"/>
-                </a:solidFill>
-                <a:effectLst/>
-                <a:latin typeface="+mn-lt"/>
-                <a:ea typeface="+mn-ea"/>
-                <a:cs typeface="+mn-cs"/>
-              </a:rPr>
-              <a:t>Science</a:t>
-            </a:r>
-            <a:r>
-              <a:rPr lang="en-US" sz="1200" b="0" i="0" u="none" strike="noStrike" kern="1200" dirty="0">
-                <a:solidFill>
-                  <a:schemeClr val="tx1"/>
-                </a:solidFill>
-                <a:effectLst/>
-                <a:latin typeface="+mn-lt"/>
-                <a:ea typeface="+mn-ea"/>
-                <a:cs typeface="+mn-cs"/>
-              </a:rPr>
-              <a:t> reported, and produces some of the most import tools in this field.</a:t>
+              <a:t>Generally, the evidence supporting each claim exists and no opposing evidence is found to argue against the fact.</a:t>
             </a:r>
           </a:p>
           <a:p>
@@ -2012,146 +2149,16 @@
               <a:buChar char="•"/>
             </a:pPr>
             <a:r>
-              <a:rPr lang="en-US" sz="1200" b="0" i="0" u="none" strike="noStrike" kern="1200" dirty="0">
-                <a:solidFill>
-                  <a:schemeClr val="tx1"/>
-                </a:solidFill>
-                <a:effectLst/>
-                <a:latin typeface="+mn-lt"/>
-                <a:ea typeface="+mn-ea"/>
-                <a:cs typeface="+mn-cs"/>
-              </a:rPr>
-              <a:t>“Computers have not become intelligent per se, but they have provided capabilities that augment human intelligence, he writes. Moreover, they have excelled at low-level pattern-recognition capabilities that could be performed in principle by humans but at great cost.”</a:t>
-            </a:r>
-          </a:p>
-          <a:p>
-            <a:pPr marL="171450" indent="-171450">
-              <a:buFont typeface="Arial" panose="020B0604020202020204" pitchFamily="34" charset="0"/>
-              <a:buChar char="•"/>
-            </a:pPr>
-            <a:endParaRPr lang="en-GB" dirty="0"/>
-          </a:p>
-          <a:p>
-            <a:pPr marL="171450" indent="-171450">
-              <a:buFont typeface="Arial" panose="020B0604020202020204" pitchFamily="34" charset="0"/>
-              <a:buChar char="•"/>
-            </a:pPr>
-            <a:r>
               <a:rPr lang="en-GB" dirty="0"/>
-              <a:t>Most of the time when you hear AI, what the sales-person really means is machine learning. </a:t>
-            </a:r>
-          </a:p>
-          <a:p>
-            <a:pPr marL="171450" indent="-171450">
-              <a:buFont typeface="Arial" panose="020B0604020202020204" pitchFamily="34" charset="0"/>
-              <a:buChar char="•"/>
-            </a:pPr>
-            <a:r>
-              <a:rPr lang="en-GB" dirty="0"/>
-              <a:t>And very often the algorithm is a simple linear regression:</a:t>
-            </a:r>
-          </a:p>
-          <a:p>
-            <a:pPr marL="171450" indent="-171450">
-              <a:buFont typeface="Arial" panose="020B0604020202020204" pitchFamily="34" charset="0"/>
-              <a:buChar char="•"/>
-            </a:pPr>
-            <a:r>
-              <a:rPr lang="en-GB" dirty="0"/>
-              <a:t>100 people in a </a:t>
-            </a:r>
-            <a:r>
-              <a:rPr lang="en-GB" i="1" dirty="0"/>
-              <a:t>low</a:t>
-            </a:r>
-            <a:r>
-              <a:rPr lang="en-GB" dirty="0"/>
-              <a:t> salary range have a </a:t>
-            </a:r>
-            <a:r>
-              <a:rPr lang="en-GB" i="1" dirty="0"/>
-              <a:t>big</a:t>
-            </a:r>
-            <a:r>
-              <a:rPr lang="en-GB" dirty="0"/>
-              <a:t> home but</a:t>
-            </a:r>
-          </a:p>
-          <a:p>
-            <a:pPr marL="171450" indent="-171450">
-              <a:buFont typeface="Arial" panose="020B0604020202020204" pitchFamily="34" charset="0"/>
-              <a:buChar char="•"/>
-            </a:pPr>
-            <a:r>
-              <a:rPr lang="en-GB" dirty="0"/>
-              <a:t>100 people in a </a:t>
-            </a:r>
-            <a:r>
-              <a:rPr lang="en-GB" i="1" dirty="0"/>
-              <a:t>higher</a:t>
-            </a:r>
-            <a:r>
-              <a:rPr lang="en-GB" dirty="0"/>
-              <a:t> salary range have a </a:t>
-            </a:r>
-            <a:r>
-              <a:rPr lang="en-GB" i="1" dirty="0"/>
-              <a:t>small</a:t>
-            </a:r>
-            <a:r>
-              <a:rPr lang="en-GB" dirty="0"/>
-              <a:t> home. </a:t>
-            </a:r>
-          </a:p>
-          <a:p>
-            <a:pPr marL="171450" indent="-171450">
-              <a:buFont typeface="Arial" panose="020B0604020202020204" pitchFamily="34" charset="0"/>
-              <a:buChar char="•"/>
-            </a:pPr>
-            <a:r>
-              <a:rPr lang="en-GB" dirty="0"/>
-              <a:t>The same is true in medicine; sometimes the correlation between cause and effect are very simple. </a:t>
-            </a:r>
-          </a:p>
-          <a:p>
-            <a:pPr marL="171450" indent="-171450">
-              <a:buFont typeface="Arial" panose="020B0604020202020204" pitchFamily="34" charset="0"/>
-              <a:buChar char="•"/>
-            </a:pPr>
-            <a:r>
-              <a:rPr lang="en-GB" dirty="0"/>
-              <a:t>Other times there can be far too many minor causal contributors and the analysis algorithms become more sophisticated.</a:t>
-            </a:r>
-          </a:p>
-        </p:txBody>
-      </p:sp>
-      <p:sp>
-        <p:nvSpPr>
-          <p:cNvPr id="4" name="Slide Number Placeholder 3"/>
-          <p:cNvSpPr>
-            <a:spLocks noGrp="1"/>
-          </p:cNvSpPr>
-          <p:nvPr>
-            <p:ph type="sldNum" sz="quarter" idx="5"/>
-          </p:nvPr>
-        </p:nvSpPr>
-        <p:spPr/>
-        <p:txBody>
-          <a:bodyPr/>
-          <a:lstStyle/>
-          <a:p>
-            <a:fld id="{D03B494D-EF55-ED4D-8344-BA5F1AFFB3B7}" type="slidenum">
-              <a:rPr lang="en-GB" smtClean="0"/>
-              <a:t>6</a:t>
-            </a:fld>
-            <a:endParaRPr lang="en-GB"/>
+              <a:t>However, today the evidence-reporting chain is poorly standardised and unreliable.</a:t>
+            </a:r>
           </a:p>
         </p:txBody>
       </p:sp>
     </p:spTree>
     <p:extLst>
       <p:ext uri="{BB962C8B-B14F-4D97-AF65-F5344CB8AC3E}">
-        <p14:creationId xmlns:p14="http://schemas.microsoft.com/office/powerpoint/2010/main" val="3405917574"/>
+        <p14:creationId xmlns:p14="http://schemas.microsoft.com/office/powerpoint/2010/main" val="2188868189"/>
       </p:ext>
     </p:extLst>
   </p:cSld>
@@ -2236,33 +2243,10 @@
           </a:p>
         </p:txBody>
       </p:sp>
-      <p:sp>
-        <p:nvSpPr>
-          <p:cNvPr id="4" name="Slide Number Placeholder 3"/>
-          <p:cNvSpPr>
-            <a:spLocks noGrp="1"/>
-          </p:cNvSpPr>
-          <p:nvPr>
-            <p:ph type="sldNum" sz="quarter" idx="5"/>
-          </p:nvPr>
-        </p:nvSpPr>
-        <p:spPr/>
-        <p:txBody>
-          <a:bodyPr/>
-          <a:lstStyle/>
-          <a:p>
-            <a:fld id="{D03B494D-EF55-ED4D-8344-BA5F1AFFB3B7}" type="slidenum">
-              <a:rPr lang="en-GB" smtClean="0"/>
-              <a:t>7</a:t>
-            </a:fld>
-            <a:endParaRPr lang="en-GB"/>
-          </a:p>
-        </p:txBody>
-      </p:sp>
     </p:spTree>
     <p:extLst>
       <p:ext uri="{BB962C8B-B14F-4D97-AF65-F5344CB8AC3E}">
-        <p14:creationId xmlns:p14="http://schemas.microsoft.com/office/powerpoint/2010/main" val="2188868189"/>
+        <p14:creationId xmlns:p14="http://schemas.microsoft.com/office/powerpoint/2010/main" val="2980644362"/>
       </p:ext>
     </p:extLst>
   </p:cSld>
@@ -2341,29 +2325,6 @@
               <a:buChar char="•"/>
             </a:pPr>
             <a:endParaRPr lang="en-GB" dirty="0"/>
-          </a:p>
-        </p:txBody>
-      </p:sp>
-      <p:sp>
-        <p:nvSpPr>
-          <p:cNvPr id="4" name="Slide Number Placeholder 3"/>
-          <p:cNvSpPr>
-            <a:spLocks noGrp="1"/>
-          </p:cNvSpPr>
-          <p:nvPr>
-            <p:ph type="sldNum" sz="quarter" idx="5"/>
-          </p:nvPr>
-        </p:nvSpPr>
-        <p:spPr/>
-        <p:txBody>
-          <a:bodyPr/>
-          <a:lstStyle/>
-          <a:p>
-            <a:fld id="{D03B494D-EF55-ED4D-8344-BA5F1AFFB3B7}" type="slidenum">
-              <a:rPr lang="en-GB" smtClean="0"/>
-              <a:t>8</a:t>
-            </a:fld>
-            <a:endParaRPr lang="en-GB"/>
           </a:p>
         </p:txBody>
       </p:sp>
@@ -2452,29 +2413,6 @@
               <a:rPr lang="en-GB" dirty="0"/>
               <a:t>For every discovery the sum of evidence and methods are only a touch away. </a:t>
             </a:r>
-          </a:p>
-        </p:txBody>
-      </p:sp>
-      <p:sp>
-        <p:nvSpPr>
-          <p:cNvPr id="4" name="Slide Number Placeholder 3"/>
-          <p:cNvSpPr>
-            <a:spLocks noGrp="1"/>
-          </p:cNvSpPr>
-          <p:nvPr>
-            <p:ph type="sldNum" sz="quarter" idx="5"/>
-          </p:nvPr>
-        </p:nvSpPr>
-        <p:spPr/>
-        <p:txBody>
-          <a:bodyPr/>
-          <a:lstStyle/>
-          <a:p>
-            <a:fld id="{D03B494D-EF55-ED4D-8344-BA5F1AFFB3B7}" type="slidenum">
-              <a:rPr lang="en-GB" smtClean="0"/>
-              <a:t>9</a:t>
-            </a:fld>
-            <a:endParaRPr lang="en-GB"/>
           </a:p>
         </p:txBody>
       </p:sp>
@@ -2619,10 +2557,10 @@
       </p:sp>
       <p:sp>
         <p:nvSpPr>
-          <p:cNvPr id="4" name="Date Placeholder 3">
+          <p:cNvPr id="7" name="Date Placeholder 6">
             <a:extLst>
               <a:ext uri="{FF2B5EF4-FFF2-40B4-BE49-F238E27FC236}">
-                <a16:creationId xmlns:a16="http://schemas.microsoft.com/office/drawing/2014/main" id="{26E5BE0F-3C1A-2F43-B25A-3E41E1CFBBDC}"/>
+                <a16:creationId xmlns:a16="http://schemas.microsoft.com/office/drawing/2014/main" id="{21554E68-ED22-F942-B2D5-CCC5B23C4ECB}"/>
               </a:ext>
             </a:extLst>
           </p:cNvPr>
@@ -2638,9 +2576,9 @@
           <a:bodyPr/>
           <a:lstStyle/>
           <a:p>
-            <a:fld id="{44F1775B-48C8-5541-8AC4-CC7C20C09602}" type="datetimeFigureOut">
-              <a:rPr lang="en-GB" smtClean="0"/>
-              <a:t>24/08/2022</a:t>
+            <a:fld id="{6EF2A3D3-9FC1-CA4E-A19E-833A4D428016}" type="datetime1">
+              <a:rPr lang="en-US" smtClean="0"/>
+              <a:t>9/12/22</a:t>
             </a:fld>
             <a:endParaRPr lang="en-GB"/>
           </a:p>
@@ -2648,10 +2586,10 @@
       </p:sp>
       <p:sp>
         <p:nvSpPr>
-          <p:cNvPr id="5" name="Footer Placeholder 4">
+          <p:cNvPr id="8" name="Footer Placeholder 7">
             <a:extLst>
               <a:ext uri="{FF2B5EF4-FFF2-40B4-BE49-F238E27FC236}">
-                <a16:creationId xmlns:a16="http://schemas.microsoft.com/office/drawing/2014/main" id="{800C6FA7-7FE9-0447-A68D-DE961B89B92F}"/>
+                <a16:creationId xmlns:a16="http://schemas.microsoft.com/office/drawing/2014/main" id="{C2C3550C-B5D2-DB4A-9D74-67F5CD31613A}"/>
               </a:ext>
             </a:extLst>
           </p:cNvPr>
@@ -2673,10 +2611,10 @@
       </p:sp>
       <p:sp>
         <p:nvSpPr>
-          <p:cNvPr id="6" name="Slide Number Placeholder 5">
+          <p:cNvPr id="9" name="Slide Number Placeholder 8">
             <a:extLst>
               <a:ext uri="{FF2B5EF4-FFF2-40B4-BE49-F238E27FC236}">
-                <a16:creationId xmlns:a16="http://schemas.microsoft.com/office/drawing/2014/main" id="{E8CFA8DC-1C26-C846-910D-51EDA8245C2E}"/>
+                <a16:creationId xmlns:a16="http://schemas.microsoft.com/office/drawing/2014/main" id="{654FF457-6514-1743-B763-8978F844E02B}"/>
               </a:ext>
             </a:extLst>
           </p:cNvPr>
@@ -2696,7 +2634,11 @@
               <a:rPr lang="en-GB" smtClean="0"/>
               <a:t>‹#›</a:t>
             </a:fld>
-            <a:endParaRPr lang="en-GB"/>
+            <a:r>
+              <a:rPr lang="en-GB"/>
+              <a:t> of 20</a:t>
+            </a:r>
+            <a:endParaRPr lang="en-GB" dirty="0"/>
           </a:p>
         </p:txBody>
       </p:sp>
@@ -2838,9 +2780,9 @@
           <a:bodyPr/>
           <a:lstStyle/>
           <a:p>
-            <a:fld id="{44F1775B-48C8-5541-8AC4-CC7C20C09602}" type="datetimeFigureOut">
-              <a:rPr lang="en-GB" smtClean="0"/>
-              <a:t>24/08/2022</a:t>
+            <a:fld id="{3EFA1294-C82A-E047-B451-2D8E0870C302}" type="datetime1">
+              <a:rPr lang="en-US" smtClean="0"/>
+              <a:t>9/12/22</a:t>
             </a:fld>
             <a:endParaRPr lang="en-GB"/>
           </a:p>
@@ -3048,9 +2990,9 @@
           <a:bodyPr/>
           <a:lstStyle/>
           <a:p>
-            <a:fld id="{44F1775B-48C8-5541-8AC4-CC7C20C09602}" type="datetimeFigureOut">
-              <a:rPr lang="en-GB" smtClean="0"/>
-              <a:t>24/08/2022</a:t>
+            <a:fld id="{0AA695E9-C8BE-8546-B411-8202C35AA0E0}" type="datetime1">
+              <a:rPr lang="en-US" smtClean="0"/>
+              <a:t>9/12/22</a:t>
             </a:fld>
             <a:endParaRPr lang="en-GB"/>
           </a:p>
@@ -3229,10 +3171,10 @@
       </p:sp>
       <p:sp>
         <p:nvSpPr>
-          <p:cNvPr id="4" name="Date Placeholder 3">
+          <p:cNvPr id="8" name="Date Placeholder 7">
             <a:extLst>
               <a:ext uri="{FF2B5EF4-FFF2-40B4-BE49-F238E27FC236}">
-                <a16:creationId xmlns:a16="http://schemas.microsoft.com/office/drawing/2014/main" id="{D4256636-044F-9D46-AFA7-236316D094AE}"/>
+                <a16:creationId xmlns:a16="http://schemas.microsoft.com/office/drawing/2014/main" id="{8CAA10FE-671C-5146-8C83-366052A2E316}"/>
               </a:ext>
             </a:extLst>
           </p:cNvPr>
@@ -3248,9 +3190,9 @@
           <a:bodyPr/>
           <a:lstStyle/>
           <a:p>
-            <a:fld id="{44F1775B-48C8-5541-8AC4-CC7C20C09602}" type="datetimeFigureOut">
-              <a:rPr lang="en-GB" smtClean="0"/>
-              <a:t>24/08/2022</a:t>
+            <a:fld id="{4D731DBA-6B0D-DE4B-8866-71957131242A}" type="datetime1">
+              <a:rPr lang="en-US" smtClean="0"/>
+              <a:t>9/12/22</a:t>
             </a:fld>
             <a:endParaRPr lang="en-GB"/>
           </a:p>
@@ -3258,10 +3200,10 @@
       </p:sp>
       <p:sp>
         <p:nvSpPr>
-          <p:cNvPr id="5" name="Footer Placeholder 4">
+          <p:cNvPr id="9" name="Footer Placeholder 8">
             <a:extLst>
               <a:ext uri="{FF2B5EF4-FFF2-40B4-BE49-F238E27FC236}">
-                <a16:creationId xmlns:a16="http://schemas.microsoft.com/office/drawing/2014/main" id="{6CB9F8DB-48A2-4647-B83F-BAF331F7B8E9}"/>
+                <a16:creationId xmlns:a16="http://schemas.microsoft.com/office/drawing/2014/main" id="{BB9F9512-C328-5A4E-9C74-CE537B77C840}"/>
               </a:ext>
             </a:extLst>
           </p:cNvPr>
@@ -3283,10 +3225,10 @@
       </p:sp>
       <p:sp>
         <p:nvSpPr>
-          <p:cNvPr id="6" name="Slide Number Placeholder 5">
+          <p:cNvPr id="10" name="Slide Number Placeholder 9">
             <a:extLst>
               <a:ext uri="{FF2B5EF4-FFF2-40B4-BE49-F238E27FC236}">
-                <a16:creationId xmlns:a16="http://schemas.microsoft.com/office/drawing/2014/main" id="{36B92FC3-DDB4-324A-9CDD-0A22C9C67734}"/>
+                <a16:creationId xmlns:a16="http://schemas.microsoft.com/office/drawing/2014/main" id="{BD992272-E55A-FF42-AA3C-20249E0594D8}"/>
               </a:ext>
             </a:extLst>
           </p:cNvPr>
@@ -3306,7 +3248,11 @@
               <a:rPr lang="en-GB" smtClean="0"/>
               <a:t>‹#›</a:t>
             </a:fld>
-            <a:endParaRPr lang="en-GB"/>
+            <a:r>
+              <a:rPr lang="en-GB"/>
+              <a:t> of 20</a:t>
+            </a:r>
+            <a:endParaRPr lang="en-GB" dirty="0"/>
           </a:p>
         </p:txBody>
       </p:sp>
@@ -3505,10 +3451,10 @@
       </p:sp>
       <p:sp>
         <p:nvSpPr>
-          <p:cNvPr id="4" name="Date Placeholder 3">
+          <p:cNvPr id="7" name="Date Placeholder 6">
             <a:extLst>
               <a:ext uri="{FF2B5EF4-FFF2-40B4-BE49-F238E27FC236}">
-                <a16:creationId xmlns:a16="http://schemas.microsoft.com/office/drawing/2014/main" id="{242290F2-1AAB-964F-9A10-3145084F3195}"/>
+                <a16:creationId xmlns:a16="http://schemas.microsoft.com/office/drawing/2014/main" id="{23669BC4-1588-834D-8251-186D1E845EF1}"/>
               </a:ext>
             </a:extLst>
           </p:cNvPr>
@@ -3524,9 +3470,9 @@
           <a:bodyPr/>
           <a:lstStyle/>
           <a:p>
-            <a:fld id="{44F1775B-48C8-5541-8AC4-CC7C20C09602}" type="datetimeFigureOut">
-              <a:rPr lang="en-GB" smtClean="0"/>
-              <a:t>24/08/2022</a:t>
+            <a:fld id="{E3F3B1A9-F3AC-844E-A641-D6B63C7B245D}" type="datetime1">
+              <a:rPr lang="en-US" smtClean="0"/>
+              <a:t>9/12/22</a:t>
             </a:fld>
             <a:endParaRPr lang="en-GB"/>
           </a:p>
@@ -3534,10 +3480,10 @@
       </p:sp>
       <p:sp>
         <p:nvSpPr>
-          <p:cNvPr id="5" name="Footer Placeholder 4">
+          <p:cNvPr id="8" name="Footer Placeholder 7">
             <a:extLst>
               <a:ext uri="{FF2B5EF4-FFF2-40B4-BE49-F238E27FC236}">
-                <a16:creationId xmlns:a16="http://schemas.microsoft.com/office/drawing/2014/main" id="{D6D41F20-4664-D642-A3AC-87D20E700357}"/>
+                <a16:creationId xmlns:a16="http://schemas.microsoft.com/office/drawing/2014/main" id="{007BB1EA-853B-1241-A9FC-B18CFF9EA0D8}"/>
               </a:ext>
             </a:extLst>
           </p:cNvPr>
@@ -3559,10 +3505,10 @@
       </p:sp>
       <p:sp>
         <p:nvSpPr>
-          <p:cNvPr id="6" name="Slide Number Placeholder 5">
+          <p:cNvPr id="9" name="Slide Number Placeholder 8">
             <a:extLst>
               <a:ext uri="{FF2B5EF4-FFF2-40B4-BE49-F238E27FC236}">
-                <a16:creationId xmlns:a16="http://schemas.microsoft.com/office/drawing/2014/main" id="{9C67F553-BDF4-B449-96F1-2827242387A9}"/>
+                <a16:creationId xmlns:a16="http://schemas.microsoft.com/office/drawing/2014/main" id="{712F3799-B410-594E-BDCB-73F121D12EE9}"/>
               </a:ext>
             </a:extLst>
           </p:cNvPr>
@@ -3582,7 +3528,11 @@
               <a:rPr lang="en-GB" smtClean="0"/>
               <a:t>‹#›</a:t>
             </a:fld>
-            <a:endParaRPr lang="en-GB"/>
+            <a:r>
+              <a:rPr lang="en-GB"/>
+              <a:t> of 20</a:t>
+            </a:r>
+            <a:endParaRPr lang="en-GB" dirty="0"/>
           </a:p>
         </p:txBody>
       </p:sp>
@@ -3792,9 +3742,9 @@
           <a:bodyPr/>
           <a:lstStyle/>
           <a:p>
-            <a:fld id="{44F1775B-48C8-5541-8AC4-CC7C20C09602}" type="datetimeFigureOut">
-              <a:rPr lang="en-GB" smtClean="0"/>
-              <a:t>24/08/2022</a:t>
+            <a:fld id="{D6064AAC-D817-3146-A5C5-6E9492B6A586}" type="datetime1">
+              <a:rPr lang="en-US" smtClean="0"/>
+              <a:t>9/12/22</a:t>
             </a:fld>
             <a:endParaRPr lang="en-GB"/>
           </a:p>
@@ -4207,9 +4157,9 @@
           <a:bodyPr/>
           <a:lstStyle/>
           <a:p>
-            <a:fld id="{44F1775B-48C8-5541-8AC4-CC7C20C09602}" type="datetimeFigureOut">
-              <a:rPr lang="en-GB" smtClean="0"/>
-              <a:t>24/08/2022</a:t>
+            <a:fld id="{D93BB71B-3C6F-CF46-B653-36435196F144}" type="datetime1">
+              <a:rPr lang="en-US" smtClean="0"/>
+              <a:t>9/12/22</a:t>
             </a:fld>
             <a:endParaRPr lang="en-GB"/>
           </a:p>
@@ -4349,9 +4299,9 @@
           <a:bodyPr/>
           <a:lstStyle/>
           <a:p>
-            <a:fld id="{44F1775B-48C8-5541-8AC4-CC7C20C09602}" type="datetimeFigureOut">
-              <a:rPr lang="en-GB" smtClean="0"/>
-              <a:t>24/08/2022</a:t>
+            <a:fld id="{EBDC0A98-803D-C740-A13E-AE9B46685BB9}" type="datetime1">
+              <a:rPr lang="en-US" smtClean="0"/>
+              <a:t>9/12/22</a:t>
             </a:fld>
             <a:endParaRPr lang="en-GB"/>
           </a:p>
@@ -4462,9 +4412,9 @@
           <a:bodyPr/>
           <a:lstStyle/>
           <a:p>
-            <a:fld id="{44F1775B-48C8-5541-8AC4-CC7C20C09602}" type="datetimeFigureOut">
-              <a:rPr lang="en-GB" smtClean="0"/>
-              <a:t>24/08/2022</a:t>
+            <a:fld id="{6D4D1347-0B9A-3940-B23A-828334F56BDC}" type="datetime1">
+              <a:rPr lang="en-US" smtClean="0"/>
+              <a:t>9/12/22</a:t>
             </a:fld>
             <a:endParaRPr lang="en-GB"/>
           </a:p>
@@ -4775,9 +4725,9 @@
           <a:bodyPr/>
           <a:lstStyle/>
           <a:p>
-            <a:fld id="{44F1775B-48C8-5541-8AC4-CC7C20C09602}" type="datetimeFigureOut">
-              <a:rPr lang="en-GB" smtClean="0"/>
-              <a:t>24/08/2022</a:t>
+            <a:fld id="{41C5D09E-7B3F-5A47-A216-EC724EF2F120}" type="datetime1">
+              <a:rPr lang="en-US" smtClean="0"/>
+              <a:t>9/12/22</a:t>
             </a:fld>
             <a:endParaRPr lang="en-GB"/>
           </a:p>
@@ -5064,9 +5014,9 @@
           <a:bodyPr/>
           <a:lstStyle/>
           <a:p>
-            <a:fld id="{44F1775B-48C8-5541-8AC4-CC7C20C09602}" type="datetimeFigureOut">
-              <a:rPr lang="en-GB" smtClean="0"/>
-              <a:t>24/08/2022</a:t>
+            <a:fld id="{6BC13A40-8174-B440-926E-ABDA7FC55B58}" type="datetime1">
+              <a:rPr lang="en-US" smtClean="0"/>
+              <a:t>9/12/22</a:t>
             </a:fld>
             <a:endParaRPr lang="en-GB"/>
           </a:p>
@@ -5233,38 +5183,38 @@
           <a:p>
             <a:pPr lvl="0"/>
             <a:r>
-              <a:rPr lang="en-US"/>
+              <a:rPr lang="en-US" dirty="0"/>
               <a:t>Click to edit Master text styles</a:t>
             </a:r>
           </a:p>
           <a:p>
             <a:pPr lvl="1"/>
             <a:r>
-              <a:rPr lang="en-US"/>
+              <a:rPr lang="en-US" dirty="0"/>
               <a:t>Second level</a:t>
             </a:r>
           </a:p>
           <a:p>
             <a:pPr lvl="2"/>
             <a:r>
-              <a:rPr lang="en-US"/>
+              <a:rPr lang="en-US" dirty="0"/>
               <a:t>Third level</a:t>
             </a:r>
           </a:p>
           <a:p>
             <a:pPr lvl="3"/>
             <a:r>
-              <a:rPr lang="en-US"/>
+              <a:rPr lang="en-US" dirty="0"/>
               <a:t>Fourth level</a:t>
             </a:r>
           </a:p>
           <a:p>
             <a:pPr lvl="4"/>
             <a:r>
-              <a:rPr lang="en-US"/>
+              <a:rPr lang="en-US" dirty="0"/>
               <a:t>Fifth level</a:t>
             </a:r>
-            <a:endParaRPr lang="en-GB"/>
+            <a:endParaRPr lang="en-GB" dirty="0"/>
           </a:p>
         </p:txBody>
       </p:sp>
@@ -5307,9 +5257,9 @@
             </a:lvl1pPr>
           </a:lstStyle>
           <a:p>
-            <a:fld id="{44F1775B-48C8-5541-8AC4-CC7C20C09602}" type="datetimeFigureOut">
-              <a:rPr lang="en-GB" smtClean="0"/>
-              <a:t>24/08/2022</a:t>
+            <a:fld id="{2CB3639E-7717-4741-ADB2-0ECF73AB57EB}" type="datetime1">
+              <a:rPr lang="en-US" smtClean="0"/>
+              <a:t>9/12/22</a:t>
             </a:fld>
             <a:endParaRPr lang="en-GB"/>
           </a:p>
@@ -5401,7 +5351,10 @@
               <a:rPr lang="en-GB" smtClean="0"/>
               <a:t>‹#›</a:t>
             </a:fld>
-            <a:endParaRPr lang="en-GB"/>
+            <a:r>
+              <a:rPr lang="en-GB" dirty="0"/>
+              <a:t> of 20</a:t>
+            </a:r>
           </a:p>
         </p:txBody>
       </p:sp>
@@ -5426,6 +5379,7 @@
     <p:sldLayoutId id="2147483658" r:id="rId10"/>
     <p:sldLayoutId id="2147483659" r:id="rId11"/>
   </p:sldLayoutIdLst>
+  <p:hf hdr="0" ftr="0" dt="0"/>
   <p:txStyles>
     <p:titleStyle>
       <a:lvl1pPr algn="l" defTabSz="914400" rtl="0" eaLnBrk="1" latinLnBrk="0" hangingPunct="1">
@@ -5948,6 +5902,39 @@
           </a:prstGeom>
         </p:spPr>
       </p:pic>
+      <p:sp>
+        <p:nvSpPr>
+          <p:cNvPr id="5" name="Slide Number Placeholder 4">
+            <a:extLst>
+              <a:ext uri="{FF2B5EF4-FFF2-40B4-BE49-F238E27FC236}">
+                <a16:creationId xmlns:a16="http://schemas.microsoft.com/office/drawing/2014/main" id="{8D3C8CA3-0E20-3F4A-BD7D-395D0440D0CD}"/>
+              </a:ext>
+            </a:extLst>
+          </p:cNvPr>
+          <p:cNvSpPr>
+            <a:spLocks noGrp="1"/>
+          </p:cNvSpPr>
+          <p:nvPr>
+            <p:ph type="sldNum" sz="quarter" idx="12"/>
+          </p:nvPr>
+        </p:nvSpPr>
+        <p:spPr/>
+        <p:txBody>
+          <a:bodyPr/>
+          <a:lstStyle/>
+          <a:p>
+            <a:fld id="{7D802B9E-106D-D046-81E6-3ADE87F72260}" type="slidenum">
+              <a:rPr lang="en-GB" smtClean="0"/>
+              <a:t>1</a:t>
+            </a:fld>
+            <a:r>
+              <a:rPr lang="en-GB"/>
+              <a:t> of 20</a:t>
+            </a:r>
+            <a:endParaRPr lang="en-GB" dirty="0"/>
+          </a:p>
+        </p:txBody>
+      </p:sp>
     </p:spTree>
     <p:extLst>
       <p:ext uri="{BB962C8B-B14F-4D97-AF65-F5344CB8AC3E}">
@@ -5999,7 +5986,7 @@
         </p:blipFill>
         <p:spPr>
           <a:xfrm>
-            <a:off x="7261152" y="3962603"/>
+            <a:off x="7261152" y="2384817"/>
             <a:ext cx="4549847" cy="2754767"/>
           </a:xfrm>
           <a:prstGeom prst="rect">
@@ -6131,6 +6118,39 @@
               </a:rPr>
               <a:t>existing scientific evidence.</a:t>
             </a:r>
+          </a:p>
+        </p:txBody>
+      </p:sp>
+      <p:sp>
+        <p:nvSpPr>
+          <p:cNvPr id="4" name="Slide Number Placeholder 3">
+            <a:extLst>
+              <a:ext uri="{FF2B5EF4-FFF2-40B4-BE49-F238E27FC236}">
+                <a16:creationId xmlns:a16="http://schemas.microsoft.com/office/drawing/2014/main" id="{DDE59AB7-D1D3-9943-87CE-3D97038F2EB6}"/>
+              </a:ext>
+            </a:extLst>
+          </p:cNvPr>
+          <p:cNvSpPr>
+            <a:spLocks noGrp="1"/>
+          </p:cNvSpPr>
+          <p:nvPr>
+            <p:ph type="sldNum" sz="quarter" idx="12"/>
+          </p:nvPr>
+        </p:nvSpPr>
+        <p:spPr/>
+        <p:txBody>
+          <a:bodyPr/>
+          <a:lstStyle/>
+          <a:p>
+            <a:fld id="{7D802B9E-106D-D046-81E6-3ADE87F72260}" type="slidenum">
+              <a:rPr lang="en-GB" smtClean="0"/>
+              <a:t>10</a:t>
+            </a:fld>
+            <a:r>
+              <a:rPr lang="en-GB"/>
+              <a:t> of 20</a:t>
+            </a:r>
+            <a:endParaRPr lang="en-GB" dirty="0"/>
           </a:p>
         </p:txBody>
       </p:sp>
@@ -6300,7 +6320,7 @@
         </p:nvSpPr>
         <p:spPr>
           <a:xfrm>
-            <a:off x="8419605" y="4844762"/>
+            <a:off x="8419605" y="3948294"/>
             <a:ext cx="3391394" cy="1862048"/>
           </a:xfrm>
           <a:prstGeom prst="rect">
@@ -6326,6 +6346,39 @@
               </a:rPr>
               <a:t>?</a:t>
             </a:r>
+          </a:p>
+        </p:txBody>
+      </p:sp>
+      <p:sp>
+        <p:nvSpPr>
+          <p:cNvPr id="4" name="Slide Number Placeholder 3">
+            <a:extLst>
+              <a:ext uri="{FF2B5EF4-FFF2-40B4-BE49-F238E27FC236}">
+                <a16:creationId xmlns:a16="http://schemas.microsoft.com/office/drawing/2014/main" id="{794A48DB-2612-3B4F-A969-5539D928468E}"/>
+              </a:ext>
+            </a:extLst>
+          </p:cNvPr>
+          <p:cNvSpPr>
+            <a:spLocks noGrp="1"/>
+          </p:cNvSpPr>
+          <p:nvPr>
+            <p:ph type="sldNum" sz="quarter" idx="12"/>
+          </p:nvPr>
+        </p:nvSpPr>
+        <p:spPr/>
+        <p:txBody>
+          <a:bodyPr/>
+          <a:lstStyle/>
+          <a:p>
+            <a:fld id="{7D802B9E-106D-D046-81E6-3ADE87F72260}" type="slidenum">
+              <a:rPr lang="en-GB" smtClean="0"/>
+              <a:t>11</a:t>
+            </a:fld>
+            <a:r>
+              <a:rPr lang="en-GB"/>
+              <a:t> of 20</a:t>
+            </a:r>
+            <a:endParaRPr lang="en-GB" dirty="0"/>
           </a:p>
         </p:txBody>
       </p:sp>
@@ -6343,6 +6396,209 @@
 </file>
 
 <file path=ppt/slides/slide12.xml><?xml version="1.0" encoding="utf-8"?>
+<p:sld xmlns:a="http://schemas.openxmlformats.org/drawingml/2006/main" xmlns:r="http://schemas.openxmlformats.org/officeDocument/2006/relationships" xmlns:p="http://schemas.openxmlformats.org/presentationml/2006/main">
+  <p:cSld>
+    <p:spTree>
+      <p:nvGrpSpPr>
+        <p:cNvPr id="1" name=""/>
+        <p:cNvGrpSpPr/>
+        <p:nvPr/>
+      </p:nvGrpSpPr>
+      <p:grpSpPr>
+        <a:xfrm>
+          <a:off x="0" y="0"/>
+          <a:ext cx="0" cy="0"/>
+          <a:chOff x="0" y="0"/>
+          <a:chExt cx="0" cy="0"/>
+        </a:xfrm>
+      </p:grpSpPr>
+      <p:sp>
+        <p:nvSpPr>
+          <p:cNvPr id="4" name="TextBox 3">
+            <a:extLst>
+              <a:ext uri="{FF2B5EF4-FFF2-40B4-BE49-F238E27FC236}">
+                <a16:creationId xmlns:a16="http://schemas.microsoft.com/office/drawing/2014/main" id="{0DD279FD-8B2E-834F-ABA1-33B6C4094838}"/>
+              </a:ext>
+            </a:extLst>
+          </p:cNvPr>
+          <p:cNvSpPr txBox="1"/>
+          <p:nvPr/>
+        </p:nvSpPr>
+        <p:spPr>
+          <a:xfrm>
+            <a:off x="1893043" y="1659285"/>
+            <a:ext cx="8405913" cy="3539430"/>
+          </a:xfrm>
+          <a:prstGeom prst="rect">
+            <a:avLst/>
+          </a:prstGeom>
+          <a:noFill/>
+        </p:spPr>
+        <p:txBody>
+          <a:bodyPr wrap="square" rtlCol="0">
+            <a:spAutoFit/>
+          </a:bodyPr>
+          <a:lstStyle/>
+          <a:p>
+            <a:pPr algn="ctr"/>
+            <a:r>
+              <a:rPr lang="en-GB" sz="2800" dirty="0">
+                <a:latin typeface="Satoshi" pitchFamily="2" charset="77"/>
+              </a:rPr>
+              <a:t>Evidence builder</a:t>
+            </a:r>
+          </a:p>
+          <a:p>
+            <a:pPr algn="ctr"/>
+            <a:endParaRPr lang="en-GB" sz="2800" dirty="0">
+              <a:latin typeface="Satoshi" pitchFamily="2" charset="77"/>
+            </a:endParaRPr>
+          </a:p>
+          <a:p>
+            <a:pPr marL="457200" indent="-457200">
+              <a:buFont typeface="Arial" panose="020B0604020202020204" pitchFamily="34" charset="0"/>
+              <a:buChar char="•"/>
+            </a:pPr>
+            <a:r>
+              <a:rPr lang="en-GB" sz="2800" dirty="0">
+                <a:latin typeface="Satoshi" pitchFamily="2" charset="77"/>
+              </a:rPr>
+              <a:t>Controls intricate analysis protocols.</a:t>
+            </a:r>
+          </a:p>
+          <a:p>
+            <a:pPr marL="457200" indent="-457200">
+              <a:buFont typeface="Arial" panose="020B0604020202020204" pitchFamily="34" charset="0"/>
+              <a:buChar char="•"/>
+            </a:pPr>
+            <a:endParaRPr lang="en-GB" sz="2800" dirty="0">
+              <a:latin typeface="Satoshi" pitchFamily="2" charset="77"/>
+            </a:endParaRPr>
+          </a:p>
+          <a:p>
+            <a:pPr marL="457200" indent="-457200">
+              <a:buFont typeface="Arial" panose="020B0604020202020204" pitchFamily="34" charset="0"/>
+              <a:buChar char="•"/>
+            </a:pPr>
+            <a:r>
+              <a:rPr lang="en-GB" sz="2800" dirty="0">
+                <a:latin typeface="Satoshi" pitchFamily="2" charset="77"/>
+              </a:rPr>
+              <a:t>Generates actionable diagnosis.</a:t>
+            </a:r>
+          </a:p>
+          <a:p>
+            <a:pPr marL="457200" indent="-457200">
+              <a:buFont typeface="Arial" panose="020B0604020202020204" pitchFamily="34" charset="0"/>
+              <a:buChar char="•"/>
+            </a:pPr>
+            <a:endParaRPr lang="en-GB" sz="2800" dirty="0">
+              <a:latin typeface="Satoshi" pitchFamily="2" charset="77"/>
+            </a:endParaRPr>
+          </a:p>
+          <a:p>
+            <a:pPr marL="457200" indent="-457200">
+              <a:buFont typeface="Arial" panose="020B0604020202020204" pitchFamily="34" charset="0"/>
+              <a:buChar char="•"/>
+            </a:pPr>
+            <a:r>
+              <a:rPr lang="en-GB" sz="2800" dirty="0">
+                <a:latin typeface="Satoshi" pitchFamily="2" charset="77"/>
+              </a:rPr>
+              <a:t>Folds down into a </a:t>
+            </a:r>
+            <a:r>
+              <a:rPr lang="en-GB" sz="2800" i="1" dirty="0">
+                <a:latin typeface="Satoshi" pitchFamily="2" charset="77"/>
+              </a:rPr>
+              <a:t>simple</a:t>
+            </a:r>
+            <a:r>
+              <a:rPr lang="en-GB" sz="2800" dirty="0">
+                <a:latin typeface="Satoshi" pitchFamily="2" charset="77"/>
+              </a:rPr>
+              <a:t>, </a:t>
+            </a:r>
+            <a:r>
+              <a:rPr lang="en-GB" sz="2800" i="1" dirty="0">
+                <a:latin typeface="Satoshi" pitchFamily="2" charset="77"/>
+              </a:rPr>
+              <a:t>single</a:t>
+            </a:r>
+            <a:r>
+              <a:rPr lang="en-GB" sz="2800" dirty="0">
+                <a:latin typeface="Satoshi" pitchFamily="2" charset="77"/>
+              </a:rPr>
+              <a:t>, </a:t>
+            </a:r>
+            <a:r>
+              <a:rPr lang="en-GB" sz="2800" i="1" dirty="0">
+                <a:latin typeface="Satoshi" pitchFamily="2" charset="77"/>
+              </a:rPr>
+              <a:t>concise</a:t>
+            </a:r>
+            <a:r>
+              <a:rPr lang="en-GB" sz="2800" dirty="0">
+                <a:latin typeface="Satoshi" pitchFamily="2" charset="77"/>
+              </a:rPr>
+              <a:t> report. </a:t>
+            </a:r>
+          </a:p>
+          <a:p>
+            <a:pPr algn="ctr"/>
+            <a:endParaRPr lang="en-GB" sz="2800" dirty="0">
+              <a:latin typeface="Satoshi" pitchFamily="2" charset="77"/>
+            </a:endParaRPr>
+          </a:p>
+        </p:txBody>
+      </p:sp>
+      <p:sp>
+        <p:nvSpPr>
+          <p:cNvPr id="5" name="Slide Number Placeholder 4">
+            <a:extLst>
+              <a:ext uri="{FF2B5EF4-FFF2-40B4-BE49-F238E27FC236}">
+                <a16:creationId xmlns:a16="http://schemas.microsoft.com/office/drawing/2014/main" id="{37D73695-ABEF-6E49-B9A1-F94D0CAC2381}"/>
+              </a:ext>
+            </a:extLst>
+          </p:cNvPr>
+          <p:cNvSpPr>
+            <a:spLocks noGrp="1"/>
+          </p:cNvSpPr>
+          <p:nvPr>
+            <p:ph type="sldNum" sz="quarter" idx="12"/>
+          </p:nvPr>
+        </p:nvSpPr>
+        <p:spPr/>
+        <p:txBody>
+          <a:bodyPr/>
+          <a:lstStyle/>
+          <a:p>
+            <a:fld id="{7D802B9E-106D-D046-81E6-3ADE87F72260}" type="slidenum">
+              <a:rPr lang="en-GB" smtClean="0"/>
+              <a:t>12</a:t>
+            </a:fld>
+            <a:r>
+              <a:rPr lang="en-GB"/>
+              <a:t> of 20</a:t>
+            </a:r>
+            <a:endParaRPr lang="en-GB" dirty="0"/>
+          </a:p>
+        </p:txBody>
+      </p:sp>
+    </p:spTree>
+    <p:extLst>
+      <p:ext uri="{BB962C8B-B14F-4D97-AF65-F5344CB8AC3E}">
+        <p14:creationId xmlns:p14="http://schemas.microsoft.com/office/powerpoint/2010/main" val="2654638560"/>
+      </p:ext>
+    </p:extLst>
+  </p:cSld>
+  <p:clrMapOvr>
+    <a:masterClrMapping/>
+  </p:clrMapOvr>
+</p:sld>
+</file>
+
+<file path=ppt/slides/slide13.xml><?xml version="1.0" encoding="utf-8"?>
 <p:sld xmlns:a="http://schemas.openxmlformats.org/drawingml/2006/main" xmlns:r="http://schemas.openxmlformats.org/officeDocument/2006/relationships" xmlns:p="http://schemas.openxmlformats.org/presentationml/2006/main">
   <p:cSld>
     <p:spTree>
@@ -6674,6 +6930,39 @@
           </p:txBody>
         </p:sp>
       </p:grpSp>
+      <p:sp>
+        <p:nvSpPr>
+          <p:cNvPr id="4" name="Slide Number Placeholder 3">
+            <a:extLst>
+              <a:ext uri="{FF2B5EF4-FFF2-40B4-BE49-F238E27FC236}">
+                <a16:creationId xmlns:a16="http://schemas.microsoft.com/office/drawing/2014/main" id="{46BDD70F-7B07-D24D-9994-283FB6306B92}"/>
+              </a:ext>
+            </a:extLst>
+          </p:cNvPr>
+          <p:cNvSpPr>
+            <a:spLocks noGrp="1"/>
+          </p:cNvSpPr>
+          <p:nvPr>
+            <p:ph type="sldNum" sz="quarter" idx="12"/>
+          </p:nvPr>
+        </p:nvSpPr>
+        <p:spPr/>
+        <p:txBody>
+          <a:bodyPr/>
+          <a:lstStyle/>
+          <a:p>
+            <a:fld id="{7D802B9E-106D-D046-81E6-3ADE87F72260}" type="slidenum">
+              <a:rPr lang="en-GB" smtClean="0"/>
+              <a:t>13</a:t>
+            </a:fld>
+            <a:r>
+              <a:rPr lang="en-GB"/>
+              <a:t> of 20</a:t>
+            </a:r>
+            <a:endParaRPr lang="en-GB" dirty="0"/>
+          </a:p>
+        </p:txBody>
+      </p:sp>
     </p:spTree>
     <p:extLst>
       <p:ext uri="{BB962C8B-B14F-4D97-AF65-F5344CB8AC3E}">
@@ -6687,7 +6976,7 @@
 </p:sld>
 </file>
 
-<file path=ppt/slides/slide13.xml><?xml version="1.0" encoding="utf-8"?>
+<file path=ppt/slides/slide14.xml><?xml version="1.0" encoding="utf-8"?>
 <p:sld xmlns:a="http://schemas.openxmlformats.org/drawingml/2006/main" xmlns:r="http://schemas.openxmlformats.org/officeDocument/2006/relationships" xmlns:p="http://schemas.openxmlformats.org/presentationml/2006/main">
   <p:cSld>
     <p:spTree>
@@ -6719,9 +7008,9 @@
         <p:grpSpPr>
           <a:xfrm>
             <a:off x="249434" y="102066"/>
-            <a:ext cx="11830108" cy="6755934"/>
+            <a:ext cx="11709344" cy="6719185"/>
             <a:chOff x="249434" y="102066"/>
-            <a:chExt cx="11830108" cy="6755934"/>
+            <a:chExt cx="11709344" cy="6719185"/>
           </a:xfrm>
         </p:grpSpPr>
         <p:grpSp>
@@ -6739,9 +7028,9 @@
           <p:grpSpPr>
             <a:xfrm>
               <a:off x="3825966" y="591906"/>
-              <a:ext cx="8253576" cy="6266094"/>
+              <a:ext cx="8132812" cy="6039929"/>
               <a:chOff x="2048737" y="591906"/>
-              <a:chExt cx="8253576" cy="6266094"/>
+              <a:chExt cx="8132812" cy="6039929"/>
             </a:xfrm>
           </p:grpSpPr>
           <p:sp>
@@ -6946,7 +7235,7 @@
             </p:nvSpPr>
             <p:spPr>
               <a:xfrm>
-                <a:off x="8620691" y="5025133"/>
+                <a:off x="8499927" y="4904369"/>
                 <a:ext cx="1681622" cy="1471359"/>
               </a:xfrm>
               <a:prstGeom prst="rect">
@@ -7000,7 +7289,7 @@
             </p:nvSpPr>
             <p:spPr>
               <a:xfrm>
-                <a:off x="8468291" y="4872733"/>
+                <a:off x="8407909" y="4812351"/>
                 <a:ext cx="1681622" cy="1471359"/>
               </a:xfrm>
               <a:prstGeom prst="rect">
@@ -7862,7 +8151,7 @@
             </p:nvSpPr>
             <p:spPr>
               <a:xfrm>
-                <a:off x="8591811" y="6519446"/>
+                <a:off x="6255817" y="6293281"/>
                 <a:ext cx="1202573" cy="338554"/>
               </a:xfrm>
               <a:prstGeom prst="rect">
@@ -8338,123 +8627,42 @@
           </p:txBody>
         </p:sp>
       </p:grpSp>
+      <p:sp>
+        <p:nvSpPr>
+          <p:cNvPr id="5" name="Slide Number Placeholder 4">
+            <a:extLst>
+              <a:ext uri="{FF2B5EF4-FFF2-40B4-BE49-F238E27FC236}">
+                <a16:creationId xmlns:a16="http://schemas.microsoft.com/office/drawing/2014/main" id="{D7DDBC9A-94F2-FB45-A90B-9218AC20DC10}"/>
+              </a:ext>
+            </a:extLst>
+          </p:cNvPr>
+          <p:cNvSpPr>
+            <a:spLocks noGrp="1"/>
+          </p:cNvSpPr>
+          <p:nvPr>
+            <p:ph type="sldNum" sz="quarter" idx="12"/>
+          </p:nvPr>
+        </p:nvSpPr>
+        <p:spPr/>
+        <p:txBody>
+          <a:bodyPr/>
+          <a:lstStyle/>
+          <a:p>
+            <a:fld id="{7D802B9E-106D-D046-81E6-3ADE87F72260}" type="slidenum">
+              <a:rPr lang="en-GB" smtClean="0"/>
+              <a:t>14</a:t>
+            </a:fld>
+            <a:r>
+              <a:rPr lang="en-GB" dirty="0"/>
+              <a:t> of 20</a:t>
+            </a:r>
+          </a:p>
+        </p:txBody>
+      </p:sp>
     </p:spTree>
     <p:extLst>
       <p:ext uri="{BB962C8B-B14F-4D97-AF65-F5344CB8AC3E}">
         <p14:creationId xmlns:p14="http://schemas.microsoft.com/office/powerpoint/2010/main" val="1921677941"/>
-      </p:ext>
-    </p:extLst>
-  </p:cSld>
-  <p:clrMapOvr>
-    <a:masterClrMapping/>
-  </p:clrMapOvr>
-</p:sld>
-</file>
-
-<file path=ppt/slides/slide14.xml><?xml version="1.0" encoding="utf-8"?>
-<p:sld xmlns:a="http://schemas.openxmlformats.org/drawingml/2006/main" xmlns:r="http://schemas.openxmlformats.org/officeDocument/2006/relationships" xmlns:p="http://schemas.openxmlformats.org/presentationml/2006/main">
-  <p:cSld>
-    <p:spTree>
-      <p:nvGrpSpPr>
-        <p:cNvPr id="1" name=""/>
-        <p:cNvGrpSpPr/>
-        <p:nvPr/>
-      </p:nvGrpSpPr>
-      <p:grpSpPr>
-        <a:xfrm>
-          <a:off x="0" y="0"/>
-          <a:ext cx="0" cy="0"/>
-          <a:chOff x="0" y="0"/>
-          <a:chExt cx="0" cy="0"/>
-        </a:xfrm>
-      </p:grpSpPr>
-      <p:sp>
-        <p:nvSpPr>
-          <p:cNvPr id="6" name="TextBox 5">
-            <a:extLst>
-              <a:ext uri="{FF2B5EF4-FFF2-40B4-BE49-F238E27FC236}">
-                <a16:creationId xmlns:a16="http://schemas.microsoft.com/office/drawing/2014/main" id="{69C87357-E556-304D-B9EB-9FF2860BEEC6}"/>
-              </a:ext>
-            </a:extLst>
-          </p:cNvPr>
-          <p:cNvSpPr txBox="1"/>
-          <p:nvPr/>
-        </p:nvSpPr>
-        <p:spPr>
-          <a:xfrm>
-            <a:off x="3507791" y="1874728"/>
-            <a:ext cx="5176417" cy="3108543"/>
-          </a:xfrm>
-          <a:prstGeom prst="rect">
-            <a:avLst/>
-          </a:prstGeom>
-          <a:noFill/>
-        </p:spPr>
-        <p:txBody>
-          <a:bodyPr wrap="none" rtlCol="0">
-            <a:spAutoFit/>
-          </a:bodyPr>
-          <a:lstStyle/>
-          <a:p>
-            <a:pPr algn="ctr"/>
-            <a:r>
-              <a:rPr lang="en-GB" sz="2800" dirty="0">
-                <a:latin typeface="Satoshi" pitchFamily="2" charset="77"/>
-              </a:rPr>
-              <a:t>When you have an efficient tool</a:t>
-            </a:r>
-          </a:p>
-          <a:p>
-            <a:pPr algn="ctr"/>
-            <a:r>
-              <a:rPr lang="en-GB" sz="2800" dirty="0">
-                <a:latin typeface="Satoshi" pitchFamily="2" charset="77"/>
-              </a:rPr>
-              <a:t>you open new doors</a:t>
-            </a:r>
-          </a:p>
-          <a:p>
-            <a:pPr algn="ctr"/>
-            <a:endParaRPr lang="en-GB" sz="2800" dirty="0">
-              <a:latin typeface="Satoshi" pitchFamily="2" charset="77"/>
-            </a:endParaRPr>
-          </a:p>
-          <a:p>
-            <a:pPr algn="ctr"/>
-            <a:endParaRPr lang="en-GB" sz="2800" dirty="0">
-              <a:latin typeface="Satoshi" pitchFamily="2" charset="77"/>
-            </a:endParaRPr>
-          </a:p>
-          <a:p>
-            <a:pPr algn="ctr"/>
-            <a:endParaRPr lang="en-GB" sz="2800" dirty="0">
-              <a:latin typeface="Satoshi" pitchFamily="2" charset="77"/>
-            </a:endParaRPr>
-          </a:p>
-          <a:p>
-            <a:pPr algn="ctr"/>
-            <a:r>
-              <a:rPr lang="en-GB" sz="2800" dirty="0">
-                <a:latin typeface="Satoshi" pitchFamily="2" charset="77"/>
-              </a:rPr>
-              <a:t>Clinical diagnosis is a </a:t>
-            </a:r>
-          </a:p>
-          <a:p>
-            <a:pPr algn="ctr"/>
-            <a:r>
-              <a:rPr lang="en-GB" sz="2800" dirty="0">
-                <a:latin typeface="Satoshi" pitchFamily="2" charset="77"/>
-              </a:rPr>
-              <a:t>simple application example</a:t>
-            </a:r>
-          </a:p>
-        </p:txBody>
-      </p:sp>
-    </p:spTree>
-    <p:extLst>
-      <p:ext uri="{BB962C8B-B14F-4D97-AF65-F5344CB8AC3E}">
-        <p14:creationId xmlns:p14="http://schemas.microsoft.com/office/powerpoint/2010/main" val="3108279735"/>
       </p:ext>
     </p:extLst>
   </p:cSld>
@@ -8495,6 +8703,319 @@
         </p:nvSpPr>
         <p:spPr>
           <a:xfrm>
+            <a:off x="3684922" y="1874728"/>
+            <a:ext cx="4822154" cy="3108543"/>
+          </a:xfrm>
+          <a:prstGeom prst="rect">
+            <a:avLst/>
+          </a:prstGeom>
+          <a:noFill/>
+        </p:spPr>
+        <p:txBody>
+          <a:bodyPr wrap="none" rtlCol="0">
+            <a:spAutoFit/>
+          </a:bodyPr>
+          <a:lstStyle/>
+          <a:p>
+            <a:pPr algn="ctr"/>
+            <a:r>
+              <a:rPr lang="en-GB" sz="2800" dirty="0">
+                <a:latin typeface="Satoshi" pitchFamily="2" charset="77"/>
+              </a:rPr>
+              <a:t>When you have an efficient tool</a:t>
+            </a:r>
+          </a:p>
+          <a:p>
+            <a:pPr algn="ctr"/>
+            <a:r>
+              <a:rPr lang="en-GB" sz="2800" dirty="0">
+                <a:latin typeface="Satoshi" pitchFamily="2" charset="77"/>
+              </a:rPr>
+              <a:t>you open new doors.</a:t>
+            </a:r>
+          </a:p>
+          <a:p>
+            <a:pPr algn="ctr"/>
+            <a:endParaRPr lang="en-GB" sz="2800" dirty="0">
+              <a:latin typeface="Satoshi" pitchFamily="2" charset="77"/>
+            </a:endParaRPr>
+          </a:p>
+          <a:p>
+            <a:pPr algn="ctr"/>
+            <a:endParaRPr lang="en-GB" sz="2800" dirty="0">
+              <a:latin typeface="Satoshi" pitchFamily="2" charset="77"/>
+            </a:endParaRPr>
+          </a:p>
+          <a:p>
+            <a:pPr algn="ctr"/>
+            <a:endParaRPr lang="en-GB" sz="2800" dirty="0">
+              <a:latin typeface="Satoshi" pitchFamily="2" charset="77"/>
+            </a:endParaRPr>
+          </a:p>
+          <a:p>
+            <a:pPr algn="ctr"/>
+            <a:r>
+              <a:rPr lang="en-GB" sz="2800" dirty="0">
+                <a:latin typeface="Satoshi" pitchFamily="2" charset="77"/>
+              </a:rPr>
+              <a:t>Clinical diagnosis is a </a:t>
+            </a:r>
+          </a:p>
+          <a:p>
+            <a:pPr algn="ctr"/>
+            <a:r>
+              <a:rPr lang="en-GB" sz="2800" dirty="0">
+                <a:latin typeface="Satoshi" pitchFamily="2" charset="77"/>
+              </a:rPr>
+              <a:t>simple application example.</a:t>
+            </a:r>
+          </a:p>
+        </p:txBody>
+      </p:sp>
+      <p:sp>
+        <p:nvSpPr>
+          <p:cNvPr id="4" name="Slide Number Placeholder 3">
+            <a:extLst>
+              <a:ext uri="{FF2B5EF4-FFF2-40B4-BE49-F238E27FC236}">
+                <a16:creationId xmlns:a16="http://schemas.microsoft.com/office/drawing/2014/main" id="{08B591D0-5A5A-4D4E-839D-4EAD8B5D424D}"/>
+              </a:ext>
+            </a:extLst>
+          </p:cNvPr>
+          <p:cNvSpPr>
+            <a:spLocks noGrp="1"/>
+          </p:cNvSpPr>
+          <p:nvPr>
+            <p:ph type="sldNum" sz="quarter" idx="12"/>
+          </p:nvPr>
+        </p:nvSpPr>
+        <p:spPr/>
+        <p:txBody>
+          <a:bodyPr/>
+          <a:lstStyle/>
+          <a:p>
+            <a:fld id="{7D802B9E-106D-D046-81E6-3ADE87F72260}" type="slidenum">
+              <a:rPr lang="en-GB" smtClean="0"/>
+              <a:t>15</a:t>
+            </a:fld>
+            <a:r>
+              <a:rPr lang="en-GB"/>
+              <a:t> of 20</a:t>
+            </a:r>
+            <a:endParaRPr lang="en-GB" dirty="0"/>
+          </a:p>
+        </p:txBody>
+      </p:sp>
+    </p:spTree>
+    <p:extLst>
+      <p:ext uri="{BB962C8B-B14F-4D97-AF65-F5344CB8AC3E}">
+        <p14:creationId xmlns:p14="http://schemas.microsoft.com/office/powerpoint/2010/main" val="3108279735"/>
+      </p:ext>
+    </p:extLst>
+  </p:cSld>
+  <p:clrMapOvr>
+    <a:masterClrMapping/>
+  </p:clrMapOvr>
+</p:sld>
+</file>
+
+<file path=ppt/slides/slide16.xml><?xml version="1.0" encoding="utf-8"?>
+<p:sld xmlns:a="http://schemas.openxmlformats.org/drawingml/2006/main" xmlns:r="http://schemas.openxmlformats.org/officeDocument/2006/relationships" xmlns:p="http://schemas.openxmlformats.org/presentationml/2006/main">
+  <p:cSld>
+    <p:spTree>
+      <p:nvGrpSpPr>
+        <p:cNvPr id="1" name=""/>
+        <p:cNvGrpSpPr/>
+        <p:nvPr/>
+      </p:nvGrpSpPr>
+      <p:grpSpPr>
+        <a:xfrm>
+          <a:off x="0" y="0"/>
+          <a:ext cx="0" cy="0"/>
+          <a:chOff x="0" y="0"/>
+          <a:chExt cx="0" cy="0"/>
+        </a:xfrm>
+      </p:grpSpPr>
+      <p:sp>
+        <p:nvSpPr>
+          <p:cNvPr id="6" name="TextBox 5">
+            <a:extLst>
+              <a:ext uri="{FF2B5EF4-FFF2-40B4-BE49-F238E27FC236}">
+                <a16:creationId xmlns:a16="http://schemas.microsoft.com/office/drawing/2014/main" id="{69C87357-E556-304D-B9EB-9FF2860BEEC6}"/>
+              </a:ext>
+            </a:extLst>
+          </p:cNvPr>
+          <p:cNvSpPr txBox="1"/>
+          <p:nvPr/>
+        </p:nvSpPr>
+        <p:spPr>
+          <a:xfrm>
+            <a:off x="1256471" y="582067"/>
+            <a:ext cx="9679057" cy="4401205"/>
+          </a:xfrm>
+          <a:prstGeom prst="rect">
+            <a:avLst/>
+          </a:prstGeom>
+          <a:noFill/>
+        </p:spPr>
+        <p:txBody>
+          <a:bodyPr wrap="square" rtlCol="0">
+            <a:spAutoFit/>
+          </a:bodyPr>
+          <a:lstStyle/>
+          <a:p>
+            <a:pPr algn="ctr"/>
+            <a:r>
+              <a:rPr lang="en-GB" sz="2800" dirty="0">
+                <a:latin typeface="Satoshi" pitchFamily="2" charset="77"/>
+              </a:rPr>
+              <a:t>Every step</a:t>
+            </a:r>
+          </a:p>
+          <a:p>
+            <a:endParaRPr lang="en-GB" sz="2800" dirty="0">
+              <a:latin typeface="Satoshi" pitchFamily="2" charset="77"/>
+            </a:endParaRPr>
+          </a:p>
+          <a:p>
+            <a:r>
+              <a:rPr lang="en-GB" sz="2800" dirty="0">
+                <a:latin typeface="Satoshi" pitchFamily="2" charset="77"/>
+              </a:rPr>
+              <a:t>For every genetics-based application, </a:t>
+            </a:r>
+          </a:p>
+          <a:p>
+            <a:r>
+              <a:rPr lang="en-GB" sz="2800" dirty="0">
+                <a:latin typeface="Satoshi" pitchFamily="2" charset="77"/>
+              </a:rPr>
+              <a:t>there are key critical factors:</a:t>
+            </a:r>
+          </a:p>
+          <a:p>
+            <a:endParaRPr lang="en-GB" sz="2800" dirty="0">
+              <a:latin typeface="Satoshi" pitchFamily="2" charset="77"/>
+            </a:endParaRPr>
+          </a:p>
+          <a:p>
+            <a:r>
+              <a:rPr lang="en-GB" sz="2800" dirty="0">
+                <a:latin typeface="Satoshi" pitchFamily="2" charset="77"/>
+              </a:rPr>
+              <a:t>1. Accurate application of protocols.</a:t>
+            </a:r>
+          </a:p>
+          <a:p>
+            <a:r>
+              <a:rPr lang="en-GB" sz="2800" dirty="0">
+                <a:latin typeface="Satoshi" pitchFamily="2" charset="77"/>
+              </a:rPr>
+              <a:t>2. Easy protocol substitution.</a:t>
+            </a:r>
+          </a:p>
+          <a:p>
+            <a:r>
+              <a:rPr lang="en-GB" sz="2800" dirty="0">
+                <a:latin typeface="Satoshi" pitchFamily="2" charset="77"/>
+              </a:rPr>
+              <a:t>3. Ensure that all relevant evidence has been assessed.</a:t>
+            </a:r>
+          </a:p>
+          <a:p>
+            <a:r>
+              <a:rPr lang="en-GB" sz="2800" dirty="0">
+                <a:latin typeface="Satoshi" pitchFamily="2" charset="77"/>
+              </a:rPr>
+              <a:t>4. Summarize actionable results.</a:t>
+            </a:r>
+          </a:p>
+          <a:p>
+            <a:r>
+              <a:rPr lang="en-GB" sz="2800" dirty="0">
+                <a:latin typeface="Satoshi" pitchFamily="2" charset="77"/>
+              </a:rPr>
+              <a:t>5. Provide a chain of custody for analysis and interpretation.</a:t>
+            </a:r>
+          </a:p>
+        </p:txBody>
+      </p:sp>
+      <p:sp>
+        <p:nvSpPr>
+          <p:cNvPr id="4" name="Slide Number Placeholder 3">
+            <a:extLst>
+              <a:ext uri="{FF2B5EF4-FFF2-40B4-BE49-F238E27FC236}">
+                <a16:creationId xmlns:a16="http://schemas.microsoft.com/office/drawing/2014/main" id="{A5E25155-E799-7A4C-9507-BD9606B2D737}"/>
+              </a:ext>
+            </a:extLst>
+          </p:cNvPr>
+          <p:cNvSpPr>
+            <a:spLocks noGrp="1"/>
+          </p:cNvSpPr>
+          <p:nvPr>
+            <p:ph type="sldNum" sz="quarter" idx="12"/>
+          </p:nvPr>
+        </p:nvSpPr>
+        <p:spPr/>
+        <p:txBody>
+          <a:bodyPr/>
+          <a:lstStyle/>
+          <a:p>
+            <a:fld id="{7D802B9E-106D-D046-81E6-3ADE87F72260}" type="slidenum">
+              <a:rPr lang="en-GB" smtClean="0"/>
+              <a:t>16</a:t>
+            </a:fld>
+            <a:r>
+              <a:rPr lang="en-GB"/>
+              <a:t> of 20</a:t>
+            </a:r>
+            <a:endParaRPr lang="en-GB" dirty="0"/>
+          </a:p>
+        </p:txBody>
+      </p:sp>
+    </p:spTree>
+    <p:extLst>
+      <p:ext uri="{BB962C8B-B14F-4D97-AF65-F5344CB8AC3E}">
+        <p14:creationId xmlns:p14="http://schemas.microsoft.com/office/powerpoint/2010/main" val="3656735065"/>
+      </p:ext>
+    </p:extLst>
+  </p:cSld>
+  <p:clrMapOvr>
+    <a:masterClrMapping/>
+  </p:clrMapOvr>
+</p:sld>
+</file>
+
+<file path=ppt/slides/slide17.xml><?xml version="1.0" encoding="utf-8"?>
+<p:sld xmlns:a="http://schemas.openxmlformats.org/drawingml/2006/main" xmlns:r="http://schemas.openxmlformats.org/officeDocument/2006/relationships" xmlns:p="http://schemas.openxmlformats.org/presentationml/2006/main">
+  <p:cSld>
+    <p:spTree>
+      <p:nvGrpSpPr>
+        <p:cNvPr id="1" name=""/>
+        <p:cNvGrpSpPr/>
+        <p:nvPr/>
+      </p:nvGrpSpPr>
+      <p:grpSpPr>
+        <a:xfrm>
+          <a:off x="0" y="0"/>
+          <a:ext cx="0" cy="0"/>
+          <a:chOff x="0" y="0"/>
+          <a:chExt cx="0" cy="0"/>
+        </a:xfrm>
+      </p:grpSpPr>
+      <p:sp>
+        <p:nvSpPr>
+          <p:cNvPr id="6" name="TextBox 5">
+            <a:extLst>
+              <a:ext uri="{FF2B5EF4-FFF2-40B4-BE49-F238E27FC236}">
+                <a16:creationId xmlns:a16="http://schemas.microsoft.com/office/drawing/2014/main" id="{69C87357-E556-304D-B9EB-9FF2860BEEC6}"/>
+              </a:ext>
+            </a:extLst>
+          </p:cNvPr>
+          <p:cNvSpPr txBox="1"/>
+          <p:nvPr/>
+        </p:nvSpPr>
+        <p:spPr>
+          <a:xfrm>
             <a:off x="1674743" y="582067"/>
             <a:ext cx="8842513" cy="5693866"/>
           </a:xfrm>
@@ -8531,7 +9052,7 @@
               <a:rPr lang="en-GB" sz="2800" dirty="0">
                 <a:latin typeface="Satoshi" pitchFamily="2" charset="77"/>
               </a:rPr>
-              <a:t>Drug / device  development and regulation</a:t>
+              <a:t>Drug development and regulation</a:t>
             </a:r>
           </a:p>
           <a:p>
@@ -8625,6 +9146,39 @@
               </a:rPr>
               <a:t>Biomedical sciences</a:t>
             </a:r>
+          </a:p>
+        </p:txBody>
+      </p:sp>
+      <p:sp>
+        <p:nvSpPr>
+          <p:cNvPr id="4" name="Slide Number Placeholder 3">
+            <a:extLst>
+              <a:ext uri="{FF2B5EF4-FFF2-40B4-BE49-F238E27FC236}">
+                <a16:creationId xmlns:a16="http://schemas.microsoft.com/office/drawing/2014/main" id="{3183699B-A1DD-B747-BEFE-9FDD91766ECF}"/>
+              </a:ext>
+            </a:extLst>
+          </p:cNvPr>
+          <p:cNvSpPr>
+            <a:spLocks noGrp="1"/>
+          </p:cNvSpPr>
+          <p:nvPr>
+            <p:ph type="sldNum" sz="quarter" idx="12"/>
+          </p:nvPr>
+        </p:nvSpPr>
+        <p:spPr/>
+        <p:txBody>
+          <a:bodyPr/>
+          <a:lstStyle/>
+          <a:p>
+            <a:fld id="{7D802B9E-106D-D046-81E6-3ADE87F72260}" type="slidenum">
+              <a:rPr lang="en-GB" smtClean="0"/>
+              <a:t>17</a:t>
+            </a:fld>
+            <a:r>
+              <a:rPr lang="en-GB"/>
+              <a:t> of 20</a:t>
+            </a:r>
+            <a:endParaRPr lang="en-GB" dirty="0"/>
           </a:p>
         </p:txBody>
       </p:sp>
@@ -8641,7 +9195,880 @@
 </p:sld>
 </file>
 
-<file path=ppt/slides/slide16.xml><?xml version="1.0" encoding="utf-8"?>
+<file path=ppt/slides/slide18.xml><?xml version="1.0" encoding="utf-8"?>
+<p:sld xmlns:a="http://schemas.openxmlformats.org/drawingml/2006/main" xmlns:r="http://schemas.openxmlformats.org/officeDocument/2006/relationships" xmlns:p="http://schemas.openxmlformats.org/presentationml/2006/main">
+  <p:cSld>
+    <p:spTree>
+      <p:nvGrpSpPr>
+        <p:cNvPr id="1" name=""/>
+        <p:cNvGrpSpPr/>
+        <p:nvPr/>
+      </p:nvGrpSpPr>
+      <p:grpSpPr>
+        <a:xfrm>
+          <a:off x="0" y="0"/>
+          <a:ext cx="0" cy="0"/>
+          <a:chOff x="0" y="0"/>
+          <a:chExt cx="0" cy="0"/>
+        </a:xfrm>
+      </p:grpSpPr>
+      <p:sp>
+        <p:nvSpPr>
+          <p:cNvPr id="6" name="TextBox 5">
+            <a:extLst>
+              <a:ext uri="{FF2B5EF4-FFF2-40B4-BE49-F238E27FC236}">
+                <a16:creationId xmlns:a16="http://schemas.microsoft.com/office/drawing/2014/main" id="{69C87357-E556-304D-B9EB-9FF2860BEEC6}"/>
+              </a:ext>
+            </a:extLst>
+          </p:cNvPr>
+          <p:cNvSpPr txBox="1"/>
+          <p:nvPr/>
+        </p:nvSpPr>
+        <p:spPr>
+          <a:xfrm>
+            <a:off x="1195511" y="428178"/>
+            <a:ext cx="9800977" cy="6001643"/>
+          </a:xfrm>
+          <a:prstGeom prst="rect">
+            <a:avLst/>
+          </a:prstGeom>
+          <a:noFill/>
+        </p:spPr>
+        <p:txBody>
+          <a:bodyPr wrap="square" rtlCol="0">
+            <a:spAutoFit/>
+          </a:bodyPr>
+          <a:lstStyle/>
+          <a:p>
+            <a:r>
+              <a:rPr lang="en-US" sz="2800" dirty="0">
+                <a:latin typeface="Satoshi" pitchFamily="2" charset="77"/>
+              </a:rPr>
+              <a:t>Examples in use</a:t>
+            </a:r>
+          </a:p>
+          <a:p>
+            <a:endParaRPr lang="en-US" sz="1600" b="1" dirty="0">
+              <a:latin typeface="Satoshi" pitchFamily="2" charset="77"/>
+              <a:cs typeface="Arial" panose="020B0604020202020204" pitchFamily="34" charset="0"/>
+            </a:endParaRPr>
+          </a:p>
+          <a:p>
+            <a:r>
+              <a:rPr lang="en-US" sz="2800" dirty="0">
+                <a:latin typeface="Satoshi" pitchFamily="2" charset="77"/>
+                <a:cs typeface="Arial" panose="020B0604020202020204" pitchFamily="34" charset="0"/>
+              </a:rPr>
+              <a:t>Personalized medicine</a:t>
+            </a:r>
+          </a:p>
+          <a:p>
+            <a:r>
+              <a:rPr lang="en-US" sz="1600" dirty="0">
+                <a:latin typeface="Satoshi" pitchFamily="2" charset="77"/>
+                <a:cs typeface="Arial" panose="020B0604020202020204" pitchFamily="34" charset="0"/>
+              </a:rPr>
+              <a:t>Science Translational Medicine. Familial autoinflammation with neutrophilic dermatosis reveals a regulatory mechanism of pyrin activation. </a:t>
+            </a:r>
+            <a:r>
+              <a:rPr lang="en-US" sz="1600" dirty="0">
+                <a:latin typeface="Satoshi" pitchFamily="2" charset="77"/>
+                <a:cs typeface="Arial" panose="020B0604020202020204" pitchFamily="34" charset="0"/>
+                <a:hlinkClick r:id="rId3"/>
+              </a:rPr>
+              <a:t>10.1126/scitranslmed.aaf1471</a:t>
+            </a:r>
+            <a:r>
+              <a:rPr lang="en-US" sz="1600" dirty="0">
+                <a:latin typeface="Satoshi" pitchFamily="2" charset="77"/>
+                <a:cs typeface="Arial" panose="020B0604020202020204" pitchFamily="34" charset="0"/>
+              </a:rPr>
+              <a:t> </a:t>
+            </a:r>
+            <a:r>
+              <a:rPr lang="en-US" sz="1600" i="1" dirty="0">
+                <a:latin typeface="Satoshi" pitchFamily="2" charset="77"/>
+                <a:cs typeface="Arial" panose="020B0604020202020204" pitchFamily="34" charset="0"/>
+              </a:rPr>
+              <a:t>S.L. Masters, et al</a:t>
+            </a:r>
+            <a:r>
+              <a:rPr lang="en-US" sz="1600" dirty="0">
+                <a:latin typeface="Satoshi" pitchFamily="2" charset="77"/>
+                <a:cs typeface="Arial" panose="020B0604020202020204" pitchFamily="34" charset="0"/>
+              </a:rPr>
+              <a:t>.</a:t>
+            </a:r>
+          </a:p>
+          <a:p>
+            <a:endParaRPr lang="en-US" sz="1600" dirty="0">
+              <a:latin typeface="Satoshi" pitchFamily="2" charset="77"/>
+              <a:cs typeface="Arial" panose="020B0604020202020204" pitchFamily="34" charset="0"/>
+            </a:endParaRPr>
+          </a:p>
+          <a:p>
+            <a:r>
+              <a:rPr lang="en-US" sz="1600" dirty="0">
+                <a:latin typeface="Satoshi" pitchFamily="2" charset="77"/>
+                <a:cs typeface="Arial" panose="020B0604020202020204" pitchFamily="34" charset="0"/>
+              </a:rPr>
+              <a:t>Frontiers in Immunology. A case of AOSD caused by a novel splicing mutation in TNFAIP3 successfully treated with tocilizumab. </a:t>
+            </a:r>
+            <a:r>
+              <a:rPr lang="en-US" sz="1600" dirty="0">
+                <a:latin typeface="Satoshi" pitchFamily="2" charset="77"/>
+                <a:cs typeface="Arial" panose="020B0604020202020204" pitchFamily="34" charset="0"/>
+                <a:hlinkClick r:id="rId4"/>
+              </a:rPr>
+              <a:t>10.3389/fimmu.2018.01527</a:t>
+            </a:r>
+            <a:r>
+              <a:rPr lang="en-US" sz="1600" dirty="0">
+                <a:latin typeface="Satoshi" pitchFamily="2" charset="77"/>
+                <a:cs typeface="Arial" panose="020B0604020202020204" pitchFamily="34" charset="0"/>
+              </a:rPr>
+              <a:t> </a:t>
+            </a:r>
+            <a:r>
+              <a:rPr lang="en-US" sz="1600" i="1" dirty="0">
+                <a:latin typeface="Satoshi" pitchFamily="2" charset="77"/>
+                <a:cs typeface="Arial" panose="020B0604020202020204" pitchFamily="34" charset="0"/>
+              </a:rPr>
+              <a:t>D. Lawless, et al</a:t>
+            </a:r>
+            <a:r>
+              <a:rPr lang="en-US" sz="1600" dirty="0">
+                <a:latin typeface="Satoshi" pitchFamily="2" charset="77"/>
+                <a:cs typeface="Arial" panose="020B0604020202020204" pitchFamily="34" charset="0"/>
+              </a:rPr>
+              <a:t>.</a:t>
+            </a:r>
+          </a:p>
+          <a:p>
+            <a:endParaRPr lang="en-US" sz="1600" dirty="0">
+              <a:latin typeface="Satoshi" pitchFamily="2" charset="77"/>
+              <a:cs typeface="Arial" panose="020B0604020202020204" pitchFamily="34" charset="0"/>
+            </a:endParaRPr>
+          </a:p>
+          <a:p>
+            <a:r>
+              <a:rPr lang="en-US" sz="1600" dirty="0">
+                <a:latin typeface="Satoshi" pitchFamily="2" charset="77"/>
+                <a:cs typeface="Arial" panose="020B0604020202020204" pitchFamily="34" charset="0"/>
+              </a:rPr>
+              <a:t>Blood. Germline TET2 Loss-Of-Function Causes Childhood Immunodeficiency and Lymphoma. </a:t>
+            </a:r>
+            <a:r>
+              <a:rPr lang="en-US" sz="1600" dirty="0">
+                <a:latin typeface="Satoshi" pitchFamily="2" charset="77"/>
+                <a:cs typeface="Arial" panose="020B0604020202020204" pitchFamily="34" charset="0"/>
+                <a:hlinkClick r:id="rId5"/>
+              </a:rPr>
+              <a:t>10.1182/blood.2020005844</a:t>
+            </a:r>
+            <a:r>
+              <a:rPr lang="en-US" sz="1600" dirty="0">
+                <a:latin typeface="Satoshi" pitchFamily="2" charset="77"/>
+                <a:cs typeface="Arial" panose="020B0604020202020204" pitchFamily="34" charset="0"/>
+              </a:rPr>
+              <a:t> </a:t>
+            </a:r>
+            <a:r>
+              <a:rPr lang="en-US" sz="1600" i="1" dirty="0">
+                <a:latin typeface="Satoshi" pitchFamily="2" charset="77"/>
+                <a:cs typeface="Arial" panose="020B0604020202020204" pitchFamily="34" charset="0"/>
+              </a:rPr>
+              <a:t>J. </a:t>
+            </a:r>
+            <a:r>
+              <a:rPr lang="en-US" sz="1600" i="1" dirty="0" err="1">
+                <a:latin typeface="Satoshi" pitchFamily="2" charset="77"/>
+                <a:cs typeface="Arial" panose="020B0604020202020204" pitchFamily="34" charset="0"/>
+              </a:rPr>
+              <a:t>Spegarova</a:t>
+            </a:r>
+            <a:r>
+              <a:rPr lang="en-US" sz="1600" i="1" dirty="0">
+                <a:latin typeface="Satoshi" pitchFamily="2" charset="77"/>
+                <a:cs typeface="Arial" panose="020B0604020202020204" pitchFamily="34" charset="0"/>
+              </a:rPr>
+              <a:t>, and D. Lawless, et a</a:t>
+            </a:r>
+            <a:r>
+              <a:rPr lang="en-US" sz="1600" dirty="0">
+                <a:latin typeface="Satoshi" pitchFamily="2" charset="77"/>
+                <a:cs typeface="Arial" panose="020B0604020202020204" pitchFamily="34" charset="0"/>
+              </a:rPr>
+              <a:t>l.</a:t>
+            </a:r>
+          </a:p>
+          <a:p>
+            <a:endParaRPr lang="en-US" sz="1600" dirty="0">
+              <a:latin typeface="Satoshi" pitchFamily="2" charset="77"/>
+              <a:cs typeface="Arial" panose="020B0604020202020204" pitchFamily="34" charset="0"/>
+            </a:endParaRPr>
+          </a:p>
+          <a:p>
+            <a:r>
+              <a:rPr lang="en-US" sz="1600" dirty="0">
+                <a:latin typeface="Satoshi" pitchFamily="2" charset="77"/>
+                <a:cs typeface="Arial" panose="020B0604020202020204" pitchFamily="34" charset="0"/>
+              </a:rPr>
+              <a:t>JACI-D-22-00926 (in-press) Prevalence of CFTR variants in PID patients with bronchiectasis - an important modifying co-factor. </a:t>
+            </a:r>
+            <a:r>
+              <a:rPr lang="en-US" sz="1600" i="1" dirty="0">
+                <a:latin typeface="Satoshi" pitchFamily="2" charset="77"/>
+                <a:cs typeface="Arial" panose="020B0604020202020204" pitchFamily="34" charset="0"/>
+              </a:rPr>
+              <a:t>D. Lawless, et al</a:t>
+            </a:r>
+            <a:r>
+              <a:rPr lang="en-US" sz="1600" dirty="0">
+                <a:latin typeface="Satoshi" pitchFamily="2" charset="77"/>
+                <a:cs typeface="Arial" panose="020B0604020202020204" pitchFamily="34" charset="0"/>
+              </a:rPr>
+              <a:t>. </a:t>
+            </a:r>
+          </a:p>
+          <a:p>
+            <a:endParaRPr lang="en-US" sz="1600" dirty="0">
+              <a:latin typeface="Satoshi" pitchFamily="2" charset="77"/>
+              <a:cs typeface="Arial" panose="020B0604020202020204" pitchFamily="34" charset="0"/>
+            </a:endParaRPr>
+          </a:p>
+          <a:p>
+            <a:r>
+              <a:rPr lang="en-US" sz="2800" dirty="0">
+                <a:latin typeface="Satoshi" pitchFamily="2" charset="77"/>
+                <a:cs typeface="Arial" panose="020B0604020202020204" pitchFamily="34" charset="0"/>
+              </a:rPr>
+              <a:t>Viral epidemiology</a:t>
+            </a:r>
+          </a:p>
+          <a:p>
+            <a:pPr fontAlgn="base"/>
+            <a:r>
+              <a:rPr lang="en-US" sz="1600" dirty="0" err="1">
+                <a:latin typeface="Satoshi" pitchFamily="2" charset="77"/>
+                <a:cs typeface="Arial" panose="020B0604020202020204" pitchFamily="34" charset="0"/>
+              </a:rPr>
+              <a:t>medRxiv</a:t>
+            </a:r>
+            <a:r>
+              <a:rPr lang="en-US" sz="1600" dirty="0">
+                <a:latin typeface="Satoshi" pitchFamily="2" charset="77"/>
+                <a:cs typeface="Arial" panose="020B0604020202020204" pitchFamily="34" charset="0"/>
+              </a:rPr>
+              <a:t>. Viral genetic determinants of prolonged respiratory syncytial virus infection among infants in a healthy term birth cohort. </a:t>
+            </a:r>
+            <a:r>
+              <a:rPr lang="en-US" sz="1600" dirty="0">
+                <a:latin typeface="Satoshi" pitchFamily="2" charset="77"/>
+                <a:cs typeface="Arial" panose="020B0604020202020204" pitchFamily="34" charset="0"/>
+                <a:hlinkClick r:id="rId6"/>
+              </a:rPr>
+              <a:t>10.1101/2022.06.22.22276752</a:t>
+            </a:r>
+            <a:r>
+              <a:rPr lang="en-US" sz="1600" dirty="0">
+                <a:latin typeface="Satoshi" pitchFamily="2" charset="77"/>
+                <a:cs typeface="Arial" panose="020B0604020202020204" pitchFamily="34" charset="0"/>
+              </a:rPr>
+              <a:t> </a:t>
+            </a:r>
+            <a:r>
+              <a:rPr lang="en-US" sz="1600" i="1" dirty="0">
+                <a:latin typeface="Satoshi" pitchFamily="2" charset="77"/>
+                <a:cs typeface="Arial" panose="020B0604020202020204" pitchFamily="34" charset="0"/>
+              </a:rPr>
+              <a:t>D. Lawless, et al</a:t>
+            </a:r>
+            <a:r>
+              <a:rPr lang="en-US" sz="1600" dirty="0">
+                <a:latin typeface="Satoshi" pitchFamily="2" charset="77"/>
+                <a:cs typeface="Arial" panose="020B0604020202020204" pitchFamily="34" charset="0"/>
+              </a:rPr>
+              <a:t>.</a:t>
+            </a:r>
+          </a:p>
+          <a:p>
+            <a:pPr fontAlgn="base"/>
+            <a:endParaRPr lang="en-US" sz="1600" dirty="0">
+              <a:latin typeface="Satoshi" pitchFamily="2" charset="77"/>
+              <a:cs typeface="Arial" panose="020B0604020202020204" pitchFamily="34" charset="0"/>
+            </a:endParaRPr>
+          </a:p>
+          <a:p>
+            <a:pPr fontAlgn="base"/>
+            <a:r>
+              <a:rPr lang="en-US" sz="2800" dirty="0">
+                <a:latin typeface="Satoshi" pitchFamily="2" charset="77"/>
+                <a:cs typeface="Arial" panose="020B0604020202020204" pitchFamily="34" charset="0"/>
+              </a:rPr>
+              <a:t>Pharmacogenomic discovery pipeline</a:t>
+            </a:r>
+          </a:p>
+          <a:p>
+            <a:pPr fontAlgn="base"/>
+            <a:r>
+              <a:rPr lang="en-US" sz="1600" dirty="0">
+                <a:latin typeface="Satoshi" pitchFamily="2" charset="77"/>
+                <a:cs typeface="Arial" panose="020B0604020202020204" pitchFamily="34" charset="0"/>
+                <a:hlinkClick r:id="rId7"/>
+              </a:rPr>
+              <a:t>Pharmacogenomics for personal medicine </a:t>
+            </a:r>
+            <a:r>
+              <a:rPr lang="en-US" sz="1600" dirty="0">
+                <a:latin typeface="Satoshi" pitchFamily="2" charset="77"/>
+                <a:cs typeface="Arial" panose="020B0604020202020204" pitchFamily="34" charset="0"/>
+              </a:rPr>
+              <a:t>– x8 EPFL </a:t>
+            </a:r>
+            <a:r>
+              <a:rPr lang="en-US" sz="1600" dirty="0">
+                <a:latin typeface="Satoshi" pitchFamily="2" charset="77"/>
+                <a:cs typeface="Arial" panose="020B0604020202020204" pitchFamily="34" charset="0"/>
+                <a:hlinkClick r:id="rId8"/>
+              </a:rPr>
+              <a:t>MSc projects </a:t>
+            </a:r>
+            <a:r>
+              <a:rPr lang="en-US" sz="1600" dirty="0">
+                <a:latin typeface="Satoshi" pitchFamily="2" charset="77"/>
+                <a:cs typeface="Arial" panose="020B0604020202020204" pitchFamily="34" charset="0"/>
+              </a:rPr>
+              <a:t>(2019-2022) for </a:t>
+            </a:r>
+            <a:r>
+              <a:rPr lang="en-US" sz="1600" dirty="0">
+                <a:latin typeface="Satoshi" pitchFamily="2" charset="77"/>
+                <a:cs typeface="Arial" panose="020B0604020202020204" pitchFamily="34" charset="0"/>
+                <a:hlinkClick r:id="rId9"/>
+              </a:rPr>
+              <a:t>Health 2030</a:t>
+            </a:r>
+            <a:r>
+              <a:rPr lang="en-US" sz="1600" dirty="0">
+                <a:latin typeface="Satoshi" pitchFamily="2" charset="77"/>
+                <a:cs typeface="Arial" panose="020B0604020202020204" pitchFamily="34" charset="0"/>
+              </a:rPr>
+              <a:t> initiative</a:t>
+            </a:r>
+            <a:r>
+              <a:rPr lang="en-US" sz="1400" dirty="0">
+                <a:latin typeface="Satoshi" pitchFamily="2" charset="77"/>
+                <a:cs typeface="Arial" panose="020B0604020202020204" pitchFamily="34" charset="0"/>
+              </a:rPr>
+              <a:t>.</a:t>
+            </a:r>
+          </a:p>
+        </p:txBody>
+      </p:sp>
+      <p:sp>
+        <p:nvSpPr>
+          <p:cNvPr id="4" name="Slide Number Placeholder 3">
+            <a:extLst>
+              <a:ext uri="{FF2B5EF4-FFF2-40B4-BE49-F238E27FC236}">
+                <a16:creationId xmlns:a16="http://schemas.microsoft.com/office/drawing/2014/main" id="{07C41D95-4620-744C-A027-73DC2CF6D946}"/>
+              </a:ext>
+            </a:extLst>
+          </p:cNvPr>
+          <p:cNvSpPr>
+            <a:spLocks noGrp="1"/>
+          </p:cNvSpPr>
+          <p:nvPr>
+            <p:ph type="sldNum" sz="quarter" idx="12"/>
+          </p:nvPr>
+        </p:nvSpPr>
+        <p:spPr/>
+        <p:txBody>
+          <a:bodyPr/>
+          <a:lstStyle/>
+          <a:p>
+            <a:fld id="{7D802B9E-106D-D046-81E6-3ADE87F72260}" type="slidenum">
+              <a:rPr lang="en-GB" smtClean="0"/>
+              <a:t>18</a:t>
+            </a:fld>
+            <a:r>
+              <a:rPr lang="en-GB"/>
+              <a:t> of 20</a:t>
+            </a:r>
+            <a:endParaRPr lang="en-GB" dirty="0"/>
+          </a:p>
+        </p:txBody>
+      </p:sp>
+    </p:spTree>
+    <p:extLst>
+      <p:ext uri="{BB962C8B-B14F-4D97-AF65-F5344CB8AC3E}">
+        <p14:creationId xmlns:p14="http://schemas.microsoft.com/office/powerpoint/2010/main" val="304443617"/>
+      </p:ext>
+    </p:extLst>
+  </p:cSld>
+  <p:clrMapOvr>
+    <a:masterClrMapping/>
+  </p:clrMapOvr>
+</p:sld>
+</file>
+
+<file path=ppt/slides/slide19.xml><?xml version="1.0" encoding="utf-8"?>
+<p:sld xmlns:a="http://schemas.openxmlformats.org/drawingml/2006/main" xmlns:r="http://schemas.openxmlformats.org/officeDocument/2006/relationships" xmlns:p="http://schemas.openxmlformats.org/presentationml/2006/main">
+  <p:cSld>
+    <p:spTree>
+      <p:nvGrpSpPr>
+        <p:cNvPr id="1" name=""/>
+        <p:cNvGrpSpPr/>
+        <p:nvPr/>
+      </p:nvGrpSpPr>
+      <p:grpSpPr>
+        <a:xfrm>
+          <a:off x="0" y="0"/>
+          <a:ext cx="0" cy="0"/>
+          <a:chOff x="0" y="0"/>
+          <a:chExt cx="0" cy="0"/>
+        </a:xfrm>
+      </p:grpSpPr>
+      <p:sp>
+        <p:nvSpPr>
+          <p:cNvPr id="6" name="TextBox 5">
+            <a:extLst>
+              <a:ext uri="{FF2B5EF4-FFF2-40B4-BE49-F238E27FC236}">
+                <a16:creationId xmlns:a16="http://schemas.microsoft.com/office/drawing/2014/main" id="{69C87357-E556-304D-B9EB-9FF2860BEEC6}"/>
+              </a:ext>
+            </a:extLst>
+          </p:cNvPr>
+          <p:cNvSpPr txBox="1"/>
+          <p:nvPr/>
+        </p:nvSpPr>
+        <p:spPr>
+          <a:xfrm>
+            <a:off x="1674743" y="582067"/>
+            <a:ext cx="9800977" cy="5447645"/>
+          </a:xfrm>
+          <a:prstGeom prst="rect">
+            <a:avLst/>
+          </a:prstGeom>
+          <a:noFill/>
+        </p:spPr>
+        <p:txBody>
+          <a:bodyPr wrap="square" rtlCol="0">
+            <a:spAutoFit/>
+          </a:bodyPr>
+          <a:lstStyle/>
+          <a:p>
+            <a:r>
+              <a:rPr lang="en-US" sz="2800" dirty="0">
+                <a:latin typeface="Satoshi" pitchFamily="2" charset="77"/>
+                <a:cs typeface="Arial" panose="020B0604020202020204" pitchFamily="34" charset="0"/>
+              </a:rPr>
+              <a:t>Who would take a prototype today ?</a:t>
+            </a:r>
+          </a:p>
+          <a:p>
+            <a:endParaRPr lang="en-US" sz="2800" dirty="0">
+              <a:latin typeface="Satoshi" pitchFamily="2" charset="77"/>
+              <a:cs typeface="Arial" panose="020B0604020202020204" pitchFamily="34" charset="0"/>
+            </a:endParaRPr>
+          </a:p>
+          <a:p>
+            <a:r>
+              <a:rPr lang="en-US" sz="2800" dirty="0">
+                <a:latin typeface="Satoshi" pitchFamily="2" charset="77"/>
+                <a:cs typeface="Arial" panose="020B0604020202020204" pitchFamily="34" charset="0"/>
+              </a:rPr>
+              <a:t>Personalized medicine</a:t>
+            </a:r>
+          </a:p>
+          <a:p>
+            <a:r>
+              <a:rPr lang="en-US" sz="2000" dirty="0">
+                <a:latin typeface="Satoshi" pitchFamily="2" charset="77"/>
+                <a:cs typeface="Arial" panose="020B0604020202020204" pitchFamily="34" charset="0"/>
+                <a:hlinkClick r:id="rId3"/>
+              </a:rPr>
+              <a:t>Swiss Personalized Health Network</a:t>
+            </a:r>
+            <a:endParaRPr lang="en-US" sz="2000" dirty="0">
+              <a:latin typeface="Satoshi" pitchFamily="2" charset="77"/>
+              <a:cs typeface="Arial" panose="020B0604020202020204" pitchFamily="34" charset="0"/>
+            </a:endParaRPr>
+          </a:p>
+          <a:p>
+            <a:r>
+              <a:rPr lang="en-US" sz="2000" dirty="0">
+                <a:latin typeface="Satoshi" pitchFamily="2" charset="77"/>
+                <a:cs typeface="Arial" panose="020B0604020202020204" pitchFamily="34" charset="0"/>
+                <a:hlinkClick r:id="rId4"/>
+              </a:rPr>
+              <a:t>Health 2030, Swiss Hospitals</a:t>
+            </a:r>
+            <a:endParaRPr lang="en-US" sz="2000" dirty="0">
+              <a:latin typeface="Satoshi" pitchFamily="2" charset="77"/>
+              <a:cs typeface="Arial" panose="020B0604020202020204" pitchFamily="34" charset="0"/>
+            </a:endParaRPr>
+          </a:p>
+          <a:p>
+            <a:endParaRPr lang="en-US" sz="2800" dirty="0">
+              <a:latin typeface="Satoshi" pitchFamily="2" charset="77"/>
+              <a:cs typeface="Arial" panose="020B0604020202020204" pitchFamily="34" charset="0"/>
+            </a:endParaRPr>
+          </a:p>
+          <a:p>
+            <a:r>
+              <a:rPr lang="en-US" sz="2800" dirty="0">
+                <a:latin typeface="Satoshi" pitchFamily="2" charset="77"/>
+                <a:cs typeface="Arial" panose="020B0604020202020204" pitchFamily="34" charset="0"/>
+              </a:rPr>
+              <a:t>Clinical genetics</a:t>
+            </a:r>
+            <a:br>
+              <a:rPr lang="en-US" sz="2000" dirty="0">
+                <a:latin typeface="Satoshi" pitchFamily="2" charset="77"/>
+                <a:cs typeface="Arial" panose="020B0604020202020204" pitchFamily="34" charset="0"/>
+              </a:rPr>
+            </a:br>
+            <a:r>
+              <a:rPr lang="en-US" sz="2000" dirty="0">
+                <a:latin typeface="Satoshi" pitchFamily="2" charset="77"/>
+                <a:cs typeface="Arial" panose="020B0604020202020204" pitchFamily="34" charset="0"/>
+                <a:hlinkClick r:id="rId5"/>
+              </a:rPr>
+              <a:t>Blueprint Genetics, US</a:t>
+            </a:r>
+            <a:endParaRPr lang="en-US" sz="2000" dirty="0">
+              <a:latin typeface="Satoshi" pitchFamily="2" charset="77"/>
+              <a:cs typeface="Arial" panose="020B0604020202020204" pitchFamily="34" charset="0"/>
+            </a:endParaRPr>
+          </a:p>
+          <a:p>
+            <a:r>
+              <a:rPr lang="en-US" sz="2000" dirty="0">
+                <a:latin typeface="Satoshi" pitchFamily="2" charset="77"/>
+                <a:cs typeface="Arial" panose="020B0604020202020204" pitchFamily="34" charset="0"/>
+                <a:hlinkClick r:id="rId6"/>
+              </a:rPr>
+              <a:t>Dante labs, Italy</a:t>
+            </a:r>
+            <a:endParaRPr lang="en-US" sz="2000" dirty="0">
+              <a:latin typeface="Satoshi" pitchFamily="2" charset="77"/>
+              <a:cs typeface="Arial" panose="020B0604020202020204" pitchFamily="34" charset="0"/>
+            </a:endParaRPr>
+          </a:p>
+          <a:p>
+            <a:r>
+              <a:rPr lang="en-US" sz="2000" dirty="0">
+                <a:latin typeface="Satoshi" pitchFamily="2" charset="77"/>
+                <a:cs typeface="Arial" panose="020B0604020202020204" pitchFamily="34" charset="0"/>
+                <a:hlinkClick r:id="rId7"/>
+              </a:rPr>
+              <a:t>Sophia genetics, Swsiss, US</a:t>
+            </a:r>
+            <a:endParaRPr lang="en-US" sz="2000" dirty="0">
+              <a:latin typeface="Satoshi" pitchFamily="2" charset="77"/>
+              <a:cs typeface="Arial" panose="020B0604020202020204" pitchFamily="34" charset="0"/>
+            </a:endParaRPr>
+          </a:p>
+          <a:p>
+            <a:r>
+              <a:rPr lang="en-US" sz="2000" dirty="0">
+                <a:latin typeface="Satoshi" pitchFamily="2" charset="77"/>
+                <a:cs typeface="Arial" panose="020B0604020202020204" pitchFamily="34" charset="0"/>
+                <a:hlinkClick r:id="rId8"/>
+              </a:rPr>
+              <a:t>BGI, China</a:t>
+            </a:r>
+            <a:endParaRPr lang="en-US" sz="2000" dirty="0">
+              <a:latin typeface="Satoshi" pitchFamily="2" charset="77"/>
+              <a:cs typeface="Arial" panose="020B0604020202020204" pitchFamily="34" charset="0"/>
+            </a:endParaRPr>
+          </a:p>
+          <a:p>
+            <a:r>
+              <a:rPr lang="en-US" sz="2000" dirty="0">
+                <a:latin typeface="Satoshi" pitchFamily="2" charset="77"/>
+                <a:cs typeface="Arial" panose="020B0604020202020204" pitchFamily="34" charset="0"/>
+                <a:hlinkClick r:id="rId9"/>
+              </a:rPr>
+              <a:t>Genomics England, UK</a:t>
+            </a:r>
+            <a:endParaRPr lang="en-US" sz="2000" dirty="0">
+              <a:latin typeface="Satoshi" pitchFamily="2" charset="77"/>
+              <a:cs typeface="Arial" panose="020B0604020202020204" pitchFamily="34" charset="0"/>
+            </a:endParaRPr>
+          </a:p>
+          <a:p>
+            <a:endParaRPr lang="en-US" sz="2000" dirty="0">
+              <a:latin typeface="Satoshi" pitchFamily="2" charset="77"/>
+              <a:cs typeface="Arial" panose="020B0604020202020204" pitchFamily="34" charset="0"/>
+            </a:endParaRPr>
+          </a:p>
+          <a:p>
+            <a:r>
+              <a:rPr lang="en-US" sz="2800" dirty="0">
+                <a:latin typeface="Satoshi" pitchFamily="2" charset="77"/>
+                <a:cs typeface="Arial" panose="020B0604020202020204" pitchFamily="34" charset="0"/>
+              </a:rPr>
+              <a:t>Pharma</a:t>
+            </a:r>
+          </a:p>
+          <a:p>
+            <a:r>
+              <a:rPr lang="en-US" sz="2000" dirty="0">
+                <a:latin typeface="Satoshi" pitchFamily="2" charset="77"/>
+                <a:cs typeface="Arial" panose="020B0604020202020204" pitchFamily="34" charset="0"/>
+                <a:hlinkClick r:id="rId10"/>
+              </a:rPr>
+              <a:t>Novartis</a:t>
+            </a:r>
+            <a:r>
+              <a:rPr lang="en-US" sz="2000" dirty="0">
+                <a:latin typeface="Satoshi" pitchFamily="2" charset="77"/>
+                <a:cs typeface="Arial" panose="020B0604020202020204" pitchFamily="34" charset="0"/>
+              </a:rPr>
+              <a:t>, </a:t>
+            </a:r>
+            <a:r>
+              <a:rPr lang="en-US" sz="2000" dirty="0">
+                <a:latin typeface="Satoshi" pitchFamily="2" charset="77"/>
+                <a:cs typeface="Arial" panose="020B0604020202020204" pitchFamily="34" charset="0"/>
+                <a:hlinkClick r:id="rId11"/>
+              </a:rPr>
+              <a:t>Roche</a:t>
+            </a:r>
+            <a:r>
+              <a:rPr lang="en-US" sz="2000" dirty="0">
+                <a:latin typeface="Satoshi" pitchFamily="2" charset="77"/>
+                <a:cs typeface="Arial" panose="020B0604020202020204" pitchFamily="34" charset="0"/>
+              </a:rPr>
+              <a:t>, </a:t>
+            </a:r>
+            <a:r>
+              <a:rPr lang="en-US" sz="2000" dirty="0">
+                <a:latin typeface="Satoshi" pitchFamily="2" charset="77"/>
+                <a:cs typeface="Arial" panose="020B0604020202020204" pitchFamily="34" charset="0"/>
+                <a:hlinkClick r:id="rId12"/>
+              </a:rPr>
+              <a:t>Genentech</a:t>
+            </a:r>
+            <a:r>
+              <a:rPr lang="en-US" sz="2000" dirty="0">
+                <a:latin typeface="Satoshi" pitchFamily="2" charset="77"/>
+                <a:cs typeface="Arial" panose="020B0604020202020204" pitchFamily="34" charset="0"/>
+              </a:rPr>
+              <a:t>, </a:t>
+            </a:r>
+            <a:r>
+              <a:rPr lang="en-US" sz="2000" dirty="0">
+                <a:latin typeface="Satoshi" pitchFamily="2" charset="77"/>
+                <a:cs typeface="Arial" panose="020B0604020202020204" pitchFamily="34" charset="0"/>
+                <a:hlinkClick r:id="rId13"/>
+              </a:rPr>
+              <a:t>J&amp;J</a:t>
+            </a:r>
+            <a:r>
+              <a:rPr lang="en-US" sz="2000" dirty="0">
+                <a:latin typeface="Satoshi" pitchFamily="2" charset="77"/>
+                <a:cs typeface="Arial" panose="020B0604020202020204" pitchFamily="34" charset="0"/>
+              </a:rPr>
+              <a:t>, etc.</a:t>
+            </a:r>
+          </a:p>
+        </p:txBody>
+      </p:sp>
+      <p:sp>
+        <p:nvSpPr>
+          <p:cNvPr id="4" name="Slide Number Placeholder 3">
+            <a:extLst>
+              <a:ext uri="{FF2B5EF4-FFF2-40B4-BE49-F238E27FC236}">
+                <a16:creationId xmlns:a16="http://schemas.microsoft.com/office/drawing/2014/main" id="{E7786576-1311-C545-B0C0-005E80A41905}"/>
+              </a:ext>
+            </a:extLst>
+          </p:cNvPr>
+          <p:cNvSpPr>
+            <a:spLocks noGrp="1"/>
+          </p:cNvSpPr>
+          <p:nvPr>
+            <p:ph type="sldNum" sz="quarter" idx="12"/>
+          </p:nvPr>
+        </p:nvSpPr>
+        <p:spPr/>
+        <p:txBody>
+          <a:bodyPr/>
+          <a:lstStyle/>
+          <a:p>
+            <a:fld id="{7D802B9E-106D-D046-81E6-3ADE87F72260}" type="slidenum">
+              <a:rPr lang="en-GB" smtClean="0"/>
+              <a:t>19</a:t>
+            </a:fld>
+            <a:r>
+              <a:rPr lang="en-GB"/>
+              <a:t> of 20</a:t>
+            </a:r>
+            <a:endParaRPr lang="en-GB" dirty="0"/>
+          </a:p>
+        </p:txBody>
+      </p:sp>
+    </p:spTree>
+    <p:extLst>
+      <p:ext uri="{BB962C8B-B14F-4D97-AF65-F5344CB8AC3E}">
+        <p14:creationId xmlns:p14="http://schemas.microsoft.com/office/powerpoint/2010/main" val="2879918176"/>
+      </p:ext>
+    </p:extLst>
+  </p:cSld>
+  <p:clrMapOvr>
+    <a:masterClrMapping/>
+  </p:clrMapOvr>
+</p:sld>
+</file>
+
+<file path=ppt/slides/slide2.xml><?xml version="1.0" encoding="utf-8"?>
+<p:sld xmlns:a="http://schemas.openxmlformats.org/drawingml/2006/main" xmlns:r="http://schemas.openxmlformats.org/officeDocument/2006/relationships" xmlns:p="http://schemas.openxmlformats.org/presentationml/2006/main">
+  <p:cSld>
+    <p:spTree>
+      <p:nvGrpSpPr>
+        <p:cNvPr id="1" name=""/>
+        <p:cNvGrpSpPr/>
+        <p:nvPr/>
+      </p:nvGrpSpPr>
+      <p:grpSpPr>
+        <a:xfrm>
+          <a:off x="0" y="0"/>
+          <a:ext cx="0" cy="0"/>
+          <a:chOff x="0" y="0"/>
+          <a:chExt cx="0" cy="0"/>
+        </a:xfrm>
+      </p:grpSpPr>
+      <p:sp>
+        <p:nvSpPr>
+          <p:cNvPr id="6" name="TextBox 5">
+            <a:extLst>
+              <a:ext uri="{FF2B5EF4-FFF2-40B4-BE49-F238E27FC236}">
+                <a16:creationId xmlns:a16="http://schemas.microsoft.com/office/drawing/2014/main" id="{69C87357-E556-304D-B9EB-9FF2860BEEC6}"/>
+              </a:ext>
+            </a:extLst>
+          </p:cNvPr>
+          <p:cNvSpPr txBox="1"/>
+          <p:nvPr/>
+        </p:nvSpPr>
+        <p:spPr>
+          <a:xfrm>
+            <a:off x="2768336" y="1659285"/>
+            <a:ext cx="6655327" cy="3539430"/>
+          </a:xfrm>
+          <a:prstGeom prst="rect">
+            <a:avLst/>
+          </a:prstGeom>
+          <a:noFill/>
+        </p:spPr>
+        <p:txBody>
+          <a:bodyPr wrap="square" rtlCol="0">
+            <a:spAutoFit/>
+          </a:bodyPr>
+          <a:lstStyle/>
+          <a:p>
+            <a:pPr algn="ctr"/>
+            <a:r>
+              <a:rPr lang="en-GB" sz="2800" dirty="0">
+                <a:latin typeface="Satoshi" pitchFamily="2" charset="77"/>
+              </a:rPr>
+              <a:t>A patient walks into hospital. </a:t>
+            </a:r>
+          </a:p>
+          <a:p>
+            <a:pPr algn="ctr"/>
+            <a:endParaRPr lang="en-GB" sz="2800" dirty="0">
+              <a:latin typeface="Satoshi" pitchFamily="2" charset="77"/>
+            </a:endParaRPr>
+          </a:p>
+          <a:p>
+            <a:pPr algn="ctr"/>
+            <a:r>
+              <a:rPr lang="en-GB" sz="2800" dirty="0">
+                <a:latin typeface="Satoshi" pitchFamily="2" charset="77"/>
+              </a:rPr>
+              <a:t>The doctors says: </a:t>
+            </a:r>
+          </a:p>
+          <a:p>
+            <a:pPr algn="ctr"/>
+            <a:endParaRPr lang="en-GB" sz="2800" dirty="0">
+              <a:latin typeface="Satoshi" pitchFamily="2" charset="77"/>
+            </a:endParaRPr>
+          </a:p>
+          <a:p>
+            <a:pPr algn="ctr"/>
+            <a:r>
+              <a:rPr lang="en-GB" sz="2800" dirty="0">
+                <a:latin typeface="Satoshi" pitchFamily="2" charset="77"/>
+              </a:rPr>
+              <a:t>"We were expecting you.</a:t>
+            </a:r>
+          </a:p>
+          <a:p>
+            <a:pPr algn="ctr"/>
+            <a:endParaRPr lang="en-GB" sz="2800" dirty="0">
+              <a:latin typeface="Satoshi" pitchFamily="2" charset="77"/>
+            </a:endParaRPr>
+          </a:p>
+          <a:p>
+            <a:pPr algn="ctr"/>
+            <a:r>
+              <a:rPr lang="en-GB" sz="2800" dirty="0">
+                <a:latin typeface="Satoshi" pitchFamily="2" charset="77"/>
+              </a:rPr>
+              <a:t>"Yesterday we diagnosed your illness and have prepared your treatment plan."</a:t>
+            </a:r>
+          </a:p>
+        </p:txBody>
+      </p:sp>
+      <p:sp>
+        <p:nvSpPr>
+          <p:cNvPr id="4" name="Slide Number Placeholder 3">
+            <a:extLst>
+              <a:ext uri="{FF2B5EF4-FFF2-40B4-BE49-F238E27FC236}">
+                <a16:creationId xmlns:a16="http://schemas.microsoft.com/office/drawing/2014/main" id="{9C1DDBD9-CA7B-C646-BA2A-EAC42CAB1132}"/>
+              </a:ext>
+            </a:extLst>
+          </p:cNvPr>
+          <p:cNvSpPr>
+            <a:spLocks noGrp="1"/>
+          </p:cNvSpPr>
+          <p:nvPr>
+            <p:ph type="sldNum" sz="quarter" idx="12"/>
+          </p:nvPr>
+        </p:nvSpPr>
+        <p:spPr/>
+        <p:txBody>
+          <a:bodyPr/>
+          <a:lstStyle/>
+          <a:p>
+            <a:fld id="{7D802B9E-106D-D046-81E6-3ADE87F72260}" type="slidenum">
+              <a:rPr lang="en-GB" smtClean="0"/>
+              <a:t>2</a:t>
+            </a:fld>
+            <a:r>
+              <a:rPr lang="en-GB"/>
+              <a:t> of 20</a:t>
+            </a:r>
+            <a:endParaRPr lang="en-GB" dirty="0"/>
+          </a:p>
+        </p:txBody>
+      </p:sp>
+    </p:spTree>
+    <p:extLst>
+      <p:ext uri="{BB962C8B-B14F-4D97-AF65-F5344CB8AC3E}">
+        <p14:creationId xmlns:p14="http://schemas.microsoft.com/office/powerpoint/2010/main" val="2112844202"/>
+      </p:ext>
+    </p:extLst>
+  </p:cSld>
+  <p:clrMapOvr>
+    <a:masterClrMapping/>
+  </p:clrMapOvr>
+</p:sld>
+</file>
+
+<file path=ppt/slides/slide20.xml><?xml version="1.0" encoding="utf-8"?>
 <p:sld xmlns:a="http://schemas.openxmlformats.org/drawingml/2006/main" xmlns:r="http://schemas.openxmlformats.org/officeDocument/2006/relationships" xmlns:p="http://schemas.openxmlformats.org/presentationml/2006/main">
   <p:cSld>
     <p:spTree>
@@ -8688,121 +10115,43 @@
           </a:prstGeom>
         </p:spPr>
       </p:pic>
+      <p:sp>
+        <p:nvSpPr>
+          <p:cNvPr id="4" name="Slide Number Placeholder 3">
+            <a:extLst>
+              <a:ext uri="{FF2B5EF4-FFF2-40B4-BE49-F238E27FC236}">
+                <a16:creationId xmlns:a16="http://schemas.microsoft.com/office/drawing/2014/main" id="{905053B6-AB59-0649-8289-3E1DCE642951}"/>
+              </a:ext>
+            </a:extLst>
+          </p:cNvPr>
+          <p:cNvSpPr>
+            <a:spLocks noGrp="1"/>
+          </p:cNvSpPr>
+          <p:nvPr>
+            <p:ph type="sldNum" sz="quarter" idx="12"/>
+          </p:nvPr>
+        </p:nvSpPr>
+        <p:spPr/>
+        <p:txBody>
+          <a:bodyPr/>
+          <a:lstStyle/>
+          <a:p>
+            <a:fld id="{7D802B9E-106D-D046-81E6-3ADE87F72260}" type="slidenum">
+              <a:rPr lang="en-GB" smtClean="0"/>
+              <a:t>20</a:t>
+            </a:fld>
+            <a:r>
+              <a:rPr lang="en-GB"/>
+              <a:t> of 20</a:t>
+            </a:r>
+            <a:endParaRPr lang="en-GB" dirty="0"/>
+          </a:p>
+        </p:txBody>
+      </p:sp>
     </p:spTree>
     <p:extLst>
       <p:ext uri="{BB962C8B-B14F-4D97-AF65-F5344CB8AC3E}">
         <p14:creationId xmlns:p14="http://schemas.microsoft.com/office/powerpoint/2010/main" val="3113165657"/>
-      </p:ext>
-    </p:extLst>
-  </p:cSld>
-  <p:clrMapOvr>
-    <a:masterClrMapping/>
-  </p:clrMapOvr>
-</p:sld>
-</file>
-
-<file path=ppt/slides/slide2.xml><?xml version="1.0" encoding="utf-8"?>
-<p:sld xmlns:a="http://schemas.openxmlformats.org/drawingml/2006/main" xmlns:r="http://schemas.openxmlformats.org/officeDocument/2006/relationships" xmlns:p="http://schemas.openxmlformats.org/presentationml/2006/main">
-  <p:cSld>
-    <p:spTree>
-      <p:nvGrpSpPr>
-        <p:cNvPr id="1" name=""/>
-        <p:cNvGrpSpPr/>
-        <p:nvPr/>
-      </p:nvGrpSpPr>
-      <p:grpSpPr>
-        <a:xfrm>
-          <a:off x="0" y="0"/>
-          <a:ext cx="0" cy="0"/>
-          <a:chOff x="0" y="0"/>
-          <a:chExt cx="0" cy="0"/>
-        </a:xfrm>
-      </p:grpSpPr>
-      <p:sp>
-        <p:nvSpPr>
-          <p:cNvPr id="6" name="TextBox 5">
-            <a:extLst>
-              <a:ext uri="{FF2B5EF4-FFF2-40B4-BE49-F238E27FC236}">
-                <a16:creationId xmlns:a16="http://schemas.microsoft.com/office/drawing/2014/main" id="{69C87357-E556-304D-B9EB-9FF2860BEEC6}"/>
-              </a:ext>
-            </a:extLst>
-          </p:cNvPr>
-          <p:cNvSpPr txBox="1"/>
-          <p:nvPr/>
-        </p:nvSpPr>
-        <p:spPr>
-          <a:xfrm>
-            <a:off x="3084096" y="1659285"/>
-            <a:ext cx="6655327" cy="3970318"/>
-          </a:xfrm>
-          <a:prstGeom prst="rect">
-            <a:avLst/>
-          </a:prstGeom>
-          <a:noFill/>
-        </p:spPr>
-        <p:txBody>
-          <a:bodyPr wrap="square" rtlCol="0">
-            <a:spAutoFit/>
-          </a:bodyPr>
-          <a:lstStyle/>
-          <a:p>
-            <a:endParaRPr lang="en-GB" sz="2800" dirty="0">
-              <a:latin typeface="Satoshi" pitchFamily="2" charset="77"/>
-            </a:endParaRPr>
-          </a:p>
-          <a:p>
-            <a:r>
-              <a:rPr lang="en-GB" sz="2800" dirty="0">
-                <a:latin typeface="Satoshi" pitchFamily="2" charset="77"/>
-              </a:rPr>
-              <a:t>A man walks into hospital. </a:t>
-            </a:r>
-          </a:p>
-          <a:p>
-            <a:endParaRPr lang="en-GB" sz="2800" dirty="0">
-              <a:latin typeface="Satoshi" pitchFamily="2" charset="77"/>
-            </a:endParaRPr>
-          </a:p>
-          <a:p>
-            <a:r>
-              <a:rPr lang="en-GB" sz="2800" dirty="0">
-                <a:latin typeface="Satoshi" pitchFamily="2" charset="77"/>
-              </a:rPr>
-              <a:t>The doctors says: </a:t>
-            </a:r>
-          </a:p>
-          <a:p>
-            <a:endParaRPr lang="en-GB" sz="2800" dirty="0">
-              <a:latin typeface="Satoshi" pitchFamily="2" charset="77"/>
-            </a:endParaRPr>
-          </a:p>
-          <a:p>
-            <a:r>
-              <a:rPr lang="en-GB" sz="2800" dirty="0">
-                <a:latin typeface="Satoshi" pitchFamily="2" charset="77"/>
-              </a:rPr>
-              <a:t>"We were expecting you.</a:t>
-            </a:r>
-          </a:p>
-          <a:p>
-            <a:endParaRPr lang="en-GB" sz="2800" dirty="0">
-              <a:latin typeface="Satoshi" pitchFamily="2" charset="77"/>
-            </a:endParaRPr>
-          </a:p>
-          <a:p>
-            <a:r>
-              <a:rPr lang="en-GB" sz="2800" dirty="0">
-                <a:latin typeface="Satoshi" pitchFamily="2" charset="77"/>
-              </a:rPr>
-              <a:t>"Yesterday we diagnosed your illness and have prepared your treatment plan."</a:t>
-            </a:r>
-          </a:p>
-        </p:txBody>
-      </p:sp>
-    </p:spTree>
-    <p:extLst>
-      <p:ext uri="{BB962C8B-B14F-4D97-AF65-F5344CB8AC3E}">
-        <p14:creationId xmlns:p14="http://schemas.microsoft.com/office/powerpoint/2010/main" val="2112844202"/>
       </p:ext>
     </p:extLst>
   </p:cSld>
@@ -8891,18 +10240,20 @@
               </a:ext>
             </a:extLst>
           </p:cNvPr>
-          <p:cNvCxnSpPr/>
+          <p:cNvCxnSpPr>
+            <a:cxnSpLocks/>
+          </p:cNvCxnSpPr>
           <p:nvPr/>
         </p:nvCxnSpPr>
         <p:spPr>
           <a:xfrm flipH="1">
-            <a:off x="4572001" y="3890074"/>
-            <a:ext cx="3037668" cy="0"/>
+            <a:off x="4447712" y="3890074"/>
+            <a:ext cx="3355759" cy="0"/>
           </a:xfrm>
           <a:prstGeom prst="line">
             <a:avLst/>
           </a:prstGeom>
-          <a:ln>
+          <a:ln w="25400">
             <a:solidFill>
               <a:srgbClr val="C00000"/>
             </a:solidFill>
@@ -8923,6 +10274,39 @@
           </a:fontRef>
         </p:style>
       </p:cxnSp>
+      <p:sp>
+        <p:nvSpPr>
+          <p:cNvPr id="5" name="Slide Number Placeholder 4">
+            <a:extLst>
+              <a:ext uri="{FF2B5EF4-FFF2-40B4-BE49-F238E27FC236}">
+                <a16:creationId xmlns:a16="http://schemas.microsoft.com/office/drawing/2014/main" id="{846F3AF7-D406-FE43-ABFC-7C1A9E793598}"/>
+              </a:ext>
+            </a:extLst>
+          </p:cNvPr>
+          <p:cNvSpPr>
+            <a:spLocks noGrp="1"/>
+          </p:cNvSpPr>
+          <p:nvPr>
+            <p:ph type="sldNum" sz="quarter" idx="12"/>
+          </p:nvPr>
+        </p:nvSpPr>
+        <p:spPr/>
+        <p:txBody>
+          <a:bodyPr/>
+          <a:lstStyle/>
+          <a:p>
+            <a:fld id="{7D802B9E-106D-D046-81E6-3ADE87F72260}" type="slidenum">
+              <a:rPr lang="en-GB" smtClean="0"/>
+              <a:t>3</a:t>
+            </a:fld>
+            <a:r>
+              <a:rPr lang="en-GB"/>
+              <a:t> of 20</a:t>
+            </a:r>
+            <a:endParaRPr lang="en-GB" dirty="0"/>
+          </a:p>
+        </p:txBody>
+      </p:sp>
     </p:spTree>
     <p:extLst>
       <p:ext uri="{BB962C8B-B14F-4D97-AF65-F5344CB8AC3E}">
@@ -9015,6 +10399,39 @@
           </a:p>
         </p:txBody>
       </p:sp>
+      <p:sp>
+        <p:nvSpPr>
+          <p:cNvPr id="4" name="Slide Number Placeholder 3">
+            <a:extLst>
+              <a:ext uri="{FF2B5EF4-FFF2-40B4-BE49-F238E27FC236}">
+                <a16:creationId xmlns:a16="http://schemas.microsoft.com/office/drawing/2014/main" id="{F0505820-1D66-0447-90B0-0F7F4451C48B}"/>
+              </a:ext>
+            </a:extLst>
+          </p:cNvPr>
+          <p:cNvSpPr>
+            <a:spLocks noGrp="1"/>
+          </p:cNvSpPr>
+          <p:nvPr>
+            <p:ph type="sldNum" sz="quarter" idx="12"/>
+          </p:nvPr>
+        </p:nvSpPr>
+        <p:spPr/>
+        <p:txBody>
+          <a:bodyPr/>
+          <a:lstStyle/>
+          <a:p>
+            <a:fld id="{7D802B9E-106D-D046-81E6-3ADE87F72260}" type="slidenum">
+              <a:rPr lang="en-GB" smtClean="0"/>
+              <a:t>4</a:t>
+            </a:fld>
+            <a:r>
+              <a:rPr lang="en-GB"/>
+              <a:t> of 20</a:t>
+            </a:r>
+            <a:endParaRPr lang="en-GB" dirty="0"/>
+          </a:p>
+        </p:txBody>
+      </p:sp>
     </p:spTree>
     <p:extLst>
       <p:ext uri="{BB962C8B-B14F-4D97-AF65-F5344CB8AC3E}">
@@ -9059,8 +10476,8 @@
         </p:nvSpPr>
         <p:spPr>
           <a:xfrm>
-            <a:off x="3514082" y="2485779"/>
-            <a:ext cx="5163835" cy="954107"/>
+            <a:off x="3812733" y="2474893"/>
+            <a:ext cx="4879641" cy="954107"/>
           </a:xfrm>
           <a:prstGeom prst="rect">
             <a:avLst/>
@@ -9078,7 +10495,7 @@
               <a:rPr lang="en-GB" sz="2800" dirty="0">
                 <a:latin typeface="Satoshi" pitchFamily="2" charset="77"/>
               </a:rPr>
-              <a:t>How can I trust medicine from an algorithm?</a:t>
+              <a:t>How can I trust medicine from an algorithm ?</a:t>
             </a:r>
           </a:p>
         </p:txBody>
@@ -9097,8 +10514,8 @@
         </p:nvSpPr>
         <p:spPr>
           <a:xfrm>
-            <a:off x="6252554" y="5903893"/>
-            <a:ext cx="5939446" cy="954107"/>
+            <a:off x="6096000" y="5903893"/>
+            <a:ext cx="5685531" cy="954107"/>
           </a:xfrm>
           <a:prstGeom prst="rect">
             <a:avLst/>
@@ -9113,23 +10530,80 @@
           <a:p>
             <a:r>
               <a:rPr lang="en-GB" sz="2800" dirty="0">
-                <a:latin typeface="Satoshi" pitchFamily="2" charset="77"/>
-                <a:hlinkClick r:id="rId3"/>
-              </a:rPr>
-              <a:t>Video clip: Computers can not </a:t>
+                <a:solidFill>
+                  <a:srgbClr val="0070C0"/>
+                </a:solidFill>
+                <a:latin typeface="Satoshi" pitchFamily="2" charset="77"/>
+                <a:hlinkClick r:id="rId3">
+                  <a:extLst>
+                    <a:ext uri="{A12FA001-AC4F-418D-AE19-62706E023703}">
+                      <ahyp:hlinkClr xmlns:ahyp="http://schemas.microsoft.com/office/drawing/2018/hyperlinkcolor" val="tx"/>
+                    </a:ext>
+                  </a:extLst>
+                </a:hlinkClick>
+              </a:rPr>
+              <a:t>Video clip: 1992 “Computers can not </a:t>
             </a:r>
           </a:p>
           <a:p>
             <a:r>
               <a:rPr lang="en-GB" sz="2800" dirty="0">
-                <a:latin typeface="Satoshi" pitchFamily="2" charset="77"/>
-                <a:hlinkClick r:id="rId3"/>
+                <a:solidFill>
+                  <a:srgbClr val="0070C0"/>
+                </a:solidFill>
+                <a:latin typeface="Satoshi" pitchFamily="2" charset="77"/>
+                <a:hlinkClick r:id="rId3">
+                  <a:extLst>
+                    <a:ext uri="{A12FA001-AC4F-418D-AE19-62706E023703}">
+                      <ahyp:hlinkClr xmlns:ahyp="http://schemas.microsoft.com/office/drawing/2018/hyperlinkcolor" val="tx"/>
+                    </a:ext>
+                  </a:extLst>
+                </a:hlinkClick>
               </a:rPr>
               <a:t>replace AT&amp;T switchboard operators</a:t>
             </a:r>
-            <a:endParaRPr lang="en-GB" sz="2800" dirty="0">
-              <a:latin typeface="Satoshi" pitchFamily="2" charset="77"/>
-            </a:endParaRPr>
+            <a:r>
+              <a:rPr lang="en-GB" sz="2800" dirty="0">
+                <a:solidFill>
+                  <a:srgbClr val="0070C0"/>
+                </a:solidFill>
+                <a:latin typeface="Satoshi" pitchFamily="2" charset="77"/>
+              </a:rPr>
+              <a:t>.”</a:t>
+            </a:r>
+          </a:p>
+        </p:txBody>
+      </p:sp>
+      <p:sp>
+        <p:nvSpPr>
+          <p:cNvPr id="5" name="Slide Number Placeholder 4">
+            <a:extLst>
+              <a:ext uri="{FF2B5EF4-FFF2-40B4-BE49-F238E27FC236}">
+                <a16:creationId xmlns:a16="http://schemas.microsoft.com/office/drawing/2014/main" id="{DC5BD59D-726B-4D41-B6E3-64A264AD908F}"/>
+              </a:ext>
+            </a:extLst>
+          </p:cNvPr>
+          <p:cNvSpPr>
+            <a:spLocks noGrp="1"/>
+          </p:cNvSpPr>
+          <p:nvPr>
+            <p:ph type="sldNum" sz="quarter" idx="12"/>
+          </p:nvPr>
+        </p:nvSpPr>
+        <p:spPr/>
+        <p:txBody>
+          <a:bodyPr/>
+          <a:lstStyle/>
+          <a:p>
+            <a:fld id="{7D802B9E-106D-D046-81E6-3ADE87F72260}" type="slidenum">
+              <a:rPr lang="en-GB" smtClean="0"/>
+              <a:t>5</a:t>
+            </a:fld>
+            <a:r>
+              <a:rPr lang="en-GB"/>
+              <a:t> of 20</a:t>
+            </a:r>
+            <a:endParaRPr lang="en-GB" dirty="0"/>
           </a:p>
         </p:txBody>
       </p:sp>
@@ -9163,42 +10637,12 @@
           <a:chExt cx="0" cy="0"/>
         </a:xfrm>
       </p:grpSpPr>
-      <p:pic>
-        <p:nvPicPr>
-          <p:cNvPr id="8" name="Picture 7" descr="Text&#10;&#10;Description automatically generated">
+      <p:sp>
+        <p:nvSpPr>
+          <p:cNvPr id="3" name="TextBox 2">
             <a:extLst>
               <a:ext uri="{FF2B5EF4-FFF2-40B4-BE49-F238E27FC236}">
-                <a16:creationId xmlns:a16="http://schemas.microsoft.com/office/drawing/2014/main" id="{5A2A02EF-2B24-9D44-8742-F0907A958A3C}"/>
-              </a:ext>
-            </a:extLst>
-          </p:cNvPr>
-          <p:cNvPicPr>
-            <a:picLocks noChangeAspect="1"/>
-          </p:cNvPicPr>
-          <p:nvPr/>
-        </p:nvPicPr>
-        <p:blipFill>
-          <a:blip r:embed="rId3"/>
-          <a:stretch>
-            <a:fillRect/>
-          </a:stretch>
-        </p:blipFill>
-        <p:spPr>
-          <a:xfrm>
-            <a:off x="3387724" y="521603"/>
-            <a:ext cx="5416551" cy="3782157"/>
-          </a:xfrm>
-          <a:prstGeom prst="rect">
-            <a:avLst/>
-          </a:prstGeom>
-        </p:spPr>
-      </p:pic>
-      <p:sp>
-        <p:nvSpPr>
-          <p:cNvPr id="6" name="TextBox 5">
-            <a:extLst>
-              <a:ext uri="{FF2B5EF4-FFF2-40B4-BE49-F238E27FC236}">
-                <a16:creationId xmlns:a16="http://schemas.microsoft.com/office/drawing/2014/main" id="{CBF5D0EF-B176-DA44-A530-144C0A1A6616}"/>
+                <a16:creationId xmlns:a16="http://schemas.microsoft.com/office/drawing/2014/main" id="{8CC15DD8-399A-C74A-941F-905B66E6683B}"/>
               </a:ext>
             </a:extLst>
           </p:cNvPr>
@@ -9207,8 +10651,8 @@
         </p:nvSpPr>
         <p:spPr>
           <a:xfrm>
-            <a:off x="3434218" y="4088098"/>
-            <a:ext cx="6096000" cy="369332"/>
+            <a:off x="549227" y="1294586"/>
+            <a:ext cx="7501260" cy="3108543"/>
           </a:xfrm>
           <a:prstGeom prst="rect">
             <a:avLst/>
@@ -9216,29 +10660,56 @@
           <a:noFill/>
         </p:spPr>
         <p:txBody>
-          <a:bodyPr wrap="square">
+          <a:bodyPr wrap="square" rtlCol="0">
             <a:spAutoFit/>
           </a:bodyPr>
           <a:lstStyle/>
           <a:p>
             <a:r>
-              <a:rPr lang="en-US" dirty="0">
-                <a:solidFill>
-                  <a:srgbClr val="0000E9"/>
-                </a:solidFill>
-                <a:effectLst/>
-                <a:latin typeface="Satoshi" pitchFamily="2" charset="77"/>
-                <a:hlinkClick r:id="rId4"/>
-              </a:rPr>
-              <a:t>https://doi.org/10.1162/99608f92.f06c6e61</a:t>
-            </a:r>
-            <a:endParaRPr lang="en-US" dirty="0">
-              <a:solidFill>
-                <a:srgbClr val="0000E9"/>
-              </a:solidFill>
-              <a:effectLst/>
+              <a:rPr lang="en-GB" sz="2800" dirty="0">
+                <a:latin typeface="Satoshi" pitchFamily="2" charset="77"/>
+              </a:rPr>
+              <a:t>A patient has a severe illness.</a:t>
+            </a:r>
+          </a:p>
+          <a:p>
+            <a:endParaRPr lang="en-GB" sz="2800" dirty="0">
               <a:latin typeface="Satoshi" pitchFamily="2" charset="77"/>
             </a:endParaRPr>
+          </a:p>
+          <a:p>
+            <a:r>
+              <a:rPr lang="en-GB" sz="2800" dirty="0">
+                <a:latin typeface="Satoshi" pitchFamily="2" charset="77"/>
+              </a:rPr>
+              <a:t>The doctor can provide a treatment.</a:t>
+            </a:r>
+          </a:p>
+          <a:p>
+            <a:endParaRPr lang="en-GB" sz="2800" dirty="0">
+              <a:latin typeface="Satoshi" pitchFamily="2" charset="77"/>
+            </a:endParaRPr>
+          </a:p>
+          <a:p>
+            <a:r>
+              <a:rPr lang="en-GB" sz="2800" dirty="0">
+                <a:latin typeface="Satoshi" pitchFamily="2" charset="77"/>
+              </a:rPr>
+              <a:t>How can the doctor be sure ?</a:t>
+            </a:r>
+          </a:p>
+          <a:p>
+            <a:endParaRPr lang="en-GB" sz="2800" dirty="0">
+              <a:latin typeface="Satoshi" pitchFamily="2" charset="77"/>
+            </a:endParaRPr>
+          </a:p>
+          <a:p>
+            <a:r>
+              <a:rPr lang="en-GB" sz="2800" dirty="0">
+                <a:latin typeface="Satoshi" pitchFamily="2" charset="77"/>
+              </a:rPr>
+              <a:t>The doctor states the facts :</a:t>
+            </a:r>
           </a:p>
         </p:txBody>
       </p:sp>
@@ -9247,7 +10718,7 @@
           <p:cNvPr id="4" name="TextBox 3">
             <a:extLst>
               <a:ext uri="{FF2B5EF4-FFF2-40B4-BE49-F238E27FC236}">
-                <a16:creationId xmlns:a16="http://schemas.microsoft.com/office/drawing/2014/main" id="{B1B7A52E-C68A-C542-8D78-7A4BD204B0BA}"/>
+                <a16:creationId xmlns:a16="http://schemas.microsoft.com/office/drawing/2014/main" id="{58C2B578-F09E-8243-AB6E-CB5901805F1D}"/>
               </a:ext>
             </a:extLst>
           </p:cNvPr>
@@ -9256,8 +10727,8 @@
         </p:nvSpPr>
         <p:spPr>
           <a:xfrm>
-            <a:off x="3434218" y="5136068"/>
-            <a:ext cx="6096001" cy="1200329"/>
+            <a:off x="10272885" y="0"/>
+            <a:ext cx="1919115" cy="523220"/>
           </a:xfrm>
           <a:prstGeom prst="rect">
             <a:avLst/>
@@ -9265,57 +10736,57 @@
           <a:noFill/>
         </p:spPr>
         <p:txBody>
-          <a:bodyPr wrap="square" rtlCol="0">
+          <a:bodyPr wrap="none" rtlCol="0">
             <a:spAutoFit/>
           </a:bodyPr>
           <a:lstStyle/>
           <a:p>
             <a:r>
-              <a:rPr lang="en-GB" dirty="0">
-                <a:latin typeface="Satoshi" pitchFamily="2" charset="77"/>
-              </a:rPr>
-              <a:t>Related </a:t>
-            </a:r>
-            <a:r>
-              <a:rPr lang="en-GB" dirty="0" err="1">
-                <a:latin typeface="Satoshi" pitchFamily="2" charset="77"/>
-              </a:rPr>
-              <a:t>PopSci</a:t>
-            </a:r>
-            <a:r>
-              <a:rPr lang="en-GB" dirty="0">
-                <a:latin typeface="Satoshi" pitchFamily="2" charset="77"/>
-              </a:rPr>
-              <a:t> “</a:t>
-            </a:r>
-            <a:r>
-              <a:rPr lang="en-US" b="1" dirty="0">
-                <a:latin typeface="Satoshi" pitchFamily="2" charset="77"/>
-              </a:rPr>
-              <a:t>Stop Calling Everything AI, Machine-Learning Pioneer Says”</a:t>
-            </a:r>
-            <a:endParaRPr lang="en-GB" dirty="0">
-              <a:latin typeface="Satoshi" pitchFamily="2" charset="77"/>
-            </a:endParaRPr>
-          </a:p>
-          <a:p>
-            <a:r>
-              <a:rPr lang="en-GB" dirty="0">
-                <a:latin typeface="Satoshi" pitchFamily="2" charset="77"/>
-                <a:hlinkClick r:id="rId5"/>
-              </a:rPr>
-              <a:t>https://spectrum.ieee.org/stop-calling-everything-ai-machinelearning-pioneer-says</a:t>
-            </a:r>
-            <a:endParaRPr lang="en-GB" dirty="0">
-              <a:latin typeface="Satoshi" pitchFamily="2" charset="77"/>
-            </a:endParaRPr>
+              <a:rPr lang="en-GB" sz="2800" dirty="0">
+                <a:latin typeface="Satoshi" pitchFamily="2" charset="77"/>
+              </a:rPr>
+              <a:t>Case study</a:t>
+            </a:r>
+          </a:p>
+        </p:txBody>
+      </p:sp>
+      <p:sp>
+        <p:nvSpPr>
+          <p:cNvPr id="6" name="Slide Number Placeholder 5">
+            <a:extLst>
+              <a:ext uri="{FF2B5EF4-FFF2-40B4-BE49-F238E27FC236}">
+                <a16:creationId xmlns:a16="http://schemas.microsoft.com/office/drawing/2014/main" id="{9A6C7E9D-7C70-BC4D-B978-06E5E5604F22}"/>
+              </a:ext>
+            </a:extLst>
+          </p:cNvPr>
+          <p:cNvSpPr>
+            <a:spLocks noGrp="1"/>
+          </p:cNvSpPr>
+          <p:nvPr>
+            <p:ph type="sldNum" sz="quarter" idx="12"/>
+          </p:nvPr>
+        </p:nvSpPr>
+        <p:spPr/>
+        <p:txBody>
+          <a:bodyPr/>
+          <a:lstStyle/>
+          <a:p>
+            <a:fld id="{7D802B9E-106D-D046-81E6-3ADE87F72260}" type="slidenum">
+              <a:rPr lang="en-GB" smtClean="0"/>
+              <a:t>6</a:t>
+            </a:fld>
+            <a:r>
+              <a:rPr lang="en-GB"/>
+              <a:t> of 20</a:t>
+            </a:r>
+            <a:endParaRPr lang="en-GB" dirty="0"/>
           </a:p>
         </p:txBody>
       </p:sp>
     </p:spTree>
     <p:extLst>
       <p:ext uri="{BB962C8B-B14F-4D97-AF65-F5344CB8AC3E}">
-        <p14:creationId xmlns:p14="http://schemas.microsoft.com/office/powerpoint/2010/main" val="1511546064"/>
+        <p14:creationId xmlns:p14="http://schemas.microsoft.com/office/powerpoint/2010/main" val="3126985349"/>
       </p:ext>
     </p:extLst>
   </p:cSld>
@@ -9471,10 +10942,43 @@
           </a:p>
         </p:txBody>
       </p:sp>
+      <p:sp>
+        <p:nvSpPr>
+          <p:cNvPr id="6" name="Slide Number Placeholder 5">
+            <a:extLst>
+              <a:ext uri="{FF2B5EF4-FFF2-40B4-BE49-F238E27FC236}">
+                <a16:creationId xmlns:a16="http://schemas.microsoft.com/office/drawing/2014/main" id="{CBAB1A18-AB43-8B41-B65A-3DEDC3E821EC}"/>
+              </a:ext>
+            </a:extLst>
+          </p:cNvPr>
+          <p:cNvSpPr>
+            <a:spLocks noGrp="1"/>
+          </p:cNvSpPr>
+          <p:nvPr>
+            <p:ph type="sldNum" sz="quarter" idx="12"/>
+          </p:nvPr>
+        </p:nvSpPr>
+        <p:spPr/>
+        <p:txBody>
+          <a:bodyPr/>
+          <a:lstStyle/>
+          <a:p>
+            <a:fld id="{7D802B9E-106D-D046-81E6-3ADE87F72260}" type="slidenum">
+              <a:rPr lang="en-GB" smtClean="0"/>
+              <a:t>7</a:t>
+            </a:fld>
+            <a:r>
+              <a:rPr lang="en-GB"/>
+              <a:t> of 20</a:t>
+            </a:r>
+            <a:endParaRPr lang="en-GB" dirty="0"/>
+          </a:p>
+        </p:txBody>
+      </p:sp>
     </p:spTree>
     <p:extLst>
       <p:ext uri="{BB962C8B-B14F-4D97-AF65-F5344CB8AC3E}">
-        <p14:creationId xmlns:p14="http://schemas.microsoft.com/office/powerpoint/2010/main" val="3126985349"/>
+        <p14:creationId xmlns:p14="http://schemas.microsoft.com/office/powerpoint/2010/main" val="316638269"/>
       </p:ext>
     </p:extLst>
   </p:cSld>
@@ -9662,6 +11166,39 @@
           </a:ln>
         </p:spPr>
       </p:pic>
+      <p:sp>
+        <p:nvSpPr>
+          <p:cNvPr id="5" name="Slide Number Placeholder 4">
+            <a:extLst>
+              <a:ext uri="{FF2B5EF4-FFF2-40B4-BE49-F238E27FC236}">
+                <a16:creationId xmlns:a16="http://schemas.microsoft.com/office/drawing/2014/main" id="{90371966-9C48-4649-9B53-A2335C49BA14}"/>
+              </a:ext>
+            </a:extLst>
+          </p:cNvPr>
+          <p:cNvSpPr>
+            <a:spLocks noGrp="1"/>
+          </p:cNvSpPr>
+          <p:nvPr>
+            <p:ph type="sldNum" sz="quarter" idx="12"/>
+          </p:nvPr>
+        </p:nvSpPr>
+        <p:spPr/>
+        <p:txBody>
+          <a:bodyPr/>
+          <a:lstStyle/>
+          <a:p>
+            <a:fld id="{7D802B9E-106D-D046-81E6-3ADE87F72260}" type="slidenum">
+              <a:rPr lang="en-GB" smtClean="0"/>
+              <a:t>8</a:t>
+            </a:fld>
+            <a:r>
+              <a:rPr lang="en-GB"/>
+              <a:t> of 20</a:t>
+            </a:r>
+            <a:endParaRPr lang="en-GB" dirty="0"/>
+          </a:p>
+        </p:txBody>
+      </p:sp>
     </p:spTree>
     <p:extLst>
       <p:ext uri="{BB962C8B-B14F-4D97-AF65-F5344CB8AC3E}">
@@ -9888,6 +11425,39 @@
           </a:ln>
         </p:spPr>
       </p:pic>
+      <p:sp>
+        <p:nvSpPr>
+          <p:cNvPr id="7" name="Slide Number Placeholder 6">
+            <a:extLst>
+              <a:ext uri="{FF2B5EF4-FFF2-40B4-BE49-F238E27FC236}">
+                <a16:creationId xmlns:a16="http://schemas.microsoft.com/office/drawing/2014/main" id="{AAC8402B-3B3E-EC4D-AA2E-B9E613BE4D72}"/>
+              </a:ext>
+            </a:extLst>
+          </p:cNvPr>
+          <p:cNvSpPr>
+            <a:spLocks noGrp="1"/>
+          </p:cNvSpPr>
+          <p:nvPr>
+            <p:ph type="sldNum" sz="quarter" idx="12"/>
+          </p:nvPr>
+        </p:nvSpPr>
+        <p:spPr/>
+        <p:txBody>
+          <a:bodyPr/>
+          <a:lstStyle/>
+          <a:p>
+            <a:fld id="{7D802B9E-106D-D046-81E6-3ADE87F72260}" type="slidenum">
+              <a:rPr lang="en-GB" smtClean="0"/>
+              <a:t>9</a:t>
+            </a:fld>
+            <a:r>
+              <a:rPr lang="en-GB"/>
+              <a:t> of 20</a:t>
+            </a:r>
+            <a:endParaRPr lang="en-GB" dirty="0"/>
+          </a:p>
+        </p:txBody>
+      </p:sp>
     </p:spTree>
     <p:extLst>
       <p:ext uri="{BB962C8B-B14F-4D97-AF65-F5344CB8AC3E}">
@@ -10489,4 +12059,299 @@
     </a:ext>
   </a:extLst>
 </a:theme>
+</file>
+
+<file path=ppt/theme/theme3.xml><?xml version="1.0" encoding="utf-8"?>
+<a:theme xmlns:a="http://schemas.openxmlformats.org/drawingml/2006/main" name="Office Theme">
+  <a:themeElements>
+    <a:clrScheme name="Office">
+      <a:dk1>
+        <a:sysClr val="windowText" lastClr="000000"/>
+      </a:dk1>
+      <a:lt1>
+        <a:sysClr val="window" lastClr="FFFFFF"/>
+      </a:lt1>
+      <a:dk2>
+        <a:srgbClr val="44546A"/>
+      </a:dk2>
+      <a:lt2>
+        <a:srgbClr val="E7E6E6"/>
+      </a:lt2>
+      <a:accent1>
+        <a:srgbClr val="4472C4"/>
+      </a:accent1>
+      <a:accent2>
+        <a:srgbClr val="ED7D31"/>
+      </a:accent2>
+      <a:accent3>
+        <a:srgbClr val="A5A5A5"/>
+      </a:accent3>
+      <a:accent4>
+        <a:srgbClr val="FFC000"/>
+      </a:accent4>
+      <a:accent5>
+        <a:srgbClr val="5B9BD5"/>
+      </a:accent5>
+      <a:accent6>
+        <a:srgbClr val="70AD47"/>
+      </a:accent6>
+      <a:hlink>
+        <a:srgbClr val="0563C1"/>
+      </a:hlink>
+      <a:folHlink>
+        <a:srgbClr val="954F72"/>
+      </a:folHlink>
+    </a:clrScheme>
+    <a:fontScheme name="Office">
+      <a:majorFont>
+        <a:latin typeface="Calibri Light" panose="020F0302020204030204"/>
+        <a:ea typeface=""/>
+        <a:cs typeface=""/>
+        <a:font script="Jpan" typeface="游ゴシック Light"/>
+        <a:font script="Hang" typeface="맑은 고딕"/>
+        <a:font script="Hans" typeface="等线 Light"/>
+        <a:font script="Hant" typeface="新細明體"/>
+        <a:font script="Arab" typeface="Times New Roman"/>
+        <a:font script="Hebr" typeface="Times New Roman"/>
+        <a:font script="Thai" typeface="Angsana New"/>
+        <a:font script="Ethi" typeface="Nyala"/>
+        <a:font script="Beng" typeface="Vrinda"/>
+        <a:font script="Gujr" typeface="Shruti"/>
+        <a:font script="Khmr" typeface="MoolBoran"/>
+        <a:font script="Knda" typeface="Tunga"/>
+        <a:font script="Guru" typeface="Raavi"/>
+        <a:font script="Cans" typeface="Euphemia"/>
+        <a:font script="Cher" typeface="Plantagenet Cherokee"/>
+        <a:font script="Yiii" typeface="Microsoft Yi Baiti"/>
+        <a:font script="Tibt" typeface="Microsoft Himalaya"/>
+        <a:font script="Thaa" typeface="MV Boli"/>
+        <a:font script="Deva" typeface="Mangal"/>
+        <a:font script="Telu" typeface="Gautami"/>
+        <a:font script="Taml" typeface="Latha"/>
+        <a:font script="Syrc" typeface="Estrangelo Edessa"/>
+        <a:font script="Orya" typeface="Kalinga"/>
+        <a:font script="Mlym" typeface="Kartika"/>
+        <a:font script="Laoo" typeface="DokChampa"/>
+        <a:font script="Sinh" typeface="Iskoola Pota"/>
+        <a:font script="Mong" typeface="Mongolian Baiti"/>
+        <a:font script="Viet" typeface="Times New Roman"/>
+        <a:font script="Uigh" typeface="Microsoft Uighur"/>
+        <a:font script="Geor" typeface="Sylfaen"/>
+        <a:font script="Armn" typeface="Arial"/>
+        <a:font script="Bugi" typeface="Leelawadee UI"/>
+        <a:font script="Bopo" typeface="Microsoft JhengHei"/>
+        <a:font script="Java" typeface="Javanese Text"/>
+        <a:font script="Lisu" typeface="Segoe UI"/>
+        <a:font script="Mymr" typeface="Myanmar Text"/>
+        <a:font script="Nkoo" typeface="Ebrima"/>
+        <a:font script="Olck" typeface="Nirmala UI"/>
+        <a:font script="Osma" typeface="Ebrima"/>
+        <a:font script="Phag" typeface="Phagspa"/>
+        <a:font script="Syrn" typeface="Estrangelo Edessa"/>
+        <a:font script="Syrj" typeface="Estrangelo Edessa"/>
+        <a:font script="Syre" typeface="Estrangelo Edessa"/>
+        <a:font script="Sora" typeface="Nirmala UI"/>
+        <a:font script="Tale" typeface="Microsoft Tai Le"/>
+        <a:font script="Talu" typeface="Microsoft New Tai Lue"/>
+        <a:font script="Tfng" typeface="Ebrima"/>
+      </a:majorFont>
+      <a:minorFont>
+        <a:latin typeface="Calibri" panose="020F0502020204030204"/>
+        <a:ea typeface=""/>
+        <a:cs typeface=""/>
+        <a:font script="Jpan" typeface="游ゴシック"/>
+        <a:font script="Hang" typeface="맑은 고딕"/>
+        <a:font script="Hans" typeface="等线"/>
+        <a:font script="Hant" typeface="新細明體"/>
+        <a:font script="Arab" typeface="Arial"/>
+        <a:font script="Hebr" typeface="Arial"/>
+        <a:font script="Thai" typeface="Cordia New"/>
+        <a:font script="Ethi" typeface="Nyala"/>
+        <a:font script="Beng" typeface="Vrinda"/>
+        <a:font script="Gujr" typeface="Shruti"/>
+        <a:font script="Khmr" typeface="DaunPenh"/>
+        <a:font script="Knda" typeface="Tunga"/>
+        <a:font script="Guru" typeface="Raavi"/>
+        <a:font script="Cans" typeface="Euphemia"/>
+        <a:font script="Cher" typeface="Plantagenet Cherokee"/>
+        <a:font script="Yiii" typeface="Microsoft Yi Baiti"/>
+        <a:font script="Tibt" typeface="Microsoft Himalaya"/>
+        <a:font script="Thaa" typeface="MV Boli"/>
+        <a:font script="Deva" typeface="Mangal"/>
+        <a:font script="Telu" typeface="Gautami"/>
+        <a:font script="Taml" typeface="Latha"/>
+        <a:font script="Syrc" typeface="Estrangelo Edessa"/>
+        <a:font script="Orya" typeface="Kalinga"/>
+        <a:font script="Mlym" typeface="Kartika"/>
+        <a:font script="Laoo" typeface="DokChampa"/>
+        <a:font script="Sinh" typeface="Iskoola Pota"/>
+        <a:font script="Mong" typeface="Mongolian Baiti"/>
+        <a:font script="Viet" typeface="Arial"/>
+        <a:font script="Uigh" typeface="Microsoft Uighur"/>
+        <a:font script="Geor" typeface="Sylfaen"/>
+        <a:font script="Armn" typeface="Arial"/>
+        <a:font script="Bugi" typeface="Leelawadee UI"/>
+        <a:font script="Bopo" typeface="Microsoft JhengHei"/>
+        <a:font script="Java" typeface="Javanese Text"/>
+        <a:font script="Lisu" typeface="Segoe UI"/>
+        <a:font script="Mymr" typeface="Myanmar Text"/>
+        <a:font script="Nkoo" typeface="Ebrima"/>
+        <a:font script="Olck" typeface="Nirmala UI"/>
+        <a:font script="Osma" typeface="Ebrima"/>
+        <a:font script="Phag" typeface="Phagspa"/>
+        <a:font script="Syrn" typeface="Estrangelo Edessa"/>
+        <a:font script="Syrj" typeface="Estrangelo Edessa"/>
+        <a:font script="Syre" typeface="Estrangelo Edessa"/>
+        <a:font script="Sora" typeface="Nirmala UI"/>
+        <a:font script="Tale" typeface="Microsoft Tai Le"/>
+        <a:font script="Talu" typeface="Microsoft New Tai Lue"/>
+        <a:font script="Tfng" typeface="Ebrima"/>
+      </a:minorFont>
+    </a:fontScheme>
+    <a:fmtScheme name="Office">
+      <a:fillStyleLst>
+        <a:solidFill>
+          <a:schemeClr val="phClr"/>
+        </a:solidFill>
+        <a:gradFill rotWithShape="1">
+          <a:gsLst>
+            <a:gs pos="0">
+              <a:schemeClr val="phClr">
+                <a:lumMod val="110000"/>
+                <a:satMod val="105000"/>
+                <a:tint val="67000"/>
+              </a:schemeClr>
+            </a:gs>
+            <a:gs pos="50000">
+              <a:schemeClr val="phClr">
+                <a:lumMod val="105000"/>
+                <a:satMod val="103000"/>
+                <a:tint val="73000"/>
+              </a:schemeClr>
+            </a:gs>
+            <a:gs pos="100000">
+              <a:schemeClr val="phClr">
+                <a:lumMod val="105000"/>
+                <a:satMod val="109000"/>
+                <a:tint val="81000"/>
+              </a:schemeClr>
+            </a:gs>
+          </a:gsLst>
+          <a:lin ang="5400000" scaled="0"/>
+        </a:gradFill>
+        <a:gradFill rotWithShape="1">
+          <a:gsLst>
+            <a:gs pos="0">
+              <a:schemeClr val="phClr">
+                <a:satMod val="103000"/>
+                <a:lumMod val="102000"/>
+                <a:tint val="94000"/>
+              </a:schemeClr>
+            </a:gs>
+            <a:gs pos="50000">
+              <a:schemeClr val="phClr">
+                <a:satMod val="110000"/>
+                <a:lumMod val="100000"/>
+                <a:shade val="100000"/>
+              </a:schemeClr>
+            </a:gs>
+            <a:gs pos="100000">
+              <a:schemeClr val="phClr">
+                <a:lumMod val="99000"/>
+                <a:satMod val="120000"/>
+                <a:shade val="78000"/>
+              </a:schemeClr>
+            </a:gs>
+          </a:gsLst>
+          <a:lin ang="5400000" scaled="0"/>
+        </a:gradFill>
+      </a:fillStyleLst>
+      <a:lnStyleLst>
+        <a:ln w="6350" cap="flat" cmpd="sng" algn="ctr">
+          <a:solidFill>
+            <a:schemeClr val="phClr"/>
+          </a:solidFill>
+          <a:prstDash val="solid"/>
+          <a:miter lim="800000"/>
+        </a:ln>
+        <a:ln w="12700" cap="flat" cmpd="sng" algn="ctr">
+          <a:solidFill>
+            <a:schemeClr val="phClr"/>
+          </a:solidFill>
+          <a:prstDash val="solid"/>
+          <a:miter lim="800000"/>
+        </a:ln>
+        <a:ln w="19050" cap="flat" cmpd="sng" algn="ctr">
+          <a:solidFill>
+            <a:schemeClr val="phClr"/>
+          </a:solidFill>
+          <a:prstDash val="solid"/>
+          <a:miter lim="800000"/>
+        </a:ln>
+      </a:lnStyleLst>
+      <a:effectStyleLst>
+        <a:effectStyle>
+          <a:effectLst/>
+        </a:effectStyle>
+        <a:effectStyle>
+          <a:effectLst/>
+        </a:effectStyle>
+        <a:effectStyle>
+          <a:effectLst>
+            <a:outerShdw blurRad="57150" dist="19050" dir="5400000" algn="ctr" rotWithShape="0">
+              <a:srgbClr val="000000">
+                <a:alpha val="63000"/>
+              </a:srgbClr>
+            </a:outerShdw>
+          </a:effectLst>
+        </a:effectStyle>
+      </a:effectStyleLst>
+      <a:bgFillStyleLst>
+        <a:solidFill>
+          <a:schemeClr val="phClr"/>
+        </a:solidFill>
+        <a:solidFill>
+          <a:schemeClr val="phClr">
+            <a:tint val="95000"/>
+            <a:satMod val="170000"/>
+          </a:schemeClr>
+        </a:solidFill>
+        <a:gradFill rotWithShape="1">
+          <a:gsLst>
+            <a:gs pos="0">
+              <a:schemeClr val="phClr">
+                <a:tint val="93000"/>
+                <a:satMod val="150000"/>
+                <a:shade val="98000"/>
+                <a:lumMod val="102000"/>
+              </a:schemeClr>
+            </a:gs>
+            <a:gs pos="50000">
+              <a:schemeClr val="phClr">
+                <a:tint val="98000"/>
+                <a:satMod val="130000"/>
+                <a:shade val="90000"/>
+                <a:lumMod val="103000"/>
+              </a:schemeClr>
+            </a:gs>
+            <a:gs pos="100000">
+              <a:schemeClr val="phClr">
+                <a:shade val="63000"/>
+                <a:satMod val="120000"/>
+              </a:schemeClr>
+            </a:gs>
+          </a:gsLst>
+          <a:lin ang="5400000" scaled="0"/>
+        </a:gradFill>
+      </a:bgFillStyleLst>
+    </a:fmtScheme>
+  </a:themeElements>
+  <a:objectDefaults/>
+  <a:extraClrSchemeLst/>
+  <a:extLst>
+    <a:ext uri="{05A4C25C-085E-4340-85A3-A5531E510DB2}">
+      <thm15:themeFamily xmlns:thm15="http://schemas.microsoft.com/office/thememl/2012/main" name="Office Theme" id="{62F939B6-93AF-4DB8-9C6B-D6C7DFDC589F}" vid="{4A3C46E8-61CC-4603-A589-7422A47A8E4A}"/>
+    </a:ext>
+  </a:extLst>
+</a:theme>
 </file>